--- a/presentations/Clustering.pptx
+++ b/presentations/Clustering.pptx
@@ -5,7 +5,7 @@
     <p:sldMasterId id="2147483648" r:id="rId1"/>
   </p:sldMasterIdLst>
   <p:notesMasterIdLst>
-    <p:notesMasterId r:id="rId24"/>
+    <p:notesMasterId r:id="rId15"/>
   </p:notesMasterIdLst>
   <p:sldIdLst>
     <p:sldId id="257" r:id="rId2"/>
@@ -16,20 +16,11 @@
     <p:sldId id="262" r:id="rId7"/>
     <p:sldId id="264" r:id="rId8"/>
     <p:sldId id="266" r:id="rId9"/>
-    <p:sldId id="265" r:id="rId10"/>
-    <p:sldId id="267" r:id="rId11"/>
-    <p:sldId id="268" r:id="rId12"/>
-    <p:sldId id="270" r:id="rId13"/>
-    <p:sldId id="269" r:id="rId14"/>
-    <p:sldId id="271" r:id="rId15"/>
-    <p:sldId id="272" r:id="rId16"/>
-    <p:sldId id="274" r:id="rId17"/>
-    <p:sldId id="273" r:id="rId18"/>
-    <p:sldId id="279" r:id="rId19"/>
-    <p:sldId id="275" r:id="rId20"/>
-    <p:sldId id="277" r:id="rId21"/>
-    <p:sldId id="276" r:id="rId22"/>
-    <p:sldId id="278" r:id="rId23"/>
+    <p:sldId id="269" r:id="rId10"/>
+    <p:sldId id="268" r:id="rId11"/>
+    <p:sldId id="270" r:id="rId12"/>
+    <p:sldId id="271" r:id="rId13"/>
+    <p:sldId id="272" r:id="rId14"/>
   </p:sldIdLst>
   <p:sldSz cx="12192000" cy="6858000"/>
   <p:notesSz cx="6858000" cy="9144000"/>
@@ -494,90 +485,6 @@
     </a:lvl9pPr>
   </p:notesStyle>
 </p:notesMaster>
-</file>
-
-<file path=ppt/notesSlides/notesSlide1.xml><?xml version="1.0" encoding="utf-8"?>
-<p:notes xmlns:a="http://schemas.openxmlformats.org/drawingml/2006/main" xmlns:r="http://schemas.openxmlformats.org/officeDocument/2006/relationships" xmlns:p="http://schemas.openxmlformats.org/presentationml/2006/main">
-  <p:cSld>
-    <p:spTree>
-      <p:nvGrpSpPr>
-        <p:cNvPr id="1" name=""/>
-        <p:cNvGrpSpPr/>
-        <p:nvPr/>
-      </p:nvGrpSpPr>
-      <p:grpSpPr>
-        <a:xfrm>
-          <a:off x="0" y="0"/>
-          <a:ext cx="0" cy="0"/>
-          <a:chOff x="0" y="0"/>
-          <a:chExt cx="0" cy="0"/>
-        </a:xfrm>
-      </p:grpSpPr>
-      <p:sp>
-        <p:nvSpPr>
-          <p:cNvPr id="2" name="Folienbildplatzhalter 1"/>
-          <p:cNvSpPr>
-            <a:spLocks noGrp="1" noRot="1" noChangeAspect="1"/>
-          </p:cNvSpPr>
-          <p:nvPr>
-            <p:ph type="sldImg"/>
-          </p:nvPr>
-        </p:nvSpPr>
-        <p:spPr/>
-      </p:sp>
-      <p:sp>
-        <p:nvSpPr>
-          <p:cNvPr id="3" name="Notizenplatzhalter 2"/>
-          <p:cNvSpPr>
-            <a:spLocks noGrp="1"/>
-          </p:cNvSpPr>
-          <p:nvPr>
-            <p:ph type="body" idx="1"/>
-          </p:nvPr>
-        </p:nvSpPr>
-        <p:spPr/>
-        <p:txBody>
-          <a:bodyPr/>
-          <a:lstStyle/>
-          <a:p>
-            <a:endParaRPr lang="de-DE" dirty="0"/>
-          </a:p>
-        </p:txBody>
-      </p:sp>
-      <p:sp>
-        <p:nvSpPr>
-          <p:cNvPr id="4" name="Foliennummernplatzhalter 3"/>
-          <p:cNvSpPr>
-            <a:spLocks noGrp="1"/>
-          </p:cNvSpPr>
-          <p:nvPr>
-            <p:ph type="sldNum" sz="quarter" idx="10"/>
-          </p:nvPr>
-        </p:nvSpPr>
-        <p:spPr/>
-        <p:txBody>
-          <a:bodyPr/>
-          <a:lstStyle/>
-          <a:p>
-            <a:fld id="{09748B93-2A35-4639-AB71-C85517620C48}" type="slidenum">
-              <a:rPr lang="de-DE" smtClean="0"/>
-              <a:t>18</a:t>
-            </a:fld>
-            <a:endParaRPr lang="de-DE"/>
-          </a:p>
-        </p:txBody>
-      </p:sp>
-    </p:spTree>
-    <p:extLst>
-      <p:ext uri="{BB962C8B-B14F-4D97-AF65-F5344CB8AC3E}">
-        <p14:creationId xmlns:p14="http://schemas.microsoft.com/office/powerpoint/2010/main" val="585599835"/>
-      </p:ext>
-    </p:extLst>
-  </p:cSld>
-  <p:clrMapOvr>
-    <a:masterClrMapping/>
-  </p:clrMapOvr>
-</p:notes>
 </file>
 
 <file path=ppt/slideLayouts/slideLayout1.xml><?xml version="1.0" encoding="utf-8"?>
@@ -4215,17 +4122,58 @@
           <a:p>
             <a:r>
               <a:rPr lang="de-DE" dirty="0"/>
-              <a:t>Z-Werte / 8 Altersgruppen</a:t>
+              <a:t>Z-Werte /  Altersgruppen</a:t>
+            </a:r>
+          </a:p>
+        </p:txBody>
+      </p:sp>
+      <p:sp>
+        <p:nvSpPr>
+          <p:cNvPr id="10" name="TextBox 9">
+            <a:extLst>
+              <a:ext uri="{FF2B5EF4-FFF2-40B4-BE49-F238E27FC236}">
+                <a16:creationId xmlns:a16="http://schemas.microsoft.com/office/drawing/2014/main" id="{140A12DA-0ECD-8045-A50A-F11B9BEC367D}"/>
+              </a:ext>
+            </a:extLst>
+          </p:cNvPr>
+          <p:cNvSpPr txBox="1"/>
+          <p:nvPr/>
+        </p:nvSpPr>
+        <p:spPr>
+          <a:xfrm>
+            <a:off x="538947" y="5845026"/>
+            <a:ext cx="8630932" cy="646331"/>
+          </a:xfrm>
+          <a:prstGeom prst="rect">
+            <a:avLst/>
+          </a:prstGeom>
+          <a:noFill/>
+        </p:spPr>
+        <p:txBody>
+          <a:bodyPr wrap="square" rtlCol="0">
+            <a:spAutoFit/>
+          </a:bodyPr>
+          <a:lstStyle/>
+          <a:p>
+            <a:r>
+              <a:rPr lang="de-DE" dirty="0"/>
+              <a:t>Abb1: Kein signifikanter Unterschied (as obvious :D )</a:t>
+            </a:r>
+          </a:p>
+          <a:p>
+            <a:r>
+              <a:rPr lang="de-DE" dirty="0"/>
+              <a:t>Abb2: Keine signifikanten Unterschiede</a:t>
             </a:r>
           </a:p>
         </p:txBody>
       </p:sp>
       <p:graphicFrame>
         <p:nvGraphicFramePr>
-          <p:cNvPr id="9" name="Table 8">
-            <a:extLst>
-              <a:ext uri="{FF2B5EF4-FFF2-40B4-BE49-F238E27FC236}">
-                <a16:creationId xmlns:a16="http://schemas.microsoft.com/office/drawing/2014/main" id="{15FB80B1-12F7-56EC-B5B5-062FA843F498}"/>
+          <p:cNvPr id="3" name="Table 2">
+            <a:extLst>
+              <a:ext uri="{FF2B5EF4-FFF2-40B4-BE49-F238E27FC236}">
+                <a16:creationId xmlns:a16="http://schemas.microsoft.com/office/drawing/2014/main" id="{A4BF86F7-0FD6-C883-D85C-206078A2E843}"/>
               </a:ext>
             </a:extLst>
           </p:cNvPr>
@@ -4235,8 +4183,8 @@
           <p:nvPr/>
         </p:nvGraphicFramePr>
         <p:xfrm>
-          <a:off x="8869380" y="14108"/>
-          <a:ext cx="3322620" cy="1604858"/>
+          <a:off x="9169879" y="0"/>
+          <a:ext cx="3315066" cy="1578370"/>
         </p:xfrm>
         <a:graphic>
           <a:graphicData uri="http://schemas.openxmlformats.org/drawingml/2006/table">
@@ -4245,21 +4193,21 @@
                 <a:tableStyleId>{5C22544A-7EE6-4342-B048-85BDC9FD1C3A}</a:tableStyleId>
               </a:tblPr>
               <a:tblGrid>
-                <a:gridCol w="1107540">
+                <a:gridCol w="1105022">
                   <a:extLst>
                     <a:ext uri="{9D8B030D-6E8A-4147-A177-3AD203B41FA5}">
                       <a16:colId xmlns:a16="http://schemas.microsoft.com/office/drawing/2014/main" val="2087661091"/>
                     </a:ext>
                   </a:extLst>
                 </a:gridCol>
-                <a:gridCol w="1107540">
+                <a:gridCol w="1105022">
                   <a:extLst>
                     <a:ext uri="{9D8B030D-6E8A-4147-A177-3AD203B41FA5}">
                       <a16:colId xmlns:a16="http://schemas.microsoft.com/office/drawing/2014/main" val="4161442789"/>
                     </a:ext>
                   </a:extLst>
                 </a:gridCol>
-                <a:gridCol w="1107540">
+                <a:gridCol w="1105022">
                   <a:extLst>
                     <a:ext uri="{9D8B030D-6E8A-4147-A177-3AD203B41FA5}">
                       <a16:colId xmlns:a16="http://schemas.microsoft.com/office/drawing/2014/main" val="1065804868"/>
@@ -4267,7 +4215,7 @@
                   </a:extLst>
                 </a:gridCol>
               </a:tblGrid>
-              <a:tr h="518862">
+              <a:tr h="504617">
                 <a:tc>
                   <a:txBody>
                     <a:bodyPr/>
@@ -4358,7 +4306,7 @@
                   </a:ext>
                 </a:extLst>
               </a:tr>
-              <a:tr h="482389">
+              <a:tr h="469145">
                 <a:tc>
                   <a:txBody>
                     <a:bodyPr/>
@@ -4389,7 +4337,7 @@
                             <a:srgbClr val="FF0000"/>
                           </a:solidFill>
                         </a:rPr>
-                        <a:t>5</a:t>
+                        <a:t>14</a:t>
                       </a:r>
                     </a:p>
                   </a:txBody>
@@ -4408,7 +4356,7 @@
                             <a:srgbClr val="FF0000"/>
                           </a:solidFill>
                         </a:rPr>
-                        <a:t>23</a:t>
+                        <a:t>38</a:t>
                       </a:r>
                     </a:p>
                   </a:txBody>
@@ -4422,7 +4370,7 @@
                   </a:ext>
                 </a:extLst>
               </a:tr>
-              <a:tr h="482389">
+              <a:tr h="469145">
                 <a:tc>
                   <a:txBody>
                     <a:bodyPr/>
@@ -4453,7 +4401,7 @@
                             <a:srgbClr val="00B050"/>
                           </a:solidFill>
                         </a:rPr>
-                        <a:t>22</a:t>
+                        <a:t>13</a:t>
                       </a:r>
                     </a:p>
                   </a:txBody>
@@ -4472,7 +4420,7 @@
                             <a:srgbClr val="00B050"/>
                           </a:solidFill>
                         </a:rPr>
-                        <a:t>20</a:t>
+                        <a:t>5</a:t>
                       </a:r>
                     </a:p>
                   </a:txBody>
@@ -4490,59 +4438,12 @@
           </a:graphicData>
         </a:graphic>
       </p:graphicFrame>
-      <p:sp>
-        <p:nvSpPr>
-          <p:cNvPr id="10" name="TextBox 9">
-            <a:extLst>
-              <a:ext uri="{FF2B5EF4-FFF2-40B4-BE49-F238E27FC236}">
-                <a16:creationId xmlns:a16="http://schemas.microsoft.com/office/drawing/2014/main" id="{140A12DA-0ECD-8045-A50A-F11B9BEC367D}"/>
-              </a:ext>
-            </a:extLst>
-          </p:cNvPr>
-          <p:cNvSpPr txBox="1"/>
-          <p:nvPr/>
-        </p:nvSpPr>
-        <p:spPr>
-          <a:xfrm>
-            <a:off x="978894" y="5631243"/>
-            <a:ext cx="10666766" cy="923330"/>
-          </a:xfrm>
-          <a:prstGeom prst="rect">
-            <a:avLst/>
-          </a:prstGeom>
-          <a:noFill/>
-        </p:spPr>
-        <p:txBody>
-          <a:bodyPr wrap="square" rtlCol="0">
-            <a:spAutoFit/>
-          </a:bodyPr>
-          <a:lstStyle/>
-          <a:p>
-            <a:r>
-              <a:rPr lang="de-DE" dirty="0"/>
-              <a:t>Abb1: Signifikanter Unterschied im Facit zwischen C1 und C2</a:t>
-            </a:r>
-          </a:p>
-          <a:p>
-            <a:r>
-              <a:rPr lang="de-DE" dirty="0"/>
-              <a:t>Abb2: Vergleich withPCS p=.08 / Vergleich innerhalb C1 p=.07 / Vergleich innerhalb C2 p=.02</a:t>
-            </a:r>
-          </a:p>
-          <a:p>
-            <a:r>
-              <a:rPr lang="de-DE" dirty="0"/>
-              <a:t>-&gt; Damit habe ich jetzt nicht gerechnet, dass Unterschied in C2 signifikant wird und in C1 nicht </a:t>
-            </a:r>
-          </a:p>
-        </p:txBody>
-      </p:sp>
       <p:pic>
         <p:nvPicPr>
-          <p:cNvPr id="5" name="Picture 4" descr="A group of graphs with text&#10;&#10;Description automatically generated with medium confidence">
-            <a:extLst>
-              <a:ext uri="{FF2B5EF4-FFF2-40B4-BE49-F238E27FC236}">
-                <a16:creationId xmlns:a16="http://schemas.microsoft.com/office/drawing/2014/main" id="{F365295E-99BC-E3DE-CEB9-1FE3F5A57791}"/>
+          <p:cNvPr id="6" name="Picture 5" descr="A graph with a number of clusters&#10;&#10;Description automatically generated">
+            <a:extLst>
+              <a:ext uri="{FF2B5EF4-FFF2-40B4-BE49-F238E27FC236}">
+                <a16:creationId xmlns:a16="http://schemas.microsoft.com/office/drawing/2014/main" id="{570F6CAD-AAE6-907C-CF14-483BA2470452}"/>
               </a:ext>
             </a:extLst>
           </p:cNvPr>
@@ -4565,8 +4466,8 @@
         </p:blipFill>
         <p:spPr>
           <a:xfrm>
-            <a:off x="696946" y="1618966"/>
-            <a:ext cx="5121936" cy="3995025"/>
+            <a:off x="538947" y="1662379"/>
+            <a:ext cx="5116411" cy="4163932"/>
           </a:xfrm>
           <a:prstGeom prst="rect">
             <a:avLst/>
@@ -4575,10 +4476,10 @@
       </p:pic>
       <p:pic>
         <p:nvPicPr>
-          <p:cNvPr id="7" name="Picture 6" descr="A group of graphs with different colored squares&#10;&#10;Description automatically generated with medium confidence">
-            <a:extLst>
-              <a:ext uri="{FF2B5EF4-FFF2-40B4-BE49-F238E27FC236}">
-                <a16:creationId xmlns:a16="http://schemas.microsoft.com/office/drawing/2014/main" id="{B83D6A96-B146-FFAD-4D7F-55B0921E9822}"/>
+          <p:cNvPr id="11" name="Picture 10" descr="A graph of a number of clusters&#10;&#10;Description automatically generated with medium confidence">
+            <a:extLst>
+              <a:ext uri="{FF2B5EF4-FFF2-40B4-BE49-F238E27FC236}">
+                <a16:creationId xmlns:a16="http://schemas.microsoft.com/office/drawing/2014/main" id="{030613FF-28D0-993C-9DD1-B4060A50C90F}"/>
               </a:ext>
             </a:extLst>
           </p:cNvPr>
@@ -4601,8 +4502,8 @@
         </p:blipFill>
         <p:spPr>
           <a:xfrm>
-            <a:off x="6096000" y="1522965"/>
-            <a:ext cx="5308617" cy="4137273"/>
+            <a:off x="5880339" y="1662379"/>
+            <a:ext cx="5116411" cy="4163932"/>
           </a:xfrm>
           <a:prstGeom prst="rect">
             <a:avLst/>
@@ -4612,7 +4513,7 @@
     </p:spTree>
     <p:extLst>
       <p:ext uri="{BB962C8B-B14F-4D97-AF65-F5344CB8AC3E}">
-        <p14:creationId xmlns:p14="http://schemas.microsoft.com/office/powerpoint/2010/main" val="2070142149"/>
+        <p14:creationId xmlns:p14="http://schemas.microsoft.com/office/powerpoint/2010/main" val="71678526"/>
       </p:ext>
     </p:extLst>
   </p:cSld>
@@ -4662,7 +4563,448 @@
           <a:p>
             <a:r>
               <a:rPr lang="de-DE" dirty="0"/>
-              <a:t>Z-Werte / 4 Altersgruppen</a:t>
+              <a:t>Z-Werte /  Altersgruppen</a:t>
+            </a:r>
+          </a:p>
+        </p:txBody>
+      </p:sp>
+      <p:sp>
+        <p:nvSpPr>
+          <p:cNvPr id="10" name="TextBox 9">
+            <a:extLst>
+              <a:ext uri="{FF2B5EF4-FFF2-40B4-BE49-F238E27FC236}">
+                <a16:creationId xmlns:a16="http://schemas.microsoft.com/office/drawing/2014/main" id="{140A12DA-0ECD-8045-A50A-F11B9BEC367D}"/>
+              </a:ext>
+            </a:extLst>
+          </p:cNvPr>
+          <p:cNvSpPr txBox="1"/>
+          <p:nvPr/>
+        </p:nvSpPr>
+        <p:spPr>
+          <a:xfrm>
+            <a:off x="538946" y="5845026"/>
+            <a:ext cx="11653053" cy="923330"/>
+          </a:xfrm>
+          <a:prstGeom prst="rect">
+            <a:avLst/>
+          </a:prstGeom>
+          <a:noFill/>
+        </p:spPr>
+        <p:txBody>
+          <a:bodyPr wrap="square" rtlCol="0">
+            <a:spAutoFit/>
+          </a:bodyPr>
+          <a:lstStyle/>
+          <a:p>
+            <a:r>
+              <a:rPr lang="de-DE" dirty="0"/>
+              <a:t>Abb1: Signifikanter Unterschied im hads_d</a:t>
+            </a:r>
+          </a:p>
+          <a:p>
+            <a:r>
+              <a:rPr lang="de-DE" dirty="0"/>
+              <a:t>Abb2: Signifikanter Unterschied im psqi zwischen withoutPCS C1 &amp; C2. Signifikanter Unterschied im Facit innerhalb C1 und innerhalb C2.  Signifikanter Unterschied im hads_a/hads_b/psqi innerhalb C2.</a:t>
+            </a:r>
+          </a:p>
+        </p:txBody>
+      </p:sp>
+      <p:graphicFrame>
+        <p:nvGraphicFramePr>
+          <p:cNvPr id="3" name="Table 2">
+            <a:extLst>
+              <a:ext uri="{FF2B5EF4-FFF2-40B4-BE49-F238E27FC236}">
+                <a16:creationId xmlns:a16="http://schemas.microsoft.com/office/drawing/2014/main" id="{A4BF86F7-0FD6-C883-D85C-206078A2E843}"/>
+              </a:ext>
+            </a:extLst>
+          </p:cNvPr>
+          <p:cNvGraphicFramePr>
+            <a:graphicFrameLocks noGrp="1"/>
+          </p:cNvGraphicFramePr>
+          <p:nvPr/>
+        </p:nvGraphicFramePr>
+        <p:xfrm>
+          <a:off x="9169879" y="0"/>
+          <a:ext cx="3315066" cy="1578370"/>
+        </p:xfrm>
+        <a:graphic>
+          <a:graphicData uri="http://schemas.openxmlformats.org/drawingml/2006/table">
+            <a:tbl>
+              <a:tblPr firstRow="1" bandRow="1">
+                <a:tableStyleId>{5C22544A-7EE6-4342-B048-85BDC9FD1C3A}</a:tableStyleId>
+              </a:tblPr>
+              <a:tblGrid>
+                <a:gridCol w="1105022">
+                  <a:extLst>
+                    <a:ext uri="{9D8B030D-6E8A-4147-A177-3AD203B41FA5}">
+                      <a16:colId xmlns:a16="http://schemas.microsoft.com/office/drawing/2014/main" val="2087661091"/>
+                    </a:ext>
+                  </a:extLst>
+                </a:gridCol>
+                <a:gridCol w="1105022">
+                  <a:extLst>
+                    <a:ext uri="{9D8B030D-6E8A-4147-A177-3AD203B41FA5}">
+                      <a16:colId xmlns:a16="http://schemas.microsoft.com/office/drawing/2014/main" val="4161442789"/>
+                    </a:ext>
+                  </a:extLst>
+                </a:gridCol>
+                <a:gridCol w="1105022">
+                  <a:extLst>
+                    <a:ext uri="{9D8B030D-6E8A-4147-A177-3AD203B41FA5}">
+                      <a16:colId xmlns:a16="http://schemas.microsoft.com/office/drawing/2014/main" val="1065804868"/>
+                    </a:ext>
+                  </a:extLst>
+                </a:gridCol>
+              </a:tblGrid>
+              <a:tr h="504617">
+                <a:tc>
+                  <a:txBody>
+                    <a:bodyPr/>
+                    <a:lstStyle/>
+                    <a:p>
+                      <a:endParaRPr lang="de-DE" dirty="0">
+                        <a:solidFill>
+                          <a:schemeClr val="tx1"/>
+                        </a:solidFill>
+                      </a:endParaRPr>
+                    </a:p>
+                  </a:txBody>
+                  <a:tcPr>
+                    <a:noFill/>
+                  </a:tcPr>
+                </a:tc>
+                <a:tc>
+                  <a:txBody>
+                    <a:bodyPr/>
+                    <a:lstStyle/>
+                    <a:p>
+                      <a:r>
+                        <a:rPr lang="de-DE" dirty="0">
+                          <a:solidFill>
+                            <a:schemeClr val="tx1"/>
+                          </a:solidFill>
+                        </a:rPr>
+                        <a:t>Without</a:t>
+                      </a:r>
+                      <a:br>
+                        <a:rPr lang="de-DE" dirty="0">
+                          <a:solidFill>
+                            <a:schemeClr val="tx1"/>
+                          </a:solidFill>
+                        </a:rPr>
+                      </a:br>
+                      <a:r>
+                        <a:rPr lang="de-DE" dirty="0">
+                          <a:solidFill>
+                            <a:schemeClr val="tx1"/>
+                          </a:solidFill>
+                        </a:rPr>
+                        <a:t>PCS</a:t>
+                      </a:r>
+                    </a:p>
+                  </a:txBody>
+                  <a:tcPr>
+                    <a:noFill/>
+                  </a:tcPr>
+                </a:tc>
+                <a:tc>
+                  <a:txBody>
+                    <a:bodyPr/>
+                    <a:lstStyle/>
+                    <a:p>
+                      <a:r>
+                        <a:rPr lang="de-DE" dirty="0">
+                          <a:solidFill>
+                            <a:schemeClr val="tx1"/>
+                          </a:solidFill>
+                        </a:rPr>
+                        <a:t>With</a:t>
+                      </a:r>
+                      <a:br>
+                        <a:rPr lang="de-DE" dirty="0">
+                          <a:solidFill>
+                            <a:schemeClr val="tx1"/>
+                          </a:solidFill>
+                        </a:rPr>
+                      </a:br>
+                      <a:r>
+                        <a:rPr lang="de-DE" dirty="0">
+                          <a:solidFill>
+                            <a:schemeClr val="tx1"/>
+                          </a:solidFill>
+                        </a:rPr>
+                        <a:t>PCS</a:t>
+                      </a:r>
+                    </a:p>
+                  </a:txBody>
+                  <a:tcPr>
+                    <a:noFill/>
+                  </a:tcPr>
+                </a:tc>
+                <a:extLst>
+                  <a:ext uri="{0D108BD9-81ED-4DB2-BD59-A6C34878D82A}">
+                    <a16:rowId xmlns:a16="http://schemas.microsoft.com/office/drawing/2014/main" val="3931383551"/>
+                  </a:ext>
+                </a:extLst>
+              </a:tr>
+              <a:tr h="469145">
+                <a:tc>
+                  <a:txBody>
+                    <a:bodyPr/>
+                    <a:lstStyle/>
+                    <a:p>
+                      <a:r>
+                        <a:rPr lang="de-DE" dirty="0">
+                          <a:solidFill>
+                            <a:srgbClr val="FF0000"/>
+                          </a:solidFill>
+                        </a:rPr>
+                        <a:t>Cluster 1</a:t>
+                      </a:r>
+                    </a:p>
+                  </a:txBody>
+                  <a:tcPr>
+                    <a:noFill/>
+                  </a:tcPr>
+                </a:tc>
+                <a:tc>
+                  <a:txBody>
+                    <a:bodyPr/>
+                    <a:lstStyle/>
+                    <a:p>
+                      <a:r>
+                        <a:rPr lang="de-DE" dirty="0">
+                          <a:solidFill>
+                            <a:srgbClr val="FF0000"/>
+                          </a:solidFill>
+                        </a:rPr>
+                        <a:t>14</a:t>
+                      </a:r>
+                    </a:p>
+                  </a:txBody>
+                  <a:tcPr>
+                    <a:noFill/>
+                  </a:tcPr>
+                </a:tc>
+                <a:tc>
+                  <a:txBody>
+                    <a:bodyPr/>
+                    <a:lstStyle/>
+                    <a:p>
+                      <a:r>
+                        <a:rPr lang="de-DE" dirty="0">
+                          <a:solidFill>
+                            <a:srgbClr val="FF0000"/>
+                          </a:solidFill>
+                        </a:rPr>
+                        <a:t>38</a:t>
+                      </a:r>
+                    </a:p>
+                  </a:txBody>
+                  <a:tcPr>
+                    <a:noFill/>
+                  </a:tcPr>
+                </a:tc>
+                <a:extLst>
+                  <a:ext uri="{0D108BD9-81ED-4DB2-BD59-A6C34878D82A}">
+                    <a16:rowId xmlns:a16="http://schemas.microsoft.com/office/drawing/2014/main" val="3140929958"/>
+                  </a:ext>
+                </a:extLst>
+              </a:tr>
+              <a:tr h="469145">
+                <a:tc>
+                  <a:txBody>
+                    <a:bodyPr/>
+                    <a:lstStyle/>
+                    <a:p>
+                      <a:r>
+                        <a:rPr lang="de-DE" dirty="0">
+                          <a:solidFill>
+                            <a:srgbClr val="00B050"/>
+                          </a:solidFill>
+                        </a:rPr>
+                        <a:t>Cluster 2</a:t>
+                      </a:r>
+                    </a:p>
+                  </a:txBody>
+                  <a:tcPr>
+                    <a:noFill/>
+                  </a:tcPr>
+                </a:tc>
+                <a:tc>
+                  <a:txBody>
+                    <a:bodyPr/>
+                    <a:lstStyle/>
+                    <a:p>
+                      <a:r>
+                        <a:rPr lang="de-DE" dirty="0">
+                          <a:solidFill>
+                            <a:srgbClr val="00B050"/>
+                          </a:solidFill>
+                        </a:rPr>
+                        <a:t>13</a:t>
+                      </a:r>
+                    </a:p>
+                  </a:txBody>
+                  <a:tcPr>
+                    <a:noFill/>
+                  </a:tcPr>
+                </a:tc>
+                <a:tc>
+                  <a:txBody>
+                    <a:bodyPr/>
+                    <a:lstStyle/>
+                    <a:p>
+                      <a:r>
+                        <a:rPr lang="de-DE" dirty="0">
+                          <a:solidFill>
+                            <a:srgbClr val="00B050"/>
+                          </a:solidFill>
+                        </a:rPr>
+                        <a:t>5</a:t>
+                      </a:r>
+                    </a:p>
+                  </a:txBody>
+                  <a:tcPr>
+                    <a:noFill/>
+                  </a:tcPr>
+                </a:tc>
+                <a:extLst>
+                  <a:ext uri="{0D108BD9-81ED-4DB2-BD59-A6C34878D82A}">
+                    <a16:rowId xmlns:a16="http://schemas.microsoft.com/office/drawing/2014/main" val="2462120241"/>
+                  </a:ext>
+                </a:extLst>
+              </a:tr>
+            </a:tbl>
+          </a:graphicData>
+        </a:graphic>
+      </p:graphicFrame>
+      <p:pic>
+        <p:nvPicPr>
+          <p:cNvPr id="5" name="Picture 4" descr="A group of graphs with text&#10;&#10;Description automatically generated">
+            <a:extLst>
+              <a:ext uri="{FF2B5EF4-FFF2-40B4-BE49-F238E27FC236}">
+                <a16:creationId xmlns:a16="http://schemas.microsoft.com/office/drawing/2014/main" id="{533DA308-1E76-BCE1-5FD5-01673CC91114}"/>
+              </a:ext>
+            </a:extLst>
+          </p:cNvPr>
+          <p:cNvPicPr>
+            <a:picLocks noChangeAspect="1"/>
+          </p:cNvPicPr>
+          <p:nvPr/>
+        </p:nvPicPr>
+        <p:blipFill>
+          <a:blip r:embed="rId2">
+            <a:extLst>
+              <a:ext uri="{28A0092B-C50C-407E-A947-70E740481C1C}">
+                <a14:useLocalDpi xmlns:a14="http://schemas.microsoft.com/office/drawing/2010/main" val="0"/>
+              </a:ext>
+            </a:extLst>
+          </a:blip>
+          <a:stretch>
+            <a:fillRect/>
+          </a:stretch>
+        </p:blipFill>
+        <p:spPr>
+          <a:xfrm>
+            <a:off x="551144" y="1662379"/>
+            <a:ext cx="5116411" cy="4163932"/>
+          </a:xfrm>
+          <a:prstGeom prst="rect">
+            <a:avLst/>
+          </a:prstGeom>
+        </p:spPr>
+      </p:pic>
+      <p:pic>
+        <p:nvPicPr>
+          <p:cNvPr id="8" name="Picture 7" descr="A group of colored boxes with text&#10;&#10;Description automatically generated with medium confidence">
+            <a:extLst>
+              <a:ext uri="{FF2B5EF4-FFF2-40B4-BE49-F238E27FC236}">
+                <a16:creationId xmlns:a16="http://schemas.microsoft.com/office/drawing/2014/main" id="{E814ACCD-9BC3-BCE7-C854-C82A710CFC5B}"/>
+              </a:ext>
+            </a:extLst>
+          </p:cNvPr>
+          <p:cNvPicPr>
+            <a:picLocks noChangeAspect="1"/>
+          </p:cNvPicPr>
+          <p:nvPr/>
+        </p:nvPicPr>
+        <p:blipFill>
+          <a:blip r:embed="rId3">
+            <a:extLst>
+              <a:ext uri="{28A0092B-C50C-407E-A947-70E740481C1C}">
+                <a14:useLocalDpi xmlns:a14="http://schemas.microsoft.com/office/drawing/2010/main" val="0"/>
+              </a:ext>
+            </a:extLst>
+          </a:blip>
+          <a:stretch>
+            <a:fillRect/>
+          </a:stretch>
+        </p:blipFill>
+        <p:spPr>
+          <a:xfrm>
+            <a:off x="6096000" y="1676534"/>
+            <a:ext cx="5116411" cy="4163932"/>
+          </a:xfrm>
+          <a:prstGeom prst="rect">
+            <a:avLst/>
+          </a:prstGeom>
+        </p:spPr>
+      </p:pic>
+    </p:spTree>
+    <p:extLst>
+      <p:ext uri="{BB962C8B-B14F-4D97-AF65-F5344CB8AC3E}">
+        <p14:creationId xmlns:p14="http://schemas.microsoft.com/office/powerpoint/2010/main" val="3170890266"/>
+      </p:ext>
+    </p:extLst>
+  </p:cSld>
+  <p:clrMapOvr>
+    <a:masterClrMapping/>
+  </p:clrMapOvr>
+</p:sld>
+</file>
+
+<file path=ppt/slides/slide12.xml><?xml version="1.0" encoding="utf-8"?>
+<p:sld xmlns:a="http://schemas.openxmlformats.org/drawingml/2006/main" xmlns:r="http://schemas.openxmlformats.org/officeDocument/2006/relationships" xmlns:p="http://schemas.openxmlformats.org/presentationml/2006/main">
+  <p:cSld>
+    <p:spTree>
+      <p:nvGrpSpPr>
+        <p:cNvPr id="1" name=""/>
+        <p:cNvGrpSpPr/>
+        <p:nvPr/>
+      </p:nvGrpSpPr>
+      <p:grpSpPr>
+        <a:xfrm>
+          <a:off x="0" y="0"/>
+          <a:ext cx="0" cy="0"/>
+          <a:chOff x="0" y="0"/>
+          <a:chExt cx="0" cy="0"/>
+        </a:xfrm>
+      </p:grpSpPr>
+      <p:sp>
+        <p:nvSpPr>
+          <p:cNvPr id="2" name="Title 1">
+            <a:extLst>
+              <a:ext uri="{FF2B5EF4-FFF2-40B4-BE49-F238E27FC236}">
+                <a16:creationId xmlns:a16="http://schemas.microsoft.com/office/drawing/2014/main" id="{5FA92E7E-ADAC-9CF6-FBAD-455FD9799F37}"/>
+              </a:ext>
+            </a:extLst>
+          </p:cNvPr>
+          <p:cNvSpPr>
+            <a:spLocks noGrp="1"/>
+          </p:cNvSpPr>
+          <p:nvPr>
+            <p:ph type="title"/>
+          </p:nvPr>
+        </p:nvSpPr>
+        <p:spPr/>
+        <p:txBody>
+          <a:bodyPr/>
+          <a:lstStyle/>
+          <a:p>
+            <a:r>
+              <a:rPr lang="de-DE" dirty="0"/>
+              <a:t>Z-Werte / Altersgruppen</a:t>
             </a:r>
           </a:p>
         </p:txBody>
@@ -4682,13 +5024,13 @@
           <p:nvPr>
             <p:extLst>
               <p:ext uri="{D42A27DB-BD31-4B8C-83A1-F6EECF244321}">
-                <p14:modId xmlns:p14="http://schemas.microsoft.com/office/powerpoint/2010/main" val="3080420256"/>
+                <p14:modId xmlns:p14="http://schemas.microsoft.com/office/powerpoint/2010/main" val="3320236100"/>
               </p:ext>
             </p:extLst>
           </p:nvPr>
         </p:nvGraphicFramePr>
         <p:xfrm>
-          <a:off x="3673403" y="3607204"/>
+          <a:off x="5088502" y="3758118"/>
           <a:ext cx="4015242" cy="1830252"/>
         </p:xfrm>
         <a:graphic>
@@ -4842,7 +5184,7 @@
                             <a:srgbClr val="FF0000"/>
                           </a:solidFill>
                         </a:rPr>
-                        <a:t>7</a:t>
+                        <a:t>8</a:t>
                       </a:r>
                     </a:p>
                   </a:txBody>
@@ -4861,7 +5203,7 @@
                             <a:srgbClr val="FF0000"/>
                           </a:solidFill>
                         </a:rPr>
-                        <a:t>28</a:t>
+                        <a:t>33</a:t>
                       </a:r>
                     </a:p>
                   </a:txBody>
@@ -4906,7 +5248,7 @@
                             <a:srgbClr val="00B050"/>
                           </a:solidFill>
                         </a:rPr>
-                        <a:t>20</a:t>
+                        <a:t>19</a:t>
                       </a:r>
                     </a:p>
                   </a:txBody>
@@ -4925,7 +5267,7 @@
                             <a:srgbClr val="00B050"/>
                           </a:solidFill>
                         </a:rPr>
-                        <a:t>15</a:t>
+                        <a:t>10</a:t>
                       </a:r>
                     </a:p>
                   </a:txBody>
@@ -4955,16 +5297,10 @@
           <p:cNvGraphicFramePr>
             <a:graphicFrameLocks noGrp="1"/>
           </p:cNvGraphicFramePr>
-          <p:nvPr>
-            <p:extLst>
-              <p:ext uri="{D42A27DB-BD31-4B8C-83A1-F6EECF244321}">
-                <p14:modId xmlns:p14="http://schemas.microsoft.com/office/powerpoint/2010/main" val="125521986"/>
-              </p:ext>
-            </p:extLst>
-          </p:nvPr>
+          <p:nvPr/>
         </p:nvGraphicFramePr>
         <p:xfrm>
-          <a:off x="933091" y="1852160"/>
+          <a:off x="915838" y="1903918"/>
           <a:ext cx="1817288" cy="1854200"/>
         </p:xfrm>
         <a:graphic>
@@ -5116,7 +5452,7 @@
                     <a:p>
                       <a:r>
                         <a:rPr lang="de-DE" dirty="0"/>
-                        <a:t>50-59</a:t>
+                        <a:t>50-64</a:t>
                       </a:r>
                     </a:p>
                   </a:txBody>
@@ -5131,7 +5467,7 @@
                     <a:p>
                       <a:r>
                         <a:rPr lang="de-DE" dirty="0"/>
-                        <a:t>25</a:t>
+                        <a:t>33</a:t>
                       </a:r>
                     </a:p>
                   </a:txBody>
@@ -5153,7 +5489,7 @@
                     <a:p>
                       <a:r>
                         <a:rPr lang="de-DE" dirty="0"/>
-                        <a:t>60-80</a:t>
+                        <a:t>65-80</a:t>
                       </a:r>
                     </a:p>
                   </a:txBody>
@@ -5168,7 +5504,7 @@
                     <a:p>
                       <a:r>
                         <a:rPr lang="de-DE" dirty="0"/>
-                        <a:t>14</a:t>
+                        <a:t>6</a:t>
                       </a:r>
                     </a:p>
                   </a:txBody>
@@ -5186,10 +5522,80 @@
           </a:graphicData>
         </a:graphic>
       </p:graphicFrame>
+      <p:sp>
+        <p:nvSpPr>
+          <p:cNvPr id="4" name="TextBox 3">
+            <a:extLst>
+              <a:ext uri="{FF2B5EF4-FFF2-40B4-BE49-F238E27FC236}">
+                <a16:creationId xmlns:a16="http://schemas.microsoft.com/office/drawing/2014/main" id="{B755FA24-BE75-8BBC-35B3-37DB2BC89BE9}"/>
+              </a:ext>
+            </a:extLst>
+          </p:cNvPr>
+          <p:cNvSpPr txBox="1"/>
+          <p:nvPr/>
+        </p:nvSpPr>
+        <p:spPr>
+          <a:xfrm>
+            <a:off x="915838" y="1570008"/>
+            <a:ext cx="1887747" cy="369332"/>
+          </a:xfrm>
+          <a:prstGeom prst="rect">
+            <a:avLst/>
+          </a:prstGeom>
+          <a:noFill/>
+        </p:spPr>
+        <p:txBody>
+          <a:bodyPr wrap="square" rtlCol="0">
+            <a:spAutoFit/>
+          </a:bodyPr>
+          <a:lstStyle/>
+          <a:p>
+            <a:r>
+              <a:rPr lang="de-DE" dirty="0"/>
+              <a:t>Pvt &amp; tmt</a:t>
+            </a:r>
+          </a:p>
+        </p:txBody>
+      </p:sp>
+      <p:sp>
+        <p:nvSpPr>
+          <p:cNvPr id="5" name="TextBox 4">
+            <a:extLst>
+              <a:ext uri="{FF2B5EF4-FFF2-40B4-BE49-F238E27FC236}">
+                <a16:creationId xmlns:a16="http://schemas.microsoft.com/office/drawing/2014/main" id="{CE8F2BA8-104A-74AD-A4F2-D355BAC15E1D}"/>
+              </a:ext>
+            </a:extLst>
+          </p:cNvPr>
+          <p:cNvSpPr txBox="1"/>
+          <p:nvPr/>
+        </p:nvSpPr>
+        <p:spPr>
+          <a:xfrm>
+            <a:off x="3656164" y="1682062"/>
+            <a:ext cx="1887747" cy="923330"/>
+          </a:xfrm>
+          <a:prstGeom prst="rect">
+            <a:avLst/>
+          </a:prstGeom>
+          <a:noFill/>
+        </p:spPr>
+        <p:txBody>
+          <a:bodyPr wrap="square" rtlCol="0">
+            <a:spAutoFit/>
+          </a:bodyPr>
+          <a:lstStyle/>
+          <a:p>
+            <a:r>
+              <a:rPr lang="de-DE" dirty="0"/>
+              <a:t>Nback nicht für Clustering verwendet</a:t>
+            </a:r>
+          </a:p>
+        </p:txBody>
+      </p:sp>
     </p:spTree>
     <p:extLst>
       <p:ext uri="{BB962C8B-B14F-4D97-AF65-F5344CB8AC3E}">
-        <p14:creationId xmlns:p14="http://schemas.microsoft.com/office/powerpoint/2010/main" val="292597151"/>
+        <p14:creationId xmlns:p14="http://schemas.microsoft.com/office/powerpoint/2010/main" val="156434785"/>
       </p:ext>
     </p:extLst>
   </p:cSld>
@@ -5199,7 +5605,7 @@
 </p:sld>
 </file>
 
-<file path=ppt/slides/slide12.xml><?xml version="1.0" encoding="utf-8"?>
+<file path=ppt/slides/slide13.xml><?xml version="1.0" encoding="utf-8"?>
 <p:sld xmlns:a="http://schemas.openxmlformats.org/drawingml/2006/main" xmlns:r="http://schemas.openxmlformats.org/officeDocument/2006/relationships" xmlns:p="http://schemas.openxmlformats.org/presentationml/2006/main">
   <p:cSld>
     <p:spTree>
@@ -5239,27 +5645,33 @@
           <a:p>
             <a:r>
               <a:rPr lang="de-DE" dirty="0"/>
-              <a:t>Z-Werte / 4 Altersgruppen</a:t>
+              <a:t>Z-Werte / Altersgruppen</a:t>
             </a:r>
           </a:p>
         </p:txBody>
       </p:sp>
       <p:graphicFrame>
         <p:nvGraphicFramePr>
-          <p:cNvPr id="3" name="Table 2">
-            <a:extLst>
-              <a:ext uri="{FF2B5EF4-FFF2-40B4-BE49-F238E27FC236}">
-                <a16:creationId xmlns:a16="http://schemas.microsoft.com/office/drawing/2014/main" id="{9A46BDE9-32B9-C49C-5956-514952B1FEBE}"/>
+          <p:cNvPr id="6" name="Table 5">
+            <a:extLst>
+              <a:ext uri="{FF2B5EF4-FFF2-40B4-BE49-F238E27FC236}">
+                <a16:creationId xmlns:a16="http://schemas.microsoft.com/office/drawing/2014/main" id="{C34BBE34-C539-43D5-936F-D26836FFAE10}"/>
               </a:ext>
             </a:extLst>
           </p:cNvPr>
           <p:cNvGraphicFramePr>
             <a:graphicFrameLocks noGrp="1"/>
           </p:cNvGraphicFramePr>
-          <p:nvPr/>
+          <p:nvPr>
+            <p:extLst>
+              <p:ext uri="{D42A27DB-BD31-4B8C-83A1-F6EECF244321}">
+                <p14:modId xmlns:p14="http://schemas.microsoft.com/office/powerpoint/2010/main" val="306669254"/>
+              </p:ext>
+            </p:extLst>
+          </p:nvPr>
         </p:nvGraphicFramePr>
         <p:xfrm>
-          <a:off x="8788868" y="0"/>
+          <a:off x="5088502" y="3758118"/>
           <a:ext cx="4015242" cy="1830252"/>
         </p:xfrm>
         <a:graphic>
@@ -5413,7 +5825,7 @@
                             <a:srgbClr val="FF0000"/>
                           </a:solidFill>
                         </a:rPr>
-                        <a:t>7</a:t>
+                        <a:t>11</a:t>
                       </a:r>
                     </a:p>
                   </a:txBody>
@@ -5432,7 +5844,7 @@
                             <a:srgbClr val="FF0000"/>
                           </a:solidFill>
                         </a:rPr>
-                        <a:t>28</a:t>
+                        <a:t>38</a:t>
                       </a:r>
                     </a:p>
                   </a:txBody>
@@ -5477,7 +5889,7 @@
                             <a:srgbClr val="00B050"/>
                           </a:solidFill>
                         </a:rPr>
-                        <a:t>20</a:t>
+                        <a:t>16</a:t>
                       </a:r>
                     </a:p>
                   </a:txBody>
@@ -5496,1336 +5908,7 @@
                             <a:srgbClr val="00B050"/>
                           </a:solidFill>
                         </a:rPr>
-                        <a:t>15</a:t>
-                      </a:r>
-                    </a:p>
-                  </a:txBody>
-                  <a:tcPr>
-                    <a:noFill/>
-                  </a:tcPr>
-                </a:tc>
-                <a:extLst>
-                  <a:ext uri="{0D108BD9-81ED-4DB2-BD59-A6C34878D82A}">
-                    <a16:rowId xmlns:a16="http://schemas.microsoft.com/office/drawing/2014/main" val="2462120241"/>
-                  </a:ext>
-                </a:extLst>
-              </a:tr>
-            </a:tbl>
-          </a:graphicData>
-        </a:graphic>
-      </p:graphicFrame>
-      <p:sp>
-        <p:nvSpPr>
-          <p:cNvPr id="7" name="TextBox 6">
-            <a:extLst>
-              <a:ext uri="{FF2B5EF4-FFF2-40B4-BE49-F238E27FC236}">
-                <a16:creationId xmlns:a16="http://schemas.microsoft.com/office/drawing/2014/main" id="{B3765F88-3B60-3F01-690F-9BCFADA149E1}"/>
-              </a:ext>
-            </a:extLst>
-          </p:cNvPr>
-          <p:cNvSpPr txBox="1"/>
-          <p:nvPr/>
-        </p:nvSpPr>
-        <p:spPr>
-          <a:xfrm>
-            <a:off x="629717" y="5822998"/>
-            <a:ext cx="8159151" cy="923330"/>
-          </a:xfrm>
-          <a:prstGeom prst="rect">
-            <a:avLst/>
-          </a:prstGeom>
-          <a:noFill/>
-        </p:spPr>
-        <p:txBody>
-          <a:bodyPr wrap="square" rtlCol="0">
-            <a:spAutoFit/>
-          </a:bodyPr>
-          <a:lstStyle/>
-          <a:p>
-            <a:r>
-              <a:rPr lang="de-DE" dirty="0"/>
-              <a:t>Abbildung1: Alle Unterschiede signifikant</a:t>
-            </a:r>
-          </a:p>
-          <a:p>
-            <a:r>
-              <a:rPr lang="de-DE" dirty="0"/>
-              <a:t>Abbildung 2:  Alle Unterschiede zwischen with(out) C1 und with(out) C2 signifikant (Wenn keine z-Werte, dann tmt_b nicht signifikant)</a:t>
-            </a:r>
-          </a:p>
-        </p:txBody>
-      </p:sp>
-      <p:pic>
-        <p:nvPicPr>
-          <p:cNvPr id="13" name="Picture 12" descr="A group of graphs with text&#10;&#10;Description automatically generated with medium confidence">
-            <a:extLst>
-              <a:ext uri="{FF2B5EF4-FFF2-40B4-BE49-F238E27FC236}">
-                <a16:creationId xmlns:a16="http://schemas.microsoft.com/office/drawing/2014/main" id="{7F2BFEBF-BB6F-3FDE-091A-5C5FF217B10F}"/>
-              </a:ext>
-            </a:extLst>
-          </p:cNvPr>
-          <p:cNvPicPr>
-            <a:picLocks noChangeAspect="1"/>
-          </p:cNvPicPr>
-          <p:nvPr/>
-        </p:nvPicPr>
-        <p:blipFill>
-          <a:blip r:embed="rId2">
-            <a:extLst>
-              <a:ext uri="{28A0092B-C50C-407E-A947-70E740481C1C}">
-                <a14:useLocalDpi xmlns:a14="http://schemas.microsoft.com/office/drawing/2010/main" val="0"/>
-              </a:ext>
-            </a:extLst>
-          </a:blip>
-          <a:stretch>
-            <a:fillRect/>
-          </a:stretch>
-        </p:blipFill>
-        <p:spPr>
-          <a:xfrm>
-            <a:off x="435193" y="1564882"/>
-            <a:ext cx="5518264" cy="4258116"/>
-          </a:xfrm>
-          <a:prstGeom prst="rect">
-            <a:avLst/>
-          </a:prstGeom>
-        </p:spPr>
-      </p:pic>
-      <p:pic>
-        <p:nvPicPr>
-          <p:cNvPr id="15" name="Picture 14" descr="A screenshot of a graph&#10;&#10;Description automatically generated">
-            <a:extLst>
-              <a:ext uri="{FF2B5EF4-FFF2-40B4-BE49-F238E27FC236}">
-                <a16:creationId xmlns:a16="http://schemas.microsoft.com/office/drawing/2014/main" id="{A723CD78-0F86-2E7C-E82C-D1F6ABA65A94}"/>
-              </a:ext>
-            </a:extLst>
-          </p:cNvPr>
-          <p:cNvPicPr>
-            <a:picLocks noChangeAspect="1"/>
-          </p:cNvPicPr>
-          <p:nvPr/>
-        </p:nvPicPr>
-        <p:blipFill>
-          <a:blip r:embed="rId3">
-            <a:extLst>
-              <a:ext uri="{28A0092B-C50C-407E-A947-70E740481C1C}">
-                <a14:useLocalDpi xmlns:a14="http://schemas.microsoft.com/office/drawing/2010/main" val="0"/>
-              </a:ext>
-            </a:extLst>
-          </a:blip>
-          <a:stretch>
-            <a:fillRect/>
-          </a:stretch>
-        </p:blipFill>
-        <p:spPr>
-          <a:xfrm>
-            <a:off x="6096000" y="1564882"/>
-            <a:ext cx="5882591" cy="4580226"/>
-          </a:xfrm>
-          <a:prstGeom prst="rect">
-            <a:avLst/>
-          </a:prstGeom>
-        </p:spPr>
-      </p:pic>
-    </p:spTree>
-    <p:extLst>
-      <p:ext uri="{BB962C8B-B14F-4D97-AF65-F5344CB8AC3E}">
-        <p14:creationId xmlns:p14="http://schemas.microsoft.com/office/powerpoint/2010/main" val="3929803191"/>
-      </p:ext>
-    </p:extLst>
-  </p:cSld>
-  <p:clrMapOvr>
-    <a:masterClrMapping/>
-  </p:clrMapOvr>
-</p:sld>
-</file>
-
-<file path=ppt/slides/slide13.xml><?xml version="1.0" encoding="utf-8"?>
-<p:sld xmlns:a="http://schemas.openxmlformats.org/drawingml/2006/main" xmlns:r="http://schemas.openxmlformats.org/officeDocument/2006/relationships" xmlns:p="http://schemas.openxmlformats.org/presentationml/2006/main">
-  <p:cSld>
-    <p:spTree>
-      <p:nvGrpSpPr>
-        <p:cNvPr id="1" name=""/>
-        <p:cNvGrpSpPr/>
-        <p:nvPr/>
-      </p:nvGrpSpPr>
-      <p:grpSpPr>
-        <a:xfrm>
-          <a:off x="0" y="0"/>
-          <a:ext cx="0" cy="0"/>
-          <a:chOff x="0" y="0"/>
-          <a:chExt cx="0" cy="0"/>
-        </a:xfrm>
-      </p:grpSpPr>
-      <p:sp>
-        <p:nvSpPr>
-          <p:cNvPr id="2" name="Title 1">
-            <a:extLst>
-              <a:ext uri="{FF2B5EF4-FFF2-40B4-BE49-F238E27FC236}">
-                <a16:creationId xmlns:a16="http://schemas.microsoft.com/office/drawing/2014/main" id="{5FA92E7E-ADAC-9CF6-FBAD-455FD9799F37}"/>
-              </a:ext>
-            </a:extLst>
-          </p:cNvPr>
-          <p:cNvSpPr>
-            <a:spLocks noGrp="1"/>
-          </p:cNvSpPr>
-          <p:nvPr>
-            <p:ph type="title"/>
-          </p:nvPr>
-        </p:nvSpPr>
-        <p:spPr/>
-        <p:txBody>
-          <a:bodyPr/>
-          <a:lstStyle/>
-          <a:p>
-            <a:r>
-              <a:rPr lang="de-DE" dirty="0"/>
-              <a:t>Z-Werte / 4 Altersgruppen</a:t>
-            </a:r>
-          </a:p>
-        </p:txBody>
-      </p:sp>
-      <p:sp>
-        <p:nvSpPr>
-          <p:cNvPr id="10" name="TextBox 9">
-            <a:extLst>
-              <a:ext uri="{FF2B5EF4-FFF2-40B4-BE49-F238E27FC236}">
-                <a16:creationId xmlns:a16="http://schemas.microsoft.com/office/drawing/2014/main" id="{140A12DA-0ECD-8045-A50A-F11B9BEC367D}"/>
-              </a:ext>
-            </a:extLst>
-          </p:cNvPr>
-          <p:cNvSpPr txBox="1"/>
-          <p:nvPr/>
-        </p:nvSpPr>
-        <p:spPr>
-          <a:xfrm>
-            <a:off x="978894" y="5824460"/>
-            <a:ext cx="6612352" cy="369332"/>
-          </a:xfrm>
-          <a:prstGeom prst="rect">
-            <a:avLst/>
-          </a:prstGeom>
-          <a:noFill/>
-        </p:spPr>
-        <p:txBody>
-          <a:bodyPr wrap="square" rtlCol="0">
-            <a:spAutoFit/>
-          </a:bodyPr>
-          <a:lstStyle/>
-          <a:p>
-            <a:r>
-              <a:rPr lang="de-DE" dirty="0"/>
-              <a:t>Keine signifikanten Unterschiede im Hinblick der Altersverteilung</a:t>
-            </a:r>
-          </a:p>
-        </p:txBody>
-      </p:sp>
-      <p:graphicFrame>
-        <p:nvGraphicFramePr>
-          <p:cNvPr id="3" name="Table 2">
-            <a:extLst>
-              <a:ext uri="{FF2B5EF4-FFF2-40B4-BE49-F238E27FC236}">
-                <a16:creationId xmlns:a16="http://schemas.microsoft.com/office/drawing/2014/main" id="{9A46BDE9-32B9-C49C-5956-514952B1FEBE}"/>
-              </a:ext>
-            </a:extLst>
-          </p:cNvPr>
-          <p:cNvGraphicFramePr>
-            <a:graphicFrameLocks noGrp="1"/>
-          </p:cNvGraphicFramePr>
-          <p:nvPr>
-            <p:extLst>
-              <p:ext uri="{D42A27DB-BD31-4B8C-83A1-F6EECF244321}">
-                <p14:modId xmlns:p14="http://schemas.microsoft.com/office/powerpoint/2010/main" val="862119704"/>
-              </p:ext>
-            </p:extLst>
-          </p:nvPr>
-        </p:nvGraphicFramePr>
-        <p:xfrm>
-          <a:off x="8788868" y="0"/>
-          <a:ext cx="4015242" cy="1830252"/>
-        </p:xfrm>
-        <a:graphic>
-          <a:graphicData uri="http://schemas.openxmlformats.org/drawingml/2006/table">
-            <a:tbl>
-              <a:tblPr firstRow="1" bandRow="1">
-                <a:tableStyleId>{5C22544A-7EE6-4342-B048-85BDC9FD1C3A}</a:tableStyleId>
-              </a:tblPr>
-              <a:tblGrid>
-                <a:gridCol w="1338414">
-                  <a:extLst>
-                    <a:ext uri="{9D8B030D-6E8A-4147-A177-3AD203B41FA5}">
-                      <a16:colId xmlns:a16="http://schemas.microsoft.com/office/drawing/2014/main" val="2087661091"/>
-                    </a:ext>
-                  </a:extLst>
-                </a:gridCol>
-                <a:gridCol w="1338414">
-                  <a:extLst>
-                    <a:ext uri="{9D8B030D-6E8A-4147-A177-3AD203B41FA5}">
-                      <a16:colId xmlns:a16="http://schemas.microsoft.com/office/drawing/2014/main" val="4161442789"/>
-                    </a:ext>
-                  </a:extLst>
-                </a:gridCol>
-                <a:gridCol w="1338414">
-                  <a:extLst>
-                    <a:ext uri="{9D8B030D-6E8A-4147-A177-3AD203B41FA5}">
-                      <a16:colId xmlns:a16="http://schemas.microsoft.com/office/drawing/2014/main" val="1065804868"/>
-                    </a:ext>
-                  </a:extLst>
-                </a:gridCol>
-              </a:tblGrid>
-              <a:tr h="595086">
-                <a:tc>
-                  <a:txBody>
-                    <a:bodyPr/>
-                    <a:lstStyle/>
-                    <a:p>
-                      <a:endParaRPr lang="de-DE" dirty="0">
-                        <a:solidFill>
-                          <a:schemeClr val="tx1"/>
-                        </a:solidFill>
-                      </a:endParaRPr>
-                    </a:p>
-                  </a:txBody>
-                  <a:tcPr>
-                    <a:noFill/>
-                  </a:tcPr>
-                </a:tc>
-                <a:tc>
-                  <a:txBody>
-                    <a:bodyPr/>
-                    <a:lstStyle/>
-                    <a:p>
-                      <a:r>
-                        <a:rPr lang="de-DE" dirty="0">
-                          <a:solidFill>
-                            <a:schemeClr val="tx1"/>
-                          </a:solidFill>
-                        </a:rPr>
-                        <a:t>Without</a:t>
-                      </a:r>
-                      <a:br>
-                        <a:rPr lang="de-DE" dirty="0">
-                          <a:solidFill>
-                            <a:schemeClr val="tx1"/>
-                          </a:solidFill>
-                        </a:rPr>
-                      </a:br>
-                      <a:r>
-                        <a:rPr lang="de-DE" dirty="0">
-                          <a:solidFill>
-                            <a:schemeClr val="tx1"/>
-                          </a:solidFill>
-                        </a:rPr>
-                        <a:t>PCS</a:t>
-                      </a:r>
-                    </a:p>
-                  </a:txBody>
-                  <a:tcPr>
-                    <a:noFill/>
-                  </a:tcPr>
-                </a:tc>
-                <a:tc>
-                  <a:txBody>
-                    <a:bodyPr/>
-                    <a:lstStyle/>
-                    <a:p>
-                      <a:r>
-                        <a:rPr lang="de-DE" dirty="0">
-                          <a:solidFill>
-                            <a:schemeClr val="tx1"/>
-                          </a:solidFill>
-                        </a:rPr>
-                        <a:t>With</a:t>
-                      </a:r>
-                      <a:br>
-                        <a:rPr lang="de-DE" dirty="0">
-                          <a:solidFill>
-                            <a:schemeClr val="tx1"/>
-                          </a:solidFill>
-                        </a:rPr>
-                      </a:br>
-                      <a:r>
-                        <a:rPr lang="de-DE" dirty="0">
-                          <a:solidFill>
-                            <a:schemeClr val="tx1"/>
-                          </a:solidFill>
-                        </a:rPr>
-                        <a:t>PCS</a:t>
-                      </a:r>
-                    </a:p>
-                  </a:txBody>
-                  <a:tcPr>
-                    <a:noFill/>
-                  </a:tcPr>
-                </a:tc>
-                <a:extLst>
-                  <a:ext uri="{0D108BD9-81ED-4DB2-BD59-A6C34878D82A}">
-                    <a16:rowId xmlns:a16="http://schemas.microsoft.com/office/drawing/2014/main" val="3931383551"/>
-                  </a:ext>
-                </a:extLst>
-              </a:tr>
-              <a:tr h="595086">
-                <a:tc>
-                  <a:txBody>
-                    <a:bodyPr/>
-                    <a:lstStyle/>
-                    <a:p>
-                      <a:r>
-                        <a:rPr lang="de-DE" dirty="0">
-                          <a:solidFill>
-                            <a:srgbClr val="FF0000"/>
-                          </a:solidFill>
-                        </a:rPr>
-                        <a:t>Cluster 1</a:t>
-                      </a:r>
-                    </a:p>
-                  </a:txBody>
-                  <a:tcPr>
-                    <a:noFill/>
-                  </a:tcPr>
-                </a:tc>
-                <a:tc>
-                  <a:txBody>
-                    <a:bodyPr/>
-                    <a:lstStyle/>
-                    <a:p>
-                      <a:r>
-                        <a:rPr lang="de-DE" dirty="0">
-                          <a:solidFill>
-                            <a:srgbClr val="FF0000"/>
-                          </a:solidFill>
-                        </a:rPr>
-                        <a:t>7</a:t>
-                      </a:r>
-                    </a:p>
-                  </a:txBody>
-                  <a:tcPr>
-                    <a:noFill/>
-                  </a:tcPr>
-                </a:tc>
-                <a:tc>
-                  <a:txBody>
-                    <a:bodyPr/>
-                    <a:lstStyle/>
-                    <a:p>
-                      <a:r>
-                        <a:rPr lang="de-DE" dirty="0">
-                          <a:solidFill>
-                            <a:srgbClr val="FF0000"/>
-                          </a:solidFill>
-                        </a:rPr>
-                        <a:t>28</a:t>
-                      </a:r>
-                    </a:p>
-                  </a:txBody>
-                  <a:tcPr>
-                    <a:noFill/>
-                  </a:tcPr>
-                </a:tc>
-                <a:extLst>
-                  <a:ext uri="{0D108BD9-81ED-4DB2-BD59-A6C34878D82A}">
-                    <a16:rowId xmlns:a16="http://schemas.microsoft.com/office/drawing/2014/main" val="3140929958"/>
-                  </a:ext>
-                </a:extLst>
-              </a:tr>
-              <a:tr h="595086">
-                <a:tc>
-                  <a:txBody>
-                    <a:bodyPr/>
-                    <a:lstStyle/>
-                    <a:p>
-                      <a:r>
-                        <a:rPr lang="de-DE" dirty="0">
-                          <a:solidFill>
-                            <a:srgbClr val="00B050"/>
-                          </a:solidFill>
-                        </a:rPr>
-                        <a:t>Cluster 2</a:t>
-                      </a:r>
-                    </a:p>
-                  </a:txBody>
-                  <a:tcPr>
-                    <a:noFill/>
-                  </a:tcPr>
-                </a:tc>
-                <a:tc>
-                  <a:txBody>
-                    <a:bodyPr/>
-                    <a:lstStyle/>
-                    <a:p>
-                      <a:r>
-                        <a:rPr lang="de-DE" dirty="0">
-                          <a:solidFill>
-                            <a:srgbClr val="00B050"/>
-                          </a:solidFill>
-                        </a:rPr>
-                        <a:t>20</a:t>
-                      </a:r>
-                    </a:p>
-                  </a:txBody>
-                  <a:tcPr>
-                    <a:noFill/>
-                  </a:tcPr>
-                </a:tc>
-                <a:tc>
-                  <a:txBody>
-                    <a:bodyPr/>
-                    <a:lstStyle/>
-                    <a:p>
-                      <a:r>
-                        <a:rPr lang="de-DE" dirty="0">
-                          <a:solidFill>
-                            <a:srgbClr val="00B050"/>
-                          </a:solidFill>
-                        </a:rPr>
-                        <a:t>15</a:t>
-                      </a:r>
-                    </a:p>
-                  </a:txBody>
-                  <a:tcPr>
-                    <a:noFill/>
-                  </a:tcPr>
-                </a:tc>
-                <a:extLst>
-                  <a:ext uri="{0D108BD9-81ED-4DB2-BD59-A6C34878D82A}">
-                    <a16:rowId xmlns:a16="http://schemas.microsoft.com/office/drawing/2014/main" val="2462120241"/>
-                  </a:ext>
-                </a:extLst>
-              </a:tr>
-            </a:tbl>
-          </a:graphicData>
-        </a:graphic>
-      </p:graphicFrame>
-      <p:pic>
-        <p:nvPicPr>
-          <p:cNvPr id="6" name="Picture 5" descr="A graph with a number of boxes&#10;&#10;Description automatically generated with medium confidence">
-            <a:extLst>
-              <a:ext uri="{FF2B5EF4-FFF2-40B4-BE49-F238E27FC236}">
-                <a16:creationId xmlns:a16="http://schemas.microsoft.com/office/drawing/2014/main" id="{BA77657D-320B-2561-1891-FC6FABE21F76}"/>
-              </a:ext>
-            </a:extLst>
-          </p:cNvPr>
-          <p:cNvPicPr>
-            <a:picLocks noChangeAspect="1"/>
-          </p:cNvPicPr>
-          <p:nvPr/>
-        </p:nvPicPr>
-        <p:blipFill>
-          <a:blip r:embed="rId2">
-            <a:extLst>
-              <a:ext uri="{28A0092B-C50C-407E-A947-70E740481C1C}">
-                <a14:useLocalDpi xmlns:a14="http://schemas.microsoft.com/office/drawing/2010/main" val="0"/>
-              </a:ext>
-            </a:extLst>
-          </a:blip>
-          <a:stretch>
-            <a:fillRect/>
-          </a:stretch>
-        </p:blipFill>
-        <p:spPr>
-          <a:xfrm>
-            <a:off x="501060" y="1699314"/>
-            <a:ext cx="5323340" cy="4125146"/>
-          </a:xfrm>
-          <a:prstGeom prst="rect">
-            <a:avLst/>
-          </a:prstGeom>
-        </p:spPr>
-      </p:pic>
-      <p:pic>
-        <p:nvPicPr>
-          <p:cNvPr id="11" name="Picture 10" descr="A graph of a diagram&#10;&#10;Description automatically generated with medium confidence">
-            <a:extLst>
-              <a:ext uri="{FF2B5EF4-FFF2-40B4-BE49-F238E27FC236}">
-                <a16:creationId xmlns:a16="http://schemas.microsoft.com/office/drawing/2014/main" id="{EF3D64B5-956C-69BE-52D5-E234A12CA711}"/>
-              </a:ext>
-            </a:extLst>
-          </p:cNvPr>
-          <p:cNvPicPr>
-            <a:picLocks noChangeAspect="1"/>
-          </p:cNvPicPr>
-          <p:nvPr/>
-        </p:nvPicPr>
-        <p:blipFill>
-          <a:blip r:embed="rId3">
-            <a:extLst>
-              <a:ext uri="{28A0092B-C50C-407E-A947-70E740481C1C}">
-                <a14:useLocalDpi xmlns:a14="http://schemas.microsoft.com/office/drawing/2010/main" val="0"/>
-              </a:ext>
-            </a:extLst>
-          </a:blip>
-          <a:stretch>
-            <a:fillRect/>
-          </a:stretch>
-        </p:blipFill>
-        <p:spPr>
-          <a:xfrm>
-            <a:off x="5963716" y="1737957"/>
-            <a:ext cx="5249390" cy="4125146"/>
-          </a:xfrm>
-          <a:prstGeom prst="rect">
-            <a:avLst/>
-          </a:prstGeom>
-        </p:spPr>
-      </p:pic>
-    </p:spTree>
-    <p:extLst>
-      <p:ext uri="{BB962C8B-B14F-4D97-AF65-F5344CB8AC3E}">
-        <p14:creationId xmlns:p14="http://schemas.microsoft.com/office/powerpoint/2010/main" val="4027712875"/>
-      </p:ext>
-    </p:extLst>
-  </p:cSld>
-  <p:clrMapOvr>
-    <a:masterClrMapping/>
-  </p:clrMapOvr>
-</p:sld>
-</file>
-
-<file path=ppt/slides/slide14.xml><?xml version="1.0" encoding="utf-8"?>
-<p:sld xmlns:a="http://schemas.openxmlformats.org/drawingml/2006/main" xmlns:r="http://schemas.openxmlformats.org/officeDocument/2006/relationships" xmlns:p="http://schemas.openxmlformats.org/presentationml/2006/main">
-  <p:cSld>
-    <p:spTree>
-      <p:nvGrpSpPr>
-        <p:cNvPr id="1" name=""/>
-        <p:cNvGrpSpPr/>
-        <p:nvPr/>
-      </p:nvGrpSpPr>
-      <p:grpSpPr>
-        <a:xfrm>
-          <a:off x="0" y="0"/>
-          <a:ext cx="0" cy="0"/>
-          <a:chOff x="0" y="0"/>
-          <a:chExt cx="0" cy="0"/>
-        </a:xfrm>
-      </p:grpSpPr>
-      <p:sp>
-        <p:nvSpPr>
-          <p:cNvPr id="2" name="Title 1">
-            <a:extLst>
-              <a:ext uri="{FF2B5EF4-FFF2-40B4-BE49-F238E27FC236}">
-                <a16:creationId xmlns:a16="http://schemas.microsoft.com/office/drawing/2014/main" id="{5FA92E7E-ADAC-9CF6-FBAD-455FD9799F37}"/>
-              </a:ext>
-            </a:extLst>
-          </p:cNvPr>
-          <p:cNvSpPr>
-            <a:spLocks noGrp="1"/>
-          </p:cNvSpPr>
-          <p:nvPr>
-            <p:ph type="title"/>
-          </p:nvPr>
-        </p:nvSpPr>
-        <p:spPr/>
-        <p:txBody>
-          <a:bodyPr/>
-          <a:lstStyle/>
-          <a:p>
-            <a:r>
-              <a:rPr lang="de-DE" dirty="0"/>
-              <a:t>Z-Werte / 4 Altersgruppen</a:t>
-            </a:r>
-          </a:p>
-        </p:txBody>
-      </p:sp>
-      <p:graphicFrame>
-        <p:nvGraphicFramePr>
-          <p:cNvPr id="3" name="Table 2">
-            <a:extLst>
-              <a:ext uri="{FF2B5EF4-FFF2-40B4-BE49-F238E27FC236}">
-                <a16:creationId xmlns:a16="http://schemas.microsoft.com/office/drawing/2014/main" id="{9A46BDE9-32B9-C49C-5956-514952B1FEBE}"/>
-              </a:ext>
-            </a:extLst>
-          </p:cNvPr>
-          <p:cNvGraphicFramePr>
-            <a:graphicFrameLocks noGrp="1"/>
-          </p:cNvGraphicFramePr>
-          <p:nvPr/>
-        </p:nvGraphicFramePr>
-        <p:xfrm>
-          <a:off x="8788868" y="0"/>
-          <a:ext cx="4015242" cy="1830252"/>
-        </p:xfrm>
-        <a:graphic>
-          <a:graphicData uri="http://schemas.openxmlformats.org/drawingml/2006/table">
-            <a:tbl>
-              <a:tblPr firstRow="1" bandRow="1">
-                <a:tableStyleId>{5C22544A-7EE6-4342-B048-85BDC9FD1C3A}</a:tableStyleId>
-              </a:tblPr>
-              <a:tblGrid>
-                <a:gridCol w="1338414">
-                  <a:extLst>
-                    <a:ext uri="{9D8B030D-6E8A-4147-A177-3AD203B41FA5}">
-                      <a16:colId xmlns:a16="http://schemas.microsoft.com/office/drawing/2014/main" val="2087661091"/>
-                    </a:ext>
-                  </a:extLst>
-                </a:gridCol>
-                <a:gridCol w="1338414">
-                  <a:extLst>
-                    <a:ext uri="{9D8B030D-6E8A-4147-A177-3AD203B41FA5}">
-                      <a16:colId xmlns:a16="http://schemas.microsoft.com/office/drawing/2014/main" val="4161442789"/>
-                    </a:ext>
-                  </a:extLst>
-                </a:gridCol>
-                <a:gridCol w="1338414">
-                  <a:extLst>
-                    <a:ext uri="{9D8B030D-6E8A-4147-A177-3AD203B41FA5}">
-                      <a16:colId xmlns:a16="http://schemas.microsoft.com/office/drawing/2014/main" val="1065804868"/>
-                    </a:ext>
-                  </a:extLst>
-                </a:gridCol>
-              </a:tblGrid>
-              <a:tr h="595086">
-                <a:tc>
-                  <a:txBody>
-                    <a:bodyPr/>
-                    <a:lstStyle/>
-                    <a:p>
-                      <a:endParaRPr lang="de-DE" dirty="0">
-                        <a:solidFill>
-                          <a:schemeClr val="tx1"/>
-                        </a:solidFill>
-                      </a:endParaRPr>
-                    </a:p>
-                  </a:txBody>
-                  <a:tcPr>
-                    <a:noFill/>
-                  </a:tcPr>
-                </a:tc>
-                <a:tc>
-                  <a:txBody>
-                    <a:bodyPr/>
-                    <a:lstStyle/>
-                    <a:p>
-                      <a:r>
-                        <a:rPr lang="de-DE" dirty="0">
-                          <a:solidFill>
-                            <a:schemeClr val="tx1"/>
-                          </a:solidFill>
-                        </a:rPr>
-                        <a:t>Without</a:t>
-                      </a:r>
-                      <a:br>
-                        <a:rPr lang="de-DE" dirty="0">
-                          <a:solidFill>
-                            <a:schemeClr val="tx1"/>
-                          </a:solidFill>
-                        </a:rPr>
-                      </a:br>
-                      <a:r>
-                        <a:rPr lang="de-DE" dirty="0">
-                          <a:solidFill>
-                            <a:schemeClr val="tx1"/>
-                          </a:solidFill>
-                        </a:rPr>
-                        <a:t>PCS</a:t>
-                      </a:r>
-                    </a:p>
-                  </a:txBody>
-                  <a:tcPr>
-                    <a:noFill/>
-                  </a:tcPr>
-                </a:tc>
-                <a:tc>
-                  <a:txBody>
-                    <a:bodyPr/>
-                    <a:lstStyle/>
-                    <a:p>
-                      <a:r>
-                        <a:rPr lang="de-DE" dirty="0">
-                          <a:solidFill>
-                            <a:schemeClr val="tx1"/>
-                          </a:solidFill>
-                        </a:rPr>
-                        <a:t>With</a:t>
-                      </a:r>
-                      <a:br>
-                        <a:rPr lang="de-DE" dirty="0">
-                          <a:solidFill>
-                            <a:schemeClr val="tx1"/>
-                          </a:solidFill>
-                        </a:rPr>
-                      </a:br>
-                      <a:r>
-                        <a:rPr lang="de-DE" dirty="0">
-                          <a:solidFill>
-                            <a:schemeClr val="tx1"/>
-                          </a:solidFill>
-                        </a:rPr>
-                        <a:t>PCS</a:t>
-                      </a:r>
-                    </a:p>
-                  </a:txBody>
-                  <a:tcPr>
-                    <a:noFill/>
-                  </a:tcPr>
-                </a:tc>
-                <a:extLst>
-                  <a:ext uri="{0D108BD9-81ED-4DB2-BD59-A6C34878D82A}">
-                    <a16:rowId xmlns:a16="http://schemas.microsoft.com/office/drawing/2014/main" val="3931383551"/>
-                  </a:ext>
-                </a:extLst>
-              </a:tr>
-              <a:tr h="595086">
-                <a:tc>
-                  <a:txBody>
-                    <a:bodyPr/>
-                    <a:lstStyle/>
-                    <a:p>
-                      <a:r>
-                        <a:rPr lang="de-DE" dirty="0">
-                          <a:solidFill>
-                            <a:srgbClr val="FF0000"/>
-                          </a:solidFill>
-                        </a:rPr>
-                        <a:t>Cluster 1</a:t>
-                      </a:r>
-                    </a:p>
-                  </a:txBody>
-                  <a:tcPr>
-                    <a:noFill/>
-                  </a:tcPr>
-                </a:tc>
-                <a:tc>
-                  <a:txBody>
-                    <a:bodyPr/>
-                    <a:lstStyle/>
-                    <a:p>
-                      <a:r>
-                        <a:rPr lang="de-DE" dirty="0">
-                          <a:solidFill>
-                            <a:srgbClr val="FF0000"/>
-                          </a:solidFill>
-                        </a:rPr>
-                        <a:t>7</a:t>
-                      </a:r>
-                    </a:p>
-                  </a:txBody>
-                  <a:tcPr>
-                    <a:noFill/>
-                  </a:tcPr>
-                </a:tc>
-                <a:tc>
-                  <a:txBody>
-                    <a:bodyPr/>
-                    <a:lstStyle/>
-                    <a:p>
-                      <a:r>
-                        <a:rPr lang="de-DE" dirty="0">
-                          <a:solidFill>
-                            <a:srgbClr val="FF0000"/>
-                          </a:solidFill>
-                        </a:rPr>
-                        <a:t>28</a:t>
-                      </a:r>
-                    </a:p>
-                  </a:txBody>
-                  <a:tcPr>
-                    <a:noFill/>
-                  </a:tcPr>
-                </a:tc>
-                <a:extLst>
-                  <a:ext uri="{0D108BD9-81ED-4DB2-BD59-A6C34878D82A}">
-                    <a16:rowId xmlns:a16="http://schemas.microsoft.com/office/drawing/2014/main" val="3140929958"/>
-                  </a:ext>
-                </a:extLst>
-              </a:tr>
-              <a:tr h="595086">
-                <a:tc>
-                  <a:txBody>
-                    <a:bodyPr/>
-                    <a:lstStyle/>
-                    <a:p>
-                      <a:r>
-                        <a:rPr lang="de-DE" dirty="0">
-                          <a:solidFill>
-                            <a:srgbClr val="00B050"/>
-                          </a:solidFill>
-                        </a:rPr>
-                        <a:t>Cluster 2</a:t>
-                      </a:r>
-                    </a:p>
-                  </a:txBody>
-                  <a:tcPr>
-                    <a:noFill/>
-                  </a:tcPr>
-                </a:tc>
-                <a:tc>
-                  <a:txBody>
-                    <a:bodyPr/>
-                    <a:lstStyle/>
-                    <a:p>
-                      <a:r>
-                        <a:rPr lang="de-DE" dirty="0">
-                          <a:solidFill>
-                            <a:srgbClr val="00B050"/>
-                          </a:solidFill>
-                        </a:rPr>
-                        <a:t>20</a:t>
-                      </a:r>
-                    </a:p>
-                  </a:txBody>
-                  <a:tcPr>
-                    <a:noFill/>
-                  </a:tcPr>
-                </a:tc>
-                <a:tc>
-                  <a:txBody>
-                    <a:bodyPr/>
-                    <a:lstStyle/>
-                    <a:p>
-                      <a:r>
-                        <a:rPr lang="de-DE" dirty="0">
-                          <a:solidFill>
-                            <a:srgbClr val="00B050"/>
-                          </a:solidFill>
-                        </a:rPr>
-                        <a:t>15</a:t>
-                      </a:r>
-                    </a:p>
-                  </a:txBody>
-                  <a:tcPr>
-                    <a:noFill/>
-                  </a:tcPr>
-                </a:tc>
-                <a:extLst>
-                  <a:ext uri="{0D108BD9-81ED-4DB2-BD59-A6C34878D82A}">
-                    <a16:rowId xmlns:a16="http://schemas.microsoft.com/office/drawing/2014/main" val="2462120241"/>
-                  </a:ext>
-                </a:extLst>
-              </a:tr>
-            </a:tbl>
-          </a:graphicData>
-        </a:graphic>
-      </p:graphicFrame>
-      <p:pic>
-        <p:nvPicPr>
-          <p:cNvPr id="5" name="Picture 4" descr="A group of graphs with text&#10;&#10;Description automatically generated with medium confidence">
-            <a:extLst>
-              <a:ext uri="{FF2B5EF4-FFF2-40B4-BE49-F238E27FC236}">
-                <a16:creationId xmlns:a16="http://schemas.microsoft.com/office/drawing/2014/main" id="{37ACD049-EA35-A3D4-B465-6B8CEF9DA61A}"/>
-              </a:ext>
-            </a:extLst>
-          </p:cNvPr>
-          <p:cNvPicPr>
-            <a:picLocks noChangeAspect="1"/>
-          </p:cNvPicPr>
-          <p:nvPr/>
-        </p:nvPicPr>
-        <p:blipFill>
-          <a:blip r:embed="rId2">
-            <a:extLst>
-              <a:ext uri="{28A0092B-C50C-407E-A947-70E740481C1C}">
-                <a14:useLocalDpi xmlns:a14="http://schemas.microsoft.com/office/drawing/2010/main" val="0"/>
-              </a:ext>
-            </a:extLst>
-          </a:blip>
-          <a:stretch>
-            <a:fillRect/>
-          </a:stretch>
-        </p:blipFill>
-        <p:spPr>
-          <a:xfrm>
-            <a:off x="714326" y="1690688"/>
-            <a:ext cx="5249390" cy="4056936"/>
-          </a:xfrm>
-          <a:prstGeom prst="rect">
-            <a:avLst/>
-          </a:prstGeom>
-        </p:spPr>
-      </p:pic>
-      <p:pic>
-        <p:nvPicPr>
-          <p:cNvPr id="8" name="Picture 7" descr="A group of blue and pink boxes&#10;&#10;Description automatically generated">
-            <a:extLst>
-              <a:ext uri="{FF2B5EF4-FFF2-40B4-BE49-F238E27FC236}">
-                <a16:creationId xmlns:a16="http://schemas.microsoft.com/office/drawing/2014/main" id="{82C25BEB-996D-A683-A143-040C716AC735}"/>
-              </a:ext>
-            </a:extLst>
-          </p:cNvPr>
-          <p:cNvPicPr>
-            <a:picLocks noChangeAspect="1"/>
-          </p:cNvPicPr>
-          <p:nvPr/>
-        </p:nvPicPr>
-        <p:blipFill>
-          <a:blip r:embed="rId3">
-            <a:extLst>
-              <a:ext uri="{28A0092B-C50C-407E-A947-70E740481C1C}">
-                <a14:useLocalDpi xmlns:a14="http://schemas.microsoft.com/office/drawing/2010/main" val="0"/>
-              </a:ext>
-            </a:extLst>
-          </a:blip>
-          <a:stretch>
-            <a:fillRect/>
-          </a:stretch>
-        </p:blipFill>
-        <p:spPr>
-          <a:xfrm>
-            <a:off x="6184105" y="1687694"/>
-            <a:ext cx="5169695" cy="4043409"/>
-          </a:xfrm>
-          <a:prstGeom prst="rect">
-            <a:avLst/>
-          </a:prstGeom>
-        </p:spPr>
-      </p:pic>
-      <p:sp>
-        <p:nvSpPr>
-          <p:cNvPr id="12" name="TextBox 11">
-            <a:extLst>
-              <a:ext uri="{FF2B5EF4-FFF2-40B4-BE49-F238E27FC236}">
-                <a16:creationId xmlns:a16="http://schemas.microsoft.com/office/drawing/2014/main" id="{6BEC75EB-348A-8361-08CC-68E2C09FE4C6}"/>
-              </a:ext>
-            </a:extLst>
-          </p:cNvPr>
-          <p:cNvSpPr txBox="1"/>
-          <p:nvPr/>
-        </p:nvSpPr>
-        <p:spPr>
-          <a:xfrm>
-            <a:off x="841063" y="5731103"/>
-            <a:ext cx="9976462" cy="646331"/>
-          </a:xfrm>
-          <a:prstGeom prst="rect">
-            <a:avLst/>
-          </a:prstGeom>
-          <a:noFill/>
-        </p:spPr>
-        <p:txBody>
-          <a:bodyPr wrap="square">
-            <a:spAutoFit/>
-          </a:bodyPr>
-          <a:lstStyle/>
-          <a:p>
-            <a:r>
-              <a:rPr lang="de-DE" dirty="0"/>
-              <a:t>Abb1: Keine signifikanten Unterschiede</a:t>
-            </a:r>
-          </a:p>
-          <a:p>
-            <a:r>
-              <a:rPr lang="de-DE" dirty="0"/>
-              <a:t>Abb2: Signifikante Unterschiede im Facit/hads_a/psqi zwischen withPCS &amp; withoutPCS im Cluster2</a:t>
-            </a:r>
-          </a:p>
-        </p:txBody>
-      </p:sp>
-    </p:spTree>
-    <p:extLst>
-      <p:ext uri="{BB962C8B-B14F-4D97-AF65-F5344CB8AC3E}">
-        <p14:creationId xmlns:p14="http://schemas.microsoft.com/office/powerpoint/2010/main" val="3004642550"/>
-      </p:ext>
-    </p:extLst>
-  </p:cSld>
-  <p:clrMapOvr>
-    <a:masterClrMapping/>
-  </p:clrMapOvr>
-</p:sld>
-</file>
-
-<file path=ppt/slides/slide15.xml><?xml version="1.0" encoding="utf-8"?>
-<p:sld xmlns:a="http://schemas.openxmlformats.org/drawingml/2006/main" xmlns:r="http://schemas.openxmlformats.org/officeDocument/2006/relationships" xmlns:p="http://schemas.openxmlformats.org/presentationml/2006/main">
-  <p:cSld>
-    <p:spTree>
-      <p:nvGrpSpPr>
-        <p:cNvPr id="1" name=""/>
-        <p:cNvGrpSpPr/>
-        <p:nvPr/>
-      </p:nvGrpSpPr>
-      <p:grpSpPr>
-        <a:xfrm>
-          <a:off x="0" y="0"/>
-          <a:ext cx="0" cy="0"/>
-          <a:chOff x="0" y="0"/>
-          <a:chExt cx="0" cy="0"/>
-        </a:xfrm>
-      </p:grpSpPr>
-      <p:sp>
-        <p:nvSpPr>
-          <p:cNvPr id="2" name="Title 1">
-            <a:extLst>
-              <a:ext uri="{FF2B5EF4-FFF2-40B4-BE49-F238E27FC236}">
-                <a16:creationId xmlns:a16="http://schemas.microsoft.com/office/drawing/2014/main" id="{5FA92E7E-ADAC-9CF6-FBAD-455FD9799F37}"/>
-              </a:ext>
-            </a:extLst>
-          </p:cNvPr>
-          <p:cNvSpPr>
-            <a:spLocks noGrp="1"/>
-          </p:cNvSpPr>
-          <p:nvPr>
-            <p:ph type="title"/>
-          </p:nvPr>
-        </p:nvSpPr>
-        <p:spPr/>
-        <p:txBody>
-          <a:bodyPr/>
-          <a:lstStyle/>
-          <a:p>
-            <a:r>
-              <a:rPr lang="de-DE" dirty="0"/>
-              <a:t>Z-Werte / 3 Altersgruppen</a:t>
-            </a:r>
-          </a:p>
-        </p:txBody>
-      </p:sp>
-      <p:graphicFrame>
-        <p:nvGraphicFramePr>
-          <p:cNvPr id="6" name="Table 5">
-            <a:extLst>
-              <a:ext uri="{FF2B5EF4-FFF2-40B4-BE49-F238E27FC236}">
-                <a16:creationId xmlns:a16="http://schemas.microsoft.com/office/drawing/2014/main" id="{C34BBE34-C539-43D5-936F-D26836FFAE10}"/>
-              </a:ext>
-            </a:extLst>
-          </p:cNvPr>
-          <p:cNvGraphicFramePr>
-            <a:graphicFrameLocks noGrp="1"/>
-          </p:cNvGraphicFramePr>
-          <p:nvPr>
-            <p:extLst>
-              <p:ext uri="{D42A27DB-BD31-4B8C-83A1-F6EECF244321}">
-                <p14:modId xmlns:p14="http://schemas.microsoft.com/office/powerpoint/2010/main" val="2151644699"/>
-              </p:ext>
-            </p:extLst>
-          </p:nvPr>
-        </p:nvGraphicFramePr>
-        <p:xfrm>
-          <a:off x="3673403" y="3607204"/>
-          <a:ext cx="4015242" cy="1830252"/>
-        </p:xfrm>
-        <a:graphic>
-          <a:graphicData uri="http://schemas.openxmlformats.org/drawingml/2006/table">
-            <a:tbl>
-              <a:tblPr firstRow="1" bandRow="1">
-                <a:tableStyleId>{5C22544A-7EE6-4342-B048-85BDC9FD1C3A}</a:tableStyleId>
-              </a:tblPr>
-              <a:tblGrid>
-                <a:gridCol w="1338414">
-                  <a:extLst>
-                    <a:ext uri="{9D8B030D-6E8A-4147-A177-3AD203B41FA5}">
-                      <a16:colId xmlns:a16="http://schemas.microsoft.com/office/drawing/2014/main" val="2087661091"/>
-                    </a:ext>
-                  </a:extLst>
-                </a:gridCol>
-                <a:gridCol w="1338414">
-                  <a:extLst>
-                    <a:ext uri="{9D8B030D-6E8A-4147-A177-3AD203B41FA5}">
-                      <a16:colId xmlns:a16="http://schemas.microsoft.com/office/drawing/2014/main" val="4161442789"/>
-                    </a:ext>
-                  </a:extLst>
-                </a:gridCol>
-                <a:gridCol w="1338414">
-                  <a:extLst>
-                    <a:ext uri="{9D8B030D-6E8A-4147-A177-3AD203B41FA5}">
-                      <a16:colId xmlns:a16="http://schemas.microsoft.com/office/drawing/2014/main" val="1065804868"/>
-                    </a:ext>
-                  </a:extLst>
-                </a:gridCol>
-              </a:tblGrid>
-              <a:tr h="595086">
-                <a:tc>
-                  <a:txBody>
-                    <a:bodyPr/>
-                    <a:lstStyle/>
-                    <a:p>
-                      <a:endParaRPr lang="de-DE" dirty="0">
-                        <a:solidFill>
-                          <a:schemeClr val="tx1"/>
-                        </a:solidFill>
-                      </a:endParaRPr>
-                    </a:p>
-                  </a:txBody>
-                  <a:tcPr>
-                    <a:noFill/>
-                  </a:tcPr>
-                </a:tc>
-                <a:tc>
-                  <a:txBody>
-                    <a:bodyPr/>
-                    <a:lstStyle/>
-                    <a:p>
-                      <a:r>
-                        <a:rPr lang="de-DE" dirty="0">
-                          <a:solidFill>
-                            <a:schemeClr val="tx1"/>
-                          </a:solidFill>
-                        </a:rPr>
-                        <a:t>Without</a:t>
-                      </a:r>
-                      <a:br>
-                        <a:rPr lang="de-DE" dirty="0">
-                          <a:solidFill>
-                            <a:schemeClr val="tx1"/>
-                          </a:solidFill>
-                        </a:rPr>
-                      </a:br>
-                      <a:r>
-                        <a:rPr lang="de-DE" dirty="0">
-                          <a:solidFill>
-                            <a:schemeClr val="tx1"/>
-                          </a:solidFill>
-                        </a:rPr>
-                        <a:t>PCS</a:t>
-                      </a:r>
-                    </a:p>
-                  </a:txBody>
-                  <a:tcPr>
-                    <a:noFill/>
-                  </a:tcPr>
-                </a:tc>
-                <a:tc>
-                  <a:txBody>
-                    <a:bodyPr/>
-                    <a:lstStyle/>
-                    <a:p>
-                      <a:r>
-                        <a:rPr lang="de-DE" dirty="0">
-                          <a:solidFill>
-                            <a:schemeClr val="tx1"/>
-                          </a:solidFill>
-                        </a:rPr>
-                        <a:t>With</a:t>
-                      </a:r>
-                      <a:br>
-                        <a:rPr lang="de-DE" dirty="0">
-                          <a:solidFill>
-                            <a:schemeClr val="tx1"/>
-                          </a:solidFill>
-                        </a:rPr>
-                      </a:br>
-                      <a:r>
-                        <a:rPr lang="de-DE" dirty="0">
-                          <a:solidFill>
-                            <a:schemeClr val="tx1"/>
-                          </a:solidFill>
-                        </a:rPr>
-                        <a:t>PCS</a:t>
-                      </a:r>
-                    </a:p>
-                  </a:txBody>
-                  <a:tcPr>
-                    <a:noFill/>
-                  </a:tcPr>
-                </a:tc>
-                <a:extLst>
-                  <a:ext uri="{0D108BD9-81ED-4DB2-BD59-A6C34878D82A}">
-                    <a16:rowId xmlns:a16="http://schemas.microsoft.com/office/drawing/2014/main" val="3931383551"/>
-                  </a:ext>
-                </a:extLst>
-              </a:tr>
-              <a:tr h="595086">
-                <a:tc>
-                  <a:txBody>
-                    <a:bodyPr/>
-                    <a:lstStyle/>
-                    <a:p>
-                      <a:r>
-                        <a:rPr lang="de-DE" dirty="0">
-                          <a:solidFill>
-                            <a:srgbClr val="FF0000"/>
-                          </a:solidFill>
-                        </a:rPr>
-                        <a:t>Cluster 1</a:t>
-                      </a:r>
-                    </a:p>
-                  </a:txBody>
-                  <a:tcPr>
-                    <a:noFill/>
-                  </a:tcPr>
-                </a:tc>
-                <a:tc>
-                  <a:txBody>
-                    <a:bodyPr/>
-                    <a:lstStyle/>
-                    <a:p>
-                      <a:r>
-                        <a:rPr lang="de-DE" dirty="0">
-                          <a:solidFill>
-                            <a:srgbClr val="FF0000"/>
-                          </a:solidFill>
-                        </a:rPr>
-                        <a:t>11</a:t>
-                      </a:r>
-                    </a:p>
-                  </a:txBody>
-                  <a:tcPr>
-                    <a:noFill/>
-                  </a:tcPr>
-                </a:tc>
-                <a:tc>
-                  <a:txBody>
-                    <a:bodyPr/>
-                    <a:lstStyle/>
-                    <a:p>
-                      <a:r>
-                        <a:rPr lang="de-DE" dirty="0">
-                          <a:solidFill>
-                            <a:srgbClr val="FF0000"/>
-                          </a:solidFill>
-                        </a:rPr>
-                        <a:t>33</a:t>
-                      </a:r>
-                    </a:p>
-                  </a:txBody>
-                  <a:tcPr>
-                    <a:noFill/>
-                  </a:tcPr>
-                </a:tc>
-                <a:extLst>
-                  <a:ext uri="{0D108BD9-81ED-4DB2-BD59-A6C34878D82A}">
-                    <a16:rowId xmlns:a16="http://schemas.microsoft.com/office/drawing/2014/main" val="3140929958"/>
-                  </a:ext>
-                </a:extLst>
-              </a:tr>
-              <a:tr h="595086">
-                <a:tc>
-                  <a:txBody>
-                    <a:bodyPr/>
-                    <a:lstStyle/>
-                    <a:p>
-                      <a:r>
-                        <a:rPr lang="de-DE" dirty="0">
-                          <a:solidFill>
-                            <a:srgbClr val="00B050"/>
-                          </a:solidFill>
-                        </a:rPr>
-                        <a:t>Cluster 2</a:t>
-                      </a:r>
-                    </a:p>
-                  </a:txBody>
-                  <a:tcPr>
-                    <a:noFill/>
-                  </a:tcPr>
-                </a:tc>
-                <a:tc>
-                  <a:txBody>
-                    <a:bodyPr/>
-                    <a:lstStyle/>
-                    <a:p>
-                      <a:r>
-                        <a:rPr lang="de-DE" dirty="0">
-                          <a:solidFill>
-                            <a:srgbClr val="00B050"/>
-                          </a:solidFill>
-                        </a:rPr>
-                        <a:t>16</a:t>
-                      </a:r>
-                    </a:p>
-                  </a:txBody>
-                  <a:tcPr>
-                    <a:noFill/>
-                  </a:tcPr>
-                </a:tc>
-                <a:tc>
-                  <a:txBody>
-                    <a:bodyPr/>
-                    <a:lstStyle/>
-                    <a:p>
-                      <a:r>
-                        <a:rPr lang="de-DE" dirty="0">
-                          <a:solidFill>
-                            <a:srgbClr val="00B050"/>
-                          </a:solidFill>
-                        </a:rPr>
-                        <a:t>10</a:t>
+                        <a:t>5</a:t>
                       </a:r>
                     </a:p>
                   </a:txBody>
@@ -6855,17 +5938,11 @@
           <p:cNvGraphicFramePr>
             <a:graphicFrameLocks noGrp="1"/>
           </p:cNvGraphicFramePr>
-          <p:nvPr>
-            <p:extLst>
-              <p:ext uri="{D42A27DB-BD31-4B8C-83A1-F6EECF244321}">
-                <p14:modId xmlns:p14="http://schemas.microsoft.com/office/powerpoint/2010/main" val="241777599"/>
-              </p:ext>
-            </p:extLst>
-          </p:nvPr>
+          <p:nvPr/>
         </p:nvGraphicFramePr>
         <p:xfrm>
-          <a:off x="933091" y="1852160"/>
-          <a:ext cx="1817288" cy="1483360"/>
+          <a:off x="915838" y="1903918"/>
+          <a:ext cx="1817288" cy="1854200"/>
         </p:xfrm>
         <a:graphic>
           <a:graphicData uri="http://schemas.openxmlformats.org/drawingml/2006/table">
@@ -6942,7 +6019,7 @@
                     <a:p>
                       <a:r>
                         <a:rPr lang="de-DE" dirty="0"/>
-                        <a:t>18-44</a:t>
+                        <a:t>18-34</a:t>
                       </a:r>
                     </a:p>
                   </a:txBody>
@@ -6957,7 +6034,7 @@
                     <a:p>
                       <a:r>
                         <a:rPr lang="de-DE" dirty="0"/>
-                        <a:t>24</a:t>
+                        <a:t>12</a:t>
                       </a:r>
                     </a:p>
                   </a:txBody>
@@ -6979,7 +6056,7 @@
                     <a:p>
                       <a:r>
                         <a:rPr lang="de-DE" dirty="0"/>
-                        <a:t>45-59</a:t>
+                        <a:t>35-49</a:t>
                       </a:r>
                     </a:p>
                   </a:txBody>
@@ -6994,7 +6071,7 @@
                     <a:p>
                       <a:r>
                         <a:rPr lang="de-DE" dirty="0"/>
-                        <a:t>32</a:t>
+                        <a:t>19</a:t>
                       </a:r>
                     </a:p>
                   </a:txBody>
@@ -7016,7 +6093,7 @@
                     <a:p>
                       <a:r>
                         <a:rPr lang="de-DE" dirty="0"/>
-                        <a:t>60-80</a:t>
+                        <a:t>50-64</a:t>
                       </a:r>
                     </a:p>
                   </a:txBody>
@@ -7031,7 +6108,7 @@
                     <a:p>
                       <a:r>
                         <a:rPr lang="de-DE" dirty="0"/>
-                        <a:t>14</a:t>
+                        <a:t>33</a:t>
                       </a:r>
                     </a:p>
                   </a:txBody>
@@ -7042,6 +6119,43 @@
                 <a:extLst>
                   <a:ext uri="{0D108BD9-81ED-4DB2-BD59-A6C34878D82A}">
                     <a16:rowId xmlns:a16="http://schemas.microsoft.com/office/drawing/2014/main" val="4067803672"/>
+                  </a:ext>
+                </a:extLst>
+              </a:tr>
+              <a:tr h="370840">
+                <a:tc>
+                  <a:txBody>
+                    <a:bodyPr/>
+                    <a:lstStyle/>
+                    <a:p>
+                      <a:r>
+                        <a:rPr lang="de-DE" dirty="0"/>
+                        <a:t>65-80</a:t>
+                      </a:r>
+                    </a:p>
+                  </a:txBody>
+                  <a:tcPr>
+                    <a:noFill/>
+                  </a:tcPr>
+                </a:tc>
+                <a:tc>
+                  <a:txBody>
+                    <a:bodyPr/>
+                    <a:lstStyle/>
+                    <a:p>
+                      <a:r>
+                        <a:rPr lang="de-DE" dirty="0"/>
+                        <a:t>6</a:t>
+                      </a:r>
+                    </a:p>
+                  </a:txBody>
+                  <a:tcPr>
+                    <a:noFill/>
+                  </a:tcPr>
+                </a:tc>
+                <a:extLst>
+                  <a:ext uri="{0D108BD9-81ED-4DB2-BD59-A6C34878D82A}">
+                    <a16:rowId xmlns:a16="http://schemas.microsoft.com/office/drawing/2014/main" val="295450064"/>
                   </a:ext>
                 </a:extLst>
               </a:tr>
@@ -7049,422 +6163,22 @@
           </a:graphicData>
         </a:graphic>
       </p:graphicFrame>
-    </p:spTree>
-    <p:extLst>
-      <p:ext uri="{BB962C8B-B14F-4D97-AF65-F5344CB8AC3E}">
-        <p14:creationId xmlns:p14="http://schemas.microsoft.com/office/powerpoint/2010/main" val="3640036999"/>
-      </p:ext>
-    </p:extLst>
-  </p:cSld>
-  <p:clrMapOvr>
-    <a:masterClrMapping/>
-  </p:clrMapOvr>
-</p:sld>
-</file>
-
-<file path=ppt/slides/slide16.xml><?xml version="1.0" encoding="utf-8"?>
-<p:sld xmlns:a="http://schemas.openxmlformats.org/drawingml/2006/main" xmlns:r="http://schemas.openxmlformats.org/officeDocument/2006/relationships" xmlns:p="http://schemas.openxmlformats.org/presentationml/2006/main">
-  <p:cSld>
-    <p:spTree>
-      <p:nvGrpSpPr>
-        <p:cNvPr id="1" name=""/>
-        <p:cNvGrpSpPr/>
-        <p:nvPr/>
-      </p:nvGrpSpPr>
-      <p:grpSpPr>
-        <a:xfrm>
-          <a:off x="0" y="0"/>
-          <a:ext cx="0" cy="0"/>
-          <a:chOff x="0" y="0"/>
-          <a:chExt cx="0" cy="0"/>
-        </a:xfrm>
-      </p:grpSpPr>
-      <p:sp>
-        <p:nvSpPr>
-          <p:cNvPr id="2" name="Title 1">
-            <a:extLst>
-              <a:ext uri="{FF2B5EF4-FFF2-40B4-BE49-F238E27FC236}">
-                <a16:creationId xmlns:a16="http://schemas.microsoft.com/office/drawing/2014/main" id="{5FA92E7E-ADAC-9CF6-FBAD-455FD9799F37}"/>
-              </a:ext>
-            </a:extLst>
-          </p:cNvPr>
-          <p:cNvSpPr>
-            <a:spLocks noGrp="1"/>
-          </p:cNvSpPr>
-          <p:nvPr>
-            <p:ph type="title"/>
-          </p:nvPr>
-        </p:nvSpPr>
-        <p:spPr/>
-        <p:txBody>
-          <a:bodyPr/>
-          <a:lstStyle/>
-          <a:p>
-            <a:r>
-              <a:rPr lang="de-DE" dirty="0"/>
-              <a:t>Z-Werte / 3 Altersgruppen</a:t>
-            </a:r>
-          </a:p>
-        </p:txBody>
-      </p:sp>
-      <p:graphicFrame>
-        <p:nvGraphicFramePr>
-          <p:cNvPr id="4" name="Table 3">
-            <a:extLst>
-              <a:ext uri="{FF2B5EF4-FFF2-40B4-BE49-F238E27FC236}">
-                <a16:creationId xmlns:a16="http://schemas.microsoft.com/office/drawing/2014/main" id="{0309FE21-2B5B-6A26-6D48-0ED09AD42FBB}"/>
-              </a:ext>
-            </a:extLst>
-          </p:cNvPr>
-          <p:cNvGraphicFramePr>
-            <a:graphicFrameLocks noGrp="1"/>
-          </p:cNvGraphicFramePr>
+      <p:sp>
+        <p:nvSpPr>
+          <p:cNvPr id="4" name="TextBox 3">
+            <a:extLst>
+              <a:ext uri="{FF2B5EF4-FFF2-40B4-BE49-F238E27FC236}">
+                <a16:creationId xmlns:a16="http://schemas.microsoft.com/office/drawing/2014/main" id="{B755FA24-BE75-8BBC-35B3-37DB2BC89BE9}"/>
+              </a:ext>
+            </a:extLst>
+          </p:cNvPr>
+          <p:cNvSpPr txBox="1"/>
           <p:nvPr/>
-        </p:nvGraphicFramePr>
-        <p:xfrm>
-          <a:off x="8719856" y="0"/>
-          <a:ext cx="4015242" cy="1830252"/>
-        </p:xfrm>
-        <a:graphic>
-          <a:graphicData uri="http://schemas.openxmlformats.org/drawingml/2006/table">
-            <a:tbl>
-              <a:tblPr firstRow="1" bandRow="1">
-                <a:tableStyleId>{5C22544A-7EE6-4342-B048-85BDC9FD1C3A}</a:tableStyleId>
-              </a:tblPr>
-              <a:tblGrid>
-                <a:gridCol w="1338414">
-                  <a:extLst>
-                    <a:ext uri="{9D8B030D-6E8A-4147-A177-3AD203B41FA5}">
-                      <a16:colId xmlns:a16="http://schemas.microsoft.com/office/drawing/2014/main" val="2087661091"/>
-                    </a:ext>
-                  </a:extLst>
-                </a:gridCol>
-                <a:gridCol w="1338414">
-                  <a:extLst>
-                    <a:ext uri="{9D8B030D-6E8A-4147-A177-3AD203B41FA5}">
-                      <a16:colId xmlns:a16="http://schemas.microsoft.com/office/drawing/2014/main" val="4161442789"/>
-                    </a:ext>
-                  </a:extLst>
-                </a:gridCol>
-                <a:gridCol w="1338414">
-                  <a:extLst>
-                    <a:ext uri="{9D8B030D-6E8A-4147-A177-3AD203B41FA5}">
-                      <a16:colId xmlns:a16="http://schemas.microsoft.com/office/drawing/2014/main" val="1065804868"/>
-                    </a:ext>
-                  </a:extLst>
-                </a:gridCol>
-              </a:tblGrid>
-              <a:tr h="595086">
-                <a:tc>
-                  <a:txBody>
-                    <a:bodyPr/>
-                    <a:lstStyle/>
-                    <a:p>
-                      <a:endParaRPr lang="de-DE" dirty="0">
-                        <a:solidFill>
-                          <a:schemeClr val="tx1"/>
-                        </a:solidFill>
-                      </a:endParaRPr>
-                    </a:p>
-                  </a:txBody>
-                  <a:tcPr>
-                    <a:noFill/>
-                  </a:tcPr>
-                </a:tc>
-                <a:tc>
-                  <a:txBody>
-                    <a:bodyPr/>
-                    <a:lstStyle/>
-                    <a:p>
-                      <a:r>
-                        <a:rPr lang="de-DE" dirty="0">
-                          <a:solidFill>
-                            <a:schemeClr val="tx1"/>
-                          </a:solidFill>
-                        </a:rPr>
-                        <a:t>Without</a:t>
-                      </a:r>
-                      <a:br>
-                        <a:rPr lang="de-DE" dirty="0">
-                          <a:solidFill>
-                            <a:schemeClr val="tx1"/>
-                          </a:solidFill>
-                        </a:rPr>
-                      </a:br>
-                      <a:r>
-                        <a:rPr lang="de-DE" dirty="0">
-                          <a:solidFill>
-                            <a:schemeClr val="tx1"/>
-                          </a:solidFill>
-                        </a:rPr>
-                        <a:t>PCS</a:t>
-                      </a:r>
-                    </a:p>
-                  </a:txBody>
-                  <a:tcPr>
-                    <a:noFill/>
-                  </a:tcPr>
-                </a:tc>
-                <a:tc>
-                  <a:txBody>
-                    <a:bodyPr/>
-                    <a:lstStyle/>
-                    <a:p>
-                      <a:r>
-                        <a:rPr lang="de-DE" dirty="0">
-                          <a:solidFill>
-                            <a:schemeClr val="tx1"/>
-                          </a:solidFill>
-                        </a:rPr>
-                        <a:t>With</a:t>
-                      </a:r>
-                      <a:br>
-                        <a:rPr lang="de-DE" dirty="0">
-                          <a:solidFill>
-                            <a:schemeClr val="tx1"/>
-                          </a:solidFill>
-                        </a:rPr>
-                      </a:br>
-                      <a:r>
-                        <a:rPr lang="de-DE" dirty="0">
-                          <a:solidFill>
-                            <a:schemeClr val="tx1"/>
-                          </a:solidFill>
-                        </a:rPr>
-                        <a:t>PCS</a:t>
-                      </a:r>
-                    </a:p>
-                  </a:txBody>
-                  <a:tcPr>
-                    <a:noFill/>
-                  </a:tcPr>
-                </a:tc>
-                <a:extLst>
-                  <a:ext uri="{0D108BD9-81ED-4DB2-BD59-A6C34878D82A}">
-                    <a16:rowId xmlns:a16="http://schemas.microsoft.com/office/drawing/2014/main" val="3931383551"/>
-                  </a:ext>
-                </a:extLst>
-              </a:tr>
-              <a:tr h="595086">
-                <a:tc>
-                  <a:txBody>
-                    <a:bodyPr/>
-                    <a:lstStyle/>
-                    <a:p>
-                      <a:r>
-                        <a:rPr lang="de-DE" dirty="0">
-                          <a:solidFill>
-                            <a:srgbClr val="FF0000"/>
-                          </a:solidFill>
-                        </a:rPr>
-                        <a:t>Cluster 1</a:t>
-                      </a:r>
-                    </a:p>
-                  </a:txBody>
-                  <a:tcPr>
-                    <a:noFill/>
-                  </a:tcPr>
-                </a:tc>
-                <a:tc>
-                  <a:txBody>
-                    <a:bodyPr/>
-                    <a:lstStyle/>
-                    <a:p>
-                      <a:r>
-                        <a:rPr lang="de-DE" dirty="0">
-                          <a:solidFill>
-                            <a:srgbClr val="FF0000"/>
-                          </a:solidFill>
-                        </a:rPr>
-                        <a:t>11</a:t>
-                      </a:r>
-                    </a:p>
-                  </a:txBody>
-                  <a:tcPr>
-                    <a:noFill/>
-                  </a:tcPr>
-                </a:tc>
-                <a:tc>
-                  <a:txBody>
-                    <a:bodyPr/>
-                    <a:lstStyle/>
-                    <a:p>
-                      <a:r>
-                        <a:rPr lang="de-DE" dirty="0">
-                          <a:solidFill>
-                            <a:srgbClr val="FF0000"/>
-                          </a:solidFill>
-                        </a:rPr>
-                        <a:t>33</a:t>
-                      </a:r>
-                    </a:p>
-                  </a:txBody>
-                  <a:tcPr>
-                    <a:noFill/>
-                  </a:tcPr>
-                </a:tc>
-                <a:extLst>
-                  <a:ext uri="{0D108BD9-81ED-4DB2-BD59-A6C34878D82A}">
-                    <a16:rowId xmlns:a16="http://schemas.microsoft.com/office/drawing/2014/main" val="3140929958"/>
-                  </a:ext>
-                </a:extLst>
-              </a:tr>
-              <a:tr h="595086">
-                <a:tc>
-                  <a:txBody>
-                    <a:bodyPr/>
-                    <a:lstStyle/>
-                    <a:p>
-                      <a:r>
-                        <a:rPr lang="de-DE" dirty="0">
-                          <a:solidFill>
-                            <a:srgbClr val="00B050"/>
-                          </a:solidFill>
-                        </a:rPr>
-                        <a:t>Cluster 2</a:t>
-                      </a:r>
-                    </a:p>
-                  </a:txBody>
-                  <a:tcPr>
-                    <a:noFill/>
-                  </a:tcPr>
-                </a:tc>
-                <a:tc>
-                  <a:txBody>
-                    <a:bodyPr/>
-                    <a:lstStyle/>
-                    <a:p>
-                      <a:r>
-                        <a:rPr lang="de-DE" dirty="0">
-                          <a:solidFill>
-                            <a:srgbClr val="00B050"/>
-                          </a:solidFill>
-                        </a:rPr>
-                        <a:t>16</a:t>
-                      </a:r>
-                    </a:p>
-                  </a:txBody>
-                  <a:tcPr>
-                    <a:noFill/>
-                  </a:tcPr>
-                </a:tc>
-                <a:tc>
-                  <a:txBody>
-                    <a:bodyPr/>
-                    <a:lstStyle/>
-                    <a:p>
-                      <a:r>
-                        <a:rPr lang="de-DE" dirty="0">
-                          <a:solidFill>
-                            <a:srgbClr val="00B050"/>
-                          </a:solidFill>
-                        </a:rPr>
-                        <a:t>10</a:t>
-                      </a:r>
-                    </a:p>
-                  </a:txBody>
-                  <a:tcPr>
-                    <a:noFill/>
-                  </a:tcPr>
-                </a:tc>
-                <a:extLst>
-                  <a:ext uri="{0D108BD9-81ED-4DB2-BD59-A6C34878D82A}">
-                    <a16:rowId xmlns:a16="http://schemas.microsoft.com/office/drawing/2014/main" val="2462120241"/>
-                  </a:ext>
-                </a:extLst>
-              </a:tr>
-            </a:tbl>
-          </a:graphicData>
-        </a:graphic>
-      </p:graphicFrame>
-      <p:pic>
-        <p:nvPicPr>
-          <p:cNvPr id="5" name="Picture 4" descr="A group of graphs with text&#10;&#10;Description automatically generated with medium confidence">
-            <a:extLst>
-              <a:ext uri="{FF2B5EF4-FFF2-40B4-BE49-F238E27FC236}">
-                <a16:creationId xmlns:a16="http://schemas.microsoft.com/office/drawing/2014/main" id="{B2A6461D-7B75-3A62-1C79-9D44F2029640}"/>
-              </a:ext>
-            </a:extLst>
-          </p:cNvPr>
-          <p:cNvPicPr>
-            <a:picLocks noChangeAspect="1"/>
-          </p:cNvPicPr>
-          <p:nvPr/>
-        </p:nvPicPr>
-        <p:blipFill>
-          <a:blip r:embed="rId2">
-            <a:extLst>
-              <a:ext uri="{28A0092B-C50C-407E-A947-70E740481C1C}">
-                <a14:useLocalDpi xmlns:a14="http://schemas.microsoft.com/office/drawing/2010/main" val="0"/>
-              </a:ext>
-            </a:extLst>
-          </a:blip>
-          <a:stretch>
-            <a:fillRect/>
-          </a:stretch>
-        </p:blipFill>
+        </p:nvSpPr>
         <p:spPr>
           <a:xfrm>
-            <a:off x="773855" y="1686481"/>
-            <a:ext cx="5322145" cy="4137979"/>
-          </a:xfrm>
-          <a:prstGeom prst="rect">
-            <a:avLst/>
-          </a:prstGeom>
-        </p:spPr>
-      </p:pic>
-      <p:pic>
-        <p:nvPicPr>
-          <p:cNvPr id="8" name="Picture 7" descr="A screenshot of a graph&#10;&#10;Description automatically generated">
-            <a:extLst>
-              <a:ext uri="{FF2B5EF4-FFF2-40B4-BE49-F238E27FC236}">
-                <a16:creationId xmlns:a16="http://schemas.microsoft.com/office/drawing/2014/main" id="{3AAD4B79-E42A-726E-FB9E-3AAECBC070A0}"/>
-              </a:ext>
-            </a:extLst>
-          </p:cNvPr>
-          <p:cNvPicPr>
-            <a:picLocks noChangeAspect="1"/>
-          </p:cNvPicPr>
-          <p:nvPr/>
-        </p:nvPicPr>
-        <p:blipFill>
-          <a:blip r:embed="rId3">
-            <a:extLst>
-              <a:ext uri="{28A0092B-C50C-407E-A947-70E740481C1C}">
-                <a14:useLocalDpi xmlns:a14="http://schemas.microsoft.com/office/drawing/2010/main" val="0"/>
-              </a:ext>
-            </a:extLst>
-          </a:blip>
-          <a:stretch>
-            <a:fillRect/>
-          </a:stretch>
-        </p:blipFill>
-        <p:spPr>
-          <a:xfrm>
-            <a:off x="6301039" y="1686481"/>
-            <a:ext cx="5409409" cy="4191843"/>
-          </a:xfrm>
-          <a:prstGeom prst="rect">
-            <a:avLst/>
-          </a:prstGeom>
-        </p:spPr>
-      </p:pic>
-      <p:sp>
-        <p:nvSpPr>
-          <p:cNvPr id="12" name="TextBox 11">
-            <a:extLst>
-              <a:ext uri="{FF2B5EF4-FFF2-40B4-BE49-F238E27FC236}">
-                <a16:creationId xmlns:a16="http://schemas.microsoft.com/office/drawing/2014/main" id="{4853F4DC-B9FC-9C09-0F9E-B25EF1927199}"/>
-              </a:ext>
-            </a:extLst>
-          </p:cNvPr>
-          <p:cNvSpPr txBox="1"/>
-          <p:nvPr/>
-        </p:nvSpPr>
-        <p:spPr>
-          <a:xfrm>
-            <a:off x="960923" y="5824460"/>
-            <a:ext cx="8630932" cy="923330"/>
+            <a:off x="915838" y="1570008"/>
+            <a:ext cx="1887747" cy="369332"/>
           </a:xfrm>
           <a:prstGeom prst="rect">
             <a:avLst/>
@@ -7479,81 +6193,17 @@
           <a:p>
             <a:r>
               <a:rPr lang="de-DE" dirty="0"/>
-              <a:t>Abbildung1: Alle Unterschiede signifikant</a:t>
-            </a:r>
-          </a:p>
-          <a:p>
-            <a:r>
-              <a:rPr lang="de-DE" dirty="0"/>
-              <a:t>Abbildung 2:  Alle Unterschiede zwischen with(out) C1 und with(out) C2 signifikant (Wenn keine z-Werte, dann tmt_b nicht signifikant)</a:t>
-            </a:r>
-          </a:p>
-        </p:txBody>
-      </p:sp>
-    </p:spTree>
-    <p:extLst>
-      <p:ext uri="{BB962C8B-B14F-4D97-AF65-F5344CB8AC3E}">
-        <p14:creationId xmlns:p14="http://schemas.microsoft.com/office/powerpoint/2010/main" val="1237643629"/>
-      </p:ext>
-    </p:extLst>
-  </p:cSld>
-  <p:clrMapOvr>
-    <a:masterClrMapping/>
-  </p:clrMapOvr>
-</p:sld>
-</file>
-
-<file path=ppt/slides/slide17.xml><?xml version="1.0" encoding="utf-8"?>
-<p:sld xmlns:a="http://schemas.openxmlformats.org/drawingml/2006/main" xmlns:r="http://schemas.openxmlformats.org/officeDocument/2006/relationships" xmlns:p="http://schemas.openxmlformats.org/presentationml/2006/main">
-  <p:cSld>
-    <p:spTree>
-      <p:nvGrpSpPr>
-        <p:cNvPr id="1" name=""/>
-        <p:cNvGrpSpPr/>
-        <p:nvPr/>
-      </p:nvGrpSpPr>
-      <p:grpSpPr>
-        <a:xfrm>
-          <a:off x="0" y="0"/>
-          <a:ext cx="0" cy="0"/>
-          <a:chOff x="0" y="0"/>
-          <a:chExt cx="0" cy="0"/>
-        </a:xfrm>
-      </p:grpSpPr>
-      <p:sp>
-        <p:nvSpPr>
-          <p:cNvPr id="2" name="Title 1">
-            <a:extLst>
-              <a:ext uri="{FF2B5EF4-FFF2-40B4-BE49-F238E27FC236}">
-                <a16:creationId xmlns:a16="http://schemas.microsoft.com/office/drawing/2014/main" id="{5FA92E7E-ADAC-9CF6-FBAD-455FD9799F37}"/>
-              </a:ext>
-            </a:extLst>
-          </p:cNvPr>
-          <p:cNvSpPr>
-            <a:spLocks noGrp="1"/>
-          </p:cNvSpPr>
-          <p:nvPr>
-            <p:ph type="title"/>
-          </p:nvPr>
-        </p:nvSpPr>
-        <p:spPr/>
-        <p:txBody>
-          <a:bodyPr/>
-          <a:lstStyle/>
-          <a:p>
-            <a:r>
-              <a:rPr lang="de-DE" dirty="0"/>
-              <a:t>Z-Werte / 3 Altersgruppen</a:t>
-            </a:r>
-          </a:p>
-        </p:txBody>
-      </p:sp>
-      <p:sp>
-        <p:nvSpPr>
-          <p:cNvPr id="10" name="TextBox 9">
-            <a:extLst>
-              <a:ext uri="{FF2B5EF4-FFF2-40B4-BE49-F238E27FC236}">
-                <a16:creationId xmlns:a16="http://schemas.microsoft.com/office/drawing/2014/main" id="{140A12DA-0ECD-8045-A50A-F11B9BEC367D}"/>
+              <a:t>Pvt &amp; tmt</a:t>
+            </a:r>
+          </a:p>
+        </p:txBody>
+      </p:sp>
+      <p:sp>
+        <p:nvSpPr>
+          <p:cNvPr id="5" name="TextBox 4">
+            <a:extLst>
+              <a:ext uri="{FF2B5EF4-FFF2-40B4-BE49-F238E27FC236}">
+                <a16:creationId xmlns:a16="http://schemas.microsoft.com/office/drawing/2014/main" id="{CE8F2BA8-104A-74AD-A4F2-D355BAC15E1D}"/>
               </a:ext>
             </a:extLst>
           </p:cNvPr>
@@ -7562,8 +6212,8 @@
         </p:nvSpPr>
         <p:spPr>
           <a:xfrm>
-            <a:off x="978894" y="5824460"/>
-            <a:ext cx="6612352" cy="369332"/>
+            <a:off x="3707922" y="1939340"/>
+            <a:ext cx="4366402" cy="646331"/>
           </a:xfrm>
           <a:prstGeom prst="rect">
             <a:avLst/>
@@ -7578,1390 +6228,15 @@
           <a:p>
             <a:r>
               <a:rPr lang="de-DE" dirty="0"/>
-              <a:t>Keine signifikanten Unterschiede im Hinblick der Altersverteilung</a:t>
-            </a:r>
-          </a:p>
-        </p:txBody>
-      </p:sp>
-      <p:graphicFrame>
-        <p:nvGraphicFramePr>
-          <p:cNvPr id="4" name="Table 3">
-            <a:extLst>
-              <a:ext uri="{FF2B5EF4-FFF2-40B4-BE49-F238E27FC236}">
-                <a16:creationId xmlns:a16="http://schemas.microsoft.com/office/drawing/2014/main" id="{0309FE21-2B5B-6A26-6D48-0ED09AD42FBB}"/>
-              </a:ext>
-            </a:extLst>
-          </p:cNvPr>
-          <p:cNvGraphicFramePr>
-            <a:graphicFrameLocks noGrp="1"/>
-          </p:cNvGraphicFramePr>
-          <p:nvPr>
-            <p:extLst>
-              <p:ext uri="{D42A27DB-BD31-4B8C-83A1-F6EECF244321}">
-                <p14:modId xmlns:p14="http://schemas.microsoft.com/office/powerpoint/2010/main" val="3421116275"/>
-              </p:ext>
-            </p:extLst>
-          </p:nvPr>
-        </p:nvGraphicFramePr>
-        <p:xfrm>
-          <a:off x="8719856" y="0"/>
-          <a:ext cx="4015242" cy="1830252"/>
-        </p:xfrm>
-        <a:graphic>
-          <a:graphicData uri="http://schemas.openxmlformats.org/drawingml/2006/table">
-            <a:tbl>
-              <a:tblPr firstRow="1" bandRow="1">
-                <a:tableStyleId>{5C22544A-7EE6-4342-B048-85BDC9FD1C3A}</a:tableStyleId>
-              </a:tblPr>
-              <a:tblGrid>
-                <a:gridCol w="1338414">
-                  <a:extLst>
-                    <a:ext uri="{9D8B030D-6E8A-4147-A177-3AD203B41FA5}">
-                      <a16:colId xmlns:a16="http://schemas.microsoft.com/office/drawing/2014/main" val="2087661091"/>
-                    </a:ext>
-                  </a:extLst>
-                </a:gridCol>
-                <a:gridCol w="1338414">
-                  <a:extLst>
-                    <a:ext uri="{9D8B030D-6E8A-4147-A177-3AD203B41FA5}">
-                      <a16:colId xmlns:a16="http://schemas.microsoft.com/office/drawing/2014/main" val="4161442789"/>
-                    </a:ext>
-                  </a:extLst>
-                </a:gridCol>
-                <a:gridCol w="1338414">
-                  <a:extLst>
-                    <a:ext uri="{9D8B030D-6E8A-4147-A177-3AD203B41FA5}">
-                      <a16:colId xmlns:a16="http://schemas.microsoft.com/office/drawing/2014/main" val="1065804868"/>
-                    </a:ext>
-                  </a:extLst>
-                </a:gridCol>
-              </a:tblGrid>
-              <a:tr h="595086">
-                <a:tc>
-                  <a:txBody>
-                    <a:bodyPr/>
-                    <a:lstStyle/>
-                    <a:p>
-                      <a:endParaRPr lang="de-DE" dirty="0">
-                        <a:solidFill>
-                          <a:schemeClr val="tx1"/>
-                        </a:solidFill>
-                      </a:endParaRPr>
-                    </a:p>
-                  </a:txBody>
-                  <a:tcPr>
-                    <a:noFill/>
-                  </a:tcPr>
-                </a:tc>
-                <a:tc>
-                  <a:txBody>
-                    <a:bodyPr/>
-                    <a:lstStyle/>
-                    <a:p>
-                      <a:r>
-                        <a:rPr lang="de-DE" dirty="0">
-                          <a:solidFill>
-                            <a:schemeClr val="tx1"/>
-                          </a:solidFill>
-                        </a:rPr>
-                        <a:t>Without</a:t>
-                      </a:r>
-                      <a:br>
-                        <a:rPr lang="de-DE" dirty="0">
-                          <a:solidFill>
-                            <a:schemeClr val="tx1"/>
-                          </a:solidFill>
-                        </a:rPr>
-                      </a:br>
-                      <a:r>
-                        <a:rPr lang="de-DE" dirty="0">
-                          <a:solidFill>
-                            <a:schemeClr val="tx1"/>
-                          </a:solidFill>
-                        </a:rPr>
-                        <a:t>PCS</a:t>
-                      </a:r>
-                    </a:p>
-                  </a:txBody>
-                  <a:tcPr>
-                    <a:noFill/>
-                  </a:tcPr>
-                </a:tc>
-                <a:tc>
-                  <a:txBody>
-                    <a:bodyPr/>
-                    <a:lstStyle/>
-                    <a:p>
-                      <a:r>
-                        <a:rPr lang="de-DE" dirty="0">
-                          <a:solidFill>
-                            <a:schemeClr val="tx1"/>
-                          </a:solidFill>
-                        </a:rPr>
-                        <a:t>With</a:t>
-                      </a:r>
-                      <a:br>
-                        <a:rPr lang="de-DE" dirty="0">
-                          <a:solidFill>
-                            <a:schemeClr val="tx1"/>
-                          </a:solidFill>
-                        </a:rPr>
-                      </a:br>
-                      <a:r>
-                        <a:rPr lang="de-DE" dirty="0">
-                          <a:solidFill>
-                            <a:schemeClr val="tx1"/>
-                          </a:solidFill>
-                        </a:rPr>
-                        <a:t>PCS</a:t>
-                      </a:r>
-                    </a:p>
-                  </a:txBody>
-                  <a:tcPr>
-                    <a:noFill/>
-                  </a:tcPr>
-                </a:tc>
-                <a:extLst>
-                  <a:ext uri="{0D108BD9-81ED-4DB2-BD59-A6C34878D82A}">
-                    <a16:rowId xmlns:a16="http://schemas.microsoft.com/office/drawing/2014/main" val="3931383551"/>
-                  </a:ext>
-                </a:extLst>
-              </a:tr>
-              <a:tr h="595086">
-                <a:tc>
-                  <a:txBody>
-                    <a:bodyPr/>
-                    <a:lstStyle/>
-                    <a:p>
-                      <a:r>
-                        <a:rPr lang="de-DE" dirty="0">
-                          <a:solidFill>
-                            <a:srgbClr val="FF0000"/>
-                          </a:solidFill>
-                        </a:rPr>
-                        <a:t>Cluster 1</a:t>
-                      </a:r>
-                    </a:p>
-                  </a:txBody>
-                  <a:tcPr>
-                    <a:noFill/>
-                  </a:tcPr>
-                </a:tc>
-                <a:tc>
-                  <a:txBody>
-                    <a:bodyPr/>
-                    <a:lstStyle/>
-                    <a:p>
-                      <a:r>
-                        <a:rPr lang="de-DE" dirty="0">
-                          <a:solidFill>
-                            <a:srgbClr val="FF0000"/>
-                          </a:solidFill>
-                        </a:rPr>
-                        <a:t>11</a:t>
-                      </a:r>
-                    </a:p>
-                  </a:txBody>
-                  <a:tcPr>
-                    <a:noFill/>
-                  </a:tcPr>
-                </a:tc>
-                <a:tc>
-                  <a:txBody>
-                    <a:bodyPr/>
-                    <a:lstStyle/>
-                    <a:p>
-                      <a:r>
-                        <a:rPr lang="de-DE" dirty="0">
-                          <a:solidFill>
-                            <a:srgbClr val="FF0000"/>
-                          </a:solidFill>
-                        </a:rPr>
-                        <a:t>33</a:t>
-                      </a:r>
-                    </a:p>
-                  </a:txBody>
-                  <a:tcPr>
-                    <a:noFill/>
-                  </a:tcPr>
-                </a:tc>
-                <a:extLst>
-                  <a:ext uri="{0D108BD9-81ED-4DB2-BD59-A6C34878D82A}">
-                    <a16:rowId xmlns:a16="http://schemas.microsoft.com/office/drawing/2014/main" val="3140929958"/>
-                  </a:ext>
-                </a:extLst>
-              </a:tr>
-              <a:tr h="595086">
-                <a:tc>
-                  <a:txBody>
-                    <a:bodyPr/>
-                    <a:lstStyle/>
-                    <a:p>
-                      <a:r>
-                        <a:rPr lang="de-DE" dirty="0">
-                          <a:solidFill>
-                            <a:srgbClr val="00B050"/>
-                          </a:solidFill>
-                        </a:rPr>
-                        <a:t>Cluster 2</a:t>
-                      </a:r>
-                    </a:p>
-                  </a:txBody>
-                  <a:tcPr>
-                    <a:noFill/>
-                  </a:tcPr>
-                </a:tc>
-                <a:tc>
-                  <a:txBody>
-                    <a:bodyPr/>
-                    <a:lstStyle/>
-                    <a:p>
-                      <a:r>
-                        <a:rPr lang="de-DE" dirty="0">
-                          <a:solidFill>
-                            <a:srgbClr val="00B050"/>
-                          </a:solidFill>
-                        </a:rPr>
-                        <a:t>16</a:t>
-                      </a:r>
-                    </a:p>
-                  </a:txBody>
-                  <a:tcPr>
-                    <a:noFill/>
-                  </a:tcPr>
-                </a:tc>
-                <a:tc>
-                  <a:txBody>
-                    <a:bodyPr/>
-                    <a:lstStyle/>
-                    <a:p>
-                      <a:r>
-                        <a:rPr lang="de-DE" dirty="0">
-                          <a:solidFill>
-                            <a:srgbClr val="00B050"/>
-                          </a:solidFill>
-                        </a:rPr>
-                        <a:t>10</a:t>
-                      </a:r>
-                    </a:p>
-                  </a:txBody>
-                  <a:tcPr>
-                    <a:noFill/>
-                  </a:tcPr>
-                </a:tc>
-                <a:extLst>
-                  <a:ext uri="{0D108BD9-81ED-4DB2-BD59-A6C34878D82A}">
-                    <a16:rowId xmlns:a16="http://schemas.microsoft.com/office/drawing/2014/main" val="2462120241"/>
-                  </a:ext>
-                </a:extLst>
-              </a:tr>
-            </a:tbl>
-          </a:graphicData>
-        </a:graphic>
-      </p:graphicFrame>
-      <p:pic>
-        <p:nvPicPr>
-          <p:cNvPr id="7" name="Picture 6" descr="A graph with numbers and symbols&#10;&#10;Description automatically generated with medium confidence">
-            <a:extLst>
-              <a:ext uri="{FF2B5EF4-FFF2-40B4-BE49-F238E27FC236}">
-                <a16:creationId xmlns:a16="http://schemas.microsoft.com/office/drawing/2014/main" id="{9FB3D33B-A426-E466-2F81-BE9DBF383D6B}"/>
-              </a:ext>
-            </a:extLst>
-          </p:cNvPr>
-          <p:cNvPicPr>
-            <a:picLocks noChangeAspect="1"/>
-          </p:cNvPicPr>
-          <p:nvPr/>
-        </p:nvPicPr>
-        <p:blipFill>
-          <a:blip r:embed="rId2">
-            <a:extLst>
-              <a:ext uri="{28A0092B-C50C-407E-A947-70E740481C1C}">
-                <a14:useLocalDpi xmlns:a14="http://schemas.microsoft.com/office/drawing/2010/main" val="0"/>
-              </a:ext>
-            </a:extLst>
-          </a:blip>
-          <a:stretch>
-            <a:fillRect/>
-          </a:stretch>
-        </p:blipFill>
-        <p:spPr>
-          <a:xfrm>
-            <a:off x="684160" y="1762588"/>
-            <a:ext cx="5161733" cy="3989972"/>
-          </a:xfrm>
-          <a:prstGeom prst="rect">
-            <a:avLst/>
-          </a:prstGeom>
-        </p:spPr>
-      </p:pic>
-      <p:pic>
-        <p:nvPicPr>
-          <p:cNvPr id="9" name="Picture 8" descr="A screenshot of a graph&#10;&#10;Description automatically generated">
-            <a:extLst>
-              <a:ext uri="{FF2B5EF4-FFF2-40B4-BE49-F238E27FC236}">
-                <a16:creationId xmlns:a16="http://schemas.microsoft.com/office/drawing/2014/main" id="{34A77DD5-A2A9-22C4-5895-9AEC468A9816}"/>
-              </a:ext>
-            </a:extLst>
-          </p:cNvPr>
-          <p:cNvPicPr>
-            <a:picLocks noChangeAspect="1"/>
-          </p:cNvPicPr>
-          <p:nvPr/>
-        </p:nvPicPr>
-        <p:blipFill>
-          <a:blip r:embed="rId3">
-            <a:extLst>
-              <a:ext uri="{28A0092B-C50C-407E-A947-70E740481C1C}">
-                <a14:useLocalDpi xmlns:a14="http://schemas.microsoft.com/office/drawing/2010/main" val="0"/>
-              </a:ext>
-            </a:extLst>
-          </a:blip>
-          <a:stretch>
-            <a:fillRect/>
-          </a:stretch>
-        </p:blipFill>
-        <p:spPr>
-          <a:xfrm>
-            <a:off x="6191378" y="1762588"/>
-            <a:ext cx="5316462" cy="4137979"/>
-          </a:xfrm>
-          <a:prstGeom prst="rect">
-            <a:avLst/>
-          </a:prstGeom>
-        </p:spPr>
-      </p:pic>
+              <a:t>Nback als standardisierte Variable ohne Berücksichtigung des Alters im Clustering </a:t>
+            </a:r>
+          </a:p>
+        </p:txBody>
+      </p:sp>
     </p:spTree>
     <p:extLst>
       <p:ext uri="{BB962C8B-B14F-4D97-AF65-F5344CB8AC3E}">
-        <p14:creationId xmlns:p14="http://schemas.microsoft.com/office/powerpoint/2010/main" val="1719902145"/>
-      </p:ext>
-    </p:extLst>
-  </p:cSld>
-  <p:clrMapOvr>
-    <a:masterClrMapping/>
-  </p:clrMapOvr>
-</p:sld>
-</file>
-
-<file path=ppt/slides/slide18.xml><?xml version="1.0" encoding="utf-8"?>
-<p:sld xmlns:a="http://schemas.openxmlformats.org/drawingml/2006/main" xmlns:r="http://schemas.openxmlformats.org/officeDocument/2006/relationships" xmlns:p="http://schemas.openxmlformats.org/presentationml/2006/main">
-  <p:cSld>
-    <p:spTree>
-      <p:nvGrpSpPr>
-        <p:cNvPr id="1" name=""/>
-        <p:cNvGrpSpPr/>
-        <p:nvPr/>
-      </p:nvGrpSpPr>
-      <p:grpSpPr>
-        <a:xfrm>
-          <a:off x="0" y="0"/>
-          <a:ext cx="0" cy="0"/>
-          <a:chOff x="0" y="0"/>
-          <a:chExt cx="0" cy="0"/>
-        </a:xfrm>
-      </p:grpSpPr>
-      <p:sp>
-        <p:nvSpPr>
-          <p:cNvPr id="2" name="Title 1">
-            <a:extLst>
-              <a:ext uri="{FF2B5EF4-FFF2-40B4-BE49-F238E27FC236}">
-                <a16:creationId xmlns:a16="http://schemas.microsoft.com/office/drawing/2014/main" id="{5FA92E7E-ADAC-9CF6-FBAD-455FD9799F37}"/>
-              </a:ext>
-            </a:extLst>
-          </p:cNvPr>
-          <p:cNvSpPr>
-            <a:spLocks noGrp="1"/>
-          </p:cNvSpPr>
-          <p:nvPr>
-            <p:ph type="title"/>
-          </p:nvPr>
-        </p:nvSpPr>
-        <p:spPr/>
-        <p:txBody>
-          <a:bodyPr/>
-          <a:lstStyle/>
-          <a:p>
-            <a:r>
-              <a:rPr lang="de-DE" dirty="0"/>
-              <a:t>Z-Werte / 3 Altersgruppen</a:t>
-            </a:r>
-          </a:p>
-        </p:txBody>
-      </p:sp>
-      <p:graphicFrame>
-        <p:nvGraphicFramePr>
-          <p:cNvPr id="4" name="Table 3">
-            <a:extLst>
-              <a:ext uri="{FF2B5EF4-FFF2-40B4-BE49-F238E27FC236}">
-                <a16:creationId xmlns:a16="http://schemas.microsoft.com/office/drawing/2014/main" id="{0309FE21-2B5B-6A26-6D48-0ED09AD42FBB}"/>
-              </a:ext>
-            </a:extLst>
-          </p:cNvPr>
-          <p:cNvGraphicFramePr>
-            <a:graphicFrameLocks noGrp="1"/>
-          </p:cNvGraphicFramePr>
-          <p:nvPr/>
-        </p:nvGraphicFramePr>
-        <p:xfrm>
-          <a:off x="8719856" y="0"/>
-          <a:ext cx="4015242" cy="1830252"/>
-        </p:xfrm>
-        <a:graphic>
-          <a:graphicData uri="http://schemas.openxmlformats.org/drawingml/2006/table">
-            <a:tbl>
-              <a:tblPr firstRow="1" bandRow="1">
-                <a:tableStyleId>{5C22544A-7EE6-4342-B048-85BDC9FD1C3A}</a:tableStyleId>
-              </a:tblPr>
-              <a:tblGrid>
-                <a:gridCol w="1338414">
-                  <a:extLst>
-                    <a:ext uri="{9D8B030D-6E8A-4147-A177-3AD203B41FA5}">
-                      <a16:colId xmlns:a16="http://schemas.microsoft.com/office/drawing/2014/main" val="2087661091"/>
-                    </a:ext>
-                  </a:extLst>
-                </a:gridCol>
-                <a:gridCol w="1338414">
-                  <a:extLst>
-                    <a:ext uri="{9D8B030D-6E8A-4147-A177-3AD203B41FA5}">
-                      <a16:colId xmlns:a16="http://schemas.microsoft.com/office/drawing/2014/main" val="4161442789"/>
-                    </a:ext>
-                  </a:extLst>
-                </a:gridCol>
-                <a:gridCol w="1338414">
-                  <a:extLst>
-                    <a:ext uri="{9D8B030D-6E8A-4147-A177-3AD203B41FA5}">
-                      <a16:colId xmlns:a16="http://schemas.microsoft.com/office/drawing/2014/main" val="1065804868"/>
-                    </a:ext>
-                  </a:extLst>
-                </a:gridCol>
-              </a:tblGrid>
-              <a:tr h="595086">
-                <a:tc>
-                  <a:txBody>
-                    <a:bodyPr/>
-                    <a:lstStyle/>
-                    <a:p>
-                      <a:endParaRPr lang="de-DE" dirty="0">
-                        <a:solidFill>
-                          <a:schemeClr val="tx1"/>
-                        </a:solidFill>
-                      </a:endParaRPr>
-                    </a:p>
-                  </a:txBody>
-                  <a:tcPr>
-                    <a:noFill/>
-                  </a:tcPr>
-                </a:tc>
-                <a:tc>
-                  <a:txBody>
-                    <a:bodyPr/>
-                    <a:lstStyle/>
-                    <a:p>
-                      <a:r>
-                        <a:rPr lang="de-DE" dirty="0">
-                          <a:solidFill>
-                            <a:schemeClr val="tx1"/>
-                          </a:solidFill>
-                        </a:rPr>
-                        <a:t>Without</a:t>
-                      </a:r>
-                      <a:br>
-                        <a:rPr lang="de-DE" dirty="0">
-                          <a:solidFill>
-                            <a:schemeClr val="tx1"/>
-                          </a:solidFill>
-                        </a:rPr>
-                      </a:br>
-                      <a:r>
-                        <a:rPr lang="de-DE" dirty="0">
-                          <a:solidFill>
-                            <a:schemeClr val="tx1"/>
-                          </a:solidFill>
-                        </a:rPr>
-                        <a:t>PCS</a:t>
-                      </a:r>
-                    </a:p>
-                  </a:txBody>
-                  <a:tcPr>
-                    <a:noFill/>
-                  </a:tcPr>
-                </a:tc>
-                <a:tc>
-                  <a:txBody>
-                    <a:bodyPr/>
-                    <a:lstStyle/>
-                    <a:p>
-                      <a:r>
-                        <a:rPr lang="de-DE" dirty="0">
-                          <a:solidFill>
-                            <a:schemeClr val="tx1"/>
-                          </a:solidFill>
-                        </a:rPr>
-                        <a:t>With</a:t>
-                      </a:r>
-                      <a:br>
-                        <a:rPr lang="de-DE" dirty="0">
-                          <a:solidFill>
-                            <a:schemeClr val="tx1"/>
-                          </a:solidFill>
-                        </a:rPr>
-                      </a:br>
-                      <a:r>
-                        <a:rPr lang="de-DE" dirty="0">
-                          <a:solidFill>
-                            <a:schemeClr val="tx1"/>
-                          </a:solidFill>
-                        </a:rPr>
-                        <a:t>PCS</a:t>
-                      </a:r>
-                    </a:p>
-                  </a:txBody>
-                  <a:tcPr>
-                    <a:noFill/>
-                  </a:tcPr>
-                </a:tc>
-                <a:extLst>
-                  <a:ext uri="{0D108BD9-81ED-4DB2-BD59-A6C34878D82A}">
-                    <a16:rowId xmlns:a16="http://schemas.microsoft.com/office/drawing/2014/main" val="3931383551"/>
-                  </a:ext>
-                </a:extLst>
-              </a:tr>
-              <a:tr h="595086">
-                <a:tc>
-                  <a:txBody>
-                    <a:bodyPr/>
-                    <a:lstStyle/>
-                    <a:p>
-                      <a:r>
-                        <a:rPr lang="de-DE" dirty="0">
-                          <a:solidFill>
-                            <a:srgbClr val="FF0000"/>
-                          </a:solidFill>
-                        </a:rPr>
-                        <a:t>Cluster 1</a:t>
-                      </a:r>
-                    </a:p>
-                  </a:txBody>
-                  <a:tcPr>
-                    <a:noFill/>
-                  </a:tcPr>
-                </a:tc>
-                <a:tc>
-                  <a:txBody>
-                    <a:bodyPr/>
-                    <a:lstStyle/>
-                    <a:p>
-                      <a:r>
-                        <a:rPr lang="de-DE" dirty="0">
-                          <a:solidFill>
-                            <a:srgbClr val="FF0000"/>
-                          </a:solidFill>
-                        </a:rPr>
-                        <a:t>11</a:t>
-                      </a:r>
-                    </a:p>
-                  </a:txBody>
-                  <a:tcPr>
-                    <a:noFill/>
-                  </a:tcPr>
-                </a:tc>
-                <a:tc>
-                  <a:txBody>
-                    <a:bodyPr/>
-                    <a:lstStyle/>
-                    <a:p>
-                      <a:r>
-                        <a:rPr lang="de-DE" dirty="0">
-                          <a:solidFill>
-                            <a:srgbClr val="FF0000"/>
-                          </a:solidFill>
-                        </a:rPr>
-                        <a:t>33</a:t>
-                      </a:r>
-                    </a:p>
-                  </a:txBody>
-                  <a:tcPr>
-                    <a:noFill/>
-                  </a:tcPr>
-                </a:tc>
-                <a:extLst>
-                  <a:ext uri="{0D108BD9-81ED-4DB2-BD59-A6C34878D82A}">
-                    <a16:rowId xmlns:a16="http://schemas.microsoft.com/office/drawing/2014/main" val="3140929958"/>
-                  </a:ext>
-                </a:extLst>
-              </a:tr>
-              <a:tr h="595086">
-                <a:tc>
-                  <a:txBody>
-                    <a:bodyPr/>
-                    <a:lstStyle/>
-                    <a:p>
-                      <a:r>
-                        <a:rPr lang="de-DE" dirty="0">
-                          <a:solidFill>
-                            <a:srgbClr val="00B050"/>
-                          </a:solidFill>
-                        </a:rPr>
-                        <a:t>Cluster 2</a:t>
-                      </a:r>
-                    </a:p>
-                  </a:txBody>
-                  <a:tcPr>
-                    <a:noFill/>
-                  </a:tcPr>
-                </a:tc>
-                <a:tc>
-                  <a:txBody>
-                    <a:bodyPr/>
-                    <a:lstStyle/>
-                    <a:p>
-                      <a:r>
-                        <a:rPr lang="de-DE" dirty="0">
-                          <a:solidFill>
-                            <a:srgbClr val="00B050"/>
-                          </a:solidFill>
-                        </a:rPr>
-                        <a:t>16</a:t>
-                      </a:r>
-                    </a:p>
-                  </a:txBody>
-                  <a:tcPr>
-                    <a:noFill/>
-                  </a:tcPr>
-                </a:tc>
-                <a:tc>
-                  <a:txBody>
-                    <a:bodyPr/>
-                    <a:lstStyle/>
-                    <a:p>
-                      <a:r>
-                        <a:rPr lang="de-DE" dirty="0">
-                          <a:solidFill>
-                            <a:srgbClr val="00B050"/>
-                          </a:solidFill>
-                        </a:rPr>
-                        <a:t>10</a:t>
-                      </a:r>
-                    </a:p>
-                  </a:txBody>
-                  <a:tcPr>
-                    <a:noFill/>
-                  </a:tcPr>
-                </a:tc>
-                <a:extLst>
-                  <a:ext uri="{0D108BD9-81ED-4DB2-BD59-A6C34878D82A}">
-                    <a16:rowId xmlns:a16="http://schemas.microsoft.com/office/drawing/2014/main" val="2462120241"/>
-                  </a:ext>
-                </a:extLst>
-              </a:tr>
-            </a:tbl>
-          </a:graphicData>
-        </a:graphic>
-      </p:graphicFrame>
-      <p:sp>
-        <p:nvSpPr>
-          <p:cNvPr id="12" name="TextBox 11">
-            <a:extLst>
-              <a:ext uri="{FF2B5EF4-FFF2-40B4-BE49-F238E27FC236}">
-                <a16:creationId xmlns:a16="http://schemas.microsoft.com/office/drawing/2014/main" id="{4853F4DC-B9FC-9C09-0F9E-B25EF1927199}"/>
-              </a:ext>
-            </a:extLst>
-          </p:cNvPr>
-          <p:cNvSpPr txBox="1"/>
-          <p:nvPr/>
-        </p:nvSpPr>
-        <p:spPr>
-          <a:xfrm>
-            <a:off x="960922" y="5824460"/>
-            <a:ext cx="10558529" cy="1477328"/>
-          </a:xfrm>
-          <a:prstGeom prst="rect">
-            <a:avLst/>
-          </a:prstGeom>
-          <a:noFill/>
-        </p:spPr>
-        <p:txBody>
-          <a:bodyPr wrap="square" rtlCol="0">
-            <a:spAutoFit/>
-          </a:bodyPr>
-          <a:lstStyle/>
-          <a:p>
-            <a:r>
-              <a:rPr lang="de-DE" dirty="0" err="1"/>
-              <a:t>Abb1</a:t>
-            </a:r>
-            <a:r>
-              <a:rPr lang="de-DE" dirty="0"/>
-              <a:t>: Keine signifikanten Unterschiede (knapp)</a:t>
-            </a:r>
-          </a:p>
-          <a:p>
-            <a:r>
-              <a:rPr lang="de-DE" dirty="0" err="1"/>
-              <a:t>Abb2</a:t>
-            </a:r>
-            <a:r>
-              <a:rPr lang="de-DE"/>
-              <a:t>: Signifikanter Unterschied </a:t>
-            </a:r>
-            <a:r>
-              <a:rPr lang="de-DE" dirty="0"/>
-              <a:t>im </a:t>
-            </a:r>
-            <a:r>
-              <a:rPr lang="de-DE" dirty="0" err="1"/>
-              <a:t>Facit</a:t>
-            </a:r>
-            <a:r>
-              <a:rPr lang="de-DE" dirty="0"/>
-              <a:t> zwischen </a:t>
-            </a:r>
-            <a:r>
-              <a:rPr lang="de-DE" dirty="0" err="1"/>
-              <a:t>withPCS</a:t>
-            </a:r>
-            <a:r>
-              <a:rPr lang="de-DE" dirty="0"/>
-              <a:t> &amp; </a:t>
-            </a:r>
-            <a:r>
-              <a:rPr lang="de-DE" dirty="0" err="1"/>
-              <a:t>withoutPCS</a:t>
-            </a:r>
-            <a:r>
-              <a:rPr lang="de-DE" dirty="0"/>
-              <a:t> in </a:t>
-            </a:r>
-            <a:r>
-              <a:rPr lang="de-DE" dirty="0" err="1"/>
-              <a:t>C1</a:t>
-            </a:r>
-            <a:r>
-              <a:rPr lang="de-DE" dirty="0"/>
-              <a:t> &amp; </a:t>
-            </a:r>
-            <a:r>
-              <a:rPr lang="de-DE" dirty="0" err="1"/>
-              <a:t>C2</a:t>
-            </a:r>
-            <a:r>
-              <a:rPr lang="de-DE" dirty="0"/>
-              <a:t>. Signifikante Unterschiede im </a:t>
-            </a:r>
-            <a:r>
-              <a:rPr lang="de-DE" dirty="0" err="1"/>
-              <a:t>hadsA</a:t>
-            </a:r>
-            <a:r>
-              <a:rPr lang="de-DE" dirty="0"/>
-              <a:t>/</a:t>
-            </a:r>
-            <a:r>
-              <a:rPr lang="de-DE" dirty="0" err="1"/>
-              <a:t>psqi</a:t>
-            </a:r>
-            <a:r>
-              <a:rPr lang="de-DE" dirty="0"/>
-              <a:t> zwischen </a:t>
-            </a:r>
-            <a:r>
-              <a:rPr lang="de-DE" dirty="0" err="1"/>
-              <a:t>withPCS</a:t>
-            </a:r>
-            <a:r>
-              <a:rPr lang="de-DE" dirty="0"/>
-              <a:t> &amp; </a:t>
-            </a:r>
-            <a:r>
-              <a:rPr lang="de-DE" dirty="0" err="1"/>
-              <a:t>withoutPCS</a:t>
-            </a:r>
-            <a:r>
-              <a:rPr lang="de-DE" dirty="0"/>
-              <a:t> in </a:t>
-            </a:r>
-            <a:r>
-              <a:rPr lang="de-DE" dirty="0" err="1"/>
-              <a:t>C2</a:t>
-            </a:r>
-            <a:endParaRPr lang="de-DE" dirty="0"/>
-          </a:p>
-          <a:p>
-            <a:endParaRPr lang="de-DE" dirty="0"/>
-          </a:p>
-          <a:p>
-            <a:endParaRPr lang="de-DE" dirty="0"/>
-          </a:p>
-        </p:txBody>
-      </p:sp>
-      <p:pic>
-        <p:nvPicPr>
-          <p:cNvPr id="3" name="Grafik 2"/>
-          <p:cNvPicPr>
-            <a:picLocks noChangeAspect="1"/>
-          </p:cNvPicPr>
-          <p:nvPr/>
-        </p:nvPicPr>
-        <p:blipFill>
-          <a:blip r:embed="rId3">
-            <a:extLst>
-              <a:ext uri="{28A0092B-C50C-407E-A947-70E740481C1C}">
-                <a14:useLocalDpi xmlns:a14="http://schemas.microsoft.com/office/drawing/2010/main" val="0"/>
-              </a:ext>
-            </a:extLst>
-          </a:blip>
-          <a:stretch>
-            <a:fillRect/>
-          </a:stretch>
-        </p:blipFill>
-        <p:spPr>
-          <a:xfrm>
-            <a:off x="257114" y="1349159"/>
-            <a:ext cx="5686485" cy="4475301"/>
-          </a:xfrm>
-          <a:prstGeom prst="rect">
-            <a:avLst/>
-          </a:prstGeom>
-        </p:spPr>
-      </p:pic>
-      <p:pic>
-        <p:nvPicPr>
-          <p:cNvPr id="6" name="Grafik 5"/>
-          <p:cNvPicPr>
-            <a:picLocks noChangeAspect="1"/>
-          </p:cNvPicPr>
-          <p:nvPr/>
-        </p:nvPicPr>
-        <p:blipFill>
-          <a:blip r:embed="rId4">
-            <a:extLst>
-              <a:ext uri="{28A0092B-C50C-407E-A947-70E740481C1C}">
-                <a14:useLocalDpi xmlns:a14="http://schemas.microsoft.com/office/drawing/2010/main" val="0"/>
-              </a:ext>
-            </a:extLst>
-          </a:blip>
-          <a:stretch>
-            <a:fillRect/>
-          </a:stretch>
-        </p:blipFill>
-        <p:spPr>
-          <a:xfrm>
-            <a:off x="5943599" y="1581524"/>
-            <a:ext cx="5469480" cy="4242936"/>
-          </a:xfrm>
-          <a:prstGeom prst="rect">
-            <a:avLst/>
-          </a:prstGeom>
-        </p:spPr>
-      </p:pic>
-    </p:spTree>
-    <p:extLst>
-      <p:ext uri="{BB962C8B-B14F-4D97-AF65-F5344CB8AC3E}">
-        <p14:creationId xmlns:p14="http://schemas.microsoft.com/office/powerpoint/2010/main" val="2384392970"/>
-      </p:ext>
-    </p:extLst>
-  </p:cSld>
-  <p:clrMapOvr>
-    <a:masterClrMapping/>
-  </p:clrMapOvr>
-</p:sld>
-</file>
-
-<file path=ppt/slides/slide19.xml><?xml version="1.0" encoding="utf-8"?>
-<p:sld xmlns:a="http://schemas.openxmlformats.org/drawingml/2006/main" xmlns:r="http://schemas.openxmlformats.org/officeDocument/2006/relationships" xmlns:p="http://schemas.openxmlformats.org/presentationml/2006/main">
-  <p:cSld>
-    <p:spTree>
-      <p:nvGrpSpPr>
-        <p:cNvPr id="1" name=""/>
-        <p:cNvGrpSpPr/>
-        <p:nvPr/>
-      </p:nvGrpSpPr>
-      <p:grpSpPr>
-        <a:xfrm>
-          <a:off x="0" y="0"/>
-          <a:ext cx="0" cy="0"/>
-          <a:chOff x="0" y="0"/>
-          <a:chExt cx="0" cy="0"/>
-        </a:xfrm>
-      </p:grpSpPr>
-      <p:sp>
-        <p:nvSpPr>
-          <p:cNvPr id="2" name="Title 1">
-            <a:extLst>
-              <a:ext uri="{FF2B5EF4-FFF2-40B4-BE49-F238E27FC236}">
-                <a16:creationId xmlns:a16="http://schemas.microsoft.com/office/drawing/2014/main" id="{5FA92E7E-ADAC-9CF6-FBAD-455FD9799F37}"/>
-              </a:ext>
-            </a:extLst>
-          </p:cNvPr>
-          <p:cNvSpPr>
-            <a:spLocks noGrp="1"/>
-          </p:cNvSpPr>
-          <p:nvPr>
-            <p:ph type="title"/>
-          </p:nvPr>
-        </p:nvSpPr>
-        <p:spPr/>
-        <p:txBody>
-          <a:bodyPr/>
-          <a:lstStyle/>
-          <a:p>
-            <a:r>
-              <a:rPr lang="de-DE" dirty="0"/>
-              <a:t>Z-Werte / 2 Altersgruppen</a:t>
-            </a:r>
-          </a:p>
-        </p:txBody>
-      </p:sp>
-      <p:graphicFrame>
-        <p:nvGraphicFramePr>
-          <p:cNvPr id="6" name="Table 5">
-            <a:extLst>
-              <a:ext uri="{FF2B5EF4-FFF2-40B4-BE49-F238E27FC236}">
-                <a16:creationId xmlns:a16="http://schemas.microsoft.com/office/drawing/2014/main" id="{C34BBE34-C539-43D5-936F-D26836FFAE10}"/>
-              </a:ext>
-            </a:extLst>
-          </p:cNvPr>
-          <p:cNvGraphicFramePr>
-            <a:graphicFrameLocks noGrp="1"/>
-          </p:cNvGraphicFramePr>
-          <p:nvPr>
-            <p:extLst>
-              <p:ext uri="{D42A27DB-BD31-4B8C-83A1-F6EECF244321}">
-                <p14:modId xmlns:p14="http://schemas.microsoft.com/office/powerpoint/2010/main" val="4187566097"/>
-              </p:ext>
-            </p:extLst>
-          </p:nvPr>
-        </p:nvGraphicFramePr>
-        <p:xfrm>
-          <a:off x="3673403" y="3607204"/>
-          <a:ext cx="4015242" cy="1830252"/>
-        </p:xfrm>
-        <a:graphic>
-          <a:graphicData uri="http://schemas.openxmlformats.org/drawingml/2006/table">
-            <a:tbl>
-              <a:tblPr firstRow="1" bandRow="1">
-                <a:tableStyleId>{5C22544A-7EE6-4342-B048-85BDC9FD1C3A}</a:tableStyleId>
-              </a:tblPr>
-              <a:tblGrid>
-                <a:gridCol w="1338414">
-                  <a:extLst>
-                    <a:ext uri="{9D8B030D-6E8A-4147-A177-3AD203B41FA5}">
-                      <a16:colId xmlns:a16="http://schemas.microsoft.com/office/drawing/2014/main" val="2087661091"/>
-                    </a:ext>
-                  </a:extLst>
-                </a:gridCol>
-                <a:gridCol w="1338414">
-                  <a:extLst>
-                    <a:ext uri="{9D8B030D-6E8A-4147-A177-3AD203B41FA5}">
-                      <a16:colId xmlns:a16="http://schemas.microsoft.com/office/drawing/2014/main" val="4161442789"/>
-                    </a:ext>
-                  </a:extLst>
-                </a:gridCol>
-                <a:gridCol w="1338414">
-                  <a:extLst>
-                    <a:ext uri="{9D8B030D-6E8A-4147-A177-3AD203B41FA5}">
-                      <a16:colId xmlns:a16="http://schemas.microsoft.com/office/drawing/2014/main" val="1065804868"/>
-                    </a:ext>
-                  </a:extLst>
-                </a:gridCol>
-              </a:tblGrid>
-              <a:tr h="595086">
-                <a:tc>
-                  <a:txBody>
-                    <a:bodyPr/>
-                    <a:lstStyle/>
-                    <a:p>
-                      <a:endParaRPr lang="de-DE" dirty="0">
-                        <a:solidFill>
-                          <a:schemeClr val="tx1"/>
-                        </a:solidFill>
-                      </a:endParaRPr>
-                    </a:p>
-                  </a:txBody>
-                  <a:tcPr>
-                    <a:noFill/>
-                  </a:tcPr>
-                </a:tc>
-                <a:tc>
-                  <a:txBody>
-                    <a:bodyPr/>
-                    <a:lstStyle/>
-                    <a:p>
-                      <a:r>
-                        <a:rPr lang="de-DE" dirty="0">
-                          <a:solidFill>
-                            <a:schemeClr val="tx1"/>
-                          </a:solidFill>
-                        </a:rPr>
-                        <a:t>Without</a:t>
-                      </a:r>
-                      <a:br>
-                        <a:rPr lang="de-DE" dirty="0">
-                          <a:solidFill>
-                            <a:schemeClr val="tx1"/>
-                          </a:solidFill>
-                        </a:rPr>
-                      </a:br>
-                      <a:r>
-                        <a:rPr lang="de-DE" dirty="0">
-                          <a:solidFill>
-                            <a:schemeClr val="tx1"/>
-                          </a:solidFill>
-                        </a:rPr>
-                        <a:t>PCS</a:t>
-                      </a:r>
-                    </a:p>
-                  </a:txBody>
-                  <a:tcPr>
-                    <a:noFill/>
-                  </a:tcPr>
-                </a:tc>
-                <a:tc>
-                  <a:txBody>
-                    <a:bodyPr/>
-                    <a:lstStyle/>
-                    <a:p>
-                      <a:r>
-                        <a:rPr lang="de-DE" dirty="0">
-                          <a:solidFill>
-                            <a:schemeClr val="tx1"/>
-                          </a:solidFill>
-                        </a:rPr>
-                        <a:t>With</a:t>
-                      </a:r>
-                      <a:br>
-                        <a:rPr lang="de-DE" dirty="0">
-                          <a:solidFill>
-                            <a:schemeClr val="tx1"/>
-                          </a:solidFill>
-                        </a:rPr>
-                      </a:br>
-                      <a:r>
-                        <a:rPr lang="de-DE" dirty="0">
-                          <a:solidFill>
-                            <a:schemeClr val="tx1"/>
-                          </a:solidFill>
-                        </a:rPr>
-                        <a:t>PCS</a:t>
-                      </a:r>
-                    </a:p>
-                  </a:txBody>
-                  <a:tcPr>
-                    <a:noFill/>
-                  </a:tcPr>
-                </a:tc>
-                <a:extLst>
-                  <a:ext uri="{0D108BD9-81ED-4DB2-BD59-A6C34878D82A}">
-                    <a16:rowId xmlns:a16="http://schemas.microsoft.com/office/drawing/2014/main" val="3931383551"/>
-                  </a:ext>
-                </a:extLst>
-              </a:tr>
-              <a:tr h="595086">
-                <a:tc>
-                  <a:txBody>
-                    <a:bodyPr/>
-                    <a:lstStyle/>
-                    <a:p>
-                      <a:r>
-                        <a:rPr lang="de-DE" dirty="0">
-                          <a:solidFill>
-                            <a:srgbClr val="FF0000"/>
-                          </a:solidFill>
-                        </a:rPr>
-                        <a:t>Cluster 1</a:t>
-                      </a:r>
-                    </a:p>
-                  </a:txBody>
-                  <a:tcPr>
-                    <a:noFill/>
-                  </a:tcPr>
-                </a:tc>
-                <a:tc>
-                  <a:txBody>
-                    <a:bodyPr/>
-                    <a:lstStyle/>
-                    <a:p>
-                      <a:r>
-                        <a:rPr lang="de-DE" dirty="0">
-                          <a:solidFill>
-                            <a:srgbClr val="FF0000"/>
-                          </a:solidFill>
-                        </a:rPr>
-                        <a:t>5</a:t>
-                      </a:r>
-                    </a:p>
-                  </a:txBody>
-                  <a:tcPr>
-                    <a:noFill/>
-                  </a:tcPr>
-                </a:tc>
-                <a:tc>
-                  <a:txBody>
-                    <a:bodyPr/>
-                    <a:lstStyle/>
-                    <a:p>
-                      <a:r>
-                        <a:rPr lang="de-DE" dirty="0">
-                          <a:solidFill>
-                            <a:srgbClr val="FF0000"/>
-                          </a:solidFill>
-                        </a:rPr>
-                        <a:t>27</a:t>
-                      </a:r>
-                    </a:p>
-                  </a:txBody>
-                  <a:tcPr>
-                    <a:noFill/>
-                  </a:tcPr>
-                </a:tc>
-                <a:extLst>
-                  <a:ext uri="{0D108BD9-81ED-4DB2-BD59-A6C34878D82A}">
-                    <a16:rowId xmlns:a16="http://schemas.microsoft.com/office/drawing/2014/main" val="3140929958"/>
-                  </a:ext>
-                </a:extLst>
-              </a:tr>
-              <a:tr h="595086">
-                <a:tc>
-                  <a:txBody>
-                    <a:bodyPr/>
-                    <a:lstStyle/>
-                    <a:p>
-                      <a:r>
-                        <a:rPr lang="de-DE" dirty="0">
-                          <a:solidFill>
-                            <a:srgbClr val="00B050"/>
-                          </a:solidFill>
-                        </a:rPr>
-                        <a:t>Cluster 2</a:t>
-                      </a:r>
-                    </a:p>
-                  </a:txBody>
-                  <a:tcPr>
-                    <a:noFill/>
-                  </a:tcPr>
-                </a:tc>
-                <a:tc>
-                  <a:txBody>
-                    <a:bodyPr/>
-                    <a:lstStyle/>
-                    <a:p>
-                      <a:r>
-                        <a:rPr lang="de-DE" dirty="0">
-                          <a:solidFill>
-                            <a:srgbClr val="00B050"/>
-                          </a:solidFill>
-                        </a:rPr>
-                        <a:t>22</a:t>
-                      </a:r>
-                    </a:p>
-                  </a:txBody>
-                  <a:tcPr>
-                    <a:noFill/>
-                  </a:tcPr>
-                </a:tc>
-                <a:tc>
-                  <a:txBody>
-                    <a:bodyPr/>
-                    <a:lstStyle/>
-                    <a:p>
-                      <a:r>
-                        <a:rPr lang="de-DE" dirty="0">
-                          <a:solidFill>
-                            <a:srgbClr val="00B050"/>
-                          </a:solidFill>
-                        </a:rPr>
-                        <a:t>16</a:t>
-                      </a:r>
-                    </a:p>
-                  </a:txBody>
-                  <a:tcPr>
-                    <a:noFill/>
-                  </a:tcPr>
-                </a:tc>
-                <a:extLst>
-                  <a:ext uri="{0D108BD9-81ED-4DB2-BD59-A6C34878D82A}">
-                    <a16:rowId xmlns:a16="http://schemas.microsoft.com/office/drawing/2014/main" val="2462120241"/>
-                  </a:ext>
-                </a:extLst>
-              </a:tr>
-            </a:tbl>
-          </a:graphicData>
-        </a:graphic>
-      </p:graphicFrame>
-      <p:graphicFrame>
-        <p:nvGraphicFramePr>
-          <p:cNvPr id="7" name="Table 6">
-            <a:extLst>
-              <a:ext uri="{FF2B5EF4-FFF2-40B4-BE49-F238E27FC236}">
-                <a16:creationId xmlns:a16="http://schemas.microsoft.com/office/drawing/2014/main" id="{0A7E851C-A2D2-B8B5-9750-2F0D12F0550D}"/>
-              </a:ext>
-            </a:extLst>
-          </p:cNvPr>
-          <p:cNvGraphicFramePr>
-            <a:graphicFrameLocks noGrp="1"/>
-          </p:cNvGraphicFramePr>
-          <p:nvPr>
-            <p:extLst>
-              <p:ext uri="{D42A27DB-BD31-4B8C-83A1-F6EECF244321}">
-                <p14:modId xmlns:p14="http://schemas.microsoft.com/office/powerpoint/2010/main" val="3484078165"/>
-              </p:ext>
-            </p:extLst>
-          </p:nvPr>
-        </p:nvGraphicFramePr>
-        <p:xfrm>
-          <a:off x="933091" y="1852160"/>
-          <a:ext cx="1817288" cy="1112520"/>
-        </p:xfrm>
-        <a:graphic>
-          <a:graphicData uri="http://schemas.openxmlformats.org/drawingml/2006/table">
-            <a:tbl>
-              <a:tblPr firstRow="1" bandRow="1">
-                <a:tableStyleId>{5C22544A-7EE6-4342-B048-85BDC9FD1C3A}</a:tableStyleId>
-              </a:tblPr>
-              <a:tblGrid>
-                <a:gridCol w="1220159">
-                  <a:extLst>
-                    <a:ext uri="{9D8B030D-6E8A-4147-A177-3AD203B41FA5}">
-                      <a16:colId xmlns:a16="http://schemas.microsoft.com/office/drawing/2014/main" val="3095421252"/>
-                    </a:ext>
-                  </a:extLst>
-                </a:gridCol>
-                <a:gridCol w="597129">
-                  <a:extLst>
-                    <a:ext uri="{9D8B030D-6E8A-4147-A177-3AD203B41FA5}">
-                      <a16:colId xmlns:a16="http://schemas.microsoft.com/office/drawing/2014/main" val="2138526489"/>
-                    </a:ext>
-                  </a:extLst>
-                </a:gridCol>
-              </a:tblGrid>
-              <a:tr h="370840">
-                <a:tc>
-                  <a:txBody>
-                    <a:bodyPr/>
-                    <a:lstStyle/>
-                    <a:p>
-                      <a:r>
-                        <a:rPr lang="de-DE" dirty="0">
-                          <a:solidFill>
-                            <a:schemeClr val="tx1"/>
-                          </a:solidFill>
-                        </a:rPr>
-                        <a:t>Age group</a:t>
-                      </a:r>
-                    </a:p>
-                  </a:txBody>
-                  <a:tcPr>
-                    <a:noFill/>
-                  </a:tcPr>
-                </a:tc>
-                <a:tc>
-                  <a:txBody>
-                    <a:bodyPr/>
-                    <a:lstStyle/>
-                    <a:p>
-                      <a:r>
-                        <a:rPr lang="de-DE" dirty="0">
-                          <a:solidFill>
-                            <a:schemeClr val="tx1"/>
-                          </a:solidFill>
-                        </a:rPr>
-                        <a:t>VPs</a:t>
-                      </a:r>
-                    </a:p>
-                  </a:txBody>
-                  <a:tcPr>
-                    <a:noFill/>
-                  </a:tcPr>
-                </a:tc>
-                <a:extLst>
-                  <a:ext uri="{0D108BD9-81ED-4DB2-BD59-A6C34878D82A}">
-                    <a16:rowId xmlns:a16="http://schemas.microsoft.com/office/drawing/2014/main" val="687688987"/>
-                  </a:ext>
-                </a:extLst>
-              </a:tr>
-              <a:tr h="370840">
-                <a:tc>
-                  <a:txBody>
-                    <a:bodyPr/>
-                    <a:lstStyle/>
-                    <a:p>
-                      <a:r>
-                        <a:rPr lang="de-DE" dirty="0"/>
-                        <a:t>18-49</a:t>
-                      </a:r>
-                    </a:p>
-                  </a:txBody>
-                  <a:tcPr>
-                    <a:noFill/>
-                  </a:tcPr>
-                </a:tc>
-                <a:tc>
-                  <a:txBody>
-                    <a:bodyPr/>
-                    <a:lstStyle/>
-                    <a:p>
-                      <a:r>
-                        <a:rPr lang="de-DE" dirty="0"/>
-                        <a:t>31</a:t>
-                      </a:r>
-                    </a:p>
-                  </a:txBody>
-                  <a:tcPr>
-                    <a:noFill/>
-                  </a:tcPr>
-                </a:tc>
-                <a:extLst>
-                  <a:ext uri="{0D108BD9-81ED-4DB2-BD59-A6C34878D82A}">
-                    <a16:rowId xmlns:a16="http://schemas.microsoft.com/office/drawing/2014/main" val="1424993290"/>
-                  </a:ext>
-                </a:extLst>
-              </a:tr>
-              <a:tr h="370840">
-                <a:tc>
-                  <a:txBody>
-                    <a:bodyPr/>
-                    <a:lstStyle/>
-                    <a:p>
-                      <a:r>
-                        <a:rPr lang="de-DE" dirty="0"/>
-                        <a:t>50-80</a:t>
-                      </a:r>
-                    </a:p>
-                  </a:txBody>
-                  <a:tcPr>
-                    <a:noFill/>
-                  </a:tcPr>
-                </a:tc>
-                <a:tc>
-                  <a:txBody>
-                    <a:bodyPr/>
-                    <a:lstStyle/>
-                    <a:p>
-                      <a:r>
-                        <a:rPr lang="de-DE" dirty="0"/>
-                        <a:t>39</a:t>
-                      </a:r>
-                    </a:p>
-                  </a:txBody>
-                  <a:tcPr>
-                    <a:noFill/>
-                  </a:tcPr>
-                </a:tc>
-                <a:extLst>
-                  <a:ext uri="{0D108BD9-81ED-4DB2-BD59-A6C34878D82A}">
-                    <a16:rowId xmlns:a16="http://schemas.microsoft.com/office/drawing/2014/main" val="640674437"/>
-                  </a:ext>
-                </a:extLst>
-              </a:tr>
-            </a:tbl>
-          </a:graphicData>
-        </a:graphic>
-      </p:graphicFrame>
-    </p:spTree>
-    <p:extLst>
-      <p:ext uri="{BB962C8B-B14F-4D97-AF65-F5344CB8AC3E}">
-        <p14:creationId xmlns:p14="http://schemas.microsoft.com/office/powerpoint/2010/main" val="1829500632"/>
+        <p14:creationId xmlns:p14="http://schemas.microsoft.com/office/powerpoint/2010/main" val="2082999122"/>
       </p:ext>
     </p:extLst>
   </p:cSld>
@@ -9130,1329 +6405,6 @@
     <p:extLst>
       <p:ext uri="{BB962C8B-B14F-4D97-AF65-F5344CB8AC3E}">
         <p14:creationId xmlns:p14="http://schemas.microsoft.com/office/powerpoint/2010/main" val="872559004"/>
-      </p:ext>
-    </p:extLst>
-  </p:cSld>
-  <p:clrMapOvr>
-    <a:masterClrMapping/>
-  </p:clrMapOvr>
-</p:sld>
-</file>
-
-<file path=ppt/slides/slide20.xml><?xml version="1.0" encoding="utf-8"?>
-<p:sld xmlns:a="http://schemas.openxmlformats.org/drawingml/2006/main" xmlns:r="http://schemas.openxmlformats.org/officeDocument/2006/relationships" xmlns:p="http://schemas.openxmlformats.org/presentationml/2006/main">
-  <p:cSld>
-    <p:spTree>
-      <p:nvGrpSpPr>
-        <p:cNvPr id="1" name=""/>
-        <p:cNvGrpSpPr/>
-        <p:nvPr/>
-      </p:nvGrpSpPr>
-      <p:grpSpPr>
-        <a:xfrm>
-          <a:off x="0" y="0"/>
-          <a:ext cx="0" cy="0"/>
-          <a:chOff x="0" y="0"/>
-          <a:chExt cx="0" cy="0"/>
-        </a:xfrm>
-      </p:grpSpPr>
-      <p:sp>
-        <p:nvSpPr>
-          <p:cNvPr id="2" name="Title 1">
-            <a:extLst>
-              <a:ext uri="{FF2B5EF4-FFF2-40B4-BE49-F238E27FC236}">
-                <a16:creationId xmlns:a16="http://schemas.microsoft.com/office/drawing/2014/main" id="{5FA92E7E-ADAC-9CF6-FBAD-455FD9799F37}"/>
-              </a:ext>
-            </a:extLst>
-          </p:cNvPr>
-          <p:cNvSpPr>
-            <a:spLocks noGrp="1"/>
-          </p:cNvSpPr>
-          <p:nvPr>
-            <p:ph type="title"/>
-          </p:nvPr>
-        </p:nvSpPr>
-        <p:spPr/>
-        <p:txBody>
-          <a:bodyPr/>
-          <a:lstStyle/>
-          <a:p>
-            <a:r>
-              <a:rPr lang="de-DE" dirty="0"/>
-              <a:t>Z-Werte / 2 Altersgruppen</a:t>
-            </a:r>
-          </a:p>
-        </p:txBody>
-      </p:sp>
-      <p:graphicFrame>
-        <p:nvGraphicFramePr>
-          <p:cNvPr id="3" name="Table 2">
-            <a:extLst>
-              <a:ext uri="{FF2B5EF4-FFF2-40B4-BE49-F238E27FC236}">
-                <a16:creationId xmlns:a16="http://schemas.microsoft.com/office/drawing/2014/main" id="{C6396E8E-758E-8C24-1A9E-F7E0F0E87C4A}"/>
-              </a:ext>
-            </a:extLst>
-          </p:cNvPr>
-          <p:cNvGraphicFramePr>
-            <a:graphicFrameLocks noGrp="1"/>
-          </p:cNvGraphicFramePr>
-          <p:nvPr/>
-        </p:nvGraphicFramePr>
-        <p:xfrm>
-          <a:off x="8803115" y="42307"/>
-          <a:ext cx="4015242" cy="1830252"/>
-        </p:xfrm>
-        <a:graphic>
-          <a:graphicData uri="http://schemas.openxmlformats.org/drawingml/2006/table">
-            <a:tbl>
-              <a:tblPr firstRow="1" bandRow="1">
-                <a:tableStyleId>{5C22544A-7EE6-4342-B048-85BDC9FD1C3A}</a:tableStyleId>
-              </a:tblPr>
-              <a:tblGrid>
-                <a:gridCol w="1338414">
-                  <a:extLst>
-                    <a:ext uri="{9D8B030D-6E8A-4147-A177-3AD203B41FA5}">
-                      <a16:colId xmlns:a16="http://schemas.microsoft.com/office/drawing/2014/main" val="2087661091"/>
-                    </a:ext>
-                  </a:extLst>
-                </a:gridCol>
-                <a:gridCol w="1338414">
-                  <a:extLst>
-                    <a:ext uri="{9D8B030D-6E8A-4147-A177-3AD203B41FA5}">
-                      <a16:colId xmlns:a16="http://schemas.microsoft.com/office/drawing/2014/main" val="4161442789"/>
-                    </a:ext>
-                  </a:extLst>
-                </a:gridCol>
-                <a:gridCol w="1338414">
-                  <a:extLst>
-                    <a:ext uri="{9D8B030D-6E8A-4147-A177-3AD203B41FA5}">
-                      <a16:colId xmlns:a16="http://schemas.microsoft.com/office/drawing/2014/main" val="1065804868"/>
-                    </a:ext>
-                  </a:extLst>
-                </a:gridCol>
-              </a:tblGrid>
-              <a:tr h="595086">
-                <a:tc>
-                  <a:txBody>
-                    <a:bodyPr/>
-                    <a:lstStyle/>
-                    <a:p>
-                      <a:endParaRPr lang="de-DE" dirty="0">
-                        <a:solidFill>
-                          <a:schemeClr val="tx1"/>
-                        </a:solidFill>
-                      </a:endParaRPr>
-                    </a:p>
-                  </a:txBody>
-                  <a:tcPr>
-                    <a:noFill/>
-                  </a:tcPr>
-                </a:tc>
-                <a:tc>
-                  <a:txBody>
-                    <a:bodyPr/>
-                    <a:lstStyle/>
-                    <a:p>
-                      <a:r>
-                        <a:rPr lang="de-DE" dirty="0">
-                          <a:solidFill>
-                            <a:schemeClr val="tx1"/>
-                          </a:solidFill>
-                        </a:rPr>
-                        <a:t>Without</a:t>
-                      </a:r>
-                      <a:br>
-                        <a:rPr lang="de-DE" dirty="0">
-                          <a:solidFill>
-                            <a:schemeClr val="tx1"/>
-                          </a:solidFill>
-                        </a:rPr>
-                      </a:br>
-                      <a:r>
-                        <a:rPr lang="de-DE" dirty="0">
-                          <a:solidFill>
-                            <a:schemeClr val="tx1"/>
-                          </a:solidFill>
-                        </a:rPr>
-                        <a:t>PCS</a:t>
-                      </a:r>
-                    </a:p>
-                  </a:txBody>
-                  <a:tcPr>
-                    <a:noFill/>
-                  </a:tcPr>
-                </a:tc>
-                <a:tc>
-                  <a:txBody>
-                    <a:bodyPr/>
-                    <a:lstStyle/>
-                    <a:p>
-                      <a:r>
-                        <a:rPr lang="de-DE" dirty="0">
-                          <a:solidFill>
-                            <a:schemeClr val="tx1"/>
-                          </a:solidFill>
-                        </a:rPr>
-                        <a:t>With</a:t>
-                      </a:r>
-                      <a:br>
-                        <a:rPr lang="de-DE" dirty="0">
-                          <a:solidFill>
-                            <a:schemeClr val="tx1"/>
-                          </a:solidFill>
-                        </a:rPr>
-                      </a:br>
-                      <a:r>
-                        <a:rPr lang="de-DE" dirty="0">
-                          <a:solidFill>
-                            <a:schemeClr val="tx1"/>
-                          </a:solidFill>
-                        </a:rPr>
-                        <a:t>PCS</a:t>
-                      </a:r>
-                    </a:p>
-                  </a:txBody>
-                  <a:tcPr>
-                    <a:noFill/>
-                  </a:tcPr>
-                </a:tc>
-                <a:extLst>
-                  <a:ext uri="{0D108BD9-81ED-4DB2-BD59-A6C34878D82A}">
-                    <a16:rowId xmlns:a16="http://schemas.microsoft.com/office/drawing/2014/main" val="3931383551"/>
-                  </a:ext>
-                </a:extLst>
-              </a:tr>
-              <a:tr h="595086">
-                <a:tc>
-                  <a:txBody>
-                    <a:bodyPr/>
-                    <a:lstStyle/>
-                    <a:p>
-                      <a:r>
-                        <a:rPr lang="de-DE" dirty="0">
-                          <a:solidFill>
-                            <a:srgbClr val="FF0000"/>
-                          </a:solidFill>
-                        </a:rPr>
-                        <a:t>Cluster 1</a:t>
-                      </a:r>
-                    </a:p>
-                  </a:txBody>
-                  <a:tcPr>
-                    <a:noFill/>
-                  </a:tcPr>
-                </a:tc>
-                <a:tc>
-                  <a:txBody>
-                    <a:bodyPr/>
-                    <a:lstStyle/>
-                    <a:p>
-                      <a:r>
-                        <a:rPr lang="de-DE" dirty="0">
-                          <a:solidFill>
-                            <a:srgbClr val="FF0000"/>
-                          </a:solidFill>
-                        </a:rPr>
-                        <a:t>5</a:t>
-                      </a:r>
-                    </a:p>
-                  </a:txBody>
-                  <a:tcPr>
-                    <a:noFill/>
-                  </a:tcPr>
-                </a:tc>
-                <a:tc>
-                  <a:txBody>
-                    <a:bodyPr/>
-                    <a:lstStyle/>
-                    <a:p>
-                      <a:r>
-                        <a:rPr lang="de-DE" dirty="0">
-                          <a:solidFill>
-                            <a:srgbClr val="FF0000"/>
-                          </a:solidFill>
-                        </a:rPr>
-                        <a:t>27</a:t>
-                      </a:r>
-                    </a:p>
-                  </a:txBody>
-                  <a:tcPr>
-                    <a:noFill/>
-                  </a:tcPr>
-                </a:tc>
-                <a:extLst>
-                  <a:ext uri="{0D108BD9-81ED-4DB2-BD59-A6C34878D82A}">
-                    <a16:rowId xmlns:a16="http://schemas.microsoft.com/office/drawing/2014/main" val="3140929958"/>
-                  </a:ext>
-                </a:extLst>
-              </a:tr>
-              <a:tr h="595086">
-                <a:tc>
-                  <a:txBody>
-                    <a:bodyPr/>
-                    <a:lstStyle/>
-                    <a:p>
-                      <a:r>
-                        <a:rPr lang="de-DE" dirty="0">
-                          <a:solidFill>
-                            <a:srgbClr val="00B050"/>
-                          </a:solidFill>
-                        </a:rPr>
-                        <a:t>Cluster 2</a:t>
-                      </a:r>
-                    </a:p>
-                  </a:txBody>
-                  <a:tcPr>
-                    <a:noFill/>
-                  </a:tcPr>
-                </a:tc>
-                <a:tc>
-                  <a:txBody>
-                    <a:bodyPr/>
-                    <a:lstStyle/>
-                    <a:p>
-                      <a:r>
-                        <a:rPr lang="de-DE" dirty="0">
-                          <a:solidFill>
-                            <a:srgbClr val="00B050"/>
-                          </a:solidFill>
-                        </a:rPr>
-                        <a:t>22</a:t>
-                      </a:r>
-                    </a:p>
-                  </a:txBody>
-                  <a:tcPr>
-                    <a:noFill/>
-                  </a:tcPr>
-                </a:tc>
-                <a:tc>
-                  <a:txBody>
-                    <a:bodyPr/>
-                    <a:lstStyle/>
-                    <a:p>
-                      <a:r>
-                        <a:rPr lang="de-DE" dirty="0">
-                          <a:solidFill>
-                            <a:srgbClr val="00B050"/>
-                          </a:solidFill>
-                        </a:rPr>
-                        <a:t>16</a:t>
-                      </a:r>
-                    </a:p>
-                  </a:txBody>
-                  <a:tcPr>
-                    <a:noFill/>
-                  </a:tcPr>
-                </a:tc>
-                <a:extLst>
-                  <a:ext uri="{0D108BD9-81ED-4DB2-BD59-A6C34878D82A}">
-                    <a16:rowId xmlns:a16="http://schemas.microsoft.com/office/drawing/2014/main" val="2462120241"/>
-                  </a:ext>
-                </a:extLst>
-              </a:tr>
-            </a:tbl>
-          </a:graphicData>
-        </a:graphic>
-      </p:graphicFrame>
-      <p:sp>
-        <p:nvSpPr>
-          <p:cNvPr id="4" name="TextBox 3">
-            <a:extLst>
-              <a:ext uri="{FF2B5EF4-FFF2-40B4-BE49-F238E27FC236}">
-                <a16:creationId xmlns:a16="http://schemas.microsoft.com/office/drawing/2014/main" id="{1E7531D5-66BB-E33A-8990-29C457D1D27F}"/>
-              </a:ext>
-            </a:extLst>
-          </p:cNvPr>
-          <p:cNvSpPr txBox="1"/>
-          <p:nvPr/>
-        </p:nvSpPr>
-        <p:spPr>
-          <a:xfrm>
-            <a:off x="538947" y="5845026"/>
-            <a:ext cx="8630932" cy="923330"/>
-          </a:xfrm>
-          <a:prstGeom prst="rect">
-            <a:avLst/>
-          </a:prstGeom>
-          <a:noFill/>
-        </p:spPr>
-        <p:txBody>
-          <a:bodyPr wrap="square" rtlCol="0">
-            <a:spAutoFit/>
-          </a:bodyPr>
-          <a:lstStyle/>
-          <a:p>
-            <a:r>
-              <a:rPr lang="de-DE" dirty="0"/>
-              <a:t>Abbildung1: Alle Unterschiede signifikant</a:t>
-            </a:r>
-          </a:p>
-          <a:p>
-            <a:r>
-              <a:rPr lang="de-DE" dirty="0"/>
-              <a:t>Abbildung 2:  Alle Unterschiede zwischen with(out) C1 und with(out) C2 signifikant (Wenn keine z-Werte, dann tmt_b nicht signifikant)</a:t>
-            </a:r>
-          </a:p>
-        </p:txBody>
-      </p:sp>
-      <p:pic>
-        <p:nvPicPr>
-          <p:cNvPr id="7" name="Picture 6" descr="A group of graphs with a number of rows&#10;&#10;Description automatically generated with medium confidence">
-            <a:extLst>
-              <a:ext uri="{FF2B5EF4-FFF2-40B4-BE49-F238E27FC236}">
-                <a16:creationId xmlns:a16="http://schemas.microsoft.com/office/drawing/2014/main" id="{A0890429-7413-03E0-F9E0-2B62EBA31D4B}"/>
-              </a:ext>
-            </a:extLst>
-          </p:cNvPr>
-          <p:cNvPicPr>
-            <a:picLocks noChangeAspect="1"/>
-          </p:cNvPicPr>
-          <p:nvPr/>
-        </p:nvPicPr>
-        <p:blipFill>
-          <a:blip r:embed="rId2">
-            <a:extLst>
-              <a:ext uri="{28A0092B-C50C-407E-A947-70E740481C1C}">
-                <a14:useLocalDpi xmlns:a14="http://schemas.microsoft.com/office/drawing/2010/main" val="0"/>
-              </a:ext>
-            </a:extLst>
-          </a:blip>
-          <a:stretch>
-            <a:fillRect/>
-          </a:stretch>
-        </p:blipFill>
-        <p:spPr>
-          <a:xfrm>
-            <a:off x="599072" y="1658261"/>
-            <a:ext cx="5401550" cy="4184864"/>
-          </a:xfrm>
-          <a:prstGeom prst="rect">
-            <a:avLst/>
-          </a:prstGeom>
-        </p:spPr>
-      </p:pic>
-      <p:pic>
-        <p:nvPicPr>
-          <p:cNvPr id="9" name="Picture 8" descr="A screenshot of a graph&#10;&#10;Description automatically generated">
-            <a:extLst>
-              <a:ext uri="{FF2B5EF4-FFF2-40B4-BE49-F238E27FC236}">
-                <a16:creationId xmlns:a16="http://schemas.microsoft.com/office/drawing/2014/main" id="{FB37F69A-0613-DB97-4BF9-00F9C4EB5153}"/>
-              </a:ext>
-            </a:extLst>
-          </p:cNvPr>
-          <p:cNvPicPr>
-            <a:picLocks noChangeAspect="1"/>
-          </p:cNvPicPr>
-          <p:nvPr/>
-        </p:nvPicPr>
-        <p:blipFill>
-          <a:blip r:embed="rId3">
-            <a:extLst>
-              <a:ext uri="{28A0092B-C50C-407E-A947-70E740481C1C}">
-                <a14:useLocalDpi xmlns:a14="http://schemas.microsoft.com/office/drawing/2010/main" val="0"/>
-              </a:ext>
-            </a:extLst>
-          </a:blip>
-          <a:stretch>
-            <a:fillRect/>
-          </a:stretch>
-        </p:blipFill>
-        <p:spPr>
-          <a:xfrm>
-            <a:off x="6239750" y="1690688"/>
-            <a:ext cx="5693536" cy="4427779"/>
-          </a:xfrm>
-          <a:prstGeom prst="rect">
-            <a:avLst/>
-          </a:prstGeom>
-        </p:spPr>
-      </p:pic>
-    </p:spTree>
-    <p:extLst>
-      <p:ext uri="{BB962C8B-B14F-4D97-AF65-F5344CB8AC3E}">
-        <p14:creationId xmlns:p14="http://schemas.microsoft.com/office/powerpoint/2010/main" val="598426703"/>
-      </p:ext>
-    </p:extLst>
-  </p:cSld>
-  <p:clrMapOvr>
-    <a:masterClrMapping/>
-  </p:clrMapOvr>
-</p:sld>
-</file>
-
-<file path=ppt/slides/slide21.xml><?xml version="1.0" encoding="utf-8"?>
-<p:sld xmlns:a="http://schemas.openxmlformats.org/drawingml/2006/main" xmlns:r="http://schemas.openxmlformats.org/officeDocument/2006/relationships" xmlns:p="http://schemas.openxmlformats.org/presentationml/2006/main">
-  <p:cSld>
-    <p:spTree>
-      <p:nvGrpSpPr>
-        <p:cNvPr id="1" name=""/>
-        <p:cNvGrpSpPr/>
-        <p:nvPr/>
-      </p:nvGrpSpPr>
-      <p:grpSpPr>
-        <a:xfrm>
-          <a:off x="0" y="0"/>
-          <a:ext cx="0" cy="0"/>
-          <a:chOff x="0" y="0"/>
-          <a:chExt cx="0" cy="0"/>
-        </a:xfrm>
-      </p:grpSpPr>
-      <p:sp>
-        <p:nvSpPr>
-          <p:cNvPr id="2" name="Title 1">
-            <a:extLst>
-              <a:ext uri="{FF2B5EF4-FFF2-40B4-BE49-F238E27FC236}">
-                <a16:creationId xmlns:a16="http://schemas.microsoft.com/office/drawing/2014/main" id="{5FA92E7E-ADAC-9CF6-FBAD-455FD9799F37}"/>
-              </a:ext>
-            </a:extLst>
-          </p:cNvPr>
-          <p:cNvSpPr>
-            <a:spLocks noGrp="1"/>
-          </p:cNvSpPr>
-          <p:nvPr>
-            <p:ph type="title"/>
-          </p:nvPr>
-        </p:nvSpPr>
-        <p:spPr/>
-        <p:txBody>
-          <a:bodyPr/>
-          <a:lstStyle/>
-          <a:p>
-            <a:r>
-              <a:rPr lang="de-DE" dirty="0"/>
-              <a:t>Z-Werte / 2 Altersgruppen</a:t>
-            </a:r>
-          </a:p>
-        </p:txBody>
-      </p:sp>
-      <p:sp>
-        <p:nvSpPr>
-          <p:cNvPr id="10" name="TextBox 9">
-            <a:extLst>
-              <a:ext uri="{FF2B5EF4-FFF2-40B4-BE49-F238E27FC236}">
-                <a16:creationId xmlns:a16="http://schemas.microsoft.com/office/drawing/2014/main" id="{140A12DA-0ECD-8045-A50A-F11B9BEC367D}"/>
-              </a:ext>
-            </a:extLst>
-          </p:cNvPr>
-          <p:cNvSpPr txBox="1"/>
-          <p:nvPr/>
-        </p:nvSpPr>
-        <p:spPr>
-          <a:xfrm>
-            <a:off x="702849" y="5947928"/>
-            <a:ext cx="6612352" cy="646331"/>
-          </a:xfrm>
-          <a:prstGeom prst="rect">
-            <a:avLst/>
-          </a:prstGeom>
-          <a:noFill/>
-        </p:spPr>
-        <p:txBody>
-          <a:bodyPr wrap="square" rtlCol="0">
-            <a:spAutoFit/>
-          </a:bodyPr>
-          <a:lstStyle/>
-          <a:p>
-            <a:r>
-              <a:rPr lang="de-DE" dirty="0"/>
-              <a:t>Abb1: Signifikanter Unterschied</a:t>
-            </a:r>
-          </a:p>
-          <a:p>
-            <a:r>
-              <a:rPr lang="de-DE" dirty="0"/>
-              <a:t>Abb2: Signifikanter Unterschied zwischen without C1 &amp; C2</a:t>
-            </a:r>
-          </a:p>
-        </p:txBody>
-      </p:sp>
-      <p:graphicFrame>
-        <p:nvGraphicFramePr>
-          <p:cNvPr id="3" name="Table 2">
-            <a:extLst>
-              <a:ext uri="{FF2B5EF4-FFF2-40B4-BE49-F238E27FC236}">
-                <a16:creationId xmlns:a16="http://schemas.microsoft.com/office/drawing/2014/main" id="{C6396E8E-758E-8C24-1A9E-F7E0F0E87C4A}"/>
-              </a:ext>
-            </a:extLst>
-          </p:cNvPr>
-          <p:cNvGraphicFramePr>
-            <a:graphicFrameLocks noGrp="1"/>
-          </p:cNvGraphicFramePr>
-          <p:nvPr>
-            <p:extLst>
-              <p:ext uri="{D42A27DB-BD31-4B8C-83A1-F6EECF244321}">
-                <p14:modId xmlns:p14="http://schemas.microsoft.com/office/powerpoint/2010/main" val="3959057632"/>
-              </p:ext>
-            </p:extLst>
-          </p:nvPr>
-        </p:nvGraphicFramePr>
-        <p:xfrm>
-          <a:off x="8803115" y="42307"/>
-          <a:ext cx="4015242" cy="1830252"/>
-        </p:xfrm>
-        <a:graphic>
-          <a:graphicData uri="http://schemas.openxmlformats.org/drawingml/2006/table">
-            <a:tbl>
-              <a:tblPr firstRow="1" bandRow="1">
-                <a:tableStyleId>{5C22544A-7EE6-4342-B048-85BDC9FD1C3A}</a:tableStyleId>
-              </a:tblPr>
-              <a:tblGrid>
-                <a:gridCol w="1338414">
-                  <a:extLst>
-                    <a:ext uri="{9D8B030D-6E8A-4147-A177-3AD203B41FA5}">
-                      <a16:colId xmlns:a16="http://schemas.microsoft.com/office/drawing/2014/main" val="2087661091"/>
-                    </a:ext>
-                  </a:extLst>
-                </a:gridCol>
-                <a:gridCol w="1338414">
-                  <a:extLst>
-                    <a:ext uri="{9D8B030D-6E8A-4147-A177-3AD203B41FA5}">
-                      <a16:colId xmlns:a16="http://schemas.microsoft.com/office/drawing/2014/main" val="4161442789"/>
-                    </a:ext>
-                  </a:extLst>
-                </a:gridCol>
-                <a:gridCol w="1338414">
-                  <a:extLst>
-                    <a:ext uri="{9D8B030D-6E8A-4147-A177-3AD203B41FA5}">
-                      <a16:colId xmlns:a16="http://schemas.microsoft.com/office/drawing/2014/main" val="1065804868"/>
-                    </a:ext>
-                  </a:extLst>
-                </a:gridCol>
-              </a:tblGrid>
-              <a:tr h="595086">
-                <a:tc>
-                  <a:txBody>
-                    <a:bodyPr/>
-                    <a:lstStyle/>
-                    <a:p>
-                      <a:endParaRPr lang="de-DE" dirty="0">
-                        <a:solidFill>
-                          <a:schemeClr val="tx1"/>
-                        </a:solidFill>
-                      </a:endParaRPr>
-                    </a:p>
-                  </a:txBody>
-                  <a:tcPr>
-                    <a:noFill/>
-                  </a:tcPr>
-                </a:tc>
-                <a:tc>
-                  <a:txBody>
-                    <a:bodyPr/>
-                    <a:lstStyle/>
-                    <a:p>
-                      <a:r>
-                        <a:rPr lang="de-DE" dirty="0">
-                          <a:solidFill>
-                            <a:schemeClr val="tx1"/>
-                          </a:solidFill>
-                        </a:rPr>
-                        <a:t>Without</a:t>
-                      </a:r>
-                      <a:br>
-                        <a:rPr lang="de-DE" dirty="0">
-                          <a:solidFill>
-                            <a:schemeClr val="tx1"/>
-                          </a:solidFill>
-                        </a:rPr>
-                      </a:br>
-                      <a:r>
-                        <a:rPr lang="de-DE" dirty="0">
-                          <a:solidFill>
-                            <a:schemeClr val="tx1"/>
-                          </a:solidFill>
-                        </a:rPr>
-                        <a:t>PCS</a:t>
-                      </a:r>
-                    </a:p>
-                  </a:txBody>
-                  <a:tcPr>
-                    <a:noFill/>
-                  </a:tcPr>
-                </a:tc>
-                <a:tc>
-                  <a:txBody>
-                    <a:bodyPr/>
-                    <a:lstStyle/>
-                    <a:p>
-                      <a:r>
-                        <a:rPr lang="de-DE" dirty="0">
-                          <a:solidFill>
-                            <a:schemeClr val="tx1"/>
-                          </a:solidFill>
-                        </a:rPr>
-                        <a:t>With</a:t>
-                      </a:r>
-                      <a:br>
-                        <a:rPr lang="de-DE" dirty="0">
-                          <a:solidFill>
-                            <a:schemeClr val="tx1"/>
-                          </a:solidFill>
-                        </a:rPr>
-                      </a:br>
-                      <a:r>
-                        <a:rPr lang="de-DE" dirty="0">
-                          <a:solidFill>
-                            <a:schemeClr val="tx1"/>
-                          </a:solidFill>
-                        </a:rPr>
-                        <a:t>PCS</a:t>
-                      </a:r>
-                    </a:p>
-                  </a:txBody>
-                  <a:tcPr>
-                    <a:noFill/>
-                  </a:tcPr>
-                </a:tc>
-                <a:extLst>
-                  <a:ext uri="{0D108BD9-81ED-4DB2-BD59-A6C34878D82A}">
-                    <a16:rowId xmlns:a16="http://schemas.microsoft.com/office/drawing/2014/main" val="3931383551"/>
-                  </a:ext>
-                </a:extLst>
-              </a:tr>
-              <a:tr h="595086">
-                <a:tc>
-                  <a:txBody>
-                    <a:bodyPr/>
-                    <a:lstStyle/>
-                    <a:p>
-                      <a:r>
-                        <a:rPr lang="de-DE" dirty="0">
-                          <a:solidFill>
-                            <a:srgbClr val="FF0000"/>
-                          </a:solidFill>
-                        </a:rPr>
-                        <a:t>Cluster 1</a:t>
-                      </a:r>
-                    </a:p>
-                  </a:txBody>
-                  <a:tcPr>
-                    <a:noFill/>
-                  </a:tcPr>
-                </a:tc>
-                <a:tc>
-                  <a:txBody>
-                    <a:bodyPr/>
-                    <a:lstStyle/>
-                    <a:p>
-                      <a:r>
-                        <a:rPr lang="de-DE" dirty="0">
-                          <a:solidFill>
-                            <a:srgbClr val="FF0000"/>
-                          </a:solidFill>
-                        </a:rPr>
-                        <a:t>5</a:t>
-                      </a:r>
-                    </a:p>
-                  </a:txBody>
-                  <a:tcPr>
-                    <a:noFill/>
-                  </a:tcPr>
-                </a:tc>
-                <a:tc>
-                  <a:txBody>
-                    <a:bodyPr/>
-                    <a:lstStyle/>
-                    <a:p>
-                      <a:r>
-                        <a:rPr lang="de-DE" dirty="0">
-                          <a:solidFill>
-                            <a:srgbClr val="FF0000"/>
-                          </a:solidFill>
-                        </a:rPr>
-                        <a:t>27</a:t>
-                      </a:r>
-                    </a:p>
-                  </a:txBody>
-                  <a:tcPr>
-                    <a:noFill/>
-                  </a:tcPr>
-                </a:tc>
-                <a:extLst>
-                  <a:ext uri="{0D108BD9-81ED-4DB2-BD59-A6C34878D82A}">
-                    <a16:rowId xmlns:a16="http://schemas.microsoft.com/office/drawing/2014/main" val="3140929958"/>
-                  </a:ext>
-                </a:extLst>
-              </a:tr>
-              <a:tr h="595086">
-                <a:tc>
-                  <a:txBody>
-                    <a:bodyPr/>
-                    <a:lstStyle/>
-                    <a:p>
-                      <a:r>
-                        <a:rPr lang="de-DE" dirty="0">
-                          <a:solidFill>
-                            <a:srgbClr val="00B050"/>
-                          </a:solidFill>
-                        </a:rPr>
-                        <a:t>Cluster 2</a:t>
-                      </a:r>
-                    </a:p>
-                  </a:txBody>
-                  <a:tcPr>
-                    <a:noFill/>
-                  </a:tcPr>
-                </a:tc>
-                <a:tc>
-                  <a:txBody>
-                    <a:bodyPr/>
-                    <a:lstStyle/>
-                    <a:p>
-                      <a:r>
-                        <a:rPr lang="de-DE" dirty="0">
-                          <a:solidFill>
-                            <a:srgbClr val="00B050"/>
-                          </a:solidFill>
-                        </a:rPr>
-                        <a:t>22</a:t>
-                      </a:r>
-                    </a:p>
-                  </a:txBody>
-                  <a:tcPr>
-                    <a:noFill/>
-                  </a:tcPr>
-                </a:tc>
-                <a:tc>
-                  <a:txBody>
-                    <a:bodyPr/>
-                    <a:lstStyle/>
-                    <a:p>
-                      <a:r>
-                        <a:rPr lang="de-DE" dirty="0">
-                          <a:solidFill>
-                            <a:srgbClr val="00B050"/>
-                          </a:solidFill>
-                        </a:rPr>
-                        <a:t>16</a:t>
-                      </a:r>
-                    </a:p>
-                  </a:txBody>
-                  <a:tcPr>
-                    <a:noFill/>
-                  </a:tcPr>
-                </a:tc>
-                <a:extLst>
-                  <a:ext uri="{0D108BD9-81ED-4DB2-BD59-A6C34878D82A}">
-                    <a16:rowId xmlns:a16="http://schemas.microsoft.com/office/drawing/2014/main" val="2462120241"/>
-                  </a:ext>
-                </a:extLst>
-              </a:tr>
-            </a:tbl>
-          </a:graphicData>
-        </a:graphic>
-      </p:graphicFrame>
-      <p:pic>
-        <p:nvPicPr>
-          <p:cNvPr id="6" name="Picture 5" descr="A diagram of a cluster&#10;&#10;Description automatically generated with medium confidence">
-            <a:extLst>
-              <a:ext uri="{FF2B5EF4-FFF2-40B4-BE49-F238E27FC236}">
-                <a16:creationId xmlns:a16="http://schemas.microsoft.com/office/drawing/2014/main" id="{ADC44FA0-6908-C418-743D-8A8293470A2E}"/>
-              </a:ext>
-            </a:extLst>
-          </p:cNvPr>
-          <p:cNvPicPr>
-            <a:picLocks noChangeAspect="1"/>
-          </p:cNvPicPr>
-          <p:nvPr/>
-        </p:nvPicPr>
-        <p:blipFill>
-          <a:blip r:embed="rId2">
-            <a:extLst>
-              <a:ext uri="{28A0092B-C50C-407E-A947-70E740481C1C}">
-                <a14:useLocalDpi xmlns:a14="http://schemas.microsoft.com/office/drawing/2010/main" val="0"/>
-              </a:ext>
-            </a:extLst>
-          </a:blip>
-          <a:stretch>
-            <a:fillRect/>
-          </a:stretch>
-        </p:blipFill>
-        <p:spPr>
-          <a:xfrm>
-            <a:off x="458762" y="1639120"/>
-            <a:ext cx="5541861" cy="4308808"/>
-          </a:xfrm>
-          <a:prstGeom prst="rect">
-            <a:avLst/>
-          </a:prstGeom>
-        </p:spPr>
-      </p:pic>
-      <p:pic>
-        <p:nvPicPr>
-          <p:cNvPr id="11" name="Picture 10" descr="A screenshot of a graph&#10;&#10;Description automatically generated">
-            <a:extLst>
-              <a:ext uri="{FF2B5EF4-FFF2-40B4-BE49-F238E27FC236}">
-                <a16:creationId xmlns:a16="http://schemas.microsoft.com/office/drawing/2014/main" id="{A6BBB299-7EA5-506E-5B23-C88197320337}"/>
-              </a:ext>
-            </a:extLst>
-          </p:cNvPr>
-          <p:cNvPicPr>
-            <a:picLocks noChangeAspect="1"/>
-          </p:cNvPicPr>
-          <p:nvPr/>
-        </p:nvPicPr>
-        <p:blipFill>
-          <a:blip r:embed="rId3">
-            <a:extLst>
-              <a:ext uri="{28A0092B-C50C-407E-A947-70E740481C1C}">
-                <a14:useLocalDpi xmlns:a14="http://schemas.microsoft.com/office/drawing/2010/main" val="0"/>
-              </a:ext>
-            </a:extLst>
-          </a:blip>
-          <a:stretch>
-            <a:fillRect/>
-          </a:stretch>
-        </p:blipFill>
-        <p:spPr>
-          <a:xfrm>
-            <a:off x="6191379" y="1701092"/>
-            <a:ext cx="5361439" cy="4184863"/>
-          </a:xfrm>
-          <a:prstGeom prst="rect">
-            <a:avLst/>
-          </a:prstGeom>
-        </p:spPr>
-      </p:pic>
-    </p:spTree>
-    <p:extLst>
-      <p:ext uri="{BB962C8B-B14F-4D97-AF65-F5344CB8AC3E}">
-        <p14:creationId xmlns:p14="http://schemas.microsoft.com/office/powerpoint/2010/main" val="1224306042"/>
-      </p:ext>
-    </p:extLst>
-  </p:cSld>
-  <p:clrMapOvr>
-    <a:masterClrMapping/>
-  </p:clrMapOvr>
-</p:sld>
-</file>
-
-<file path=ppt/slides/slide22.xml><?xml version="1.0" encoding="utf-8"?>
-<p:sld xmlns:a="http://schemas.openxmlformats.org/drawingml/2006/main" xmlns:r="http://schemas.openxmlformats.org/officeDocument/2006/relationships" xmlns:p="http://schemas.openxmlformats.org/presentationml/2006/main">
-  <p:cSld>
-    <p:spTree>
-      <p:nvGrpSpPr>
-        <p:cNvPr id="1" name=""/>
-        <p:cNvGrpSpPr/>
-        <p:nvPr/>
-      </p:nvGrpSpPr>
-      <p:grpSpPr>
-        <a:xfrm>
-          <a:off x="0" y="0"/>
-          <a:ext cx="0" cy="0"/>
-          <a:chOff x="0" y="0"/>
-          <a:chExt cx="0" cy="0"/>
-        </a:xfrm>
-      </p:grpSpPr>
-      <p:sp>
-        <p:nvSpPr>
-          <p:cNvPr id="2" name="Title 1">
-            <a:extLst>
-              <a:ext uri="{FF2B5EF4-FFF2-40B4-BE49-F238E27FC236}">
-                <a16:creationId xmlns:a16="http://schemas.microsoft.com/office/drawing/2014/main" id="{5FA92E7E-ADAC-9CF6-FBAD-455FD9799F37}"/>
-              </a:ext>
-            </a:extLst>
-          </p:cNvPr>
-          <p:cNvSpPr>
-            <a:spLocks noGrp="1"/>
-          </p:cNvSpPr>
-          <p:nvPr>
-            <p:ph type="title"/>
-          </p:nvPr>
-        </p:nvSpPr>
-        <p:spPr/>
-        <p:txBody>
-          <a:bodyPr/>
-          <a:lstStyle/>
-          <a:p>
-            <a:r>
-              <a:rPr lang="de-DE" dirty="0"/>
-              <a:t>Z-Werte / 2 Altersgruppen</a:t>
-            </a:r>
-          </a:p>
-        </p:txBody>
-      </p:sp>
-      <p:graphicFrame>
-        <p:nvGraphicFramePr>
-          <p:cNvPr id="3" name="Table 2">
-            <a:extLst>
-              <a:ext uri="{FF2B5EF4-FFF2-40B4-BE49-F238E27FC236}">
-                <a16:creationId xmlns:a16="http://schemas.microsoft.com/office/drawing/2014/main" id="{C6396E8E-758E-8C24-1A9E-F7E0F0E87C4A}"/>
-              </a:ext>
-            </a:extLst>
-          </p:cNvPr>
-          <p:cNvGraphicFramePr>
-            <a:graphicFrameLocks noGrp="1"/>
-          </p:cNvGraphicFramePr>
-          <p:nvPr/>
-        </p:nvGraphicFramePr>
-        <p:xfrm>
-          <a:off x="8803115" y="42307"/>
-          <a:ext cx="4015242" cy="1830252"/>
-        </p:xfrm>
-        <a:graphic>
-          <a:graphicData uri="http://schemas.openxmlformats.org/drawingml/2006/table">
-            <a:tbl>
-              <a:tblPr firstRow="1" bandRow="1">
-                <a:tableStyleId>{5C22544A-7EE6-4342-B048-85BDC9FD1C3A}</a:tableStyleId>
-              </a:tblPr>
-              <a:tblGrid>
-                <a:gridCol w="1338414">
-                  <a:extLst>
-                    <a:ext uri="{9D8B030D-6E8A-4147-A177-3AD203B41FA5}">
-                      <a16:colId xmlns:a16="http://schemas.microsoft.com/office/drawing/2014/main" val="2087661091"/>
-                    </a:ext>
-                  </a:extLst>
-                </a:gridCol>
-                <a:gridCol w="1338414">
-                  <a:extLst>
-                    <a:ext uri="{9D8B030D-6E8A-4147-A177-3AD203B41FA5}">
-                      <a16:colId xmlns:a16="http://schemas.microsoft.com/office/drawing/2014/main" val="4161442789"/>
-                    </a:ext>
-                  </a:extLst>
-                </a:gridCol>
-                <a:gridCol w="1338414">
-                  <a:extLst>
-                    <a:ext uri="{9D8B030D-6E8A-4147-A177-3AD203B41FA5}">
-                      <a16:colId xmlns:a16="http://schemas.microsoft.com/office/drawing/2014/main" val="1065804868"/>
-                    </a:ext>
-                  </a:extLst>
-                </a:gridCol>
-              </a:tblGrid>
-              <a:tr h="595086">
-                <a:tc>
-                  <a:txBody>
-                    <a:bodyPr/>
-                    <a:lstStyle/>
-                    <a:p>
-                      <a:endParaRPr lang="de-DE" dirty="0">
-                        <a:solidFill>
-                          <a:schemeClr val="tx1"/>
-                        </a:solidFill>
-                      </a:endParaRPr>
-                    </a:p>
-                  </a:txBody>
-                  <a:tcPr>
-                    <a:noFill/>
-                  </a:tcPr>
-                </a:tc>
-                <a:tc>
-                  <a:txBody>
-                    <a:bodyPr/>
-                    <a:lstStyle/>
-                    <a:p>
-                      <a:r>
-                        <a:rPr lang="de-DE" dirty="0">
-                          <a:solidFill>
-                            <a:schemeClr val="tx1"/>
-                          </a:solidFill>
-                        </a:rPr>
-                        <a:t>Without</a:t>
-                      </a:r>
-                      <a:br>
-                        <a:rPr lang="de-DE" dirty="0">
-                          <a:solidFill>
-                            <a:schemeClr val="tx1"/>
-                          </a:solidFill>
-                        </a:rPr>
-                      </a:br>
-                      <a:r>
-                        <a:rPr lang="de-DE" dirty="0">
-                          <a:solidFill>
-                            <a:schemeClr val="tx1"/>
-                          </a:solidFill>
-                        </a:rPr>
-                        <a:t>PCS</a:t>
-                      </a:r>
-                    </a:p>
-                  </a:txBody>
-                  <a:tcPr>
-                    <a:noFill/>
-                  </a:tcPr>
-                </a:tc>
-                <a:tc>
-                  <a:txBody>
-                    <a:bodyPr/>
-                    <a:lstStyle/>
-                    <a:p>
-                      <a:r>
-                        <a:rPr lang="de-DE" dirty="0">
-                          <a:solidFill>
-                            <a:schemeClr val="tx1"/>
-                          </a:solidFill>
-                        </a:rPr>
-                        <a:t>With</a:t>
-                      </a:r>
-                      <a:br>
-                        <a:rPr lang="de-DE" dirty="0">
-                          <a:solidFill>
-                            <a:schemeClr val="tx1"/>
-                          </a:solidFill>
-                        </a:rPr>
-                      </a:br>
-                      <a:r>
-                        <a:rPr lang="de-DE" dirty="0">
-                          <a:solidFill>
-                            <a:schemeClr val="tx1"/>
-                          </a:solidFill>
-                        </a:rPr>
-                        <a:t>PCS</a:t>
-                      </a:r>
-                    </a:p>
-                  </a:txBody>
-                  <a:tcPr>
-                    <a:noFill/>
-                  </a:tcPr>
-                </a:tc>
-                <a:extLst>
-                  <a:ext uri="{0D108BD9-81ED-4DB2-BD59-A6C34878D82A}">
-                    <a16:rowId xmlns:a16="http://schemas.microsoft.com/office/drawing/2014/main" val="3931383551"/>
-                  </a:ext>
-                </a:extLst>
-              </a:tr>
-              <a:tr h="595086">
-                <a:tc>
-                  <a:txBody>
-                    <a:bodyPr/>
-                    <a:lstStyle/>
-                    <a:p>
-                      <a:r>
-                        <a:rPr lang="de-DE" dirty="0">
-                          <a:solidFill>
-                            <a:srgbClr val="FF0000"/>
-                          </a:solidFill>
-                        </a:rPr>
-                        <a:t>Cluster 1</a:t>
-                      </a:r>
-                    </a:p>
-                  </a:txBody>
-                  <a:tcPr>
-                    <a:noFill/>
-                  </a:tcPr>
-                </a:tc>
-                <a:tc>
-                  <a:txBody>
-                    <a:bodyPr/>
-                    <a:lstStyle/>
-                    <a:p>
-                      <a:r>
-                        <a:rPr lang="de-DE" dirty="0">
-                          <a:solidFill>
-                            <a:srgbClr val="FF0000"/>
-                          </a:solidFill>
-                        </a:rPr>
-                        <a:t>5</a:t>
-                      </a:r>
-                    </a:p>
-                  </a:txBody>
-                  <a:tcPr>
-                    <a:noFill/>
-                  </a:tcPr>
-                </a:tc>
-                <a:tc>
-                  <a:txBody>
-                    <a:bodyPr/>
-                    <a:lstStyle/>
-                    <a:p>
-                      <a:r>
-                        <a:rPr lang="de-DE" dirty="0">
-                          <a:solidFill>
-                            <a:srgbClr val="FF0000"/>
-                          </a:solidFill>
-                        </a:rPr>
-                        <a:t>27</a:t>
-                      </a:r>
-                    </a:p>
-                  </a:txBody>
-                  <a:tcPr>
-                    <a:noFill/>
-                  </a:tcPr>
-                </a:tc>
-                <a:extLst>
-                  <a:ext uri="{0D108BD9-81ED-4DB2-BD59-A6C34878D82A}">
-                    <a16:rowId xmlns:a16="http://schemas.microsoft.com/office/drawing/2014/main" val="3140929958"/>
-                  </a:ext>
-                </a:extLst>
-              </a:tr>
-              <a:tr h="595086">
-                <a:tc>
-                  <a:txBody>
-                    <a:bodyPr/>
-                    <a:lstStyle/>
-                    <a:p>
-                      <a:r>
-                        <a:rPr lang="de-DE" dirty="0">
-                          <a:solidFill>
-                            <a:srgbClr val="00B050"/>
-                          </a:solidFill>
-                        </a:rPr>
-                        <a:t>Cluster 2</a:t>
-                      </a:r>
-                    </a:p>
-                  </a:txBody>
-                  <a:tcPr>
-                    <a:noFill/>
-                  </a:tcPr>
-                </a:tc>
-                <a:tc>
-                  <a:txBody>
-                    <a:bodyPr/>
-                    <a:lstStyle/>
-                    <a:p>
-                      <a:r>
-                        <a:rPr lang="de-DE" dirty="0">
-                          <a:solidFill>
-                            <a:srgbClr val="00B050"/>
-                          </a:solidFill>
-                        </a:rPr>
-                        <a:t>22</a:t>
-                      </a:r>
-                    </a:p>
-                  </a:txBody>
-                  <a:tcPr>
-                    <a:noFill/>
-                  </a:tcPr>
-                </a:tc>
-                <a:tc>
-                  <a:txBody>
-                    <a:bodyPr/>
-                    <a:lstStyle/>
-                    <a:p>
-                      <a:r>
-                        <a:rPr lang="de-DE" dirty="0">
-                          <a:solidFill>
-                            <a:srgbClr val="00B050"/>
-                          </a:solidFill>
-                        </a:rPr>
-                        <a:t>16</a:t>
-                      </a:r>
-                    </a:p>
-                  </a:txBody>
-                  <a:tcPr>
-                    <a:noFill/>
-                  </a:tcPr>
-                </a:tc>
-                <a:extLst>
-                  <a:ext uri="{0D108BD9-81ED-4DB2-BD59-A6C34878D82A}">
-                    <a16:rowId xmlns:a16="http://schemas.microsoft.com/office/drawing/2014/main" val="2462120241"/>
-                  </a:ext>
-                </a:extLst>
-              </a:tr>
-            </a:tbl>
-          </a:graphicData>
-        </a:graphic>
-      </p:graphicFrame>
-      <p:pic>
-        <p:nvPicPr>
-          <p:cNvPr id="6" name="Picture 5" descr="A group of graphs with text&#10;&#10;Description automatically generated with medium confidence">
-            <a:extLst>
-              <a:ext uri="{FF2B5EF4-FFF2-40B4-BE49-F238E27FC236}">
-                <a16:creationId xmlns:a16="http://schemas.microsoft.com/office/drawing/2014/main" id="{3246DEE5-3DC2-B649-AC20-0C4DA88F1CD2}"/>
-              </a:ext>
-            </a:extLst>
-          </p:cNvPr>
-          <p:cNvPicPr>
-            <a:picLocks noChangeAspect="1"/>
-          </p:cNvPicPr>
-          <p:nvPr/>
-        </p:nvPicPr>
-        <p:blipFill>
-          <a:blip r:embed="rId2">
-            <a:extLst>
-              <a:ext uri="{28A0092B-C50C-407E-A947-70E740481C1C}">
-                <a14:useLocalDpi xmlns:a14="http://schemas.microsoft.com/office/drawing/2010/main" val="0"/>
-              </a:ext>
-            </a:extLst>
-          </a:blip>
-          <a:stretch>
-            <a:fillRect/>
-          </a:stretch>
-        </p:blipFill>
-        <p:spPr>
-          <a:xfrm>
-            <a:off x="445193" y="1592051"/>
-            <a:ext cx="5507058" cy="4252975"/>
-          </a:xfrm>
-          <a:prstGeom prst="rect">
-            <a:avLst/>
-          </a:prstGeom>
-        </p:spPr>
-      </p:pic>
-      <p:pic>
-        <p:nvPicPr>
-          <p:cNvPr id="10" name="Picture 9" descr="A screenshot of a graph&#10;&#10;Description automatically generated">
-            <a:extLst>
-              <a:ext uri="{FF2B5EF4-FFF2-40B4-BE49-F238E27FC236}">
-                <a16:creationId xmlns:a16="http://schemas.microsoft.com/office/drawing/2014/main" id="{554D1ECE-51AD-D3EF-1D0D-8A2EC4D7CB27}"/>
-              </a:ext>
-            </a:extLst>
-          </p:cNvPr>
-          <p:cNvPicPr>
-            <a:picLocks noChangeAspect="1"/>
-          </p:cNvPicPr>
-          <p:nvPr/>
-        </p:nvPicPr>
-        <p:blipFill>
-          <a:blip r:embed="rId3">
-            <a:extLst>
-              <a:ext uri="{28A0092B-C50C-407E-A947-70E740481C1C}">
-                <a14:useLocalDpi xmlns:a14="http://schemas.microsoft.com/office/drawing/2010/main" val="0"/>
-              </a:ext>
-            </a:extLst>
-          </a:blip>
-          <a:stretch>
-            <a:fillRect/>
-          </a:stretch>
-        </p:blipFill>
-        <p:spPr>
-          <a:xfrm>
-            <a:off x="6345258" y="1592051"/>
-            <a:ext cx="5330891" cy="4137407"/>
-          </a:xfrm>
-          <a:prstGeom prst="rect">
-            <a:avLst/>
-          </a:prstGeom>
-        </p:spPr>
-      </p:pic>
-      <p:sp>
-        <p:nvSpPr>
-          <p:cNvPr id="11" name="TextBox 10">
-            <a:extLst>
-              <a:ext uri="{FF2B5EF4-FFF2-40B4-BE49-F238E27FC236}">
-                <a16:creationId xmlns:a16="http://schemas.microsoft.com/office/drawing/2014/main" id="{D31D8C6F-AA9C-F8DC-3003-905FCDB1BDF1}"/>
-              </a:ext>
-            </a:extLst>
-          </p:cNvPr>
-          <p:cNvSpPr txBox="1"/>
-          <p:nvPr/>
-        </p:nvSpPr>
-        <p:spPr>
-          <a:xfrm>
-            <a:off x="565018" y="5955390"/>
-            <a:ext cx="9976462" cy="369332"/>
-          </a:xfrm>
-          <a:prstGeom prst="rect">
-            <a:avLst/>
-          </a:prstGeom>
-          <a:noFill/>
-        </p:spPr>
-        <p:txBody>
-          <a:bodyPr wrap="square">
-            <a:spAutoFit/>
-          </a:bodyPr>
-          <a:lstStyle/>
-          <a:p>
-            <a:r>
-              <a:rPr lang="de-DE" dirty="0"/>
-              <a:t>Abb1: Keine signifikanten Unterschiede</a:t>
-            </a:r>
-          </a:p>
-        </p:txBody>
-      </p:sp>
-    </p:spTree>
-    <p:extLst>
-      <p:ext uri="{BB962C8B-B14F-4D97-AF65-F5344CB8AC3E}">
-        <p14:creationId xmlns:p14="http://schemas.microsoft.com/office/powerpoint/2010/main" val="3353592894"/>
       </p:ext>
     </p:extLst>
   </p:cSld>
@@ -11037,7 +6989,7 @@
           <a:p>
             <a:r>
               <a:rPr lang="de-DE" dirty="0"/>
-              <a:t>Z-Werte / 8 Altersgruppen</a:t>
+              <a:t>Z-Werte / Altersgruppen</a:t>
             </a:r>
           </a:p>
         </p:txBody>
@@ -11057,13 +7009,13 @@
           <p:nvPr>
             <p:extLst>
               <p:ext uri="{D42A27DB-BD31-4B8C-83A1-F6EECF244321}">
-                <p14:modId xmlns:p14="http://schemas.microsoft.com/office/powerpoint/2010/main" val="337185883"/>
+                <p14:modId xmlns:p14="http://schemas.microsoft.com/office/powerpoint/2010/main" val="3814824465"/>
               </p:ext>
             </p:extLst>
           </p:nvPr>
         </p:nvGraphicFramePr>
         <p:xfrm>
-          <a:off x="3673403" y="3607204"/>
+          <a:off x="5088502" y="3758118"/>
           <a:ext cx="4015242" cy="1830252"/>
         </p:xfrm>
         <a:graphic>
@@ -11217,7 +7169,7 @@
                             <a:srgbClr val="FF0000"/>
                           </a:solidFill>
                         </a:rPr>
-                        <a:t>5</a:t>
+                        <a:t>14</a:t>
                       </a:r>
                     </a:p>
                   </a:txBody>
@@ -11236,7 +7188,7 @@
                             <a:srgbClr val="FF0000"/>
                           </a:solidFill>
                         </a:rPr>
-                        <a:t>23</a:t>
+                        <a:t>38</a:t>
                       </a:r>
                     </a:p>
                   </a:txBody>
@@ -11281,7 +7233,7 @@
                             <a:srgbClr val="00B050"/>
                           </a:solidFill>
                         </a:rPr>
-                        <a:t>22</a:t>
+                        <a:t>13</a:t>
                       </a:r>
                     </a:p>
                   </a:txBody>
@@ -11300,7 +7252,7 @@
                             <a:srgbClr val="00B050"/>
                           </a:solidFill>
                         </a:rPr>
-                        <a:t>20</a:t>
+                        <a:t>5</a:t>
                       </a:r>
                     </a:p>
                   </a:txBody>
@@ -11333,14 +7285,14 @@
           <p:nvPr>
             <p:extLst>
               <p:ext uri="{D42A27DB-BD31-4B8C-83A1-F6EECF244321}">
-                <p14:modId xmlns:p14="http://schemas.microsoft.com/office/powerpoint/2010/main" val="84393506"/>
+                <p14:modId xmlns:p14="http://schemas.microsoft.com/office/powerpoint/2010/main" val="365840830"/>
               </p:ext>
             </p:extLst>
           </p:nvPr>
         </p:nvGraphicFramePr>
         <p:xfrm>
-          <a:off x="933091" y="1852160"/>
-          <a:ext cx="1817288" cy="3337560"/>
+          <a:off x="915838" y="1903918"/>
+          <a:ext cx="1817288" cy="1854200"/>
         </p:xfrm>
         <a:graphic>
           <a:graphicData uri="http://schemas.openxmlformats.org/drawingml/2006/table">
@@ -11417,7 +7369,7 @@
                     <a:p>
                       <a:r>
                         <a:rPr lang="de-DE" dirty="0"/>
-                        <a:t>18-24</a:t>
+                        <a:t>18-34</a:t>
                       </a:r>
                     </a:p>
                   </a:txBody>
@@ -11432,7 +7384,7 @@
                     <a:p>
                       <a:r>
                         <a:rPr lang="de-DE" dirty="0"/>
-                        <a:t>2</a:t>
+                        <a:t>12</a:t>
                       </a:r>
                     </a:p>
                   </a:txBody>
@@ -11454,7 +7406,7 @@
                     <a:p>
                       <a:r>
                         <a:rPr lang="de-DE" dirty="0"/>
-                        <a:t>25-34</a:t>
+                        <a:t>35-49</a:t>
                       </a:r>
                     </a:p>
                   </a:txBody>
@@ -11469,7 +7421,7 @@
                     <a:p>
                       <a:r>
                         <a:rPr lang="de-DE" dirty="0"/>
-                        <a:t>10</a:t>
+                        <a:t>19</a:t>
                       </a:r>
                     </a:p>
                   </a:txBody>
@@ -11491,7 +7443,7 @@
                     <a:p>
                       <a:r>
                         <a:rPr lang="de-DE" dirty="0"/>
-                        <a:t>35-44</a:t>
+                        <a:t>50-64</a:t>
                       </a:r>
                     </a:p>
                   </a:txBody>
@@ -11506,7 +7458,7 @@
                     <a:p>
                       <a:r>
                         <a:rPr lang="de-DE" dirty="0"/>
-                        <a:t>12</a:t>
+                        <a:t>33</a:t>
                       </a:r>
                     </a:p>
                   </a:txBody>
@@ -11528,7 +7480,7 @@
                     <a:p>
                       <a:r>
                         <a:rPr lang="de-DE" dirty="0"/>
-                        <a:t>45-54</a:t>
+                        <a:t>65-80</a:t>
                       </a:r>
                     </a:p>
                   </a:txBody>
@@ -11543,7 +7495,7 @@
                     <a:p>
                       <a:r>
                         <a:rPr lang="de-DE" dirty="0"/>
-                        <a:t>12</a:t>
+                        <a:t>6</a:t>
                       </a:r>
                     </a:p>
                   </a:txBody>
@@ -11554,154 +7506,6 @@
                 <a:extLst>
                   <a:ext uri="{0D108BD9-81ED-4DB2-BD59-A6C34878D82A}">
                     <a16:rowId xmlns:a16="http://schemas.microsoft.com/office/drawing/2014/main" val="295450064"/>
-                  </a:ext>
-                </a:extLst>
-              </a:tr>
-              <a:tr h="370840">
-                <a:tc>
-                  <a:txBody>
-                    <a:bodyPr/>
-                    <a:lstStyle/>
-                    <a:p>
-                      <a:r>
-                        <a:rPr lang="de-DE" dirty="0"/>
-                        <a:t>55-59</a:t>
-                      </a:r>
-                    </a:p>
-                  </a:txBody>
-                  <a:tcPr>
-                    <a:noFill/>
-                  </a:tcPr>
-                </a:tc>
-                <a:tc>
-                  <a:txBody>
-                    <a:bodyPr/>
-                    <a:lstStyle/>
-                    <a:p>
-                      <a:r>
-                        <a:rPr lang="de-DE" dirty="0"/>
-                        <a:t>20</a:t>
-                      </a:r>
-                    </a:p>
-                  </a:txBody>
-                  <a:tcPr>
-                    <a:noFill/>
-                  </a:tcPr>
-                </a:tc>
-                <a:extLst>
-                  <a:ext uri="{0D108BD9-81ED-4DB2-BD59-A6C34878D82A}">
-                    <a16:rowId xmlns:a16="http://schemas.microsoft.com/office/drawing/2014/main" val="3857621939"/>
-                  </a:ext>
-                </a:extLst>
-              </a:tr>
-              <a:tr h="370840">
-                <a:tc>
-                  <a:txBody>
-                    <a:bodyPr/>
-                    <a:lstStyle/>
-                    <a:p>
-                      <a:r>
-                        <a:rPr lang="de-DE" dirty="0"/>
-                        <a:t>60-64</a:t>
-                      </a:r>
-                    </a:p>
-                  </a:txBody>
-                  <a:tcPr>
-                    <a:noFill/>
-                  </a:tcPr>
-                </a:tc>
-                <a:tc>
-                  <a:txBody>
-                    <a:bodyPr/>
-                    <a:lstStyle/>
-                    <a:p>
-                      <a:r>
-                        <a:rPr lang="de-DE" dirty="0"/>
-                        <a:t>8</a:t>
-                      </a:r>
-                    </a:p>
-                  </a:txBody>
-                  <a:tcPr>
-                    <a:noFill/>
-                  </a:tcPr>
-                </a:tc>
-                <a:extLst>
-                  <a:ext uri="{0D108BD9-81ED-4DB2-BD59-A6C34878D82A}">
-                    <a16:rowId xmlns:a16="http://schemas.microsoft.com/office/drawing/2014/main" val="154008673"/>
-                  </a:ext>
-                </a:extLst>
-              </a:tr>
-              <a:tr h="370840">
-                <a:tc>
-                  <a:txBody>
-                    <a:bodyPr/>
-                    <a:lstStyle/>
-                    <a:p>
-                      <a:r>
-                        <a:rPr lang="de-DE" dirty="0"/>
-                        <a:t>65-69</a:t>
-                      </a:r>
-                    </a:p>
-                  </a:txBody>
-                  <a:tcPr>
-                    <a:noFill/>
-                  </a:tcPr>
-                </a:tc>
-                <a:tc>
-                  <a:txBody>
-                    <a:bodyPr/>
-                    <a:lstStyle/>
-                    <a:p>
-                      <a:r>
-                        <a:rPr lang="de-DE" dirty="0"/>
-                        <a:t>3</a:t>
-                      </a:r>
-                    </a:p>
-                  </a:txBody>
-                  <a:tcPr>
-                    <a:noFill/>
-                  </a:tcPr>
-                </a:tc>
-                <a:extLst>
-                  <a:ext uri="{0D108BD9-81ED-4DB2-BD59-A6C34878D82A}">
-                    <a16:rowId xmlns:a16="http://schemas.microsoft.com/office/drawing/2014/main" val="799399092"/>
-                  </a:ext>
-                </a:extLst>
-              </a:tr>
-              <a:tr h="370840">
-                <a:tc>
-                  <a:txBody>
-                    <a:bodyPr/>
-                    <a:lstStyle/>
-                    <a:p>
-                      <a:r>
-                        <a:rPr lang="de-DE" dirty="0"/>
-                        <a:t>70-80</a:t>
-                      </a:r>
-                    </a:p>
-                  </a:txBody>
-                  <a:tcPr>
-                    <a:noFill/>
-                  </a:tcPr>
-                </a:tc>
-                <a:tc>
-                  <a:txBody>
-                    <a:bodyPr/>
-                    <a:lstStyle/>
-                    <a:p>
-                      <a:r>
-                        <a:rPr lang="de-DE" dirty="0"/>
-                        <a:t>3</a:t>
-                      </a:r>
-                    </a:p>
-                  </a:txBody>
-                  <a:tcPr>
-                    <a:noFill/>
-                  </a:tcPr>
-                </a:tc>
-                <a:extLst>
-                  <a:ext uri="{0D108BD9-81ED-4DB2-BD59-A6C34878D82A}">
-                    <a16:rowId xmlns:a16="http://schemas.microsoft.com/office/drawing/2014/main" val="2747931109"/>
                   </a:ext>
                 </a:extLst>
               </a:tr>
@@ -11709,6 +7513,280 @@
           </a:graphicData>
         </a:graphic>
       </p:graphicFrame>
+      <p:graphicFrame>
+        <p:nvGraphicFramePr>
+          <p:cNvPr id="3" name="Table 2">
+            <a:extLst>
+              <a:ext uri="{FF2B5EF4-FFF2-40B4-BE49-F238E27FC236}">
+                <a16:creationId xmlns:a16="http://schemas.microsoft.com/office/drawing/2014/main" id="{85863026-88BC-1125-F6FD-96A9EDCD6BF8}"/>
+              </a:ext>
+            </a:extLst>
+          </p:cNvPr>
+          <p:cNvGraphicFramePr>
+            <a:graphicFrameLocks noGrp="1"/>
+          </p:cNvGraphicFramePr>
+          <p:nvPr>
+            <p:extLst>
+              <p:ext uri="{D42A27DB-BD31-4B8C-83A1-F6EECF244321}">
+                <p14:modId xmlns:p14="http://schemas.microsoft.com/office/powerpoint/2010/main" val="951154340"/>
+              </p:ext>
+            </p:extLst>
+          </p:nvPr>
+        </p:nvGraphicFramePr>
+        <p:xfrm>
+          <a:off x="3380118" y="1903918"/>
+          <a:ext cx="1817288" cy="1112520"/>
+        </p:xfrm>
+        <a:graphic>
+          <a:graphicData uri="http://schemas.openxmlformats.org/drawingml/2006/table">
+            <a:tbl>
+              <a:tblPr firstRow="1" bandRow="1">
+                <a:tableStyleId>{5C22544A-7EE6-4342-B048-85BDC9FD1C3A}</a:tableStyleId>
+              </a:tblPr>
+              <a:tblGrid>
+                <a:gridCol w="1220159">
+                  <a:extLst>
+                    <a:ext uri="{9D8B030D-6E8A-4147-A177-3AD203B41FA5}">
+                      <a16:colId xmlns:a16="http://schemas.microsoft.com/office/drawing/2014/main" val="3095421252"/>
+                    </a:ext>
+                  </a:extLst>
+                </a:gridCol>
+                <a:gridCol w="597129">
+                  <a:extLst>
+                    <a:ext uri="{9D8B030D-6E8A-4147-A177-3AD203B41FA5}">
+                      <a16:colId xmlns:a16="http://schemas.microsoft.com/office/drawing/2014/main" val="2138526489"/>
+                    </a:ext>
+                  </a:extLst>
+                </a:gridCol>
+              </a:tblGrid>
+              <a:tr h="370840">
+                <a:tc>
+                  <a:txBody>
+                    <a:bodyPr/>
+                    <a:lstStyle/>
+                    <a:p>
+                      <a:r>
+                        <a:rPr lang="de-DE" dirty="0">
+                          <a:solidFill>
+                            <a:schemeClr val="tx1"/>
+                          </a:solidFill>
+                        </a:rPr>
+                        <a:t>Age group</a:t>
+                      </a:r>
+                    </a:p>
+                  </a:txBody>
+                  <a:tcPr>
+                    <a:noFill/>
+                  </a:tcPr>
+                </a:tc>
+                <a:tc>
+                  <a:txBody>
+                    <a:bodyPr/>
+                    <a:lstStyle/>
+                    <a:p>
+                      <a:r>
+                        <a:rPr lang="de-DE" dirty="0">
+                          <a:solidFill>
+                            <a:schemeClr val="tx1"/>
+                          </a:solidFill>
+                        </a:rPr>
+                        <a:t>VPs</a:t>
+                      </a:r>
+                    </a:p>
+                  </a:txBody>
+                  <a:tcPr>
+                    <a:noFill/>
+                  </a:tcPr>
+                </a:tc>
+                <a:extLst>
+                  <a:ext uri="{0D108BD9-81ED-4DB2-BD59-A6C34878D82A}">
+                    <a16:rowId xmlns:a16="http://schemas.microsoft.com/office/drawing/2014/main" val="687688987"/>
+                  </a:ext>
+                </a:extLst>
+              </a:tr>
+              <a:tr h="370840">
+                <a:tc>
+                  <a:txBody>
+                    <a:bodyPr/>
+                    <a:lstStyle/>
+                    <a:p>
+                      <a:r>
+                        <a:rPr lang="de-DE" dirty="0"/>
+                        <a:t>18-34</a:t>
+                      </a:r>
+                    </a:p>
+                  </a:txBody>
+                  <a:tcPr>
+                    <a:noFill/>
+                  </a:tcPr>
+                </a:tc>
+                <a:tc>
+                  <a:txBody>
+                    <a:bodyPr/>
+                    <a:lstStyle/>
+                    <a:p>
+                      <a:r>
+                        <a:rPr lang="de-DE" dirty="0"/>
+                        <a:t>12</a:t>
+                      </a:r>
+                    </a:p>
+                  </a:txBody>
+                  <a:tcPr>
+                    <a:noFill/>
+                  </a:tcPr>
+                </a:tc>
+                <a:extLst>
+                  <a:ext uri="{0D108BD9-81ED-4DB2-BD59-A6C34878D82A}">
+                    <a16:rowId xmlns:a16="http://schemas.microsoft.com/office/drawing/2014/main" val="1424993290"/>
+                  </a:ext>
+                </a:extLst>
+              </a:tr>
+              <a:tr h="370840">
+                <a:tc>
+                  <a:txBody>
+                    <a:bodyPr/>
+                    <a:lstStyle/>
+                    <a:p>
+                      <a:r>
+                        <a:rPr lang="de-DE" dirty="0"/>
+                        <a:t>35-80</a:t>
+                      </a:r>
+                    </a:p>
+                  </a:txBody>
+                  <a:tcPr>
+                    <a:noFill/>
+                  </a:tcPr>
+                </a:tc>
+                <a:tc>
+                  <a:txBody>
+                    <a:bodyPr/>
+                    <a:lstStyle/>
+                    <a:p>
+                      <a:r>
+                        <a:rPr lang="de-DE" dirty="0"/>
+                        <a:t>58</a:t>
+                      </a:r>
+                    </a:p>
+                  </a:txBody>
+                  <a:tcPr>
+                    <a:noFill/>
+                  </a:tcPr>
+                </a:tc>
+                <a:extLst>
+                  <a:ext uri="{0D108BD9-81ED-4DB2-BD59-A6C34878D82A}">
+                    <a16:rowId xmlns:a16="http://schemas.microsoft.com/office/drawing/2014/main" val="640674437"/>
+                  </a:ext>
+                </a:extLst>
+              </a:tr>
+            </a:tbl>
+          </a:graphicData>
+        </a:graphic>
+      </p:graphicFrame>
+      <p:sp>
+        <p:nvSpPr>
+          <p:cNvPr id="4" name="TextBox 3">
+            <a:extLst>
+              <a:ext uri="{FF2B5EF4-FFF2-40B4-BE49-F238E27FC236}">
+                <a16:creationId xmlns:a16="http://schemas.microsoft.com/office/drawing/2014/main" id="{B755FA24-BE75-8BBC-35B3-37DB2BC89BE9}"/>
+              </a:ext>
+            </a:extLst>
+          </p:cNvPr>
+          <p:cNvSpPr txBox="1"/>
+          <p:nvPr/>
+        </p:nvSpPr>
+        <p:spPr>
+          <a:xfrm>
+            <a:off x="915838" y="1570008"/>
+            <a:ext cx="1887747" cy="369332"/>
+          </a:xfrm>
+          <a:prstGeom prst="rect">
+            <a:avLst/>
+          </a:prstGeom>
+          <a:noFill/>
+        </p:spPr>
+        <p:txBody>
+          <a:bodyPr wrap="square" rtlCol="0">
+            <a:spAutoFit/>
+          </a:bodyPr>
+          <a:lstStyle/>
+          <a:p>
+            <a:r>
+              <a:rPr lang="de-DE" dirty="0"/>
+              <a:t>Pvt &amp; tmt</a:t>
+            </a:r>
+          </a:p>
+        </p:txBody>
+      </p:sp>
+      <p:sp>
+        <p:nvSpPr>
+          <p:cNvPr id="5" name="TextBox 4">
+            <a:extLst>
+              <a:ext uri="{FF2B5EF4-FFF2-40B4-BE49-F238E27FC236}">
+                <a16:creationId xmlns:a16="http://schemas.microsoft.com/office/drawing/2014/main" id="{CE8F2BA8-104A-74AD-A4F2-D355BAC15E1D}"/>
+              </a:ext>
+            </a:extLst>
+          </p:cNvPr>
+          <p:cNvSpPr txBox="1"/>
+          <p:nvPr/>
+        </p:nvSpPr>
+        <p:spPr>
+          <a:xfrm>
+            <a:off x="3380118" y="1570008"/>
+            <a:ext cx="1887747" cy="369332"/>
+          </a:xfrm>
+          <a:prstGeom prst="rect">
+            <a:avLst/>
+          </a:prstGeom>
+          <a:noFill/>
+        </p:spPr>
+        <p:txBody>
+          <a:bodyPr wrap="square" rtlCol="0">
+            <a:spAutoFit/>
+          </a:bodyPr>
+          <a:lstStyle/>
+          <a:p>
+            <a:r>
+              <a:rPr lang="de-DE" dirty="0"/>
+              <a:t>nback</a:t>
+            </a:r>
+          </a:p>
+        </p:txBody>
+      </p:sp>
+      <p:sp>
+        <p:nvSpPr>
+          <p:cNvPr id="8" name="TextBox 7">
+            <a:extLst>
+              <a:ext uri="{FF2B5EF4-FFF2-40B4-BE49-F238E27FC236}">
+                <a16:creationId xmlns:a16="http://schemas.microsoft.com/office/drawing/2014/main" id="{0FEBDE84-9AB7-D968-94B8-297811461D52}"/>
+              </a:ext>
+            </a:extLst>
+          </p:cNvPr>
+          <p:cNvSpPr txBox="1"/>
+          <p:nvPr/>
+        </p:nvSpPr>
+        <p:spPr>
+          <a:xfrm>
+            <a:off x="7096123" y="1985739"/>
+            <a:ext cx="4834210" cy="1477328"/>
+          </a:xfrm>
+          <a:prstGeom prst="rect">
+            <a:avLst/>
+          </a:prstGeom>
+          <a:noFill/>
+        </p:spPr>
+        <p:txBody>
+          <a:bodyPr wrap="square" rtlCol="0">
+            <a:spAutoFit/>
+          </a:bodyPr>
+          <a:lstStyle/>
+          <a:p>
+            <a:r>
+              <a:rPr lang="de-DE" dirty="0"/>
+              <a:t>Wenn ich die nback Altersgruppe in 18-39 ändere, verändert sich nichts an der Clustereinteilung. Wenn ich 18-49 mache, springt ein without vom C2 zu C1 und ein with vom C1 zu C2.</a:t>
+            </a:r>
+          </a:p>
+        </p:txBody>
+      </p:sp>
     </p:spTree>
     <p:extLst>
       <p:ext uri="{BB962C8B-B14F-4D97-AF65-F5344CB8AC3E}">
@@ -11762,7 +7840,7 @@
           <a:p>
             <a:r>
               <a:rPr lang="de-DE" dirty="0"/>
-              <a:t>Z-Werte / 8 Altersgruppen</a:t>
+              <a:t>Z-Werte /  Altersgruppen</a:t>
             </a:r>
           </a:p>
         </p:txBody>
@@ -11797,95 +7875,23 @@
           <a:p>
             <a:r>
               <a:rPr lang="de-DE" dirty="0"/>
-              <a:t>Abbildung1: Alle Unterschiede signifikant</a:t>
+              <a:t>Abb1: Alles signifikant</a:t>
             </a:r>
           </a:p>
           <a:p>
             <a:r>
               <a:rPr lang="de-DE" dirty="0"/>
-              <a:t>Abbildung 2:  Alle Unterschiede zwischen with(out) C1 und with(out) C2 signifikant (Wenn keine z-Werte, dann tmt_b nicht signifikant)</a:t>
-            </a:r>
-          </a:p>
-        </p:txBody>
-      </p:sp>
-      <p:pic>
-        <p:nvPicPr>
-          <p:cNvPr id="5" name="Picture 4" descr="A group of graphs with text&#10;&#10;Description automatically generated with medium confidence">
-            <a:extLst>
-              <a:ext uri="{FF2B5EF4-FFF2-40B4-BE49-F238E27FC236}">
-                <a16:creationId xmlns:a16="http://schemas.microsoft.com/office/drawing/2014/main" id="{658D3379-2C83-88C2-8744-84D21DB42A1A}"/>
-              </a:ext>
-            </a:extLst>
-          </p:cNvPr>
-          <p:cNvPicPr>
-            <a:picLocks noChangeAspect="1"/>
-          </p:cNvPicPr>
-          <p:nvPr/>
-        </p:nvPicPr>
-        <p:blipFill>
-          <a:blip r:embed="rId2">
-            <a:extLst>
-              <a:ext uri="{28A0092B-C50C-407E-A947-70E740481C1C}">
-                <a14:useLocalDpi xmlns:a14="http://schemas.microsoft.com/office/drawing/2010/main" val="0"/>
-              </a:ext>
-            </a:extLst>
-          </a:blip>
-          <a:stretch>
-            <a:fillRect/>
-          </a:stretch>
-        </p:blipFill>
-        <p:spPr>
-          <a:xfrm>
-            <a:off x="360784" y="1360452"/>
-            <a:ext cx="5735216" cy="4455457"/>
-          </a:xfrm>
-          <a:prstGeom prst="rect">
-            <a:avLst/>
-          </a:prstGeom>
-        </p:spPr>
-      </p:pic>
-      <p:pic>
-        <p:nvPicPr>
-          <p:cNvPr id="7" name="Picture 6" descr="A group of graphs with text&#10;&#10;Description automatically generated with medium confidence">
-            <a:extLst>
-              <a:ext uri="{FF2B5EF4-FFF2-40B4-BE49-F238E27FC236}">
-                <a16:creationId xmlns:a16="http://schemas.microsoft.com/office/drawing/2014/main" id="{3EEE3AE6-41D7-3E88-529F-42ECEA075BE6}"/>
-              </a:ext>
-            </a:extLst>
-          </p:cNvPr>
-          <p:cNvPicPr>
-            <a:picLocks noChangeAspect="1"/>
-          </p:cNvPicPr>
-          <p:nvPr/>
-        </p:nvPicPr>
-        <p:blipFill>
-          <a:blip r:embed="rId3">
-            <a:extLst>
-              <a:ext uri="{28A0092B-C50C-407E-A947-70E740481C1C}">
-                <a14:useLocalDpi xmlns:a14="http://schemas.microsoft.com/office/drawing/2010/main" val="0"/>
-              </a:ext>
-            </a:extLst>
-          </a:blip>
-          <a:stretch>
-            <a:fillRect/>
-          </a:stretch>
-        </p:blipFill>
-        <p:spPr>
-          <a:xfrm>
-            <a:off x="6248077" y="1360452"/>
-            <a:ext cx="5805900" cy="4630205"/>
-          </a:xfrm>
-          <a:prstGeom prst="rect">
-            <a:avLst/>
-          </a:prstGeom>
-        </p:spPr>
-      </p:pic>
+              <a:t>Abb2: Unterschiede zwischen withPCS C1 &amp; withPCS C2 signifikant, genau wie zwischen withoutPCS C1 &amp; withoutPCS C2</a:t>
+            </a:r>
+          </a:p>
+        </p:txBody>
+      </p:sp>
       <p:graphicFrame>
         <p:nvGraphicFramePr>
-          <p:cNvPr id="9" name="Table 8">
-            <a:extLst>
-              <a:ext uri="{FF2B5EF4-FFF2-40B4-BE49-F238E27FC236}">
-                <a16:creationId xmlns:a16="http://schemas.microsoft.com/office/drawing/2014/main" id="{15FB80B1-12F7-56EC-B5B5-062FA843F498}"/>
+          <p:cNvPr id="3" name="Table 2">
+            <a:extLst>
+              <a:ext uri="{FF2B5EF4-FFF2-40B4-BE49-F238E27FC236}">
+                <a16:creationId xmlns:a16="http://schemas.microsoft.com/office/drawing/2014/main" id="{A4BF86F7-0FD6-C883-D85C-206078A2E843}"/>
               </a:ext>
             </a:extLst>
           </p:cNvPr>
@@ -11895,14 +7901,14 @@
           <p:nvPr>
             <p:extLst>
               <p:ext uri="{D42A27DB-BD31-4B8C-83A1-F6EECF244321}">
-                <p14:modId xmlns:p14="http://schemas.microsoft.com/office/powerpoint/2010/main" val="690236905"/>
+                <p14:modId xmlns:p14="http://schemas.microsoft.com/office/powerpoint/2010/main" val="3950701373"/>
               </p:ext>
             </p:extLst>
           </p:nvPr>
         </p:nvGraphicFramePr>
         <p:xfrm>
-          <a:off x="9266195" y="5227263"/>
-          <a:ext cx="3322620" cy="1604858"/>
+          <a:off x="9169879" y="0"/>
+          <a:ext cx="3315066" cy="1578370"/>
         </p:xfrm>
         <a:graphic>
           <a:graphicData uri="http://schemas.openxmlformats.org/drawingml/2006/table">
@@ -11911,21 +7917,21 @@
                 <a:tableStyleId>{5C22544A-7EE6-4342-B048-85BDC9FD1C3A}</a:tableStyleId>
               </a:tblPr>
               <a:tblGrid>
-                <a:gridCol w="1107540">
+                <a:gridCol w="1105022">
                   <a:extLst>
                     <a:ext uri="{9D8B030D-6E8A-4147-A177-3AD203B41FA5}">
                       <a16:colId xmlns:a16="http://schemas.microsoft.com/office/drawing/2014/main" val="2087661091"/>
                     </a:ext>
                   </a:extLst>
                 </a:gridCol>
-                <a:gridCol w="1107540">
+                <a:gridCol w="1105022">
                   <a:extLst>
                     <a:ext uri="{9D8B030D-6E8A-4147-A177-3AD203B41FA5}">
                       <a16:colId xmlns:a16="http://schemas.microsoft.com/office/drawing/2014/main" val="4161442789"/>
                     </a:ext>
                   </a:extLst>
                 </a:gridCol>
-                <a:gridCol w="1107540">
+                <a:gridCol w="1105022">
                   <a:extLst>
                     <a:ext uri="{9D8B030D-6E8A-4147-A177-3AD203B41FA5}">
                       <a16:colId xmlns:a16="http://schemas.microsoft.com/office/drawing/2014/main" val="1065804868"/>
@@ -11933,7 +7939,7 @@
                   </a:extLst>
                 </a:gridCol>
               </a:tblGrid>
-              <a:tr h="518862">
+              <a:tr h="504617">
                 <a:tc>
                   <a:txBody>
                     <a:bodyPr/>
@@ -12024,7 +8030,7 @@
                   </a:ext>
                 </a:extLst>
               </a:tr>
-              <a:tr h="482389">
+              <a:tr h="469145">
                 <a:tc>
                   <a:txBody>
                     <a:bodyPr/>
@@ -12055,7 +8061,7 @@
                             <a:srgbClr val="FF0000"/>
                           </a:solidFill>
                         </a:rPr>
-                        <a:t>5</a:t>
+                        <a:t>14</a:t>
                       </a:r>
                     </a:p>
                   </a:txBody>
@@ -12074,7 +8080,7 @@
                             <a:srgbClr val="FF0000"/>
                           </a:solidFill>
                         </a:rPr>
-                        <a:t>23</a:t>
+                        <a:t>38</a:t>
                       </a:r>
                     </a:p>
                   </a:txBody>
@@ -12088,7 +8094,7 @@
                   </a:ext>
                 </a:extLst>
               </a:tr>
-              <a:tr h="482389">
+              <a:tr h="469145">
                 <a:tc>
                   <a:txBody>
                     <a:bodyPr/>
@@ -12119,7 +8125,7 @@
                             <a:srgbClr val="00B050"/>
                           </a:solidFill>
                         </a:rPr>
-                        <a:t>22</a:t>
+                        <a:t>13</a:t>
                       </a:r>
                     </a:p>
                   </a:txBody>
@@ -12138,7 +8144,7 @@
                             <a:srgbClr val="00B050"/>
                           </a:solidFill>
                         </a:rPr>
-                        <a:t>20</a:t>
+                        <a:t>5</a:t>
                       </a:r>
                     </a:p>
                   </a:txBody>
@@ -12156,6 +8162,78 @@
           </a:graphicData>
         </a:graphic>
       </p:graphicFrame>
+      <p:pic>
+        <p:nvPicPr>
+          <p:cNvPr id="13" name="Picture 12" descr="A group of graphs with text&#10;&#10;Description automatically generated with medium confidence">
+            <a:extLst>
+              <a:ext uri="{FF2B5EF4-FFF2-40B4-BE49-F238E27FC236}">
+                <a16:creationId xmlns:a16="http://schemas.microsoft.com/office/drawing/2014/main" id="{E837E606-04A2-23E3-B1D8-9FFCF7932113}"/>
+              </a:ext>
+            </a:extLst>
+          </p:cNvPr>
+          <p:cNvPicPr>
+            <a:picLocks noChangeAspect="1"/>
+          </p:cNvPicPr>
+          <p:nvPr/>
+        </p:nvPicPr>
+        <p:blipFill>
+          <a:blip r:embed="rId2">
+            <a:extLst>
+              <a:ext uri="{28A0092B-C50C-407E-A947-70E740481C1C}">
+                <a14:useLocalDpi xmlns:a14="http://schemas.microsoft.com/office/drawing/2010/main" val="0"/>
+              </a:ext>
+            </a:extLst>
+          </a:blip>
+          <a:stretch>
+            <a:fillRect/>
+          </a:stretch>
+        </p:blipFill>
+        <p:spPr>
+          <a:xfrm>
+            <a:off x="538947" y="1683586"/>
+            <a:ext cx="4984342" cy="4056449"/>
+          </a:xfrm>
+          <a:prstGeom prst="rect">
+            <a:avLst/>
+          </a:prstGeom>
+        </p:spPr>
+      </p:pic>
+      <p:pic>
+        <p:nvPicPr>
+          <p:cNvPr id="15" name="Picture 14" descr="A diagram of a group of data&#10;&#10;Description automatically generated with medium confidence">
+            <a:extLst>
+              <a:ext uri="{FF2B5EF4-FFF2-40B4-BE49-F238E27FC236}">
+                <a16:creationId xmlns:a16="http://schemas.microsoft.com/office/drawing/2014/main" id="{72A43848-885C-6B46-C301-FC4DFFE4EE78}"/>
+              </a:ext>
+            </a:extLst>
+          </p:cNvPr>
+          <p:cNvPicPr>
+            <a:picLocks noChangeAspect="1"/>
+          </p:cNvPicPr>
+          <p:nvPr/>
+        </p:nvPicPr>
+        <p:blipFill>
+          <a:blip r:embed="rId3">
+            <a:extLst>
+              <a:ext uri="{28A0092B-C50C-407E-A947-70E740481C1C}">
+                <a14:useLocalDpi xmlns:a14="http://schemas.microsoft.com/office/drawing/2010/main" val="0"/>
+              </a:ext>
+            </a:extLst>
+          </a:blip>
+          <a:stretch>
+            <a:fillRect/>
+          </a:stretch>
+        </p:blipFill>
+        <p:spPr>
+          <a:xfrm>
+            <a:off x="6096000" y="1683361"/>
+            <a:ext cx="5311779" cy="4322930"/>
+          </a:xfrm>
+          <a:prstGeom prst="rect">
+            <a:avLst/>
+          </a:prstGeom>
+        </p:spPr>
+      </p:pic>
     </p:spTree>
     <p:extLst>
       <p:ext uri="{BB962C8B-B14F-4D97-AF65-F5344CB8AC3E}">
@@ -12209,100 +8287,69 @@
           <a:p>
             <a:r>
               <a:rPr lang="de-DE" dirty="0"/>
-              <a:t>Z-Werte / 8 Altersgruppen</a:t>
-            </a:r>
-          </a:p>
-        </p:txBody>
-      </p:sp>
-      <p:pic>
-        <p:nvPicPr>
-          <p:cNvPr id="4" name="Picture 3">
-            <a:extLst>
-              <a:ext uri="{FF2B5EF4-FFF2-40B4-BE49-F238E27FC236}">
-                <a16:creationId xmlns:a16="http://schemas.microsoft.com/office/drawing/2014/main" id="{263A72D2-190A-A527-E66E-719F7CD55AD6}"/>
-              </a:ext>
-            </a:extLst>
-          </p:cNvPr>
-          <p:cNvPicPr>
-            <a:picLocks noChangeAspect="1"/>
-          </p:cNvPicPr>
+              <a:t>Z-Werte /  Altersgruppen</a:t>
+            </a:r>
+          </a:p>
+        </p:txBody>
+      </p:sp>
+      <p:sp>
+        <p:nvSpPr>
+          <p:cNvPr id="10" name="TextBox 9">
+            <a:extLst>
+              <a:ext uri="{FF2B5EF4-FFF2-40B4-BE49-F238E27FC236}">
+                <a16:creationId xmlns:a16="http://schemas.microsoft.com/office/drawing/2014/main" id="{140A12DA-0ECD-8045-A50A-F11B9BEC367D}"/>
+              </a:ext>
+            </a:extLst>
+          </p:cNvPr>
+          <p:cNvSpPr txBox="1"/>
           <p:nvPr/>
-        </p:nvPicPr>
-        <p:blipFill>
-          <a:blip r:embed="rId2"/>
-          <a:stretch>
-            <a:fillRect/>
-          </a:stretch>
-        </p:blipFill>
+        </p:nvSpPr>
         <p:spPr>
           <a:xfrm>
-            <a:off x="6474167" y="1627592"/>
-            <a:ext cx="5020887" cy="3995025"/>
+            <a:off x="538947" y="5845026"/>
+            <a:ext cx="8630932" cy="923330"/>
           </a:xfrm>
           <a:prstGeom prst="rect">
             <a:avLst/>
           </a:prstGeom>
+          <a:noFill/>
         </p:spPr>
-      </p:pic>
-      <p:pic>
-        <p:nvPicPr>
-          <p:cNvPr id="8" name="Picture 7" descr="A graph with a number of clusters&#10;&#10;Description automatically generated with medium confidence">
-            <a:extLst>
-              <a:ext uri="{FF2B5EF4-FFF2-40B4-BE49-F238E27FC236}">
-                <a16:creationId xmlns:a16="http://schemas.microsoft.com/office/drawing/2014/main" id="{5CA22BF2-DB80-A3DD-901D-9290659C48EA}"/>
-              </a:ext>
-            </a:extLst>
-          </p:cNvPr>
-          <p:cNvPicPr>
-            <a:picLocks noChangeAspect="1"/>
-          </p:cNvPicPr>
-          <p:nvPr/>
-        </p:nvPicPr>
-        <p:blipFill>
-          <a:blip r:embed="rId3">
-            <a:extLst>
-              <a:ext uri="{28A0092B-C50C-407E-A947-70E740481C1C}">
-                <a14:useLocalDpi xmlns:a14="http://schemas.microsoft.com/office/drawing/2010/main" val="0"/>
-              </a:ext>
-            </a:extLst>
-          </a:blip>
-          <a:stretch>
-            <a:fillRect/>
-          </a:stretch>
-        </p:blipFill>
-        <p:spPr>
-          <a:xfrm>
-            <a:off x="823057" y="1483640"/>
-            <a:ext cx="5272943" cy="4138977"/>
-          </a:xfrm>
-          <a:prstGeom prst="rect">
-            <a:avLst/>
-          </a:prstGeom>
-        </p:spPr>
-      </p:pic>
+        <p:txBody>
+          <a:bodyPr wrap="square" rtlCol="0">
+            <a:spAutoFit/>
+          </a:bodyPr>
+          <a:lstStyle/>
+          <a:p>
+            <a:r>
+              <a:rPr lang="de-DE" dirty="0"/>
+              <a:t>Abb1: Alles signifikant</a:t>
+            </a:r>
+          </a:p>
+          <a:p>
+            <a:r>
+              <a:rPr lang="de-DE" dirty="0"/>
+              <a:t>Abb2: Unterschied zwischen withPCS C1 &amp; withPCS C2 im tmt_b NICHT signifikant, genau wie zwischen withoutPCS C1 &amp; withoutPCS C2 im tmt_b</a:t>
+            </a:r>
+          </a:p>
+        </p:txBody>
+      </p:sp>
       <p:graphicFrame>
         <p:nvGraphicFramePr>
-          <p:cNvPr id="9" name="Table 8">
-            <a:extLst>
-              <a:ext uri="{FF2B5EF4-FFF2-40B4-BE49-F238E27FC236}">
-                <a16:creationId xmlns:a16="http://schemas.microsoft.com/office/drawing/2014/main" id="{15FB80B1-12F7-56EC-B5B5-062FA843F498}"/>
+          <p:cNvPr id="3" name="Table 2">
+            <a:extLst>
+              <a:ext uri="{FF2B5EF4-FFF2-40B4-BE49-F238E27FC236}">
+                <a16:creationId xmlns:a16="http://schemas.microsoft.com/office/drawing/2014/main" id="{A4BF86F7-0FD6-C883-D85C-206078A2E843}"/>
               </a:ext>
             </a:extLst>
           </p:cNvPr>
           <p:cNvGraphicFramePr>
             <a:graphicFrameLocks noGrp="1"/>
           </p:cNvGraphicFramePr>
-          <p:nvPr>
-            <p:extLst>
-              <p:ext uri="{D42A27DB-BD31-4B8C-83A1-F6EECF244321}">
-                <p14:modId xmlns:p14="http://schemas.microsoft.com/office/powerpoint/2010/main" val="53993015"/>
-              </p:ext>
-            </p:extLst>
-          </p:nvPr>
+          <p:nvPr/>
         </p:nvGraphicFramePr>
         <p:xfrm>
-          <a:off x="8869380" y="14108"/>
-          <a:ext cx="3322620" cy="1604858"/>
+          <a:off x="9169879" y="0"/>
+          <a:ext cx="3315066" cy="1578370"/>
         </p:xfrm>
         <a:graphic>
           <a:graphicData uri="http://schemas.openxmlformats.org/drawingml/2006/table">
@@ -12311,21 +8358,21 @@
                 <a:tableStyleId>{5C22544A-7EE6-4342-B048-85BDC9FD1C3A}</a:tableStyleId>
               </a:tblPr>
               <a:tblGrid>
-                <a:gridCol w="1107540">
+                <a:gridCol w="1105022">
                   <a:extLst>
                     <a:ext uri="{9D8B030D-6E8A-4147-A177-3AD203B41FA5}">
                       <a16:colId xmlns:a16="http://schemas.microsoft.com/office/drawing/2014/main" val="2087661091"/>
                     </a:ext>
                   </a:extLst>
                 </a:gridCol>
-                <a:gridCol w="1107540">
+                <a:gridCol w="1105022">
                   <a:extLst>
                     <a:ext uri="{9D8B030D-6E8A-4147-A177-3AD203B41FA5}">
                       <a16:colId xmlns:a16="http://schemas.microsoft.com/office/drawing/2014/main" val="4161442789"/>
                     </a:ext>
                   </a:extLst>
                 </a:gridCol>
-                <a:gridCol w="1107540">
+                <a:gridCol w="1105022">
                   <a:extLst>
                     <a:ext uri="{9D8B030D-6E8A-4147-A177-3AD203B41FA5}">
                       <a16:colId xmlns:a16="http://schemas.microsoft.com/office/drawing/2014/main" val="1065804868"/>
@@ -12333,7 +8380,7 @@
                   </a:extLst>
                 </a:gridCol>
               </a:tblGrid>
-              <a:tr h="518862">
+              <a:tr h="504617">
                 <a:tc>
                   <a:txBody>
                     <a:bodyPr/>
@@ -12424,7 +8471,7 @@
                   </a:ext>
                 </a:extLst>
               </a:tr>
-              <a:tr h="482389">
+              <a:tr h="469145">
                 <a:tc>
                   <a:txBody>
                     <a:bodyPr/>
@@ -12455,7 +8502,7 @@
                             <a:srgbClr val="FF0000"/>
                           </a:solidFill>
                         </a:rPr>
-                        <a:t>5</a:t>
+                        <a:t>14</a:t>
                       </a:r>
                     </a:p>
                   </a:txBody>
@@ -12474,7 +8521,7 @@
                             <a:srgbClr val="FF0000"/>
                           </a:solidFill>
                         </a:rPr>
-                        <a:t>23</a:t>
+                        <a:t>38</a:t>
                       </a:r>
                     </a:p>
                   </a:txBody>
@@ -12488,7 +8535,7 @@
                   </a:ext>
                 </a:extLst>
               </a:tr>
-              <a:tr h="482389">
+              <a:tr h="469145">
                 <a:tc>
                   <a:txBody>
                     <a:bodyPr/>
@@ -12519,7 +8566,7 @@
                             <a:srgbClr val="00B050"/>
                           </a:solidFill>
                         </a:rPr>
-                        <a:t>22</a:t>
+                        <a:t>13</a:t>
                       </a:r>
                     </a:p>
                   </a:txBody>
@@ -12538,7 +8585,7 @@
                             <a:srgbClr val="00B050"/>
                           </a:solidFill>
                         </a:rPr>
-                        <a:t>20</a:t>
+                        <a:t>5</a:t>
                       </a:r>
                     </a:p>
                   </a:txBody>
@@ -12556,51 +8603,82 @@
           </a:graphicData>
         </a:graphic>
       </p:graphicFrame>
-      <p:sp>
-        <p:nvSpPr>
-          <p:cNvPr id="10" name="TextBox 9">
-            <a:extLst>
-              <a:ext uri="{FF2B5EF4-FFF2-40B4-BE49-F238E27FC236}">
-                <a16:creationId xmlns:a16="http://schemas.microsoft.com/office/drawing/2014/main" id="{140A12DA-0ECD-8045-A50A-F11B9BEC367D}"/>
-              </a:ext>
-            </a:extLst>
-          </p:cNvPr>
-          <p:cNvSpPr txBox="1"/>
+      <p:pic>
+        <p:nvPicPr>
+          <p:cNvPr id="5" name="Picture 4" descr="A group of graphs with text&#10;&#10;Description automatically generated with medium confidence">
+            <a:extLst>
+              <a:ext uri="{FF2B5EF4-FFF2-40B4-BE49-F238E27FC236}">
+                <a16:creationId xmlns:a16="http://schemas.microsoft.com/office/drawing/2014/main" id="{61781B33-4B36-8FC8-6E02-1AF4ABDB7DE0}"/>
+              </a:ext>
+            </a:extLst>
+          </p:cNvPr>
+          <p:cNvPicPr>
+            <a:picLocks noChangeAspect="1"/>
+          </p:cNvPicPr>
           <p:nvPr/>
-        </p:nvSpPr>
+        </p:nvPicPr>
+        <p:blipFill>
+          <a:blip r:embed="rId2">
+            <a:extLst>
+              <a:ext uri="{28A0092B-C50C-407E-A947-70E740481C1C}">
+                <a14:useLocalDpi xmlns:a14="http://schemas.microsoft.com/office/drawing/2010/main" val="0"/>
+              </a:ext>
+            </a:extLst>
+          </a:blip>
+          <a:stretch>
+            <a:fillRect/>
+          </a:stretch>
+        </p:blipFill>
         <p:spPr>
           <a:xfrm>
-            <a:off x="978894" y="5631243"/>
-            <a:ext cx="6612352" cy="646331"/>
+            <a:off x="551144" y="1674074"/>
+            <a:ext cx="5125037" cy="4170952"/>
           </a:xfrm>
           <a:prstGeom prst="rect">
             <a:avLst/>
           </a:prstGeom>
-          <a:noFill/>
         </p:spPr>
-        <p:txBody>
-          <a:bodyPr wrap="square" rtlCol="0">
-            <a:spAutoFit/>
-          </a:bodyPr>
-          <a:lstStyle/>
-          <a:p>
-            <a:r>
-              <a:rPr lang="de-DE" dirty="0"/>
-              <a:t>Keine signifikanten Unterschiede im Hinblick der Altersverteilung</a:t>
-            </a:r>
-          </a:p>
-          <a:p>
-            <a:r>
-              <a:rPr lang="de-DE" dirty="0"/>
-              <a:t>-&gt; Aber spannend, dass C2 tendenziell älter ist aber kognitiv fitter</a:t>
-            </a:r>
-          </a:p>
-        </p:txBody>
-      </p:sp>
+      </p:pic>
+      <p:pic>
+        <p:nvPicPr>
+          <p:cNvPr id="7" name="Picture 6" descr="A group of graphs with text&#10;&#10;Description automatically generated with medium confidence">
+            <a:extLst>
+              <a:ext uri="{FF2B5EF4-FFF2-40B4-BE49-F238E27FC236}">
+                <a16:creationId xmlns:a16="http://schemas.microsoft.com/office/drawing/2014/main" id="{0D9D5D4E-8E5A-1EFF-02A2-FB3C05703FA2}"/>
+              </a:ext>
+            </a:extLst>
+          </p:cNvPr>
+          <p:cNvPicPr>
+            <a:picLocks noChangeAspect="1"/>
+          </p:cNvPicPr>
+          <p:nvPr/>
+        </p:nvPicPr>
+        <p:blipFill>
+          <a:blip r:embed="rId2">
+            <a:extLst>
+              <a:ext uri="{28A0092B-C50C-407E-A947-70E740481C1C}">
+                <a14:useLocalDpi xmlns:a14="http://schemas.microsoft.com/office/drawing/2010/main" val="0"/>
+              </a:ext>
+            </a:extLst>
+          </a:blip>
+          <a:stretch>
+            <a:fillRect/>
+          </a:stretch>
+        </p:blipFill>
+        <p:spPr>
+          <a:xfrm>
+            <a:off x="6096000" y="1674074"/>
+            <a:ext cx="5390563" cy="4387048"/>
+          </a:xfrm>
+          <a:prstGeom prst="rect">
+            <a:avLst/>
+          </a:prstGeom>
+        </p:spPr>
+      </p:pic>
     </p:spTree>
     <p:extLst>
       <p:ext uri="{BB962C8B-B14F-4D97-AF65-F5344CB8AC3E}">
-        <p14:creationId xmlns:p14="http://schemas.microsoft.com/office/powerpoint/2010/main" val="2301048734"/>
+        <p14:creationId xmlns:p14="http://schemas.microsoft.com/office/powerpoint/2010/main" val="280876289"/>
       </p:ext>
     </p:extLst>
   </p:cSld>

--- a/presentations/Clustering.pptx
+++ b/presentations/Clustering.pptx
@@ -5,7 +5,7 @@
     <p:sldMasterId id="2147483648" r:id="rId1"/>
   </p:sldMasterIdLst>
   <p:notesMasterIdLst>
-    <p:notesMasterId r:id="rId15"/>
+    <p:notesMasterId r:id="rId23"/>
   </p:notesMasterIdLst>
   <p:sldIdLst>
     <p:sldId id="257" r:id="rId2"/>
@@ -20,7 +20,15 @@
     <p:sldId id="268" r:id="rId11"/>
     <p:sldId id="270" r:id="rId12"/>
     <p:sldId id="271" r:id="rId13"/>
-    <p:sldId id="272" r:id="rId14"/>
+    <p:sldId id="274" r:id="rId14"/>
+    <p:sldId id="275" r:id="rId15"/>
+    <p:sldId id="273" r:id="rId16"/>
+    <p:sldId id="276" r:id="rId17"/>
+    <p:sldId id="272" r:id="rId18"/>
+    <p:sldId id="278" r:id="rId19"/>
+    <p:sldId id="279" r:id="rId20"/>
+    <p:sldId id="277" r:id="rId21"/>
+    <p:sldId id="280" r:id="rId22"/>
   </p:sldIdLst>
   <p:sldSz cx="12192000" cy="6858000"/>
   <p:notesSz cx="6858000" cy="9144000"/>
@@ -5645,6 +5653,1776 @@
           <a:p>
             <a:r>
               <a:rPr lang="de-DE" dirty="0"/>
+              <a:t>Z-Werte /  Altersgruppen</a:t>
+            </a:r>
+          </a:p>
+        </p:txBody>
+      </p:sp>
+      <p:sp>
+        <p:nvSpPr>
+          <p:cNvPr id="10" name="TextBox 9">
+            <a:extLst>
+              <a:ext uri="{FF2B5EF4-FFF2-40B4-BE49-F238E27FC236}">
+                <a16:creationId xmlns:a16="http://schemas.microsoft.com/office/drawing/2014/main" id="{140A12DA-0ECD-8045-A50A-F11B9BEC367D}"/>
+              </a:ext>
+            </a:extLst>
+          </p:cNvPr>
+          <p:cNvSpPr txBox="1"/>
+          <p:nvPr/>
+        </p:nvSpPr>
+        <p:spPr>
+          <a:xfrm>
+            <a:off x="538947" y="5845026"/>
+            <a:ext cx="8630932" cy="923330"/>
+          </a:xfrm>
+          <a:prstGeom prst="rect">
+            <a:avLst/>
+          </a:prstGeom>
+          <a:noFill/>
+        </p:spPr>
+        <p:txBody>
+          <a:bodyPr wrap="square" rtlCol="0">
+            <a:spAutoFit/>
+          </a:bodyPr>
+          <a:lstStyle/>
+          <a:p>
+            <a:r>
+              <a:rPr lang="de-DE" dirty="0"/>
+              <a:t>Abb1: Signifikante Unterschiede</a:t>
+            </a:r>
+          </a:p>
+          <a:p>
+            <a:r>
+              <a:rPr lang="de-DE" dirty="0"/>
+              <a:t>Abb2: Unterschiede zwischen withPCS C1 &amp; withPCS C2 signifikant, genau wie zwischen withoutPCS C1 &amp; withoutPCS C2</a:t>
+            </a:r>
+          </a:p>
+        </p:txBody>
+      </p:sp>
+      <p:graphicFrame>
+        <p:nvGraphicFramePr>
+          <p:cNvPr id="4" name="Table 3">
+            <a:extLst>
+              <a:ext uri="{FF2B5EF4-FFF2-40B4-BE49-F238E27FC236}">
+                <a16:creationId xmlns:a16="http://schemas.microsoft.com/office/drawing/2014/main" id="{F29EE431-6394-3A91-4A0D-E77A93F97510}"/>
+              </a:ext>
+            </a:extLst>
+          </p:cNvPr>
+          <p:cNvGraphicFramePr>
+            <a:graphicFrameLocks noGrp="1"/>
+          </p:cNvGraphicFramePr>
+          <p:nvPr/>
+        </p:nvGraphicFramePr>
+        <p:xfrm>
+          <a:off x="8737476" y="0"/>
+          <a:ext cx="4015242" cy="1830252"/>
+        </p:xfrm>
+        <a:graphic>
+          <a:graphicData uri="http://schemas.openxmlformats.org/drawingml/2006/table">
+            <a:tbl>
+              <a:tblPr firstRow="1" bandRow="1">
+                <a:tableStyleId>{5C22544A-7EE6-4342-B048-85BDC9FD1C3A}</a:tableStyleId>
+              </a:tblPr>
+              <a:tblGrid>
+                <a:gridCol w="1338414">
+                  <a:extLst>
+                    <a:ext uri="{9D8B030D-6E8A-4147-A177-3AD203B41FA5}">
+                      <a16:colId xmlns:a16="http://schemas.microsoft.com/office/drawing/2014/main" val="2087661091"/>
+                    </a:ext>
+                  </a:extLst>
+                </a:gridCol>
+                <a:gridCol w="1338414">
+                  <a:extLst>
+                    <a:ext uri="{9D8B030D-6E8A-4147-A177-3AD203B41FA5}">
+                      <a16:colId xmlns:a16="http://schemas.microsoft.com/office/drawing/2014/main" val="4161442789"/>
+                    </a:ext>
+                  </a:extLst>
+                </a:gridCol>
+                <a:gridCol w="1338414">
+                  <a:extLst>
+                    <a:ext uri="{9D8B030D-6E8A-4147-A177-3AD203B41FA5}">
+                      <a16:colId xmlns:a16="http://schemas.microsoft.com/office/drawing/2014/main" val="1065804868"/>
+                    </a:ext>
+                  </a:extLst>
+                </a:gridCol>
+              </a:tblGrid>
+              <a:tr h="595086">
+                <a:tc>
+                  <a:txBody>
+                    <a:bodyPr/>
+                    <a:lstStyle/>
+                    <a:p>
+                      <a:endParaRPr lang="de-DE" dirty="0">
+                        <a:solidFill>
+                          <a:schemeClr val="tx1"/>
+                        </a:solidFill>
+                      </a:endParaRPr>
+                    </a:p>
+                  </a:txBody>
+                  <a:tcPr>
+                    <a:noFill/>
+                  </a:tcPr>
+                </a:tc>
+                <a:tc>
+                  <a:txBody>
+                    <a:bodyPr/>
+                    <a:lstStyle/>
+                    <a:p>
+                      <a:r>
+                        <a:rPr lang="de-DE" dirty="0">
+                          <a:solidFill>
+                            <a:schemeClr val="tx1"/>
+                          </a:solidFill>
+                        </a:rPr>
+                        <a:t>Without</a:t>
+                      </a:r>
+                      <a:br>
+                        <a:rPr lang="de-DE" dirty="0">
+                          <a:solidFill>
+                            <a:schemeClr val="tx1"/>
+                          </a:solidFill>
+                        </a:rPr>
+                      </a:br>
+                      <a:r>
+                        <a:rPr lang="de-DE" dirty="0">
+                          <a:solidFill>
+                            <a:schemeClr val="tx1"/>
+                          </a:solidFill>
+                        </a:rPr>
+                        <a:t>PCS</a:t>
+                      </a:r>
+                    </a:p>
+                  </a:txBody>
+                  <a:tcPr>
+                    <a:noFill/>
+                  </a:tcPr>
+                </a:tc>
+                <a:tc>
+                  <a:txBody>
+                    <a:bodyPr/>
+                    <a:lstStyle/>
+                    <a:p>
+                      <a:r>
+                        <a:rPr lang="de-DE" dirty="0">
+                          <a:solidFill>
+                            <a:schemeClr val="tx1"/>
+                          </a:solidFill>
+                        </a:rPr>
+                        <a:t>With</a:t>
+                      </a:r>
+                      <a:br>
+                        <a:rPr lang="de-DE" dirty="0">
+                          <a:solidFill>
+                            <a:schemeClr val="tx1"/>
+                          </a:solidFill>
+                        </a:rPr>
+                      </a:br>
+                      <a:r>
+                        <a:rPr lang="de-DE" dirty="0">
+                          <a:solidFill>
+                            <a:schemeClr val="tx1"/>
+                          </a:solidFill>
+                        </a:rPr>
+                        <a:t>PCS</a:t>
+                      </a:r>
+                    </a:p>
+                  </a:txBody>
+                  <a:tcPr>
+                    <a:noFill/>
+                  </a:tcPr>
+                </a:tc>
+                <a:extLst>
+                  <a:ext uri="{0D108BD9-81ED-4DB2-BD59-A6C34878D82A}">
+                    <a16:rowId xmlns:a16="http://schemas.microsoft.com/office/drawing/2014/main" val="3931383551"/>
+                  </a:ext>
+                </a:extLst>
+              </a:tr>
+              <a:tr h="595086">
+                <a:tc>
+                  <a:txBody>
+                    <a:bodyPr/>
+                    <a:lstStyle/>
+                    <a:p>
+                      <a:r>
+                        <a:rPr lang="de-DE" dirty="0">
+                          <a:solidFill>
+                            <a:srgbClr val="FF0000"/>
+                          </a:solidFill>
+                        </a:rPr>
+                        <a:t>Cluster 1</a:t>
+                      </a:r>
+                    </a:p>
+                  </a:txBody>
+                  <a:tcPr>
+                    <a:noFill/>
+                  </a:tcPr>
+                </a:tc>
+                <a:tc>
+                  <a:txBody>
+                    <a:bodyPr/>
+                    <a:lstStyle/>
+                    <a:p>
+                      <a:r>
+                        <a:rPr lang="de-DE" dirty="0">
+                          <a:solidFill>
+                            <a:srgbClr val="FF0000"/>
+                          </a:solidFill>
+                        </a:rPr>
+                        <a:t>8</a:t>
+                      </a:r>
+                    </a:p>
+                  </a:txBody>
+                  <a:tcPr>
+                    <a:noFill/>
+                  </a:tcPr>
+                </a:tc>
+                <a:tc>
+                  <a:txBody>
+                    <a:bodyPr/>
+                    <a:lstStyle/>
+                    <a:p>
+                      <a:r>
+                        <a:rPr lang="de-DE" dirty="0">
+                          <a:solidFill>
+                            <a:srgbClr val="FF0000"/>
+                          </a:solidFill>
+                        </a:rPr>
+                        <a:t>33</a:t>
+                      </a:r>
+                    </a:p>
+                  </a:txBody>
+                  <a:tcPr>
+                    <a:noFill/>
+                  </a:tcPr>
+                </a:tc>
+                <a:extLst>
+                  <a:ext uri="{0D108BD9-81ED-4DB2-BD59-A6C34878D82A}">
+                    <a16:rowId xmlns:a16="http://schemas.microsoft.com/office/drawing/2014/main" val="3140929958"/>
+                  </a:ext>
+                </a:extLst>
+              </a:tr>
+              <a:tr h="595086">
+                <a:tc>
+                  <a:txBody>
+                    <a:bodyPr/>
+                    <a:lstStyle/>
+                    <a:p>
+                      <a:r>
+                        <a:rPr lang="de-DE" dirty="0">
+                          <a:solidFill>
+                            <a:srgbClr val="00B050"/>
+                          </a:solidFill>
+                        </a:rPr>
+                        <a:t>Cluster 2</a:t>
+                      </a:r>
+                    </a:p>
+                  </a:txBody>
+                  <a:tcPr>
+                    <a:noFill/>
+                  </a:tcPr>
+                </a:tc>
+                <a:tc>
+                  <a:txBody>
+                    <a:bodyPr/>
+                    <a:lstStyle/>
+                    <a:p>
+                      <a:r>
+                        <a:rPr lang="de-DE" dirty="0">
+                          <a:solidFill>
+                            <a:srgbClr val="00B050"/>
+                          </a:solidFill>
+                        </a:rPr>
+                        <a:t>19</a:t>
+                      </a:r>
+                    </a:p>
+                  </a:txBody>
+                  <a:tcPr>
+                    <a:noFill/>
+                  </a:tcPr>
+                </a:tc>
+                <a:tc>
+                  <a:txBody>
+                    <a:bodyPr/>
+                    <a:lstStyle/>
+                    <a:p>
+                      <a:r>
+                        <a:rPr lang="de-DE" dirty="0">
+                          <a:solidFill>
+                            <a:srgbClr val="00B050"/>
+                          </a:solidFill>
+                        </a:rPr>
+                        <a:t>10</a:t>
+                      </a:r>
+                    </a:p>
+                  </a:txBody>
+                  <a:tcPr>
+                    <a:noFill/>
+                  </a:tcPr>
+                </a:tc>
+                <a:extLst>
+                  <a:ext uri="{0D108BD9-81ED-4DB2-BD59-A6C34878D82A}">
+                    <a16:rowId xmlns:a16="http://schemas.microsoft.com/office/drawing/2014/main" val="2462120241"/>
+                  </a:ext>
+                </a:extLst>
+              </a:tr>
+            </a:tbl>
+          </a:graphicData>
+        </a:graphic>
+      </p:graphicFrame>
+      <p:pic>
+        <p:nvPicPr>
+          <p:cNvPr id="5" name="Picture 4" descr="A group of graphs with numbers&#10;&#10;Description automatically generated with medium confidence">
+            <a:extLst>
+              <a:ext uri="{FF2B5EF4-FFF2-40B4-BE49-F238E27FC236}">
+                <a16:creationId xmlns:a16="http://schemas.microsoft.com/office/drawing/2014/main" id="{8EFCDA3D-66DC-EDD3-3B4A-FAE7B47FCF2B}"/>
+              </a:ext>
+            </a:extLst>
+          </p:cNvPr>
+          <p:cNvPicPr>
+            <a:picLocks noChangeAspect="1"/>
+          </p:cNvPicPr>
+          <p:nvPr/>
+        </p:nvPicPr>
+        <p:blipFill>
+          <a:blip r:embed="rId2">
+            <a:extLst>
+              <a:ext uri="{28A0092B-C50C-407E-A947-70E740481C1C}">
+                <a14:useLocalDpi xmlns:a14="http://schemas.microsoft.com/office/drawing/2010/main" val="0"/>
+              </a:ext>
+            </a:extLst>
+          </a:blip>
+          <a:stretch>
+            <a:fillRect/>
+          </a:stretch>
+        </p:blipFill>
+        <p:spPr>
+          <a:xfrm>
+            <a:off x="551144" y="1564021"/>
+            <a:ext cx="5260263" cy="4281005"/>
+          </a:xfrm>
+          <a:prstGeom prst="rect">
+            <a:avLst/>
+          </a:prstGeom>
+        </p:spPr>
+      </p:pic>
+      <p:pic>
+        <p:nvPicPr>
+          <p:cNvPr id="8" name="Picture 7" descr="A group of graphs and numbers&#10;&#10;Description automatically generated with medium confidence">
+            <a:extLst>
+              <a:ext uri="{FF2B5EF4-FFF2-40B4-BE49-F238E27FC236}">
+                <a16:creationId xmlns:a16="http://schemas.microsoft.com/office/drawing/2014/main" id="{854F0237-A6AF-3AEB-E926-88809D6F5D62}"/>
+              </a:ext>
+            </a:extLst>
+          </p:cNvPr>
+          <p:cNvPicPr>
+            <a:picLocks noChangeAspect="1"/>
+          </p:cNvPicPr>
+          <p:nvPr/>
+        </p:nvPicPr>
+        <p:blipFill>
+          <a:blip r:embed="rId3">
+            <a:extLst>
+              <a:ext uri="{28A0092B-C50C-407E-A947-70E740481C1C}">
+                <a14:useLocalDpi xmlns:a14="http://schemas.microsoft.com/office/drawing/2010/main" val="0"/>
+              </a:ext>
+            </a:extLst>
+          </a:blip>
+          <a:stretch>
+            <a:fillRect/>
+          </a:stretch>
+        </p:blipFill>
+        <p:spPr>
+          <a:xfrm>
+            <a:off x="6096000" y="1564021"/>
+            <a:ext cx="5257800" cy="4279000"/>
+          </a:xfrm>
+          <a:prstGeom prst="rect">
+            <a:avLst/>
+          </a:prstGeom>
+        </p:spPr>
+      </p:pic>
+    </p:spTree>
+    <p:extLst>
+      <p:ext uri="{BB962C8B-B14F-4D97-AF65-F5344CB8AC3E}">
+        <p14:creationId xmlns:p14="http://schemas.microsoft.com/office/powerpoint/2010/main" val="346997599"/>
+      </p:ext>
+    </p:extLst>
+  </p:cSld>
+  <p:clrMapOvr>
+    <a:masterClrMapping/>
+  </p:clrMapOvr>
+</p:sld>
+</file>
+
+<file path=ppt/slides/slide14.xml><?xml version="1.0" encoding="utf-8"?>
+<p:sld xmlns:a="http://schemas.openxmlformats.org/drawingml/2006/main" xmlns:r="http://schemas.openxmlformats.org/officeDocument/2006/relationships" xmlns:p="http://schemas.openxmlformats.org/presentationml/2006/main">
+  <p:cSld>
+    <p:spTree>
+      <p:nvGrpSpPr>
+        <p:cNvPr id="1" name=""/>
+        <p:cNvGrpSpPr/>
+        <p:nvPr/>
+      </p:nvGrpSpPr>
+      <p:grpSpPr>
+        <a:xfrm>
+          <a:off x="0" y="0"/>
+          <a:ext cx="0" cy="0"/>
+          <a:chOff x="0" y="0"/>
+          <a:chExt cx="0" cy="0"/>
+        </a:xfrm>
+      </p:grpSpPr>
+      <p:sp>
+        <p:nvSpPr>
+          <p:cNvPr id="2" name="Title 1">
+            <a:extLst>
+              <a:ext uri="{FF2B5EF4-FFF2-40B4-BE49-F238E27FC236}">
+                <a16:creationId xmlns:a16="http://schemas.microsoft.com/office/drawing/2014/main" id="{5FA92E7E-ADAC-9CF6-FBAD-455FD9799F37}"/>
+              </a:ext>
+            </a:extLst>
+          </p:cNvPr>
+          <p:cNvSpPr>
+            <a:spLocks noGrp="1"/>
+          </p:cNvSpPr>
+          <p:nvPr>
+            <p:ph type="title"/>
+          </p:nvPr>
+        </p:nvSpPr>
+        <p:spPr/>
+        <p:txBody>
+          <a:bodyPr/>
+          <a:lstStyle/>
+          <a:p>
+            <a:r>
+              <a:rPr lang="de-DE" dirty="0"/>
+              <a:t>Z-Werte /  Altersgruppen</a:t>
+            </a:r>
+          </a:p>
+        </p:txBody>
+      </p:sp>
+      <p:sp>
+        <p:nvSpPr>
+          <p:cNvPr id="10" name="TextBox 9">
+            <a:extLst>
+              <a:ext uri="{FF2B5EF4-FFF2-40B4-BE49-F238E27FC236}">
+                <a16:creationId xmlns:a16="http://schemas.microsoft.com/office/drawing/2014/main" id="{140A12DA-0ECD-8045-A50A-F11B9BEC367D}"/>
+              </a:ext>
+            </a:extLst>
+          </p:cNvPr>
+          <p:cNvSpPr txBox="1"/>
+          <p:nvPr/>
+        </p:nvSpPr>
+        <p:spPr>
+          <a:xfrm>
+            <a:off x="538947" y="5845026"/>
+            <a:ext cx="8630932" cy="923330"/>
+          </a:xfrm>
+          <a:prstGeom prst="rect">
+            <a:avLst/>
+          </a:prstGeom>
+          <a:noFill/>
+        </p:spPr>
+        <p:txBody>
+          <a:bodyPr wrap="square" rtlCol="0">
+            <a:spAutoFit/>
+          </a:bodyPr>
+          <a:lstStyle/>
+          <a:p>
+            <a:r>
+              <a:rPr lang="de-DE" dirty="0"/>
+              <a:t>Abb1: Signifikante Unterschiede</a:t>
+            </a:r>
+          </a:p>
+          <a:p>
+            <a:r>
+              <a:rPr lang="de-DE" dirty="0"/>
+              <a:t>Abb2: Unterschied zwischen withPCS C1 &amp; withPCS C2 im tmt_b NICHT signifikant, genau wie zwischen withoutPCS C1 &amp; withoutPCS C2 im tmt_b. Sonst alles signifikant</a:t>
+            </a:r>
+          </a:p>
+        </p:txBody>
+      </p:sp>
+      <p:graphicFrame>
+        <p:nvGraphicFramePr>
+          <p:cNvPr id="4" name="Table 3">
+            <a:extLst>
+              <a:ext uri="{FF2B5EF4-FFF2-40B4-BE49-F238E27FC236}">
+                <a16:creationId xmlns:a16="http://schemas.microsoft.com/office/drawing/2014/main" id="{F29EE431-6394-3A91-4A0D-E77A93F97510}"/>
+              </a:ext>
+            </a:extLst>
+          </p:cNvPr>
+          <p:cNvGraphicFramePr>
+            <a:graphicFrameLocks noGrp="1"/>
+          </p:cNvGraphicFramePr>
+          <p:nvPr/>
+        </p:nvGraphicFramePr>
+        <p:xfrm>
+          <a:off x="8737476" y="0"/>
+          <a:ext cx="4015242" cy="1830252"/>
+        </p:xfrm>
+        <a:graphic>
+          <a:graphicData uri="http://schemas.openxmlformats.org/drawingml/2006/table">
+            <a:tbl>
+              <a:tblPr firstRow="1" bandRow="1">
+                <a:tableStyleId>{5C22544A-7EE6-4342-B048-85BDC9FD1C3A}</a:tableStyleId>
+              </a:tblPr>
+              <a:tblGrid>
+                <a:gridCol w="1338414">
+                  <a:extLst>
+                    <a:ext uri="{9D8B030D-6E8A-4147-A177-3AD203B41FA5}">
+                      <a16:colId xmlns:a16="http://schemas.microsoft.com/office/drawing/2014/main" val="2087661091"/>
+                    </a:ext>
+                  </a:extLst>
+                </a:gridCol>
+                <a:gridCol w="1338414">
+                  <a:extLst>
+                    <a:ext uri="{9D8B030D-6E8A-4147-A177-3AD203B41FA5}">
+                      <a16:colId xmlns:a16="http://schemas.microsoft.com/office/drawing/2014/main" val="4161442789"/>
+                    </a:ext>
+                  </a:extLst>
+                </a:gridCol>
+                <a:gridCol w="1338414">
+                  <a:extLst>
+                    <a:ext uri="{9D8B030D-6E8A-4147-A177-3AD203B41FA5}">
+                      <a16:colId xmlns:a16="http://schemas.microsoft.com/office/drawing/2014/main" val="1065804868"/>
+                    </a:ext>
+                  </a:extLst>
+                </a:gridCol>
+              </a:tblGrid>
+              <a:tr h="595086">
+                <a:tc>
+                  <a:txBody>
+                    <a:bodyPr/>
+                    <a:lstStyle/>
+                    <a:p>
+                      <a:endParaRPr lang="de-DE" dirty="0">
+                        <a:solidFill>
+                          <a:schemeClr val="tx1"/>
+                        </a:solidFill>
+                      </a:endParaRPr>
+                    </a:p>
+                  </a:txBody>
+                  <a:tcPr>
+                    <a:noFill/>
+                  </a:tcPr>
+                </a:tc>
+                <a:tc>
+                  <a:txBody>
+                    <a:bodyPr/>
+                    <a:lstStyle/>
+                    <a:p>
+                      <a:r>
+                        <a:rPr lang="de-DE" dirty="0">
+                          <a:solidFill>
+                            <a:schemeClr val="tx1"/>
+                          </a:solidFill>
+                        </a:rPr>
+                        <a:t>Without</a:t>
+                      </a:r>
+                      <a:br>
+                        <a:rPr lang="de-DE" dirty="0">
+                          <a:solidFill>
+                            <a:schemeClr val="tx1"/>
+                          </a:solidFill>
+                        </a:rPr>
+                      </a:br>
+                      <a:r>
+                        <a:rPr lang="de-DE" dirty="0">
+                          <a:solidFill>
+                            <a:schemeClr val="tx1"/>
+                          </a:solidFill>
+                        </a:rPr>
+                        <a:t>PCS</a:t>
+                      </a:r>
+                    </a:p>
+                  </a:txBody>
+                  <a:tcPr>
+                    <a:noFill/>
+                  </a:tcPr>
+                </a:tc>
+                <a:tc>
+                  <a:txBody>
+                    <a:bodyPr/>
+                    <a:lstStyle/>
+                    <a:p>
+                      <a:r>
+                        <a:rPr lang="de-DE" dirty="0">
+                          <a:solidFill>
+                            <a:schemeClr val="tx1"/>
+                          </a:solidFill>
+                        </a:rPr>
+                        <a:t>With</a:t>
+                      </a:r>
+                      <a:br>
+                        <a:rPr lang="de-DE" dirty="0">
+                          <a:solidFill>
+                            <a:schemeClr val="tx1"/>
+                          </a:solidFill>
+                        </a:rPr>
+                      </a:br>
+                      <a:r>
+                        <a:rPr lang="de-DE" dirty="0">
+                          <a:solidFill>
+                            <a:schemeClr val="tx1"/>
+                          </a:solidFill>
+                        </a:rPr>
+                        <a:t>PCS</a:t>
+                      </a:r>
+                    </a:p>
+                  </a:txBody>
+                  <a:tcPr>
+                    <a:noFill/>
+                  </a:tcPr>
+                </a:tc>
+                <a:extLst>
+                  <a:ext uri="{0D108BD9-81ED-4DB2-BD59-A6C34878D82A}">
+                    <a16:rowId xmlns:a16="http://schemas.microsoft.com/office/drawing/2014/main" val="3931383551"/>
+                  </a:ext>
+                </a:extLst>
+              </a:tr>
+              <a:tr h="595086">
+                <a:tc>
+                  <a:txBody>
+                    <a:bodyPr/>
+                    <a:lstStyle/>
+                    <a:p>
+                      <a:r>
+                        <a:rPr lang="de-DE" dirty="0">
+                          <a:solidFill>
+                            <a:srgbClr val="FF0000"/>
+                          </a:solidFill>
+                        </a:rPr>
+                        <a:t>Cluster 1</a:t>
+                      </a:r>
+                    </a:p>
+                  </a:txBody>
+                  <a:tcPr>
+                    <a:noFill/>
+                  </a:tcPr>
+                </a:tc>
+                <a:tc>
+                  <a:txBody>
+                    <a:bodyPr/>
+                    <a:lstStyle/>
+                    <a:p>
+                      <a:r>
+                        <a:rPr lang="de-DE" dirty="0">
+                          <a:solidFill>
+                            <a:srgbClr val="FF0000"/>
+                          </a:solidFill>
+                        </a:rPr>
+                        <a:t>8</a:t>
+                      </a:r>
+                    </a:p>
+                  </a:txBody>
+                  <a:tcPr>
+                    <a:noFill/>
+                  </a:tcPr>
+                </a:tc>
+                <a:tc>
+                  <a:txBody>
+                    <a:bodyPr/>
+                    <a:lstStyle/>
+                    <a:p>
+                      <a:r>
+                        <a:rPr lang="de-DE" dirty="0">
+                          <a:solidFill>
+                            <a:srgbClr val="FF0000"/>
+                          </a:solidFill>
+                        </a:rPr>
+                        <a:t>33</a:t>
+                      </a:r>
+                    </a:p>
+                  </a:txBody>
+                  <a:tcPr>
+                    <a:noFill/>
+                  </a:tcPr>
+                </a:tc>
+                <a:extLst>
+                  <a:ext uri="{0D108BD9-81ED-4DB2-BD59-A6C34878D82A}">
+                    <a16:rowId xmlns:a16="http://schemas.microsoft.com/office/drawing/2014/main" val="3140929958"/>
+                  </a:ext>
+                </a:extLst>
+              </a:tr>
+              <a:tr h="595086">
+                <a:tc>
+                  <a:txBody>
+                    <a:bodyPr/>
+                    <a:lstStyle/>
+                    <a:p>
+                      <a:r>
+                        <a:rPr lang="de-DE" dirty="0">
+                          <a:solidFill>
+                            <a:srgbClr val="00B050"/>
+                          </a:solidFill>
+                        </a:rPr>
+                        <a:t>Cluster 2</a:t>
+                      </a:r>
+                    </a:p>
+                  </a:txBody>
+                  <a:tcPr>
+                    <a:noFill/>
+                  </a:tcPr>
+                </a:tc>
+                <a:tc>
+                  <a:txBody>
+                    <a:bodyPr/>
+                    <a:lstStyle/>
+                    <a:p>
+                      <a:r>
+                        <a:rPr lang="de-DE" dirty="0">
+                          <a:solidFill>
+                            <a:srgbClr val="00B050"/>
+                          </a:solidFill>
+                        </a:rPr>
+                        <a:t>19</a:t>
+                      </a:r>
+                    </a:p>
+                  </a:txBody>
+                  <a:tcPr>
+                    <a:noFill/>
+                  </a:tcPr>
+                </a:tc>
+                <a:tc>
+                  <a:txBody>
+                    <a:bodyPr/>
+                    <a:lstStyle/>
+                    <a:p>
+                      <a:r>
+                        <a:rPr lang="de-DE" dirty="0">
+                          <a:solidFill>
+                            <a:srgbClr val="00B050"/>
+                          </a:solidFill>
+                        </a:rPr>
+                        <a:t>10</a:t>
+                      </a:r>
+                    </a:p>
+                  </a:txBody>
+                  <a:tcPr>
+                    <a:noFill/>
+                  </a:tcPr>
+                </a:tc>
+                <a:extLst>
+                  <a:ext uri="{0D108BD9-81ED-4DB2-BD59-A6C34878D82A}">
+                    <a16:rowId xmlns:a16="http://schemas.microsoft.com/office/drawing/2014/main" val="2462120241"/>
+                  </a:ext>
+                </a:extLst>
+              </a:tr>
+            </a:tbl>
+          </a:graphicData>
+        </a:graphic>
+      </p:graphicFrame>
+      <p:pic>
+        <p:nvPicPr>
+          <p:cNvPr id="6" name="Picture 5" descr="A group of graphs with text&#10;&#10;Description automatically generated with medium confidence">
+            <a:extLst>
+              <a:ext uri="{FF2B5EF4-FFF2-40B4-BE49-F238E27FC236}">
+                <a16:creationId xmlns:a16="http://schemas.microsoft.com/office/drawing/2014/main" id="{4DD5B75F-3B40-E880-70A2-1B19C52FF674}"/>
+              </a:ext>
+            </a:extLst>
+          </p:cNvPr>
+          <p:cNvPicPr>
+            <a:picLocks noChangeAspect="1"/>
+          </p:cNvPicPr>
+          <p:nvPr/>
+        </p:nvPicPr>
+        <p:blipFill>
+          <a:blip r:embed="rId2">
+            <a:extLst>
+              <a:ext uri="{28A0092B-C50C-407E-A947-70E740481C1C}">
+                <a14:useLocalDpi xmlns:a14="http://schemas.microsoft.com/office/drawing/2010/main" val="0"/>
+              </a:ext>
+            </a:extLst>
+          </a:blip>
+          <a:stretch>
+            <a:fillRect/>
+          </a:stretch>
+        </p:blipFill>
+        <p:spPr>
+          <a:xfrm>
+            <a:off x="666327" y="1564021"/>
+            <a:ext cx="5147877" cy="4189541"/>
+          </a:xfrm>
+          <a:prstGeom prst="rect">
+            <a:avLst/>
+          </a:prstGeom>
+        </p:spPr>
+      </p:pic>
+      <p:pic>
+        <p:nvPicPr>
+          <p:cNvPr id="9" name="Picture 8" descr="A group of data on a white background&#10;&#10;Description automatically generated">
+            <a:extLst>
+              <a:ext uri="{FF2B5EF4-FFF2-40B4-BE49-F238E27FC236}">
+                <a16:creationId xmlns:a16="http://schemas.microsoft.com/office/drawing/2014/main" id="{ACB16B88-EAF5-7594-3DE5-E925A1DF8EA4}"/>
+              </a:ext>
+            </a:extLst>
+          </p:cNvPr>
+          <p:cNvPicPr>
+            <a:picLocks noChangeAspect="1"/>
+          </p:cNvPicPr>
+          <p:nvPr/>
+        </p:nvPicPr>
+        <p:blipFill>
+          <a:blip r:embed="rId3">
+            <a:extLst>
+              <a:ext uri="{28A0092B-C50C-407E-A947-70E740481C1C}">
+                <a14:useLocalDpi xmlns:a14="http://schemas.microsoft.com/office/drawing/2010/main" val="0"/>
+              </a:ext>
+            </a:extLst>
+          </a:blip>
+          <a:stretch>
+            <a:fillRect/>
+          </a:stretch>
+        </p:blipFill>
+        <p:spPr>
+          <a:xfrm>
+            <a:off x="6377797" y="1564021"/>
+            <a:ext cx="5147876" cy="4189540"/>
+          </a:xfrm>
+          <a:prstGeom prst="rect">
+            <a:avLst/>
+          </a:prstGeom>
+        </p:spPr>
+      </p:pic>
+    </p:spTree>
+    <p:extLst>
+      <p:ext uri="{BB962C8B-B14F-4D97-AF65-F5344CB8AC3E}">
+        <p14:creationId xmlns:p14="http://schemas.microsoft.com/office/powerpoint/2010/main" val="3244046997"/>
+      </p:ext>
+    </p:extLst>
+  </p:cSld>
+  <p:clrMapOvr>
+    <a:masterClrMapping/>
+  </p:clrMapOvr>
+</p:sld>
+</file>
+
+<file path=ppt/slides/slide15.xml><?xml version="1.0" encoding="utf-8"?>
+<p:sld xmlns:a="http://schemas.openxmlformats.org/drawingml/2006/main" xmlns:r="http://schemas.openxmlformats.org/officeDocument/2006/relationships" xmlns:p="http://schemas.openxmlformats.org/presentationml/2006/main">
+  <p:cSld>
+    <p:spTree>
+      <p:nvGrpSpPr>
+        <p:cNvPr id="1" name=""/>
+        <p:cNvGrpSpPr/>
+        <p:nvPr/>
+      </p:nvGrpSpPr>
+      <p:grpSpPr>
+        <a:xfrm>
+          <a:off x="0" y="0"/>
+          <a:ext cx="0" cy="0"/>
+          <a:chOff x="0" y="0"/>
+          <a:chExt cx="0" cy="0"/>
+        </a:xfrm>
+      </p:grpSpPr>
+      <p:sp>
+        <p:nvSpPr>
+          <p:cNvPr id="2" name="Title 1">
+            <a:extLst>
+              <a:ext uri="{FF2B5EF4-FFF2-40B4-BE49-F238E27FC236}">
+                <a16:creationId xmlns:a16="http://schemas.microsoft.com/office/drawing/2014/main" id="{5FA92E7E-ADAC-9CF6-FBAD-455FD9799F37}"/>
+              </a:ext>
+            </a:extLst>
+          </p:cNvPr>
+          <p:cNvSpPr>
+            <a:spLocks noGrp="1"/>
+          </p:cNvSpPr>
+          <p:nvPr>
+            <p:ph type="title"/>
+          </p:nvPr>
+        </p:nvSpPr>
+        <p:spPr/>
+        <p:txBody>
+          <a:bodyPr/>
+          <a:lstStyle/>
+          <a:p>
+            <a:r>
+              <a:rPr lang="de-DE" dirty="0"/>
+              <a:t>Z-Werte /  Altersgruppen</a:t>
+            </a:r>
+          </a:p>
+        </p:txBody>
+      </p:sp>
+      <p:sp>
+        <p:nvSpPr>
+          <p:cNvPr id="10" name="TextBox 9">
+            <a:extLst>
+              <a:ext uri="{FF2B5EF4-FFF2-40B4-BE49-F238E27FC236}">
+                <a16:creationId xmlns:a16="http://schemas.microsoft.com/office/drawing/2014/main" id="{140A12DA-0ECD-8045-A50A-F11B9BEC367D}"/>
+              </a:ext>
+            </a:extLst>
+          </p:cNvPr>
+          <p:cNvSpPr txBox="1"/>
+          <p:nvPr/>
+        </p:nvSpPr>
+        <p:spPr>
+          <a:xfrm>
+            <a:off x="538947" y="5845026"/>
+            <a:ext cx="8630932" cy="646331"/>
+          </a:xfrm>
+          <a:prstGeom prst="rect">
+            <a:avLst/>
+          </a:prstGeom>
+          <a:noFill/>
+        </p:spPr>
+        <p:txBody>
+          <a:bodyPr wrap="square" rtlCol="0">
+            <a:spAutoFit/>
+          </a:bodyPr>
+          <a:lstStyle/>
+          <a:p>
+            <a:r>
+              <a:rPr lang="de-DE" dirty="0"/>
+              <a:t>Abb1: Kein signifikanter Unterschied</a:t>
+            </a:r>
+          </a:p>
+          <a:p>
+            <a:r>
+              <a:rPr lang="de-DE" dirty="0"/>
+              <a:t>Abb2: Keine signifikanten Unterschiede</a:t>
+            </a:r>
+          </a:p>
+        </p:txBody>
+      </p:sp>
+      <p:graphicFrame>
+        <p:nvGraphicFramePr>
+          <p:cNvPr id="4" name="Table 3">
+            <a:extLst>
+              <a:ext uri="{FF2B5EF4-FFF2-40B4-BE49-F238E27FC236}">
+                <a16:creationId xmlns:a16="http://schemas.microsoft.com/office/drawing/2014/main" id="{F29EE431-6394-3A91-4A0D-E77A93F97510}"/>
+              </a:ext>
+            </a:extLst>
+          </p:cNvPr>
+          <p:cNvGraphicFramePr>
+            <a:graphicFrameLocks noGrp="1"/>
+          </p:cNvGraphicFramePr>
+          <p:nvPr>
+            <p:extLst>
+              <p:ext uri="{D42A27DB-BD31-4B8C-83A1-F6EECF244321}">
+                <p14:modId xmlns:p14="http://schemas.microsoft.com/office/powerpoint/2010/main" val="2727322430"/>
+              </p:ext>
+            </p:extLst>
+          </p:nvPr>
+        </p:nvGraphicFramePr>
+        <p:xfrm>
+          <a:off x="8737476" y="0"/>
+          <a:ext cx="4015242" cy="1830252"/>
+        </p:xfrm>
+        <a:graphic>
+          <a:graphicData uri="http://schemas.openxmlformats.org/drawingml/2006/table">
+            <a:tbl>
+              <a:tblPr firstRow="1" bandRow="1">
+                <a:tableStyleId>{5C22544A-7EE6-4342-B048-85BDC9FD1C3A}</a:tableStyleId>
+              </a:tblPr>
+              <a:tblGrid>
+                <a:gridCol w="1338414">
+                  <a:extLst>
+                    <a:ext uri="{9D8B030D-6E8A-4147-A177-3AD203B41FA5}">
+                      <a16:colId xmlns:a16="http://schemas.microsoft.com/office/drawing/2014/main" val="2087661091"/>
+                    </a:ext>
+                  </a:extLst>
+                </a:gridCol>
+                <a:gridCol w="1338414">
+                  <a:extLst>
+                    <a:ext uri="{9D8B030D-6E8A-4147-A177-3AD203B41FA5}">
+                      <a16:colId xmlns:a16="http://schemas.microsoft.com/office/drawing/2014/main" val="4161442789"/>
+                    </a:ext>
+                  </a:extLst>
+                </a:gridCol>
+                <a:gridCol w="1338414">
+                  <a:extLst>
+                    <a:ext uri="{9D8B030D-6E8A-4147-A177-3AD203B41FA5}">
+                      <a16:colId xmlns:a16="http://schemas.microsoft.com/office/drawing/2014/main" val="1065804868"/>
+                    </a:ext>
+                  </a:extLst>
+                </a:gridCol>
+              </a:tblGrid>
+              <a:tr h="595086">
+                <a:tc>
+                  <a:txBody>
+                    <a:bodyPr/>
+                    <a:lstStyle/>
+                    <a:p>
+                      <a:endParaRPr lang="de-DE" dirty="0">
+                        <a:solidFill>
+                          <a:schemeClr val="tx1"/>
+                        </a:solidFill>
+                      </a:endParaRPr>
+                    </a:p>
+                  </a:txBody>
+                  <a:tcPr>
+                    <a:noFill/>
+                  </a:tcPr>
+                </a:tc>
+                <a:tc>
+                  <a:txBody>
+                    <a:bodyPr/>
+                    <a:lstStyle/>
+                    <a:p>
+                      <a:r>
+                        <a:rPr lang="de-DE" dirty="0">
+                          <a:solidFill>
+                            <a:schemeClr val="tx1"/>
+                          </a:solidFill>
+                        </a:rPr>
+                        <a:t>Without</a:t>
+                      </a:r>
+                      <a:br>
+                        <a:rPr lang="de-DE" dirty="0">
+                          <a:solidFill>
+                            <a:schemeClr val="tx1"/>
+                          </a:solidFill>
+                        </a:rPr>
+                      </a:br>
+                      <a:r>
+                        <a:rPr lang="de-DE" dirty="0">
+                          <a:solidFill>
+                            <a:schemeClr val="tx1"/>
+                          </a:solidFill>
+                        </a:rPr>
+                        <a:t>PCS</a:t>
+                      </a:r>
+                    </a:p>
+                  </a:txBody>
+                  <a:tcPr>
+                    <a:noFill/>
+                  </a:tcPr>
+                </a:tc>
+                <a:tc>
+                  <a:txBody>
+                    <a:bodyPr/>
+                    <a:lstStyle/>
+                    <a:p>
+                      <a:r>
+                        <a:rPr lang="de-DE" dirty="0">
+                          <a:solidFill>
+                            <a:schemeClr val="tx1"/>
+                          </a:solidFill>
+                        </a:rPr>
+                        <a:t>With</a:t>
+                      </a:r>
+                      <a:br>
+                        <a:rPr lang="de-DE" dirty="0">
+                          <a:solidFill>
+                            <a:schemeClr val="tx1"/>
+                          </a:solidFill>
+                        </a:rPr>
+                      </a:br>
+                      <a:r>
+                        <a:rPr lang="de-DE" dirty="0">
+                          <a:solidFill>
+                            <a:schemeClr val="tx1"/>
+                          </a:solidFill>
+                        </a:rPr>
+                        <a:t>PCS</a:t>
+                      </a:r>
+                    </a:p>
+                  </a:txBody>
+                  <a:tcPr>
+                    <a:noFill/>
+                  </a:tcPr>
+                </a:tc>
+                <a:extLst>
+                  <a:ext uri="{0D108BD9-81ED-4DB2-BD59-A6C34878D82A}">
+                    <a16:rowId xmlns:a16="http://schemas.microsoft.com/office/drawing/2014/main" val="3931383551"/>
+                  </a:ext>
+                </a:extLst>
+              </a:tr>
+              <a:tr h="595086">
+                <a:tc>
+                  <a:txBody>
+                    <a:bodyPr/>
+                    <a:lstStyle/>
+                    <a:p>
+                      <a:r>
+                        <a:rPr lang="de-DE" dirty="0">
+                          <a:solidFill>
+                            <a:srgbClr val="FF0000"/>
+                          </a:solidFill>
+                        </a:rPr>
+                        <a:t>Cluster 1</a:t>
+                      </a:r>
+                    </a:p>
+                  </a:txBody>
+                  <a:tcPr>
+                    <a:noFill/>
+                  </a:tcPr>
+                </a:tc>
+                <a:tc>
+                  <a:txBody>
+                    <a:bodyPr/>
+                    <a:lstStyle/>
+                    <a:p>
+                      <a:r>
+                        <a:rPr lang="de-DE" dirty="0">
+                          <a:solidFill>
+                            <a:srgbClr val="FF0000"/>
+                          </a:solidFill>
+                        </a:rPr>
+                        <a:t>8</a:t>
+                      </a:r>
+                    </a:p>
+                  </a:txBody>
+                  <a:tcPr>
+                    <a:noFill/>
+                  </a:tcPr>
+                </a:tc>
+                <a:tc>
+                  <a:txBody>
+                    <a:bodyPr/>
+                    <a:lstStyle/>
+                    <a:p>
+                      <a:r>
+                        <a:rPr lang="de-DE" dirty="0">
+                          <a:solidFill>
+                            <a:srgbClr val="FF0000"/>
+                          </a:solidFill>
+                        </a:rPr>
+                        <a:t>33</a:t>
+                      </a:r>
+                    </a:p>
+                  </a:txBody>
+                  <a:tcPr>
+                    <a:noFill/>
+                  </a:tcPr>
+                </a:tc>
+                <a:extLst>
+                  <a:ext uri="{0D108BD9-81ED-4DB2-BD59-A6C34878D82A}">
+                    <a16:rowId xmlns:a16="http://schemas.microsoft.com/office/drawing/2014/main" val="3140929958"/>
+                  </a:ext>
+                </a:extLst>
+              </a:tr>
+              <a:tr h="595086">
+                <a:tc>
+                  <a:txBody>
+                    <a:bodyPr/>
+                    <a:lstStyle/>
+                    <a:p>
+                      <a:r>
+                        <a:rPr lang="de-DE" dirty="0">
+                          <a:solidFill>
+                            <a:srgbClr val="00B050"/>
+                          </a:solidFill>
+                        </a:rPr>
+                        <a:t>Cluster 2</a:t>
+                      </a:r>
+                    </a:p>
+                  </a:txBody>
+                  <a:tcPr>
+                    <a:noFill/>
+                  </a:tcPr>
+                </a:tc>
+                <a:tc>
+                  <a:txBody>
+                    <a:bodyPr/>
+                    <a:lstStyle/>
+                    <a:p>
+                      <a:r>
+                        <a:rPr lang="de-DE" dirty="0">
+                          <a:solidFill>
+                            <a:srgbClr val="00B050"/>
+                          </a:solidFill>
+                        </a:rPr>
+                        <a:t>19</a:t>
+                      </a:r>
+                    </a:p>
+                  </a:txBody>
+                  <a:tcPr>
+                    <a:noFill/>
+                  </a:tcPr>
+                </a:tc>
+                <a:tc>
+                  <a:txBody>
+                    <a:bodyPr/>
+                    <a:lstStyle/>
+                    <a:p>
+                      <a:r>
+                        <a:rPr lang="de-DE" dirty="0">
+                          <a:solidFill>
+                            <a:srgbClr val="00B050"/>
+                          </a:solidFill>
+                        </a:rPr>
+                        <a:t>10</a:t>
+                      </a:r>
+                    </a:p>
+                  </a:txBody>
+                  <a:tcPr>
+                    <a:noFill/>
+                  </a:tcPr>
+                </a:tc>
+                <a:extLst>
+                  <a:ext uri="{0D108BD9-81ED-4DB2-BD59-A6C34878D82A}">
+                    <a16:rowId xmlns:a16="http://schemas.microsoft.com/office/drawing/2014/main" val="2462120241"/>
+                  </a:ext>
+                </a:extLst>
+              </a:tr>
+            </a:tbl>
+          </a:graphicData>
+        </a:graphic>
+      </p:graphicFrame>
+      <p:pic>
+        <p:nvPicPr>
+          <p:cNvPr id="7" name="Picture 6" descr="A graph with a number of squares&#10;&#10;Description automatically generated with medium confidence">
+            <a:extLst>
+              <a:ext uri="{FF2B5EF4-FFF2-40B4-BE49-F238E27FC236}">
+                <a16:creationId xmlns:a16="http://schemas.microsoft.com/office/drawing/2014/main" id="{786AA76B-1FCA-4DA6-A52E-CD192C17DB7D}"/>
+              </a:ext>
+            </a:extLst>
+          </p:cNvPr>
+          <p:cNvPicPr>
+            <a:picLocks noChangeAspect="1"/>
+          </p:cNvPicPr>
+          <p:nvPr/>
+        </p:nvPicPr>
+        <p:blipFill>
+          <a:blip r:embed="rId2">
+            <a:extLst>
+              <a:ext uri="{28A0092B-C50C-407E-A947-70E740481C1C}">
+                <a14:useLocalDpi xmlns:a14="http://schemas.microsoft.com/office/drawing/2010/main" val="0"/>
+              </a:ext>
+            </a:extLst>
+          </a:blip>
+          <a:stretch>
+            <a:fillRect/>
+          </a:stretch>
+        </p:blipFill>
+        <p:spPr>
+          <a:xfrm>
+            <a:off x="510809" y="1564021"/>
+            <a:ext cx="5260263" cy="4281005"/>
+          </a:xfrm>
+          <a:prstGeom prst="rect">
+            <a:avLst/>
+          </a:prstGeom>
+        </p:spPr>
+      </p:pic>
+      <p:pic>
+        <p:nvPicPr>
+          <p:cNvPr id="9" name="Picture 8" descr="A graph of a number of clusters&#10;&#10;Description automatically generated with medium confidence">
+            <a:extLst>
+              <a:ext uri="{FF2B5EF4-FFF2-40B4-BE49-F238E27FC236}">
+                <a16:creationId xmlns:a16="http://schemas.microsoft.com/office/drawing/2014/main" id="{C30E54FD-6AB7-9D52-9F4E-4548BA72D996}"/>
+              </a:ext>
+            </a:extLst>
+          </p:cNvPr>
+          <p:cNvPicPr>
+            <a:picLocks noChangeAspect="1"/>
+          </p:cNvPicPr>
+          <p:nvPr/>
+        </p:nvPicPr>
+        <p:blipFill>
+          <a:blip r:embed="rId3">
+            <a:extLst>
+              <a:ext uri="{28A0092B-C50C-407E-A947-70E740481C1C}">
+                <a14:useLocalDpi xmlns:a14="http://schemas.microsoft.com/office/drawing/2010/main" val="0"/>
+              </a:ext>
+            </a:extLst>
+          </a:blip>
+          <a:stretch>
+            <a:fillRect/>
+          </a:stretch>
+        </p:blipFill>
+        <p:spPr>
+          <a:xfrm>
+            <a:off x="5945693" y="1566661"/>
+            <a:ext cx="5260263" cy="4281005"/>
+          </a:xfrm>
+          <a:prstGeom prst="rect">
+            <a:avLst/>
+          </a:prstGeom>
+        </p:spPr>
+      </p:pic>
+    </p:spTree>
+    <p:extLst>
+      <p:ext uri="{BB962C8B-B14F-4D97-AF65-F5344CB8AC3E}">
+        <p14:creationId xmlns:p14="http://schemas.microsoft.com/office/powerpoint/2010/main" val="993725089"/>
+      </p:ext>
+    </p:extLst>
+  </p:cSld>
+  <p:clrMapOvr>
+    <a:masterClrMapping/>
+  </p:clrMapOvr>
+</p:sld>
+</file>
+
+<file path=ppt/slides/slide16.xml><?xml version="1.0" encoding="utf-8"?>
+<p:sld xmlns:a="http://schemas.openxmlformats.org/drawingml/2006/main" xmlns:r="http://schemas.openxmlformats.org/officeDocument/2006/relationships" xmlns:p="http://schemas.openxmlformats.org/presentationml/2006/main">
+  <p:cSld>
+    <p:spTree>
+      <p:nvGrpSpPr>
+        <p:cNvPr id="1" name=""/>
+        <p:cNvGrpSpPr/>
+        <p:nvPr/>
+      </p:nvGrpSpPr>
+      <p:grpSpPr>
+        <a:xfrm>
+          <a:off x="0" y="0"/>
+          <a:ext cx="0" cy="0"/>
+          <a:chOff x="0" y="0"/>
+          <a:chExt cx="0" cy="0"/>
+        </a:xfrm>
+      </p:grpSpPr>
+      <p:sp>
+        <p:nvSpPr>
+          <p:cNvPr id="2" name="Title 1">
+            <a:extLst>
+              <a:ext uri="{FF2B5EF4-FFF2-40B4-BE49-F238E27FC236}">
+                <a16:creationId xmlns:a16="http://schemas.microsoft.com/office/drawing/2014/main" id="{5FA92E7E-ADAC-9CF6-FBAD-455FD9799F37}"/>
+              </a:ext>
+            </a:extLst>
+          </p:cNvPr>
+          <p:cNvSpPr>
+            <a:spLocks noGrp="1"/>
+          </p:cNvSpPr>
+          <p:nvPr>
+            <p:ph type="title"/>
+          </p:nvPr>
+        </p:nvSpPr>
+        <p:spPr/>
+        <p:txBody>
+          <a:bodyPr/>
+          <a:lstStyle/>
+          <a:p>
+            <a:r>
+              <a:rPr lang="de-DE" dirty="0"/>
+              <a:t>Z-Werte /  Altersgruppen</a:t>
+            </a:r>
+          </a:p>
+        </p:txBody>
+      </p:sp>
+      <p:sp>
+        <p:nvSpPr>
+          <p:cNvPr id="10" name="TextBox 9">
+            <a:extLst>
+              <a:ext uri="{FF2B5EF4-FFF2-40B4-BE49-F238E27FC236}">
+                <a16:creationId xmlns:a16="http://schemas.microsoft.com/office/drawing/2014/main" id="{140A12DA-0ECD-8045-A50A-F11B9BEC367D}"/>
+              </a:ext>
+            </a:extLst>
+          </p:cNvPr>
+          <p:cNvSpPr txBox="1"/>
+          <p:nvPr/>
+        </p:nvSpPr>
+        <p:spPr>
+          <a:xfrm>
+            <a:off x="538947" y="5845026"/>
+            <a:ext cx="8630932" cy="923330"/>
+          </a:xfrm>
+          <a:prstGeom prst="rect">
+            <a:avLst/>
+          </a:prstGeom>
+          <a:noFill/>
+        </p:spPr>
+        <p:txBody>
+          <a:bodyPr wrap="square" rtlCol="0">
+            <a:spAutoFit/>
+          </a:bodyPr>
+          <a:lstStyle/>
+          <a:p>
+            <a:r>
+              <a:rPr lang="de-DE" dirty="0"/>
+              <a:t>Abb1: Keine signifikanten Unterschiede</a:t>
+            </a:r>
+          </a:p>
+          <a:p>
+            <a:r>
+              <a:rPr lang="de-DE" dirty="0"/>
+              <a:t>Abb2: Signifikanter Unterschied im facit/hads_a/psqi innerhalb C2. hads_b knapp nicht signifikant im C2 (p=0.059)</a:t>
+            </a:r>
+          </a:p>
+        </p:txBody>
+      </p:sp>
+      <p:graphicFrame>
+        <p:nvGraphicFramePr>
+          <p:cNvPr id="4" name="Table 3">
+            <a:extLst>
+              <a:ext uri="{FF2B5EF4-FFF2-40B4-BE49-F238E27FC236}">
+                <a16:creationId xmlns:a16="http://schemas.microsoft.com/office/drawing/2014/main" id="{F29EE431-6394-3A91-4A0D-E77A93F97510}"/>
+              </a:ext>
+            </a:extLst>
+          </p:cNvPr>
+          <p:cNvGraphicFramePr>
+            <a:graphicFrameLocks noGrp="1"/>
+          </p:cNvGraphicFramePr>
+          <p:nvPr/>
+        </p:nvGraphicFramePr>
+        <p:xfrm>
+          <a:off x="8737476" y="0"/>
+          <a:ext cx="4015242" cy="1830252"/>
+        </p:xfrm>
+        <a:graphic>
+          <a:graphicData uri="http://schemas.openxmlformats.org/drawingml/2006/table">
+            <a:tbl>
+              <a:tblPr firstRow="1" bandRow="1">
+                <a:tableStyleId>{5C22544A-7EE6-4342-B048-85BDC9FD1C3A}</a:tableStyleId>
+              </a:tblPr>
+              <a:tblGrid>
+                <a:gridCol w="1338414">
+                  <a:extLst>
+                    <a:ext uri="{9D8B030D-6E8A-4147-A177-3AD203B41FA5}">
+                      <a16:colId xmlns:a16="http://schemas.microsoft.com/office/drawing/2014/main" val="2087661091"/>
+                    </a:ext>
+                  </a:extLst>
+                </a:gridCol>
+                <a:gridCol w="1338414">
+                  <a:extLst>
+                    <a:ext uri="{9D8B030D-6E8A-4147-A177-3AD203B41FA5}">
+                      <a16:colId xmlns:a16="http://schemas.microsoft.com/office/drawing/2014/main" val="4161442789"/>
+                    </a:ext>
+                  </a:extLst>
+                </a:gridCol>
+                <a:gridCol w="1338414">
+                  <a:extLst>
+                    <a:ext uri="{9D8B030D-6E8A-4147-A177-3AD203B41FA5}">
+                      <a16:colId xmlns:a16="http://schemas.microsoft.com/office/drawing/2014/main" val="1065804868"/>
+                    </a:ext>
+                  </a:extLst>
+                </a:gridCol>
+              </a:tblGrid>
+              <a:tr h="595086">
+                <a:tc>
+                  <a:txBody>
+                    <a:bodyPr/>
+                    <a:lstStyle/>
+                    <a:p>
+                      <a:endParaRPr lang="de-DE" dirty="0">
+                        <a:solidFill>
+                          <a:schemeClr val="tx1"/>
+                        </a:solidFill>
+                      </a:endParaRPr>
+                    </a:p>
+                  </a:txBody>
+                  <a:tcPr>
+                    <a:noFill/>
+                  </a:tcPr>
+                </a:tc>
+                <a:tc>
+                  <a:txBody>
+                    <a:bodyPr/>
+                    <a:lstStyle/>
+                    <a:p>
+                      <a:r>
+                        <a:rPr lang="de-DE" dirty="0">
+                          <a:solidFill>
+                            <a:schemeClr val="tx1"/>
+                          </a:solidFill>
+                        </a:rPr>
+                        <a:t>Without</a:t>
+                      </a:r>
+                      <a:br>
+                        <a:rPr lang="de-DE" dirty="0">
+                          <a:solidFill>
+                            <a:schemeClr val="tx1"/>
+                          </a:solidFill>
+                        </a:rPr>
+                      </a:br>
+                      <a:r>
+                        <a:rPr lang="de-DE" dirty="0">
+                          <a:solidFill>
+                            <a:schemeClr val="tx1"/>
+                          </a:solidFill>
+                        </a:rPr>
+                        <a:t>PCS</a:t>
+                      </a:r>
+                    </a:p>
+                  </a:txBody>
+                  <a:tcPr>
+                    <a:noFill/>
+                  </a:tcPr>
+                </a:tc>
+                <a:tc>
+                  <a:txBody>
+                    <a:bodyPr/>
+                    <a:lstStyle/>
+                    <a:p>
+                      <a:r>
+                        <a:rPr lang="de-DE" dirty="0">
+                          <a:solidFill>
+                            <a:schemeClr val="tx1"/>
+                          </a:solidFill>
+                        </a:rPr>
+                        <a:t>With</a:t>
+                      </a:r>
+                      <a:br>
+                        <a:rPr lang="de-DE" dirty="0">
+                          <a:solidFill>
+                            <a:schemeClr val="tx1"/>
+                          </a:solidFill>
+                        </a:rPr>
+                      </a:br>
+                      <a:r>
+                        <a:rPr lang="de-DE" dirty="0">
+                          <a:solidFill>
+                            <a:schemeClr val="tx1"/>
+                          </a:solidFill>
+                        </a:rPr>
+                        <a:t>PCS</a:t>
+                      </a:r>
+                    </a:p>
+                  </a:txBody>
+                  <a:tcPr>
+                    <a:noFill/>
+                  </a:tcPr>
+                </a:tc>
+                <a:extLst>
+                  <a:ext uri="{0D108BD9-81ED-4DB2-BD59-A6C34878D82A}">
+                    <a16:rowId xmlns:a16="http://schemas.microsoft.com/office/drawing/2014/main" val="3931383551"/>
+                  </a:ext>
+                </a:extLst>
+              </a:tr>
+              <a:tr h="595086">
+                <a:tc>
+                  <a:txBody>
+                    <a:bodyPr/>
+                    <a:lstStyle/>
+                    <a:p>
+                      <a:r>
+                        <a:rPr lang="de-DE" dirty="0">
+                          <a:solidFill>
+                            <a:srgbClr val="FF0000"/>
+                          </a:solidFill>
+                        </a:rPr>
+                        <a:t>Cluster 1</a:t>
+                      </a:r>
+                    </a:p>
+                  </a:txBody>
+                  <a:tcPr>
+                    <a:noFill/>
+                  </a:tcPr>
+                </a:tc>
+                <a:tc>
+                  <a:txBody>
+                    <a:bodyPr/>
+                    <a:lstStyle/>
+                    <a:p>
+                      <a:r>
+                        <a:rPr lang="de-DE" dirty="0">
+                          <a:solidFill>
+                            <a:srgbClr val="FF0000"/>
+                          </a:solidFill>
+                        </a:rPr>
+                        <a:t>8</a:t>
+                      </a:r>
+                    </a:p>
+                  </a:txBody>
+                  <a:tcPr>
+                    <a:noFill/>
+                  </a:tcPr>
+                </a:tc>
+                <a:tc>
+                  <a:txBody>
+                    <a:bodyPr/>
+                    <a:lstStyle/>
+                    <a:p>
+                      <a:r>
+                        <a:rPr lang="de-DE" dirty="0">
+                          <a:solidFill>
+                            <a:srgbClr val="FF0000"/>
+                          </a:solidFill>
+                        </a:rPr>
+                        <a:t>33</a:t>
+                      </a:r>
+                    </a:p>
+                  </a:txBody>
+                  <a:tcPr>
+                    <a:noFill/>
+                  </a:tcPr>
+                </a:tc>
+                <a:extLst>
+                  <a:ext uri="{0D108BD9-81ED-4DB2-BD59-A6C34878D82A}">
+                    <a16:rowId xmlns:a16="http://schemas.microsoft.com/office/drawing/2014/main" val="3140929958"/>
+                  </a:ext>
+                </a:extLst>
+              </a:tr>
+              <a:tr h="595086">
+                <a:tc>
+                  <a:txBody>
+                    <a:bodyPr/>
+                    <a:lstStyle/>
+                    <a:p>
+                      <a:r>
+                        <a:rPr lang="de-DE" dirty="0">
+                          <a:solidFill>
+                            <a:srgbClr val="00B050"/>
+                          </a:solidFill>
+                        </a:rPr>
+                        <a:t>Cluster 2</a:t>
+                      </a:r>
+                    </a:p>
+                  </a:txBody>
+                  <a:tcPr>
+                    <a:noFill/>
+                  </a:tcPr>
+                </a:tc>
+                <a:tc>
+                  <a:txBody>
+                    <a:bodyPr/>
+                    <a:lstStyle/>
+                    <a:p>
+                      <a:r>
+                        <a:rPr lang="de-DE" dirty="0">
+                          <a:solidFill>
+                            <a:srgbClr val="00B050"/>
+                          </a:solidFill>
+                        </a:rPr>
+                        <a:t>19</a:t>
+                      </a:r>
+                    </a:p>
+                  </a:txBody>
+                  <a:tcPr>
+                    <a:noFill/>
+                  </a:tcPr>
+                </a:tc>
+                <a:tc>
+                  <a:txBody>
+                    <a:bodyPr/>
+                    <a:lstStyle/>
+                    <a:p>
+                      <a:r>
+                        <a:rPr lang="de-DE" dirty="0">
+                          <a:solidFill>
+                            <a:srgbClr val="00B050"/>
+                          </a:solidFill>
+                        </a:rPr>
+                        <a:t>10</a:t>
+                      </a:r>
+                    </a:p>
+                  </a:txBody>
+                  <a:tcPr>
+                    <a:noFill/>
+                  </a:tcPr>
+                </a:tc>
+                <a:extLst>
+                  <a:ext uri="{0D108BD9-81ED-4DB2-BD59-A6C34878D82A}">
+                    <a16:rowId xmlns:a16="http://schemas.microsoft.com/office/drawing/2014/main" val="2462120241"/>
+                  </a:ext>
+                </a:extLst>
+              </a:tr>
+            </a:tbl>
+          </a:graphicData>
+        </a:graphic>
+      </p:graphicFrame>
+      <p:pic>
+        <p:nvPicPr>
+          <p:cNvPr id="5" name="Picture 4" descr="A group of graphs with text&#10;&#10;Description automatically generated">
+            <a:extLst>
+              <a:ext uri="{FF2B5EF4-FFF2-40B4-BE49-F238E27FC236}">
+                <a16:creationId xmlns:a16="http://schemas.microsoft.com/office/drawing/2014/main" id="{742DFB5C-1E5C-3B68-86F7-56170F4B6F70}"/>
+              </a:ext>
+            </a:extLst>
+          </p:cNvPr>
+          <p:cNvPicPr>
+            <a:picLocks noChangeAspect="1"/>
+          </p:cNvPicPr>
+          <p:nvPr/>
+        </p:nvPicPr>
+        <p:blipFill>
+          <a:blip r:embed="rId2">
+            <a:extLst>
+              <a:ext uri="{28A0092B-C50C-407E-A947-70E740481C1C}">
+                <a14:useLocalDpi xmlns:a14="http://schemas.microsoft.com/office/drawing/2010/main" val="0"/>
+              </a:ext>
+            </a:extLst>
+          </a:blip>
+          <a:stretch>
+            <a:fillRect/>
+          </a:stretch>
+        </p:blipFill>
+        <p:spPr>
+          <a:xfrm>
+            <a:off x="538947" y="1565129"/>
+            <a:ext cx="5258902" cy="4279897"/>
+          </a:xfrm>
+          <a:prstGeom prst="rect">
+            <a:avLst/>
+          </a:prstGeom>
+        </p:spPr>
+      </p:pic>
+      <p:pic>
+        <p:nvPicPr>
+          <p:cNvPr id="8" name="Picture 7" descr="A group of graphs with text&#10;&#10;Description automatically generated with medium confidence">
+            <a:extLst>
+              <a:ext uri="{FF2B5EF4-FFF2-40B4-BE49-F238E27FC236}">
+                <a16:creationId xmlns:a16="http://schemas.microsoft.com/office/drawing/2014/main" id="{14E27E52-10C6-BD03-F2B2-5BC774BEFE74}"/>
+              </a:ext>
+            </a:extLst>
+          </p:cNvPr>
+          <p:cNvPicPr>
+            <a:picLocks noChangeAspect="1"/>
+          </p:cNvPicPr>
+          <p:nvPr/>
+        </p:nvPicPr>
+        <p:blipFill>
+          <a:blip r:embed="rId3">
+            <a:extLst>
+              <a:ext uri="{28A0092B-C50C-407E-A947-70E740481C1C}">
+                <a14:useLocalDpi xmlns:a14="http://schemas.microsoft.com/office/drawing/2010/main" val="0"/>
+              </a:ext>
+            </a:extLst>
+          </a:blip>
+          <a:stretch>
+            <a:fillRect/>
+          </a:stretch>
+        </p:blipFill>
+        <p:spPr>
+          <a:xfrm>
+            <a:off x="6096000" y="1565129"/>
+            <a:ext cx="5257800" cy="4279000"/>
+          </a:xfrm>
+          <a:prstGeom prst="rect">
+            <a:avLst/>
+          </a:prstGeom>
+        </p:spPr>
+      </p:pic>
+    </p:spTree>
+    <p:extLst>
+      <p:ext uri="{BB962C8B-B14F-4D97-AF65-F5344CB8AC3E}">
+        <p14:creationId xmlns:p14="http://schemas.microsoft.com/office/powerpoint/2010/main" val="1498175208"/>
+      </p:ext>
+    </p:extLst>
+  </p:cSld>
+  <p:clrMapOvr>
+    <a:masterClrMapping/>
+  </p:clrMapOvr>
+</p:sld>
+</file>
+
+<file path=ppt/slides/slide17.xml><?xml version="1.0" encoding="utf-8"?>
+<p:sld xmlns:a="http://schemas.openxmlformats.org/drawingml/2006/main" xmlns:r="http://schemas.openxmlformats.org/officeDocument/2006/relationships" xmlns:p="http://schemas.openxmlformats.org/presentationml/2006/main">
+  <p:cSld>
+    <p:spTree>
+      <p:nvGrpSpPr>
+        <p:cNvPr id="1" name=""/>
+        <p:cNvGrpSpPr/>
+        <p:nvPr/>
+      </p:nvGrpSpPr>
+      <p:grpSpPr>
+        <a:xfrm>
+          <a:off x="0" y="0"/>
+          <a:ext cx="0" cy="0"/>
+          <a:chOff x="0" y="0"/>
+          <a:chExt cx="0" cy="0"/>
+        </a:xfrm>
+      </p:grpSpPr>
+      <p:sp>
+        <p:nvSpPr>
+          <p:cNvPr id="2" name="Title 1">
+            <a:extLst>
+              <a:ext uri="{FF2B5EF4-FFF2-40B4-BE49-F238E27FC236}">
+                <a16:creationId xmlns:a16="http://schemas.microsoft.com/office/drawing/2014/main" id="{5FA92E7E-ADAC-9CF6-FBAD-455FD9799F37}"/>
+              </a:ext>
+            </a:extLst>
+          </p:cNvPr>
+          <p:cNvSpPr>
+            <a:spLocks noGrp="1"/>
+          </p:cNvSpPr>
+          <p:nvPr>
+            <p:ph type="title"/>
+          </p:nvPr>
+        </p:nvSpPr>
+        <p:spPr/>
+        <p:txBody>
+          <a:bodyPr/>
+          <a:lstStyle/>
+          <a:p>
+            <a:r>
+              <a:rPr lang="de-DE" dirty="0"/>
               <a:t>Z-Werte / Altersgruppen</a:t>
             </a:r>
           </a:p>
@@ -6246,6 +8024,888 @@
 </p:sld>
 </file>
 
+<file path=ppt/slides/slide18.xml><?xml version="1.0" encoding="utf-8"?>
+<p:sld xmlns:a="http://schemas.openxmlformats.org/drawingml/2006/main" xmlns:r="http://schemas.openxmlformats.org/officeDocument/2006/relationships" xmlns:p="http://schemas.openxmlformats.org/presentationml/2006/main">
+  <p:cSld>
+    <p:spTree>
+      <p:nvGrpSpPr>
+        <p:cNvPr id="1" name=""/>
+        <p:cNvGrpSpPr/>
+        <p:nvPr/>
+      </p:nvGrpSpPr>
+      <p:grpSpPr>
+        <a:xfrm>
+          <a:off x="0" y="0"/>
+          <a:ext cx="0" cy="0"/>
+          <a:chOff x="0" y="0"/>
+          <a:chExt cx="0" cy="0"/>
+        </a:xfrm>
+      </p:grpSpPr>
+      <p:sp>
+        <p:nvSpPr>
+          <p:cNvPr id="2" name="Title 1">
+            <a:extLst>
+              <a:ext uri="{FF2B5EF4-FFF2-40B4-BE49-F238E27FC236}">
+                <a16:creationId xmlns:a16="http://schemas.microsoft.com/office/drawing/2014/main" id="{5FA92E7E-ADAC-9CF6-FBAD-455FD9799F37}"/>
+              </a:ext>
+            </a:extLst>
+          </p:cNvPr>
+          <p:cNvSpPr>
+            <a:spLocks noGrp="1"/>
+          </p:cNvSpPr>
+          <p:nvPr>
+            <p:ph type="title"/>
+          </p:nvPr>
+        </p:nvSpPr>
+        <p:spPr/>
+        <p:txBody>
+          <a:bodyPr/>
+          <a:lstStyle/>
+          <a:p>
+            <a:r>
+              <a:rPr lang="de-DE" dirty="0"/>
+              <a:t>Z-Werte /  Altersgruppen</a:t>
+            </a:r>
+          </a:p>
+        </p:txBody>
+      </p:sp>
+      <p:sp>
+        <p:nvSpPr>
+          <p:cNvPr id="10" name="TextBox 9">
+            <a:extLst>
+              <a:ext uri="{FF2B5EF4-FFF2-40B4-BE49-F238E27FC236}">
+                <a16:creationId xmlns:a16="http://schemas.microsoft.com/office/drawing/2014/main" id="{140A12DA-0ECD-8045-A50A-F11B9BEC367D}"/>
+              </a:ext>
+            </a:extLst>
+          </p:cNvPr>
+          <p:cNvSpPr txBox="1"/>
+          <p:nvPr/>
+        </p:nvSpPr>
+        <p:spPr>
+          <a:xfrm>
+            <a:off x="538947" y="5845026"/>
+            <a:ext cx="8630932" cy="923330"/>
+          </a:xfrm>
+          <a:prstGeom prst="rect">
+            <a:avLst/>
+          </a:prstGeom>
+          <a:noFill/>
+        </p:spPr>
+        <p:txBody>
+          <a:bodyPr wrap="square" rtlCol="0">
+            <a:spAutoFit/>
+          </a:bodyPr>
+          <a:lstStyle/>
+          <a:p>
+            <a:r>
+              <a:rPr lang="de-DE" dirty="0"/>
+              <a:t>Abb1: Signifikante Unterschiede</a:t>
+            </a:r>
+          </a:p>
+          <a:p>
+            <a:r>
+              <a:rPr lang="de-DE" dirty="0"/>
+              <a:t>Abb2: Unterschiede zwischen withPCS C1 &amp; withPCS C2 signifikant, genau wie zwischen withoutPCS C1 &amp; withoutPCS C2</a:t>
+            </a:r>
+          </a:p>
+        </p:txBody>
+      </p:sp>
+      <p:graphicFrame>
+        <p:nvGraphicFramePr>
+          <p:cNvPr id="3" name="Table 2">
+            <a:extLst>
+              <a:ext uri="{FF2B5EF4-FFF2-40B4-BE49-F238E27FC236}">
+                <a16:creationId xmlns:a16="http://schemas.microsoft.com/office/drawing/2014/main" id="{70DBC8CE-DE5E-0FDE-3D38-949082C23832}"/>
+              </a:ext>
+            </a:extLst>
+          </p:cNvPr>
+          <p:cNvGraphicFramePr>
+            <a:graphicFrameLocks noGrp="1"/>
+          </p:cNvGraphicFramePr>
+          <p:nvPr/>
+        </p:nvGraphicFramePr>
+        <p:xfrm>
+          <a:off x="8849619" y="0"/>
+          <a:ext cx="4015242" cy="1830252"/>
+        </p:xfrm>
+        <a:graphic>
+          <a:graphicData uri="http://schemas.openxmlformats.org/drawingml/2006/table">
+            <a:tbl>
+              <a:tblPr firstRow="1" bandRow="1">
+                <a:tableStyleId>{5C22544A-7EE6-4342-B048-85BDC9FD1C3A}</a:tableStyleId>
+              </a:tblPr>
+              <a:tblGrid>
+                <a:gridCol w="1338414">
+                  <a:extLst>
+                    <a:ext uri="{9D8B030D-6E8A-4147-A177-3AD203B41FA5}">
+                      <a16:colId xmlns:a16="http://schemas.microsoft.com/office/drawing/2014/main" val="2087661091"/>
+                    </a:ext>
+                  </a:extLst>
+                </a:gridCol>
+                <a:gridCol w="1338414">
+                  <a:extLst>
+                    <a:ext uri="{9D8B030D-6E8A-4147-A177-3AD203B41FA5}">
+                      <a16:colId xmlns:a16="http://schemas.microsoft.com/office/drawing/2014/main" val="4161442789"/>
+                    </a:ext>
+                  </a:extLst>
+                </a:gridCol>
+                <a:gridCol w="1338414">
+                  <a:extLst>
+                    <a:ext uri="{9D8B030D-6E8A-4147-A177-3AD203B41FA5}">
+                      <a16:colId xmlns:a16="http://schemas.microsoft.com/office/drawing/2014/main" val="1065804868"/>
+                    </a:ext>
+                  </a:extLst>
+                </a:gridCol>
+              </a:tblGrid>
+              <a:tr h="595086">
+                <a:tc>
+                  <a:txBody>
+                    <a:bodyPr/>
+                    <a:lstStyle/>
+                    <a:p>
+                      <a:endParaRPr lang="de-DE" dirty="0">
+                        <a:solidFill>
+                          <a:schemeClr val="tx1"/>
+                        </a:solidFill>
+                      </a:endParaRPr>
+                    </a:p>
+                  </a:txBody>
+                  <a:tcPr>
+                    <a:noFill/>
+                  </a:tcPr>
+                </a:tc>
+                <a:tc>
+                  <a:txBody>
+                    <a:bodyPr/>
+                    <a:lstStyle/>
+                    <a:p>
+                      <a:r>
+                        <a:rPr lang="de-DE" dirty="0">
+                          <a:solidFill>
+                            <a:schemeClr val="tx1"/>
+                          </a:solidFill>
+                        </a:rPr>
+                        <a:t>Without</a:t>
+                      </a:r>
+                      <a:br>
+                        <a:rPr lang="de-DE" dirty="0">
+                          <a:solidFill>
+                            <a:schemeClr val="tx1"/>
+                          </a:solidFill>
+                        </a:rPr>
+                      </a:br>
+                      <a:r>
+                        <a:rPr lang="de-DE" dirty="0">
+                          <a:solidFill>
+                            <a:schemeClr val="tx1"/>
+                          </a:solidFill>
+                        </a:rPr>
+                        <a:t>PCS</a:t>
+                      </a:r>
+                    </a:p>
+                  </a:txBody>
+                  <a:tcPr>
+                    <a:noFill/>
+                  </a:tcPr>
+                </a:tc>
+                <a:tc>
+                  <a:txBody>
+                    <a:bodyPr/>
+                    <a:lstStyle/>
+                    <a:p>
+                      <a:r>
+                        <a:rPr lang="de-DE" dirty="0">
+                          <a:solidFill>
+                            <a:schemeClr val="tx1"/>
+                          </a:solidFill>
+                        </a:rPr>
+                        <a:t>With</a:t>
+                      </a:r>
+                      <a:br>
+                        <a:rPr lang="de-DE" dirty="0">
+                          <a:solidFill>
+                            <a:schemeClr val="tx1"/>
+                          </a:solidFill>
+                        </a:rPr>
+                      </a:br>
+                      <a:r>
+                        <a:rPr lang="de-DE" dirty="0">
+                          <a:solidFill>
+                            <a:schemeClr val="tx1"/>
+                          </a:solidFill>
+                        </a:rPr>
+                        <a:t>PCS</a:t>
+                      </a:r>
+                    </a:p>
+                  </a:txBody>
+                  <a:tcPr>
+                    <a:noFill/>
+                  </a:tcPr>
+                </a:tc>
+                <a:extLst>
+                  <a:ext uri="{0D108BD9-81ED-4DB2-BD59-A6C34878D82A}">
+                    <a16:rowId xmlns:a16="http://schemas.microsoft.com/office/drawing/2014/main" val="3931383551"/>
+                  </a:ext>
+                </a:extLst>
+              </a:tr>
+              <a:tr h="595086">
+                <a:tc>
+                  <a:txBody>
+                    <a:bodyPr/>
+                    <a:lstStyle/>
+                    <a:p>
+                      <a:r>
+                        <a:rPr lang="de-DE" dirty="0">
+                          <a:solidFill>
+                            <a:srgbClr val="FF0000"/>
+                          </a:solidFill>
+                        </a:rPr>
+                        <a:t>Cluster 1</a:t>
+                      </a:r>
+                    </a:p>
+                  </a:txBody>
+                  <a:tcPr>
+                    <a:noFill/>
+                  </a:tcPr>
+                </a:tc>
+                <a:tc>
+                  <a:txBody>
+                    <a:bodyPr/>
+                    <a:lstStyle/>
+                    <a:p>
+                      <a:r>
+                        <a:rPr lang="de-DE" dirty="0">
+                          <a:solidFill>
+                            <a:srgbClr val="FF0000"/>
+                          </a:solidFill>
+                        </a:rPr>
+                        <a:t>11</a:t>
+                      </a:r>
+                    </a:p>
+                  </a:txBody>
+                  <a:tcPr>
+                    <a:noFill/>
+                  </a:tcPr>
+                </a:tc>
+                <a:tc>
+                  <a:txBody>
+                    <a:bodyPr/>
+                    <a:lstStyle/>
+                    <a:p>
+                      <a:r>
+                        <a:rPr lang="de-DE" dirty="0">
+                          <a:solidFill>
+                            <a:srgbClr val="FF0000"/>
+                          </a:solidFill>
+                        </a:rPr>
+                        <a:t>38</a:t>
+                      </a:r>
+                    </a:p>
+                  </a:txBody>
+                  <a:tcPr>
+                    <a:noFill/>
+                  </a:tcPr>
+                </a:tc>
+                <a:extLst>
+                  <a:ext uri="{0D108BD9-81ED-4DB2-BD59-A6C34878D82A}">
+                    <a16:rowId xmlns:a16="http://schemas.microsoft.com/office/drawing/2014/main" val="3140929958"/>
+                  </a:ext>
+                </a:extLst>
+              </a:tr>
+              <a:tr h="595086">
+                <a:tc>
+                  <a:txBody>
+                    <a:bodyPr/>
+                    <a:lstStyle/>
+                    <a:p>
+                      <a:r>
+                        <a:rPr lang="de-DE" dirty="0">
+                          <a:solidFill>
+                            <a:srgbClr val="00B050"/>
+                          </a:solidFill>
+                        </a:rPr>
+                        <a:t>Cluster 2</a:t>
+                      </a:r>
+                    </a:p>
+                  </a:txBody>
+                  <a:tcPr>
+                    <a:noFill/>
+                  </a:tcPr>
+                </a:tc>
+                <a:tc>
+                  <a:txBody>
+                    <a:bodyPr/>
+                    <a:lstStyle/>
+                    <a:p>
+                      <a:r>
+                        <a:rPr lang="de-DE" dirty="0">
+                          <a:solidFill>
+                            <a:srgbClr val="00B050"/>
+                          </a:solidFill>
+                        </a:rPr>
+                        <a:t>16</a:t>
+                      </a:r>
+                    </a:p>
+                  </a:txBody>
+                  <a:tcPr>
+                    <a:noFill/>
+                  </a:tcPr>
+                </a:tc>
+                <a:tc>
+                  <a:txBody>
+                    <a:bodyPr/>
+                    <a:lstStyle/>
+                    <a:p>
+                      <a:r>
+                        <a:rPr lang="de-DE" dirty="0">
+                          <a:solidFill>
+                            <a:srgbClr val="00B050"/>
+                          </a:solidFill>
+                        </a:rPr>
+                        <a:t>5</a:t>
+                      </a:r>
+                    </a:p>
+                  </a:txBody>
+                  <a:tcPr>
+                    <a:noFill/>
+                  </a:tcPr>
+                </a:tc>
+                <a:extLst>
+                  <a:ext uri="{0D108BD9-81ED-4DB2-BD59-A6C34878D82A}">
+                    <a16:rowId xmlns:a16="http://schemas.microsoft.com/office/drawing/2014/main" val="2462120241"/>
+                  </a:ext>
+                </a:extLst>
+              </a:tr>
+            </a:tbl>
+          </a:graphicData>
+        </a:graphic>
+      </p:graphicFrame>
+      <p:pic>
+        <p:nvPicPr>
+          <p:cNvPr id="5" name="Picture 4" descr="A group of graphs with text&#10;&#10;Description automatically generated with medium confidence">
+            <a:extLst>
+              <a:ext uri="{FF2B5EF4-FFF2-40B4-BE49-F238E27FC236}">
+                <a16:creationId xmlns:a16="http://schemas.microsoft.com/office/drawing/2014/main" id="{F94E3697-B5BF-C936-DBFA-4F7294A0D252}"/>
+              </a:ext>
+            </a:extLst>
+          </p:cNvPr>
+          <p:cNvPicPr>
+            <a:picLocks noChangeAspect="1"/>
+          </p:cNvPicPr>
+          <p:nvPr/>
+        </p:nvPicPr>
+        <p:blipFill>
+          <a:blip r:embed="rId2">
+            <a:extLst>
+              <a:ext uri="{28A0092B-C50C-407E-A947-70E740481C1C}">
+                <a14:useLocalDpi xmlns:a14="http://schemas.microsoft.com/office/drawing/2010/main" val="0"/>
+              </a:ext>
+            </a:extLst>
+          </a:blip>
+          <a:stretch>
+            <a:fillRect/>
+          </a:stretch>
+        </p:blipFill>
+        <p:spPr>
+          <a:xfrm>
+            <a:off x="476546" y="1564020"/>
+            <a:ext cx="5260263" cy="4281005"/>
+          </a:xfrm>
+          <a:prstGeom prst="rect">
+            <a:avLst/>
+          </a:prstGeom>
+        </p:spPr>
+      </p:pic>
+      <p:pic>
+        <p:nvPicPr>
+          <p:cNvPr id="8" name="Picture 7" descr="A diagram of a group of data&#10;&#10;Description automatically generated with medium confidence">
+            <a:extLst>
+              <a:ext uri="{FF2B5EF4-FFF2-40B4-BE49-F238E27FC236}">
+                <a16:creationId xmlns:a16="http://schemas.microsoft.com/office/drawing/2014/main" id="{1F71D17A-571D-5677-25AB-0D8D484233D9}"/>
+              </a:ext>
+            </a:extLst>
+          </p:cNvPr>
+          <p:cNvPicPr>
+            <a:picLocks noChangeAspect="1"/>
+          </p:cNvPicPr>
+          <p:nvPr/>
+        </p:nvPicPr>
+        <p:blipFill>
+          <a:blip r:embed="rId3">
+            <a:extLst>
+              <a:ext uri="{28A0092B-C50C-407E-A947-70E740481C1C}">
+                <a14:useLocalDpi xmlns:a14="http://schemas.microsoft.com/office/drawing/2010/main" val="0"/>
+              </a:ext>
+            </a:extLst>
+          </a:blip>
+          <a:stretch>
+            <a:fillRect/>
+          </a:stretch>
+        </p:blipFill>
+        <p:spPr>
+          <a:xfrm>
+            <a:off x="6096000" y="1564020"/>
+            <a:ext cx="5257800" cy="4279001"/>
+          </a:xfrm>
+          <a:prstGeom prst="rect">
+            <a:avLst/>
+          </a:prstGeom>
+        </p:spPr>
+      </p:pic>
+    </p:spTree>
+    <p:extLst>
+      <p:ext uri="{BB962C8B-B14F-4D97-AF65-F5344CB8AC3E}">
+        <p14:creationId xmlns:p14="http://schemas.microsoft.com/office/powerpoint/2010/main" val="2899624594"/>
+      </p:ext>
+    </p:extLst>
+  </p:cSld>
+  <p:clrMapOvr>
+    <a:masterClrMapping/>
+  </p:clrMapOvr>
+</p:sld>
+</file>
+
+<file path=ppt/slides/slide19.xml><?xml version="1.0" encoding="utf-8"?>
+<p:sld xmlns:a="http://schemas.openxmlformats.org/drawingml/2006/main" xmlns:r="http://schemas.openxmlformats.org/officeDocument/2006/relationships" xmlns:p="http://schemas.openxmlformats.org/presentationml/2006/main">
+  <p:cSld>
+    <p:spTree>
+      <p:nvGrpSpPr>
+        <p:cNvPr id="1" name=""/>
+        <p:cNvGrpSpPr/>
+        <p:nvPr/>
+      </p:nvGrpSpPr>
+      <p:grpSpPr>
+        <a:xfrm>
+          <a:off x="0" y="0"/>
+          <a:ext cx="0" cy="0"/>
+          <a:chOff x="0" y="0"/>
+          <a:chExt cx="0" cy="0"/>
+        </a:xfrm>
+      </p:grpSpPr>
+      <p:sp>
+        <p:nvSpPr>
+          <p:cNvPr id="2" name="Title 1">
+            <a:extLst>
+              <a:ext uri="{FF2B5EF4-FFF2-40B4-BE49-F238E27FC236}">
+                <a16:creationId xmlns:a16="http://schemas.microsoft.com/office/drawing/2014/main" id="{5FA92E7E-ADAC-9CF6-FBAD-455FD9799F37}"/>
+              </a:ext>
+            </a:extLst>
+          </p:cNvPr>
+          <p:cNvSpPr>
+            <a:spLocks noGrp="1"/>
+          </p:cNvSpPr>
+          <p:nvPr>
+            <p:ph type="title"/>
+          </p:nvPr>
+        </p:nvSpPr>
+        <p:spPr/>
+        <p:txBody>
+          <a:bodyPr/>
+          <a:lstStyle/>
+          <a:p>
+            <a:r>
+              <a:rPr lang="de-DE" dirty="0"/>
+              <a:t>Z-Werte /  Altersgruppen</a:t>
+            </a:r>
+          </a:p>
+        </p:txBody>
+      </p:sp>
+      <p:sp>
+        <p:nvSpPr>
+          <p:cNvPr id="10" name="TextBox 9">
+            <a:extLst>
+              <a:ext uri="{FF2B5EF4-FFF2-40B4-BE49-F238E27FC236}">
+                <a16:creationId xmlns:a16="http://schemas.microsoft.com/office/drawing/2014/main" id="{140A12DA-0ECD-8045-A50A-F11B9BEC367D}"/>
+              </a:ext>
+            </a:extLst>
+          </p:cNvPr>
+          <p:cNvSpPr txBox="1"/>
+          <p:nvPr/>
+        </p:nvSpPr>
+        <p:spPr>
+          <a:xfrm>
+            <a:off x="538947" y="5845026"/>
+            <a:ext cx="8630932" cy="923330"/>
+          </a:xfrm>
+          <a:prstGeom prst="rect">
+            <a:avLst/>
+          </a:prstGeom>
+          <a:noFill/>
+        </p:spPr>
+        <p:txBody>
+          <a:bodyPr wrap="square" rtlCol="0">
+            <a:spAutoFit/>
+          </a:bodyPr>
+          <a:lstStyle/>
+          <a:p>
+            <a:r>
+              <a:rPr lang="de-DE" dirty="0"/>
+              <a:t>Abb1: Signifikante Unterschiede</a:t>
+            </a:r>
+          </a:p>
+          <a:p>
+            <a:r>
+              <a:rPr lang="de-DE" dirty="0"/>
+              <a:t>Abb2: Unterschied zwischen withPCS C1 &amp; withPCS C2 im tmt_b NICHT signifikant, genau wie zwischen withoutPCS C1 &amp; withoutPCS C2 im tmt_b. Sonst alles signifikant</a:t>
+            </a:r>
+          </a:p>
+        </p:txBody>
+      </p:sp>
+      <p:graphicFrame>
+        <p:nvGraphicFramePr>
+          <p:cNvPr id="3" name="Table 2">
+            <a:extLst>
+              <a:ext uri="{FF2B5EF4-FFF2-40B4-BE49-F238E27FC236}">
+                <a16:creationId xmlns:a16="http://schemas.microsoft.com/office/drawing/2014/main" id="{70DBC8CE-DE5E-0FDE-3D38-949082C23832}"/>
+              </a:ext>
+            </a:extLst>
+          </p:cNvPr>
+          <p:cNvGraphicFramePr>
+            <a:graphicFrameLocks noGrp="1"/>
+          </p:cNvGraphicFramePr>
+          <p:nvPr/>
+        </p:nvGraphicFramePr>
+        <p:xfrm>
+          <a:off x="8849619" y="0"/>
+          <a:ext cx="4015242" cy="1830252"/>
+        </p:xfrm>
+        <a:graphic>
+          <a:graphicData uri="http://schemas.openxmlformats.org/drawingml/2006/table">
+            <a:tbl>
+              <a:tblPr firstRow="1" bandRow="1">
+                <a:tableStyleId>{5C22544A-7EE6-4342-B048-85BDC9FD1C3A}</a:tableStyleId>
+              </a:tblPr>
+              <a:tblGrid>
+                <a:gridCol w="1338414">
+                  <a:extLst>
+                    <a:ext uri="{9D8B030D-6E8A-4147-A177-3AD203B41FA5}">
+                      <a16:colId xmlns:a16="http://schemas.microsoft.com/office/drawing/2014/main" val="2087661091"/>
+                    </a:ext>
+                  </a:extLst>
+                </a:gridCol>
+                <a:gridCol w="1338414">
+                  <a:extLst>
+                    <a:ext uri="{9D8B030D-6E8A-4147-A177-3AD203B41FA5}">
+                      <a16:colId xmlns:a16="http://schemas.microsoft.com/office/drawing/2014/main" val="4161442789"/>
+                    </a:ext>
+                  </a:extLst>
+                </a:gridCol>
+                <a:gridCol w="1338414">
+                  <a:extLst>
+                    <a:ext uri="{9D8B030D-6E8A-4147-A177-3AD203B41FA5}">
+                      <a16:colId xmlns:a16="http://schemas.microsoft.com/office/drawing/2014/main" val="1065804868"/>
+                    </a:ext>
+                  </a:extLst>
+                </a:gridCol>
+              </a:tblGrid>
+              <a:tr h="595086">
+                <a:tc>
+                  <a:txBody>
+                    <a:bodyPr/>
+                    <a:lstStyle/>
+                    <a:p>
+                      <a:endParaRPr lang="de-DE" dirty="0">
+                        <a:solidFill>
+                          <a:schemeClr val="tx1"/>
+                        </a:solidFill>
+                      </a:endParaRPr>
+                    </a:p>
+                  </a:txBody>
+                  <a:tcPr>
+                    <a:noFill/>
+                  </a:tcPr>
+                </a:tc>
+                <a:tc>
+                  <a:txBody>
+                    <a:bodyPr/>
+                    <a:lstStyle/>
+                    <a:p>
+                      <a:r>
+                        <a:rPr lang="de-DE" dirty="0">
+                          <a:solidFill>
+                            <a:schemeClr val="tx1"/>
+                          </a:solidFill>
+                        </a:rPr>
+                        <a:t>Without</a:t>
+                      </a:r>
+                      <a:br>
+                        <a:rPr lang="de-DE" dirty="0">
+                          <a:solidFill>
+                            <a:schemeClr val="tx1"/>
+                          </a:solidFill>
+                        </a:rPr>
+                      </a:br>
+                      <a:r>
+                        <a:rPr lang="de-DE" dirty="0">
+                          <a:solidFill>
+                            <a:schemeClr val="tx1"/>
+                          </a:solidFill>
+                        </a:rPr>
+                        <a:t>PCS</a:t>
+                      </a:r>
+                    </a:p>
+                  </a:txBody>
+                  <a:tcPr>
+                    <a:noFill/>
+                  </a:tcPr>
+                </a:tc>
+                <a:tc>
+                  <a:txBody>
+                    <a:bodyPr/>
+                    <a:lstStyle/>
+                    <a:p>
+                      <a:r>
+                        <a:rPr lang="de-DE" dirty="0">
+                          <a:solidFill>
+                            <a:schemeClr val="tx1"/>
+                          </a:solidFill>
+                        </a:rPr>
+                        <a:t>With</a:t>
+                      </a:r>
+                      <a:br>
+                        <a:rPr lang="de-DE" dirty="0">
+                          <a:solidFill>
+                            <a:schemeClr val="tx1"/>
+                          </a:solidFill>
+                        </a:rPr>
+                      </a:br>
+                      <a:r>
+                        <a:rPr lang="de-DE" dirty="0">
+                          <a:solidFill>
+                            <a:schemeClr val="tx1"/>
+                          </a:solidFill>
+                        </a:rPr>
+                        <a:t>PCS</a:t>
+                      </a:r>
+                    </a:p>
+                  </a:txBody>
+                  <a:tcPr>
+                    <a:noFill/>
+                  </a:tcPr>
+                </a:tc>
+                <a:extLst>
+                  <a:ext uri="{0D108BD9-81ED-4DB2-BD59-A6C34878D82A}">
+                    <a16:rowId xmlns:a16="http://schemas.microsoft.com/office/drawing/2014/main" val="3931383551"/>
+                  </a:ext>
+                </a:extLst>
+              </a:tr>
+              <a:tr h="595086">
+                <a:tc>
+                  <a:txBody>
+                    <a:bodyPr/>
+                    <a:lstStyle/>
+                    <a:p>
+                      <a:r>
+                        <a:rPr lang="de-DE" dirty="0">
+                          <a:solidFill>
+                            <a:srgbClr val="FF0000"/>
+                          </a:solidFill>
+                        </a:rPr>
+                        <a:t>Cluster 1</a:t>
+                      </a:r>
+                    </a:p>
+                  </a:txBody>
+                  <a:tcPr>
+                    <a:noFill/>
+                  </a:tcPr>
+                </a:tc>
+                <a:tc>
+                  <a:txBody>
+                    <a:bodyPr/>
+                    <a:lstStyle/>
+                    <a:p>
+                      <a:r>
+                        <a:rPr lang="de-DE" dirty="0">
+                          <a:solidFill>
+                            <a:srgbClr val="FF0000"/>
+                          </a:solidFill>
+                        </a:rPr>
+                        <a:t>11</a:t>
+                      </a:r>
+                    </a:p>
+                  </a:txBody>
+                  <a:tcPr>
+                    <a:noFill/>
+                  </a:tcPr>
+                </a:tc>
+                <a:tc>
+                  <a:txBody>
+                    <a:bodyPr/>
+                    <a:lstStyle/>
+                    <a:p>
+                      <a:r>
+                        <a:rPr lang="de-DE" dirty="0">
+                          <a:solidFill>
+                            <a:srgbClr val="FF0000"/>
+                          </a:solidFill>
+                        </a:rPr>
+                        <a:t>38</a:t>
+                      </a:r>
+                    </a:p>
+                  </a:txBody>
+                  <a:tcPr>
+                    <a:noFill/>
+                  </a:tcPr>
+                </a:tc>
+                <a:extLst>
+                  <a:ext uri="{0D108BD9-81ED-4DB2-BD59-A6C34878D82A}">
+                    <a16:rowId xmlns:a16="http://schemas.microsoft.com/office/drawing/2014/main" val="3140929958"/>
+                  </a:ext>
+                </a:extLst>
+              </a:tr>
+              <a:tr h="595086">
+                <a:tc>
+                  <a:txBody>
+                    <a:bodyPr/>
+                    <a:lstStyle/>
+                    <a:p>
+                      <a:r>
+                        <a:rPr lang="de-DE" dirty="0">
+                          <a:solidFill>
+                            <a:srgbClr val="00B050"/>
+                          </a:solidFill>
+                        </a:rPr>
+                        <a:t>Cluster 2</a:t>
+                      </a:r>
+                    </a:p>
+                  </a:txBody>
+                  <a:tcPr>
+                    <a:noFill/>
+                  </a:tcPr>
+                </a:tc>
+                <a:tc>
+                  <a:txBody>
+                    <a:bodyPr/>
+                    <a:lstStyle/>
+                    <a:p>
+                      <a:r>
+                        <a:rPr lang="de-DE" dirty="0">
+                          <a:solidFill>
+                            <a:srgbClr val="00B050"/>
+                          </a:solidFill>
+                        </a:rPr>
+                        <a:t>16</a:t>
+                      </a:r>
+                    </a:p>
+                  </a:txBody>
+                  <a:tcPr>
+                    <a:noFill/>
+                  </a:tcPr>
+                </a:tc>
+                <a:tc>
+                  <a:txBody>
+                    <a:bodyPr/>
+                    <a:lstStyle/>
+                    <a:p>
+                      <a:r>
+                        <a:rPr lang="de-DE" dirty="0">
+                          <a:solidFill>
+                            <a:srgbClr val="00B050"/>
+                          </a:solidFill>
+                        </a:rPr>
+                        <a:t>5</a:t>
+                      </a:r>
+                    </a:p>
+                  </a:txBody>
+                  <a:tcPr>
+                    <a:noFill/>
+                  </a:tcPr>
+                </a:tc>
+                <a:extLst>
+                  <a:ext uri="{0D108BD9-81ED-4DB2-BD59-A6C34878D82A}">
+                    <a16:rowId xmlns:a16="http://schemas.microsoft.com/office/drawing/2014/main" val="2462120241"/>
+                  </a:ext>
+                </a:extLst>
+              </a:tr>
+            </a:tbl>
+          </a:graphicData>
+        </a:graphic>
+      </p:graphicFrame>
+      <p:pic>
+        <p:nvPicPr>
+          <p:cNvPr id="6" name="Picture 5" descr="A group of graphs with text&#10;&#10;Description automatically generated with medium confidence">
+            <a:extLst>
+              <a:ext uri="{FF2B5EF4-FFF2-40B4-BE49-F238E27FC236}">
+                <a16:creationId xmlns:a16="http://schemas.microsoft.com/office/drawing/2014/main" id="{9758AF00-7297-FFC4-1FAD-9C6AF360FCC7}"/>
+              </a:ext>
+            </a:extLst>
+          </p:cNvPr>
+          <p:cNvPicPr>
+            <a:picLocks noChangeAspect="1"/>
+          </p:cNvPicPr>
+          <p:nvPr/>
+        </p:nvPicPr>
+        <p:blipFill>
+          <a:blip r:embed="rId2">
+            <a:extLst>
+              <a:ext uri="{28A0092B-C50C-407E-A947-70E740481C1C}">
+                <a14:useLocalDpi xmlns:a14="http://schemas.microsoft.com/office/drawing/2010/main" val="0"/>
+              </a:ext>
+            </a:extLst>
+          </a:blip>
+          <a:stretch>
+            <a:fillRect/>
+          </a:stretch>
+        </p:blipFill>
+        <p:spPr>
+          <a:xfrm>
+            <a:off x="551144" y="1565024"/>
+            <a:ext cx="5257800" cy="4279000"/>
+          </a:xfrm>
+          <a:prstGeom prst="rect">
+            <a:avLst/>
+          </a:prstGeom>
+        </p:spPr>
+      </p:pic>
+      <p:pic>
+        <p:nvPicPr>
+          <p:cNvPr id="9" name="Picture 8" descr="A group of data on a white background&#10;&#10;Description automatically generated">
+            <a:extLst>
+              <a:ext uri="{FF2B5EF4-FFF2-40B4-BE49-F238E27FC236}">
+                <a16:creationId xmlns:a16="http://schemas.microsoft.com/office/drawing/2014/main" id="{CE54FBEE-84CE-C646-ACB8-FFA52704F818}"/>
+              </a:ext>
+            </a:extLst>
+          </p:cNvPr>
+          <p:cNvPicPr>
+            <a:picLocks noChangeAspect="1"/>
+          </p:cNvPicPr>
+          <p:nvPr/>
+        </p:nvPicPr>
+        <p:blipFill>
+          <a:blip r:embed="rId3">
+            <a:extLst>
+              <a:ext uri="{28A0092B-C50C-407E-A947-70E740481C1C}">
+                <a14:useLocalDpi xmlns:a14="http://schemas.microsoft.com/office/drawing/2010/main" val="0"/>
+              </a:ext>
+            </a:extLst>
+          </a:blip>
+          <a:stretch>
+            <a:fillRect/>
+          </a:stretch>
+        </p:blipFill>
+        <p:spPr>
+          <a:xfrm>
+            <a:off x="6221738" y="1565024"/>
+            <a:ext cx="5257800" cy="4279000"/>
+          </a:xfrm>
+          <a:prstGeom prst="rect">
+            <a:avLst/>
+          </a:prstGeom>
+        </p:spPr>
+      </p:pic>
+    </p:spTree>
+    <p:extLst>
+      <p:ext uri="{BB962C8B-B14F-4D97-AF65-F5344CB8AC3E}">
+        <p14:creationId xmlns:p14="http://schemas.microsoft.com/office/powerpoint/2010/main" val="1789498489"/>
+      </p:ext>
+    </p:extLst>
+  </p:cSld>
+  <p:clrMapOvr>
+    <a:masterClrMapping/>
+  </p:clrMapOvr>
+</p:sld>
+</file>
+
 <file path=ppt/slides/slide2.xml><?xml version="1.0" encoding="utf-8"?>
 <p:sld xmlns:a="http://schemas.openxmlformats.org/drawingml/2006/main" xmlns:r="http://schemas.openxmlformats.org/officeDocument/2006/relationships" xmlns:p="http://schemas.openxmlformats.org/presentationml/2006/main">
   <p:cSld>
@@ -6405,6 +9065,894 @@
     <p:extLst>
       <p:ext uri="{BB962C8B-B14F-4D97-AF65-F5344CB8AC3E}">
         <p14:creationId xmlns:p14="http://schemas.microsoft.com/office/powerpoint/2010/main" val="872559004"/>
+      </p:ext>
+    </p:extLst>
+  </p:cSld>
+  <p:clrMapOvr>
+    <a:masterClrMapping/>
+  </p:clrMapOvr>
+</p:sld>
+</file>
+
+<file path=ppt/slides/slide20.xml><?xml version="1.0" encoding="utf-8"?>
+<p:sld xmlns:a="http://schemas.openxmlformats.org/drawingml/2006/main" xmlns:r="http://schemas.openxmlformats.org/officeDocument/2006/relationships" xmlns:p="http://schemas.openxmlformats.org/presentationml/2006/main">
+  <p:cSld>
+    <p:spTree>
+      <p:nvGrpSpPr>
+        <p:cNvPr id="1" name=""/>
+        <p:cNvGrpSpPr/>
+        <p:nvPr/>
+      </p:nvGrpSpPr>
+      <p:grpSpPr>
+        <a:xfrm>
+          <a:off x="0" y="0"/>
+          <a:ext cx="0" cy="0"/>
+          <a:chOff x="0" y="0"/>
+          <a:chExt cx="0" cy="0"/>
+        </a:xfrm>
+      </p:grpSpPr>
+      <p:sp>
+        <p:nvSpPr>
+          <p:cNvPr id="2" name="Title 1">
+            <a:extLst>
+              <a:ext uri="{FF2B5EF4-FFF2-40B4-BE49-F238E27FC236}">
+                <a16:creationId xmlns:a16="http://schemas.microsoft.com/office/drawing/2014/main" id="{5FA92E7E-ADAC-9CF6-FBAD-455FD9799F37}"/>
+              </a:ext>
+            </a:extLst>
+          </p:cNvPr>
+          <p:cNvSpPr>
+            <a:spLocks noGrp="1"/>
+          </p:cNvSpPr>
+          <p:nvPr>
+            <p:ph type="title"/>
+          </p:nvPr>
+        </p:nvSpPr>
+        <p:spPr/>
+        <p:txBody>
+          <a:bodyPr/>
+          <a:lstStyle/>
+          <a:p>
+            <a:r>
+              <a:rPr lang="de-DE" dirty="0"/>
+              <a:t>Z-Werte /  Altersgruppen</a:t>
+            </a:r>
+          </a:p>
+        </p:txBody>
+      </p:sp>
+      <p:sp>
+        <p:nvSpPr>
+          <p:cNvPr id="10" name="TextBox 9">
+            <a:extLst>
+              <a:ext uri="{FF2B5EF4-FFF2-40B4-BE49-F238E27FC236}">
+                <a16:creationId xmlns:a16="http://schemas.microsoft.com/office/drawing/2014/main" id="{140A12DA-0ECD-8045-A50A-F11B9BEC367D}"/>
+              </a:ext>
+            </a:extLst>
+          </p:cNvPr>
+          <p:cNvSpPr txBox="1"/>
+          <p:nvPr/>
+        </p:nvSpPr>
+        <p:spPr>
+          <a:xfrm>
+            <a:off x="538947" y="5845026"/>
+            <a:ext cx="8630932" cy="646331"/>
+          </a:xfrm>
+          <a:prstGeom prst="rect">
+            <a:avLst/>
+          </a:prstGeom>
+          <a:noFill/>
+        </p:spPr>
+        <p:txBody>
+          <a:bodyPr wrap="square" rtlCol="0">
+            <a:spAutoFit/>
+          </a:bodyPr>
+          <a:lstStyle/>
+          <a:p>
+            <a:r>
+              <a:rPr lang="de-DE" dirty="0"/>
+              <a:t>Abb1: Kein signifikanter Unterschied</a:t>
+            </a:r>
+          </a:p>
+          <a:p>
+            <a:r>
+              <a:rPr lang="de-DE" dirty="0"/>
+              <a:t>Abb2: Keine signifikanten Unterschiede</a:t>
+            </a:r>
+          </a:p>
+        </p:txBody>
+      </p:sp>
+      <p:graphicFrame>
+        <p:nvGraphicFramePr>
+          <p:cNvPr id="3" name="Table 2">
+            <a:extLst>
+              <a:ext uri="{FF2B5EF4-FFF2-40B4-BE49-F238E27FC236}">
+                <a16:creationId xmlns:a16="http://schemas.microsoft.com/office/drawing/2014/main" id="{70DBC8CE-DE5E-0FDE-3D38-949082C23832}"/>
+              </a:ext>
+            </a:extLst>
+          </p:cNvPr>
+          <p:cNvGraphicFramePr>
+            <a:graphicFrameLocks noGrp="1"/>
+          </p:cNvGraphicFramePr>
+          <p:nvPr>
+            <p:extLst>
+              <p:ext uri="{D42A27DB-BD31-4B8C-83A1-F6EECF244321}">
+                <p14:modId xmlns:p14="http://schemas.microsoft.com/office/powerpoint/2010/main" val="1906025911"/>
+              </p:ext>
+            </p:extLst>
+          </p:nvPr>
+        </p:nvGraphicFramePr>
+        <p:xfrm>
+          <a:off x="8849619" y="0"/>
+          <a:ext cx="4015242" cy="1830252"/>
+        </p:xfrm>
+        <a:graphic>
+          <a:graphicData uri="http://schemas.openxmlformats.org/drawingml/2006/table">
+            <a:tbl>
+              <a:tblPr firstRow="1" bandRow="1">
+                <a:tableStyleId>{5C22544A-7EE6-4342-B048-85BDC9FD1C3A}</a:tableStyleId>
+              </a:tblPr>
+              <a:tblGrid>
+                <a:gridCol w="1338414">
+                  <a:extLst>
+                    <a:ext uri="{9D8B030D-6E8A-4147-A177-3AD203B41FA5}">
+                      <a16:colId xmlns:a16="http://schemas.microsoft.com/office/drawing/2014/main" val="2087661091"/>
+                    </a:ext>
+                  </a:extLst>
+                </a:gridCol>
+                <a:gridCol w="1338414">
+                  <a:extLst>
+                    <a:ext uri="{9D8B030D-6E8A-4147-A177-3AD203B41FA5}">
+                      <a16:colId xmlns:a16="http://schemas.microsoft.com/office/drawing/2014/main" val="4161442789"/>
+                    </a:ext>
+                  </a:extLst>
+                </a:gridCol>
+                <a:gridCol w="1338414">
+                  <a:extLst>
+                    <a:ext uri="{9D8B030D-6E8A-4147-A177-3AD203B41FA5}">
+                      <a16:colId xmlns:a16="http://schemas.microsoft.com/office/drawing/2014/main" val="1065804868"/>
+                    </a:ext>
+                  </a:extLst>
+                </a:gridCol>
+              </a:tblGrid>
+              <a:tr h="595086">
+                <a:tc>
+                  <a:txBody>
+                    <a:bodyPr/>
+                    <a:lstStyle/>
+                    <a:p>
+                      <a:endParaRPr lang="de-DE" dirty="0">
+                        <a:solidFill>
+                          <a:schemeClr val="tx1"/>
+                        </a:solidFill>
+                      </a:endParaRPr>
+                    </a:p>
+                  </a:txBody>
+                  <a:tcPr>
+                    <a:noFill/>
+                  </a:tcPr>
+                </a:tc>
+                <a:tc>
+                  <a:txBody>
+                    <a:bodyPr/>
+                    <a:lstStyle/>
+                    <a:p>
+                      <a:r>
+                        <a:rPr lang="de-DE" dirty="0">
+                          <a:solidFill>
+                            <a:schemeClr val="tx1"/>
+                          </a:solidFill>
+                        </a:rPr>
+                        <a:t>Without</a:t>
+                      </a:r>
+                      <a:br>
+                        <a:rPr lang="de-DE" dirty="0">
+                          <a:solidFill>
+                            <a:schemeClr val="tx1"/>
+                          </a:solidFill>
+                        </a:rPr>
+                      </a:br>
+                      <a:r>
+                        <a:rPr lang="de-DE" dirty="0">
+                          <a:solidFill>
+                            <a:schemeClr val="tx1"/>
+                          </a:solidFill>
+                        </a:rPr>
+                        <a:t>PCS</a:t>
+                      </a:r>
+                    </a:p>
+                  </a:txBody>
+                  <a:tcPr>
+                    <a:noFill/>
+                  </a:tcPr>
+                </a:tc>
+                <a:tc>
+                  <a:txBody>
+                    <a:bodyPr/>
+                    <a:lstStyle/>
+                    <a:p>
+                      <a:r>
+                        <a:rPr lang="de-DE" dirty="0">
+                          <a:solidFill>
+                            <a:schemeClr val="tx1"/>
+                          </a:solidFill>
+                        </a:rPr>
+                        <a:t>With</a:t>
+                      </a:r>
+                      <a:br>
+                        <a:rPr lang="de-DE" dirty="0">
+                          <a:solidFill>
+                            <a:schemeClr val="tx1"/>
+                          </a:solidFill>
+                        </a:rPr>
+                      </a:br>
+                      <a:r>
+                        <a:rPr lang="de-DE" dirty="0">
+                          <a:solidFill>
+                            <a:schemeClr val="tx1"/>
+                          </a:solidFill>
+                        </a:rPr>
+                        <a:t>PCS</a:t>
+                      </a:r>
+                    </a:p>
+                  </a:txBody>
+                  <a:tcPr>
+                    <a:noFill/>
+                  </a:tcPr>
+                </a:tc>
+                <a:extLst>
+                  <a:ext uri="{0D108BD9-81ED-4DB2-BD59-A6C34878D82A}">
+                    <a16:rowId xmlns:a16="http://schemas.microsoft.com/office/drawing/2014/main" val="3931383551"/>
+                  </a:ext>
+                </a:extLst>
+              </a:tr>
+              <a:tr h="595086">
+                <a:tc>
+                  <a:txBody>
+                    <a:bodyPr/>
+                    <a:lstStyle/>
+                    <a:p>
+                      <a:r>
+                        <a:rPr lang="de-DE" dirty="0">
+                          <a:solidFill>
+                            <a:srgbClr val="FF0000"/>
+                          </a:solidFill>
+                        </a:rPr>
+                        <a:t>Cluster 1</a:t>
+                      </a:r>
+                    </a:p>
+                  </a:txBody>
+                  <a:tcPr>
+                    <a:noFill/>
+                  </a:tcPr>
+                </a:tc>
+                <a:tc>
+                  <a:txBody>
+                    <a:bodyPr/>
+                    <a:lstStyle/>
+                    <a:p>
+                      <a:r>
+                        <a:rPr lang="de-DE" dirty="0">
+                          <a:solidFill>
+                            <a:srgbClr val="FF0000"/>
+                          </a:solidFill>
+                        </a:rPr>
+                        <a:t>11</a:t>
+                      </a:r>
+                    </a:p>
+                  </a:txBody>
+                  <a:tcPr>
+                    <a:noFill/>
+                  </a:tcPr>
+                </a:tc>
+                <a:tc>
+                  <a:txBody>
+                    <a:bodyPr/>
+                    <a:lstStyle/>
+                    <a:p>
+                      <a:r>
+                        <a:rPr lang="de-DE" dirty="0">
+                          <a:solidFill>
+                            <a:srgbClr val="FF0000"/>
+                          </a:solidFill>
+                        </a:rPr>
+                        <a:t>38</a:t>
+                      </a:r>
+                    </a:p>
+                  </a:txBody>
+                  <a:tcPr>
+                    <a:noFill/>
+                  </a:tcPr>
+                </a:tc>
+                <a:extLst>
+                  <a:ext uri="{0D108BD9-81ED-4DB2-BD59-A6C34878D82A}">
+                    <a16:rowId xmlns:a16="http://schemas.microsoft.com/office/drawing/2014/main" val="3140929958"/>
+                  </a:ext>
+                </a:extLst>
+              </a:tr>
+              <a:tr h="595086">
+                <a:tc>
+                  <a:txBody>
+                    <a:bodyPr/>
+                    <a:lstStyle/>
+                    <a:p>
+                      <a:r>
+                        <a:rPr lang="de-DE" dirty="0">
+                          <a:solidFill>
+                            <a:srgbClr val="00B050"/>
+                          </a:solidFill>
+                        </a:rPr>
+                        <a:t>Cluster 2</a:t>
+                      </a:r>
+                    </a:p>
+                  </a:txBody>
+                  <a:tcPr>
+                    <a:noFill/>
+                  </a:tcPr>
+                </a:tc>
+                <a:tc>
+                  <a:txBody>
+                    <a:bodyPr/>
+                    <a:lstStyle/>
+                    <a:p>
+                      <a:r>
+                        <a:rPr lang="de-DE" dirty="0">
+                          <a:solidFill>
+                            <a:srgbClr val="00B050"/>
+                          </a:solidFill>
+                        </a:rPr>
+                        <a:t>16</a:t>
+                      </a:r>
+                    </a:p>
+                  </a:txBody>
+                  <a:tcPr>
+                    <a:noFill/>
+                  </a:tcPr>
+                </a:tc>
+                <a:tc>
+                  <a:txBody>
+                    <a:bodyPr/>
+                    <a:lstStyle/>
+                    <a:p>
+                      <a:r>
+                        <a:rPr lang="de-DE" dirty="0">
+                          <a:solidFill>
+                            <a:srgbClr val="00B050"/>
+                          </a:solidFill>
+                        </a:rPr>
+                        <a:t>5</a:t>
+                      </a:r>
+                    </a:p>
+                  </a:txBody>
+                  <a:tcPr>
+                    <a:noFill/>
+                  </a:tcPr>
+                </a:tc>
+                <a:extLst>
+                  <a:ext uri="{0D108BD9-81ED-4DB2-BD59-A6C34878D82A}">
+                    <a16:rowId xmlns:a16="http://schemas.microsoft.com/office/drawing/2014/main" val="2462120241"/>
+                  </a:ext>
+                </a:extLst>
+              </a:tr>
+            </a:tbl>
+          </a:graphicData>
+        </a:graphic>
+      </p:graphicFrame>
+      <p:pic>
+        <p:nvPicPr>
+          <p:cNvPr id="6" name="Picture 5" descr="A graph with a number of boxes&#10;&#10;Description automatically generated with medium confidence">
+            <a:extLst>
+              <a:ext uri="{FF2B5EF4-FFF2-40B4-BE49-F238E27FC236}">
+                <a16:creationId xmlns:a16="http://schemas.microsoft.com/office/drawing/2014/main" id="{8F8ABC94-AF77-A354-ABB3-F85818ADBDF9}"/>
+              </a:ext>
+            </a:extLst>
+          </p:cNvPr>
+          <p:cNvPicPr>
+            <a:picLocks noChangeAspect="1"/>
+          </p:cNvPicPr>
+          <p:nvPr/>
+        </p:nvPicPr>
+        <p:blipFill>
+          <a:blip r:embed="rId2">
+            <a:extLst>
+              <a:ext uri="{28A0092B-C50C-407E-A947-70E740481C1C}">
+                <a14:useLocalDpi xmlns:a14="http://schemas.microsoft.com/office/drawing/2010/main" val="0"/>
+              </a:ext>
+            </a:extLst>
+          </a:blip>
+          <a:stretch>
+            <a:fillRect/>
+          </a:stretch>
+        </p:blipFill>
+        <p:spPr>
+          <a:xfrm>
+            <a:off x="551144" y="1564021"/>
+            <a:ext cx="5260263" cy="4281005"/>
+          </a:xfrm>
+          <a:prstGeom prst="rect">
+            <a:avLst/>
+          </a:prstGeom>
+        </p:spPr>
+      </p:pic>
+      <p:pic>
+        <p:nvPicPr>
+          <p:cNvPr id="11" name="Picture 10" descr="A graph with red blue and green squares&#10;&#10;Description automatically generated">
+            <a:extLst>
+              <a:ext uri="{FF2B5EF4-FFF2-40B4-BE49-F238E27FC236}">
+                <a16:creationId xmlns:a16="http://schemas.microsoft.com/office/drawing/2014/main" id="{1239839B-871C-EF82-6759-1F12FF94F07E}"/>
+              </a:ext>
+            </a:extLst>
+          </p:cNvPr>
+          <p:cNvPicPr>
+            <a:picLocks noChangeAspect="1"/>
+          </p:cNvPicPr>
+          <p:nvPr/>
+        </p:nvPicPr>
+        <p:blipFill>
+          <a:blip r:embed="rId3">
+            <a:extLst>
+              <a:ext uri="{28A0092B-C50C-407E-A947-70E740481C1C}">
+                <a14:useLocalDpi xmlns:a14="http://schemas.microsoft.com/office/drawing/2010/main" val="0"/>
+              </a:ext>
+            </a:extLst>
+          </a:blip>
+          <a:stretch>
+            <a:fillRect/>
+          </a:stretch>
+        </p:blipFill>
+        <p:spPr>
+          <a:xfrm>
+            <a:off x="5928440" y="1564020"/>
+            <a:ext cx="5260263" cy="4281005"/>
+          </a:xfrm>
+          <a:prstGeom prst="rect">
+            <a:avLst/>
+          </a:prstGeom>
+        </p:spPr>
+      </p:pic>
+    </p:spTree>
+    <p:extLst>
+      <p:ext uri="{BB962C8B-B14F-4D97-AF65-F5344CB8AC3E}">
+        <p14:creationId xmlns:p14="http://schemas.microsoft.com/office/powerpoint/2010/main" val="214675977"/>
+      </p:ext>
+    </p:extLst>
+  </p:cSld>
+  <p:clrMapOvr>
+    <a:masterClrMapping/>
+  </p:clrMapOvr>
+</p:sld>
+</file>
+
+<file path=ppt/slides/slide21.xml><?xml version="1.0" encoding="utf-8"?>
+<p:sld xmlns:a="http://schemas.openxmlformats.org/drawingml/2006/main" xmlns:r="http://schemas.openxmlformats.org/officeDocument/2006/relationships" xmlns:p="http://schemas.openxmlformats.org/presentationml/2006/main">
+  <p:cSld>
+    <p:spTree>
+      <p:nvGrpSpPr>
+        <p:cNvPr id="1" name=""/>
+        <p:cNvGrpSpPr/>
+        <p:nvPr/>
+      </p:nvGrpSpPr>
+      <p:grpSpPr>
+        <a:xfrm>
+          <a:off x="0" y="0"/>
+          <a:ext cx="0" cy="0"/>
+          <a:chOff x="0" y="0"/>
+          <a:chExt cx="0" cy="0"/>
+        </a:xfrm>
+      </p:grpSpPr>
+      <p:sp>
+        <p:nvSpPr>
+          <p:cNvPr id="2" name="Title 1">
+            <a:extLst>
+              <a:ext uri="{FF2B5EF4-FFF2-40B4-BE49-F238E27FC236}">
+                <a16:creationId xmlns:a16="http://schemas.microsoft.com/office/drawing/2014/main" id="{5FA92E7E-ADAC-9CF6-FBAD-455FD9799F37}"/>
+              </a:ext>
+            </a:extLst>
+          </p:cNvPr>
+          <p:cNvSpPr>
+            <a:spLocks noGrp="1"/>
+          </p:cNvSpPr>
+          <p:nvPr>
+            <p:ph type="title"/>
+          </p:nvPr>
+        </p:nvSpPr>
+        <p:spPr/>
+        <p:txBody>
+          <a:bodyPr/>
+          <a:lstStyle/>
+          <a:p>
+            <a:r>
+              <a:rPr lang="de-DE" dirty="0"/>
+              <a:t>Z-Werte /  Altersgruppen</a:t>
+            </a:r>
+          </a:p>
+        </p:txBody>
+      </p:sp>
+      <p:sp>
+        <p:nvSpPr>
+          <p:cNvPr id="10" name="TextBox 9">
+            <a:extLst>
+              <a:ext uri="{FF2B5EF4-FFF2-40B4-BE49-F238E27FC236}">
+                <a16:creationId xmlns:a16="http://schemas.microsoft.com/office/drawing/2014/main" id="{140A12DA-0ECD-8045-A50A-F11B9BEC367D}"/>
+              </a:ext>
+            </a:extLst>
+          </p:cNvPr>
+          <p:cNvSpPr txBox="1"/>
+          <p:nvPr/>
+        </p:nvSpPr>
+        <p:spPr>
+          <a:xfrm>
+            <a:off x="538947" y="5845026"/>
+            <a:ext cx="8630932" cy="923330"/>
+          </a:xfrm>
+          <a:prstGeom prst="rect">
+            <a:avLst/>
+          </a:prstGeom>
+          <a:noFill/>
+        </p:spPr>
+        <p:txBody>
+          <a:bodyPr wrap="square" rtlCol="0">
+            <a:spAutoFit/>
+          </a:bodyPr>
+          <a:lstStyle/>
+          <a:p>
+            <a:r>
+              <a:rPr lang="de-DE" dirty="0"/>
+              <a:t>Abb1: Signifikanter Unterschied im facit</a:t>
+            </a:r>
+          </a:p>
+          <a:p>
+            <a:r>
+              <a:rPr lang="de-DE" dirty="0"/>
+              <a:t>Abb2: Signifikanter Unterschied im facit innerhalb C1 &amp; C2. Signifikanter Unterschied im hads_a/psqi innerhalb C2. </a:t>
+            </a:r>
+          </a:p>
+        </p:txBody>
+      </p:sp>
+      <p:graphicFrame>
+        <p:nvGraphicFramePr>
+          <p:cNvPr id="3" name="Table 2">
+            <a:extLst>
+              <a:ext uri="{FF2B5EF4-FFF2-40B4-BE49-F238E27FC236}">
+                <a16:creationId xmlns:a16="http://schemas.microsoft.com/office/drawing/2014/main" id="{70DBC8CE-DE5E-0FDE-3D38-949082C23832}"/>
+              </a:ext>
+            </a:extLst>
+          </p:cNvPr>
+          <p:cNvGraphicFramePr>
+            <a:graphicFrameLocks noGrp="1"/>
+          </p:cNvGraphicFramePr>
+          <p:nvPr/>
+        </p:nvGraphicFramePr>
+        <p:xfrm>
+          <a:off x="8849619" y="0"/>
+          <a:ext cx="4015242" cy="1830252"/>
+        </p:xfrm>
+        <a:graphic>
+          <a:graphicData uri="http://schemas.openxmlformats.org/drawingml/2006/table">
+            <a:tbl>
+              <a:tblPr firstRow="1" bandRow="1">
+                <a:tableStyleId>{5C22544A-7EE6-4342-B048-85BDC9FD1C3A}</a:tableStyleId>
+              </a:tblPr>
+              <a:tblGrid>
+                <a:gridCol w="1338414">
+                  <a:extLst>
+                    <a:ext uri="{9D8B030D-6E8A-4147-A177-3AD203B41FA5}">
+                      <a16:colId xmlns:a16="http://schemas.microsoft.com/office/drawing/2014/main" val="2087661091"/>
+                    </a:ext>
+                  </a:extLst>
+                </a:gridCol>
+                <a:gridCol w="1338414">
+                  <a:extLst>
+                    <a:ext uri="{9D8B030D-6E8A-4147-A177-3AD203B41FA5}">
+                      <a16:colId xmlns:a16="http://schemas.microsoft.com/office/drawing/2014/main" val="4161442789"/>
+                    </a:ext>
+                  </a:extLst>
+                </a:gridCol>
+                <a:gridCol w="1338414">
+                  <a:extLst>
+                    <a:ext uri="{9D8B030D-6E8A-4147-A177-3AD203B41FA5}">
+                      <a16:colId xmlns:a16="http://schemas.microsoft.com/office/drawing/2014/main" val="1065804868"/>
+                    </a:ext>
+                  </a:extLst>
+                </a:gridCol>
+              </a:tblGrid>
+              <a:tr h="595086">
+                <a:tc>
+                  <a:txBody>
+                    <a:bodyPr/>
+                    <a:lstStyle/>
+                    <a:p>
+                      <a:endParaRPr lang="de-DE" dirty="0">
+                        <a:solidFill>
+                          <a:schemeClr val="tx1"/>
+                        </a:solidFill>
+                      </a:endParaRPr>
+                    </a:p>
+                  </a:txBody>
+                  <a:tcPr>
+                    <a:noFill/>
+                  </a:tcPr>
+                </a:tc>
+                <a:tc>
+                  <a:txBody>
+                    <a:bodyPr/>
+                    <a:lstStyle/>
+                    <a:p>
+                      <a:r>
+                        <a:rPr lang="de-DE" dirty="0">
+                          <a:solidFill>
+                            <a:schemeClr val="tx1"/>
+                          </a:solidFill>
+                        </a:rPr>
+                        <a:t>Without</a:t>
+                      </a:r>
+                      <a:br>
+                        <a:rPr lang="de-DE" dirty="0">
+                          <a:solidFill>
+                            <a:schemeClr val="tx1"/>
+                          </a:solidFill>
+                        </a:rPr>
+                      </a:br>
+                      <a:r>
+                        <a:rPr lang="de-DE" dirty="0">
+                          <a:solidFill>
+                            <a:schemeClr val="tx1"/>
+                          </a:solidFill>
+                        </a:rPr>
+                        <a:t>PCS</a:t>
+                      </a:r>
+                    </a:p>
+                  </a:txBody>
+                  <a:tcPr>
+                    <a:noFill/>
+                  </a:tcPr>
+                </a:tc>
+                <a:tc>
+                  <a:txBody>
+                    <a:bodyPr/>
+                    <a:lstStyle/>
+                    <a:p>
+                      <a:r>
+                        <a:rPr lang="de-DE" dirty="0">
+                          <a:solidFill>
+                            <a:schemeClr val="tx1"/>
+                          </a:solidFill>
+                        </a:rPr>
+                        <a:t>With</a:t>
+                      </a:r>
+                      <a:br>
+                        <a:rPr lang="de-DE" dirty="0">
+                          <a:solidFill>
+                            <a:schemeClr val="tx1"/>
+                          </a:solidFill>
+                        </a:rPr>
+                      </a:br>
+                      <a:r>
+                        <a:rPr lang="de-DE" dirty="0">
+                          <a:solidFill>
+                            <a:schemeClr val="tx1"/>
+                          </a:solidFill>
+                        </a:rPr>
+                        <a:t>PCS</a:t>
+                      </a:r>
+                    </a:p>
+                  </a:txBody>
+                  <a:tcPr>
+                    <a:noFill/>
+                  </a:tcPr>
+                </a:tc>
+                <a:extLst>
+                  <a:ext uri="{0D108BD9-81ED-4DB2-BD59-A6C34878D82A}">
+                    <a16:rowId xmlns:a16="http://schemas.microsoft.com/office/drawing/2014/main" val="3931383551"/>
+                  </a:ext>
+                </a:extLst>
+              </a:tr>
+              <a:tr h="595086">
+                <a:tc>
+                  <a:txBody>
+                    <a:bodyPr/>
+                    <a:lstStyle/>
+                    <a:p>
+                      <a:r>
+                        <a:rPr lang="de-DE" dirty="0">
+                          <a:solidFill>
+                            <a:srgbClr val="FF0000"/>
+                          </a:solidFill>
+                        </a:rPr>
+                        <a:t>Cluster 1</a:t>
+                      </a:r>
+                    </a:p>
+                  </a:txBody>
+                  <a:tcPr>
+                    <a:noFill/>
+                  </a:tcPr>
+                </a:tc>
+                <a:tc>
+                  <a:txBody>
+                    <a:bodyPr/>
+                    <a:lstStyle/>
+                    <a:p>
+                      <a:r>
+                        <a:rPr lang="de-DE" dirty="0">
+                          <a:solidFill>
+                            <a:srgbClr val="FF0000"/>
+                          </a:solidFill>
+                        </a:rPr>
+                        <a:t>11</a:t>
+                      </a:r>
+                    </a:p>
+                  </a:txBody>
+                  <a:tcPr>
+                    <a:noFill/>
+                  </a:tcPr>
+                </a:tc>
+                <a:tc>
+                  <a:txBody>
+                    <a:bodyPr/>
+                    <a:lstStyle/>
+                    <a:p>
+                      <a:r>
+                        <a:rPr lang="de-DE" dirty="0">
+                          <a:solidFill>
+                            <a:srgbClr val="FF0000"/>
+                          </a:solidFill>
+                        </a:rPr>
+                        <a:t>38</a:t>
+                      </a:r>
+                    </a:p>
+                  </a:txBody>
+                  <a:tcPr>
+                    <a:noFill/>
+                  </a:tcPr>
+                </a:tc>
+                <a:extLst>
+                  <a:ext uri="{0D108BD9-81ED-4DB2-BD59-A6C34878D82A}">
+                    <a16:rowId xmlns:a16="http://schemas.microsoft.com/office/drawing/2014/main" val="3140929958"/>
+                  </a:ext>
+                </a:extLst>
+              </a:tr>
+              <a:tr h="595086">
+                <a:tc>
+                  <a:txBody>
+                    <a:bodyPr/>
+                    <a:lstStyle/>
+                    <a:p>
+                      <a:r>
+                        <a:rPr lang="de-DE" dirty="0">
+                          <a:solidFill>
+                            <a:srgbClr val="00B050"/>
+                          </a:solidFill>
+                        </a:rPr>
+                        <a:t>Cluster 2</a:t>
+                      </a:r>
+                    </a:p>
+                  </a:txBody>
+                  <a:tcPr>
+                    <a:noFill/>
+                  </a:tcPr>
+                </a:tc>
+                <a:tc>
+                  <a:txBody>
+                    <a:bodyPr/>
+                    <a:lstStyle/>
+                    <a:p>
+                      <a:r>
+                        <a:rPr lang="de-DE" dirty="0">
+                          <a:solidFill>
+                            <a:srgbClr val="00B050"/>
+                          </a:solidFill>
+                        </a:rPr>
+                        <a:t>16</a:t>
+                      </a:r>
+                    </a:p>
+                  </a:txBody>
+                  <a:tcPr>
+                    <a:noFill/>
+                  </a:tcPr>
+                </a:tc>
+                <a:tc>
+                  <a:txBody>
+                    <a:bodyPr/>
+                    <a:lstStyle/>
+                    <a:p>
+                      <a:r>
+                        <a:rPr lang="de-DE" dirty="0">
+                          <a:solidFill>
+                            <a:srgbClr val="00B050"/>
+                          </a:solidFill>
+                        </a:rPr>
+                        <a:t>5</a:t>
+                      </a:r>
+                    </a:p>
+                  </a:txBody>
+                  <a:tcPr>
+                    <a:noFill/>
+                  </a:tcPr>
+                </a:tc>
+                <a:extLst>
+                  <a:ext uri="{0D108BD9-81ED-4DB2-BD59-A6C34878D82A}">
+                    <a16:rowId xmlns:a16="http://schemas.microsoft.com/office/drawing/2014/main" val="2462120241"/>
+                  </a:ext>
+                </a:extLst>
+              </a:tr>
+            </a:tbl>
+          </a:graphicData>
+        </a:graphic>
+      </p:graphicFrame>
+      <p:pic>
+        <p:nvPicPr>
+          <p:cNvPr id="5" name="Picture 4" descr="A group of graphs with text&#10;&#10;Description automatically generated">
+            <a:extLst>
+              <a:ext uri="{FF2B5EF4-FFF2-40B4-BE49-F238E27FC236}">
+                <a16:creationId xmlns:a16="http://schemas.microsoft.com/office/drawing/2014/main" id="{91B18718-1926-B1A8-6516-458A9367FB84}"/>
+              </a:ext>
+            </a:extLst>
+          </p:cNvPr>
+          <p:cNvPicPr>
+            <a:picLocks noChangeAspect="1"/>
+          </p:cNvPicPr>
+          <p:nvPr/>
+        </p:nvPicPr>
+        <p:blipFill>
+          <a:blip r:embed="rId2">
+            <a:extLst>
+              <a:ext uri="{28A0092B-C50C-407E-A947-70E740481C1C}">
+                <a14:useLocalDpi xmlns:a14="http://schemas.microsoft.com/office/drawing/2010/main" val="0"/>
+              </a:ext>
+            </a:extLst>
+          </a:blip>
+          <a:stretch>
+            <a:fillRect/>
+          </a:stretch>
+        </p:blipFill>
+        <p:spPr>
+          <a:xfrm>
+            <a:off x="538947" y="1564019"/>
+            <a:ext cx="5260263" cy="4281005"/>
+          </a:xfrm>
+          <a:prstGeom prst="rect">
+            <a:avLst/>
+          </a:prstGeom>
+        </p:spPr>
+      </p:pic>
+      <p:pic>
+        <p:nvPicPr>
+          <p:cNvPr id="8" name="Picture 7" descr="A group of colored boxes with text&#10;&#10;Description automatically generated with medium confidence">
+            <a:extLst>
+              <a:ext uri="{FF2B5EF4-FFF2-40B4-BE49-F238E27FC236}">
+                <a16:creationId xmlns:a16="http://schemas.microsoft.com/office/drawing/2014/main" id="{6EE9C101-1B1A-DC76-DE26-C7A4D7C5A3E9}"/>
+              </a:ext>
+            </a:extLst>
+          </p:cNvPr>
+          <p:cNvPicPr>
+            <a:picLocks noChangeAspect="1"/>
+          </p:cNvPicPr>
+          <p:nvPr/>
+        </p:nvPicPr>
+        <p:blipFill>
+          <a:blip r:embed="rId3">
+            <a:extLst>
+              <a:ext uri="{28A0092B-C50C-407E-A947-70E740481C1C}">
+                <a14:useLocalDpi xmlns:a14="http://schemas.microsoft.com/office/drawing/2010/main" val="0"/>
+              </a:ext>
+            </a:extLst>
+          </a:blip>
+          <a:stretch>
+            <a:fillRect/>
+          </a:stretch>
+        </p:blipFill>
+        <p:spPr>
+          <a:xfrm>
+            <a:off x="6178607" y="1564018"/>
+            <a:ext cx="5260263" cy="4281005"/>
+          </a:xfrm>
+          <a:prstGeom prst="rect">
+            <a:avLst/>
+          </a:prstGeom>
+        </p:spPr>
+      </p:pic>
+    </p:spTree>
+    <p:extLst>
+      <p:ext uri="{BB962C8B-B14F-4D97-AF65-F5344CB8AC3E}">
+        <p14:creationId xmlns:p14="http://schemas.microsoft.com/office/powerpoint/2010/main" val="3115655761"/>
       </p:ext>
     </p:extLst>
   </p:cSld>
@@ -8328,7 +11876,7 @@
           <a:p>
             <a:r>
               <a:rPr lang="de-DE" dirty="0"/>
-              <a:t>Abb2: Unterschied zwischen withPCS C1 &amp; withPCS C2 im tmt_b NICHT signifikant, genau wie zwischen withoutPCS C1 &amp; withoutPCS C2 im tmt_b</a:t>
+              <a:t>Abb2: Unterschied zwischen withPCS C1 &amp; withPCS C2 im tmt_b NICHT signifikant, genau wie zwischen withoutPCS C1 &amp; withoutPCS C2 im tmt_b. Sonst alles signifikant</a:t>
             </a:r>
           </a:p>
         </p:txBody>
@@ -8641,10 +12189,10 @@
       </p:pic>
       <p:pic>
         <p:nvPicPr>
-          <p:cNvPr id="7" name="Picture 6" descr="A group of graphs with text&#10;&#10;Description automatically generated with medium confidence">
-            <a:extLst>
-              <a:ext uri="{FF2B5EF4-FFF2-40B4-BE49-F238E27FC236}">
-                <a16:creationId xmlns:a16="http://schemas.microsoft.com/office/drawing/2014/main" id="{0D9D5D4E-8E5A-1EFF-02A2-FB3C05703FA2}"/>
+          <p:cNvPr id="6" name="Picture 5" descr="A group of data on a white background&#10;&#10;Description automatically generated">
+            <a:extLst>
+              <a:ext uri="{FF2B5EF4-FFF2-40B4-BE49-F238E27FC236}">
+                <a16:creationId xmlns:a16="http://schemas.microsoft.com/office/drawing/2014/main" id="{60B826A2-089C-4A47-2D4C-B276AB49DA80}"/>
               </a:ext>
             </a:extLst>
           </p:cNvPr>
@@ -8654,7 +12202,7 @@
           <p:nvPr/>
         </p:nvPicPr>
         <p:blipFill>
-          <a:blip r:embed="rId2">
+          <a:blip r:embed="rId3">
             <a:extLst>
               <a:ext uri="{28A0092B-C50C-407E-A947-70E740481C1C}">
                 <a14:useLocalDpi xmlns:a14="http://schemas.microsoft.com/office/drawing/2010/main" val="0"/>
@@ -8667,8 +12215,8 @@
         </p:blipFill>
         <p:spPr>
           <a:xfrm>
-            <a:off x="6096000" y="1674074"/>
-            <a:ext cx="5390563" cy="4387048"/>
+            <a:off x="6178606" y="1690688"/>
+            <a:ext cx="5125037" cy="4170952"/>
           </a:xfrm>
           <a:prstGeom prst="rect">
             <a:avLst/>
